--- a/Introduction to Java Programming.pptx
+++ b/Introduction to Java Programming.pptx
@@ -5,10 +5,10 @@
     <p:sldMasterId id="2147483648" r:id="rId1"/>
   </p:sldMasterIdLst>
   <p:notesMasterIdLst>
-    <p:notesMasterId r:id="rId23"/>
+    <p:notesMasterId r:id="rId39"/>
   </p:notesMasterIdLst>
   <p:handoutMasterIdLst>
-    <p:handoutMasterId r:id="rId24"/>
+    <p:handoutMasterId r:id="rId40"/>
   </p:handoutMasterIdLst>
   <p:sldIdLst>
     <p:sldId id="261" r:id="rId2"/>
@@ -16,22 +16,38 @@
     <p:sldId id="262" r:id="rId4"/>
     <p:sldId id="264" r:id="rId5"/>
     <p:sldId id="271" r:id="rId6"/>
-    <p:sldId id="263" r:id="rId7"/>
+    <p:sldId id="287" r:id="rId7"/>
     <p:sldId id="285" r:id="rId8"/>
     <p:sldId id="286" r:id="rId9"/>
-    <p:sldId id="272" r:id="rId10"/>
-    <p:sldId id="273" r:id="rId11"/>
-    <p:sldId id="274" r:id="rId12"/>
-    <p:sldId id="276" r:id="rId13"/>
-    <p:sldId id="277" r:id="rId14"/>
-    <p:sldId id="275" r:id="rId15"/>
-    <p:sldId id="278" r:id="rId16"/>
-    <p:sldId id="279" r:id="rId17"/>
-    <p:sldId id="280" r:id="rId18"/>
-    <p:sldId id="281" r:id="rId19"/>
-    <p:sldId id="282" r:id="rId20"/>
-    <p:sldId id="283" r:id="rId21"/>
-    <p:sldId id="284" r:id="rId22"/>
+    <p:sldId id="288" r:id="rId10"/>
+    <p:sldId id="289" r:id="rId11"/>
+    <p:sldId id="290" r:id="rId12"/>
+    <p:sldId id="291" r:id="rId13"/>
+    <p:sldId id="292" r:id="rId14"/>
+    <p:sldId id="293" r:id="rId15"/>
+    <p:sldId id="294" r:id="rId16"/>
+    <p:sldId id="295" r:id="rId17"/>
+    <p:sldId id="296" r:id="rId18"/>
+    <p:sldId id="297" r:id="rId19"/>
+    <p:sldId id="298" r:id="rId20"/>
+    <p:sldId id="299" r:id="rId21"/>
+    <p:sldId id="300" r:id="rId22"/>
+    <p:sldId id="301" r:id="rId23"/>
+    <p:sldId id="302" r:id="rId24"/>
+    <p:sldId id="303" r:id="rId25"/>
+    <p:sldId id="272" r:id="rId26"/>
+    <p:sldId id="273" r:id="rId27"/>
+    <p:sldId id="274" r:id="rId28"/>
+    <p:sldId id="276" r:id="rId29"/>
+    <p:sldId id="277" r:id="rId30"/>
+    <p:sldId id="275" r:id="rId31"/>
+    <p:sldId id="278" r:id="rId32"/>
+    <p:sldId id="279" r:id="rId33"/>
+    <p:sldId id="280" r:id="rId34"/>
+    <p:sldId id="281" r:id="rId35"/>
+    <p:sldId id="282" r:id="rId36"/>
+    <p:sldId id="283" r:id="rId37"/>
+    <p:sldId id="284" r:id="rId38"/>
   </p:sldIdLst>
   <p:sldSz cx="12192000" cy="6858000"/>
   <p:notesSz cx="6858000" cy="9144000"/>
@@ -140,9 +156,25 @@
             <p14:sldId id="262"/>
             <p14:sldId id="264"/>
             <p14:sldId id="271"/>
-            <p14:sldId id="263"/>
+            <p14:sldId id="287"/>
             <p14:sldId id="285"/>
             <p14:sldId id="286"/>
+            <p14:sldId id="288"/>
+            <p14:sldId id="289"/>
+            <p14:sldId id="290"/>
+            <p14:sldId id="291"/>
+            <p14:sldId id="292"/>
+            <p14:sldId id="293"/>
+            <p14:sldId id="294"/>
+            <p14:sldId id="295"/>
+            <p14:sldId id="296"/>
+            <p14:sldId id="297"/>
+            <p14:sldId id="298"/>
+            <p14:sldId id="299"/>
+            <p14:sldId id="300"/>
+            <p14:sldId id="301"/>
+            <p14:sldId id="302"/>
+            <p14:sldId id="303"/>
             <p14:sldId id="272"/>
             <p14:sldId id="273"/>
             <p14:sldId id="274"/>
@@ -6989,396 +7021,6 @@
         </a:p>
       </dgm:t>
     </dgm:pt>
-    <dgm:pt modelId="{036E7BCA-571E-4DCC-9C00-21071E32B69C}">
-      <dgm:prSet phldrT="[Text]" custT="1"/>
-      <dgm:spPr/>
-      <dgm:t>
-        <a:bodyPr/>
-        <a:lstStyle/>
-        <a:p>
-          <a:r>
-            <a:rPr lang="en-US" sz="2400" dirty="0">
-              <a:latin typeface="Times New Roman" panose="02020603050405020304" pitchFamily="18" charset="0"/>
-              <a:cs typeface="Times New Roman" panose="02020603050405020304" pitchFamily="18" charset="0"/>
-            </a:rPr>
-            <a:t>Java</a:t>
-          </a:r>
-        </a:p>
-      </dgm:t>
-    </dgm:pt>
-    <dgm:pt modelId="{8CFEAB5A-7D27-40FB-8B57-B5A76F13E211}" type="parTrans" cxnId="{86B784D3-536F-4B14-A4AD-12EE367FF703}">
-      <dgm:prSet/>
-      <dgm:spPr/>
-      <dgm:t>
-        <a:bodyPr/>
-        <a:lstStyle/>
-        <a:p>
-          <a:endParaRPr lang="en-US"/>
-        </a:p>
-      </dgm:t>
-    </dgm:pt>
-    <dgm:pt modelId="{4E74C7C9-BA6B-4005-A701-EF20F5E544C4}" type="sibTrans" cxnId="{86B784D3-536F-4B14-A4AD-12EE367FF703}">
-      <dgm:prSet/>
-      <dgm:spPr/>
-      <dgm:t>
-        <a:bodyPr/>
-        <a:lstStyle/>
-        <a:p>
-          <a:endParaRPr lang="en-US"/>
-        </a:p>
-      </dgm:t>
-    </dgm:pt>
-    <dgm:pt modelId="{297A17E1-5702-4AAD-AFF4-3C71A7DE13E9}">
-      <dgm:prSet phldrT="[Text]" custT="1"/>
-      <dgm:spPr/>
-      <dgm:t>
-        <a:bodyPr/>
-        <a:lstStyle/>
-        <a:p>
-          <a:r>
-            <a:rPr lang="en-US" sz="1800" dirty="0">
-              <a:latin typeface="Times New Roman" panose="02020603050405020304" pitchFamily="18" charset="0"/>
-              <a:cs typeface="Times New Roman" panose="02020603050405020304" pitchFamily="18" charset="0"/>
-            </a:rPr>
-            <a:t>Platform independent</a:t>
-          </a:r>
-        </a:p>
-      </dgm:t>
-    </dgm:pt>
-    <dgm:pt modelId="{38E5908C-4532-435C-AB7C-0BB360580B1E}" type="parTrans" cxnId="{AC7C723A-02D9-4B84-B009-08815EAC956B}">
-      <dgm:prSet/>
-      <dgm:spPr/>
-      <dgm:t>
-        <a:bodyPr/>
-        <a:lstStyle/>
-        <a:p>
-          <a:endParaRPr lang="en-US"/>
-        </a:p>
-      </dgm:t>
-    </dgm:pt>
-    <dgm:pt modelId="{83C82F73-FF6A-4A8D-901E-0C94B37D854B}" type="sibTrans" cxnId="{AC7C723A-02D9-4B84-B009-08815EAC956B}">
-      <dgm:prSet/>
-      <dgm:spPr/>
-      <dgm:t>
-        <a:bodyPr/>
-        <a:lstStyle/>
-        <a:p>
-          <a:endParaRPr lang="en-US"/>
-        </a:p>
-      </dgm:t>
-    </dgm:pt>
-    <dgm:pt modelId="{F07BA240-68CA-4065-AD0F-81F847786C63}">
-      <dgm:prSet phldrT="[Text]" custT="1"/>
-      <dgm:spPr/>
-      <dgm:t>
-        <a:bodyPr/>
-        <a:lstStyle/>
-        <a:p>
-          <a:r>
-            <a:rPr lang="en-US" sz="2400" dirty="0">
-              <a:latin typeface="Times New Roman" panose="02020603050405020304" pitchFamily="18" charset="0"/>
-              <a:cs typeface="Times New Roman" panose="02020603050405020304" pitchFamily="18" charset="0"/>
-            </a:rPr>
-            <a:t>C++</a:t>
-          </a:r>
-        </a:p>
-      </dgm:t>
-    </dgm:pt>
-    <dgm:pt modelId="{0CA030C9-FC27-4B2B-BB71-E4FFC2CAD5DF}" type="parTrans" cxnId="{2078E330-20AB-4BCE-8A2B-95FD9CA6EA57}">
-      <dgm:prSet/>
-      <dgm:spPr/>
-      <dgm:t>
-        <a:bodyPr/>
-        <a:lstStyle/>
-        <a:p>
-          <a:endParaRPr lang="en-US"/>
-        </a:p>
-      </dgm:t>
-    </dgm:pt>
-    <dgm:pt modelId="{5C75F3DC-4C9C-43E1-A3A5-017B60075D35}" type="sibTrans" cxnId="{2078E330-20AB-4BCE-8A2B-95FD9CA6EA57}">
-      <dgm:prSet/>
-      <dgm:spPr/>
-      <dgm:t>
-        <a:bodyPr/>
-        <a:lstStyle/>
-        <a:p>
-          <a:endParaRPr lang="en-US"/>
-        </a:p>
-      </dgm:t>
-    </dgm:pt>
-    <dgm:pt modelId="{9D80426C-3C76-4422-A8F5-1DA722EA69E9}">
-      <dgm:prSet phldrT="[Text]" custT="1"/>
-      <dgm:spPr/>
-      <dgm:t>
-        <a:bodyPr/>
-        <a:lstStyle/>
-        <a:p>
-          <a:r>
-            <a:rPr lang="en-US" sz="1800" dirty="0">
-              <a:latin typeface="Times New Roman" panose="02020603050405020304" pitchFamily="18" charset="0"/>
-              <a:cs typeface="Times New Roman" panose="02020603050405020304" pitchFamily="18" charset="0"/>
-            </a:rPr>
-            <a:t>Platform dependent</a:t>
-          </a:r>
-        </a:p>
-      </dgm:t>
-    </dgm:pt>
-    <dgm:pt modelId="{6C5B7778-B7CF-4932-B244-FA7BBAE55F10}" type="parTrans" cxnId="{F70366F9-040E-4CEE-9FC5-BD2DFAD2B40D}">
-      <dgm:prSet/>
-      <dgm:spPr/>
-      <dgm:t>
-        <a:bodyPr/>
-        <a:lstStyle/>
-        <a:p>
-          <a:endParaRPr lang="en-US"/>
-        </a:p>
-      </dgm:t>
-    </dgm:pt>
-    <dgm:pt modelId="{F6F42D66-9AC1-4EB3-B473-F11D0E392B0A}" type="sibTrans" cxnId="{F70366F9-040E-4CEE-9FC5-BD2DFAD2B40D}">
-      <dgm:prSet/>
-      <dgm:spPr/>
-      <dgm:t>
-        <a:bodyPr/>
-        <a:lstStyle/>
-        <a:p>
-          <a:endParaRPr lang="en-US"/>
-        </a:p>
-      </dgm:t>
-    </dgm:pt>
-    <dgm:pt modelId="{F99E5569-802E-4E46-A0E9-F3CD177CCD23}">
-      <dgm:prSet phldrT="[Text]" custT="1"/>
-      <dgm:spPr/>
-      <dgm:t>
-        <a:bodyPr/>
-        <a:lstStyle/>
-        <a:p>
-          <a:r>
-            <a:rPr lang="en-US" sz="1800" dirty="0">
-              <a:latin typeface="Times New Roman" panose="02020603050405020304" pitchFamily="18" charset="0"/>
-              <a:cs typeface="Times New Roman" panose="02020603050405020304" pitchFamily="18" charset="0"/>
-            </a:rPr>
-            <a:t>Automatic garbage collector</a:t>
-          </a:r>
-        </a:p>
-      </dgm:t>
-    </dgm:pt>
-    <dgm:pt modelId="{1078E3DD-74E3-4C47-AFEA-FD5694D33678}" type="parTrans" cxnId="{0F6B5371-2367-484B-BA7C-4035C6C150C9}">
-      <dgm:prSet/>
-      <dgm:spPr/>
-      <dgm:t>
-        <a:bodyPr/>
-        <a:lstStyle/>
-        <a:p>
-          <a:endParaRPr lang="en-US"/>
-        </a:p>
-      </dgm:t>
-    </dgm:pt>
-    <dgm:pt modelId="{B547C131-5B45-4369-AF1E-40D08A9B4446}" type="sibTrans" cxnId="{0F6B5371-2367-484B-BA7C-4035C6C150C9}">
-      <dgm:prSet/>
-      <dgm:spPr/>
-      <dgm:t>
-        <a:bodyPr/>
-        <a:lstStyle/>
-        <a:p>
-          <a:endParaRPr lang="en-US"/>
-        </a:p>
-      </dgm:t>
-    </dgm:pt>
-    <dgm:pt modelId="{73635160-BD0A-490E-8621-6537E6A10F79}">
-      <dgm:prSet phldrT="[Text]" custT="1"/>
-      <dgm:spPr/>
-      <dgm:t>
-        <a:bodyPr/>
-        <a:lstStyle/>
-        <a:p>
-          <a:r>
-            <a:rPr lang="en-US" sz="1800" dirty="0">
-              <a:latin typeface="Times New Roman" panose="02020603050405020304" pitchFamily="18" charset="0"/>
-              <a:cs typeface="Times New Roman" panose="02020603050405020304" pitchFamily="18" charset="0"/>
-            </a:rPr>
-            <a:t>Memory management is handled manually</a:t>
-          </a:r>
-        </a:p>
-      </dgm:t>
-    </dgm:pt>
-    <dgm:pt modelId="{F504C950-8864-4804-A011-3FF548AD8997}" type="parTrans" cxnId="{134A17F0-691B-47E9-9CEA-ADF01637E963}">
-      <dgm:prSet/>
-      <dgm:spPr/>
-      <dgm:t>
-        <a:bodyPr/>
-        <a:lstStyle/>
-        <a:p>
-          <a:endParaRPr lang="en-US"/>
-        </a:p>
-      </dgm:t>
-    </dgm:pt>
-    <dgm:pt modelId="{28164C21-0F0C-46A1-9D47-C29B2BBB8D90}" type="sibTrans" cxnId="{134A17F0-691B-47E9-9CEA-ADF01637E963}">
-      <dgm:prSet/>
-      <dgm:spPr/>
-      <dgm:t>
-        <a:bodyPr/>
-        <a:lstStyle/>
-        <a:p>
-          <a:endParaRPr lang="en-US"/>
-        </a:p>
-      </dgm:t>
-    </dgm:pt>
-    <dgm:pt modelId="{DE7C9AA2-23F6-4844-9705-59186C6FEAE1}">
-      <dgm:prSet phldrT="[Text]" custT="1"/>
-      <dgm:spPr/>
-      <dgm:t>
-        <a:bodyPr/>
-        <a:lstStyle/>
-        <a:p>
-          <a:r>
-            <a:rPr lang="en-US" sz="1800" dirty="0">
-              <a:latin typeface="Times New Roman" panose="02020603050405020304" pitchFamily="18" charset="0"/>
-              <a:cs typeface="Times New Roman" panose="02020603050405020304" pitchFamily="18" charset="0"/>
-            </a:rPr>
-            <a:t>Slow</a:t>
-          </a:r>
-        </a:p>
-      </dgm:t>
-    </dgm:pt>
-    <dgm:pt modelId="{7E646F73-CCD1-41F8-87B3-5841C6713340}" type="parTrans" cxnId="{B6A49C05-4AE7-423A-929C-DED0AC29DD75}">
-      <dgm:prSet/>
-      <dgm:spPr/>
-      <dgm:t>
-        <a:bodyPr/>
-        <a:lstStyle/>
-        <a:p>
-          <a:endParaRPr lang="en-US"/>
-        </a:p>
-      </dgm:t>
-    </dgm:pt>
-    <dgm:pt modelId="{26CEFA0E-6623-4C1C-8C17-4D45ADCA2125}" type="sibTrans" cxnId="{B6A49C05-4AE7-423A-929C-DED0AC29DD75}">
-      <dgm:prSet/>
-      <dgm:spPr/>
-      <dgm:t>
-        <a:bodyPr/>
-        <a:lstStyle/>
-        <a:p>
-          <a:endParaRPr lang="en-US"/>
-        </a:p>
-      </dgm:t>
-    </dgm:pt>
-    <dgm:pt modelId="{521BCE8B-93E7-459F-AC5D-934C4F2C795C}">
-      <dgm:prSet phldrT="[Text]" custT="1"/>
-      <dgm:spPr/>
-      <dgm:t>
-        <a:bodyPr/>
-        <a:lstStyle/>
-        <a:p>
-          <a:r>
-            <a:rPr lang="en-US" sz="1800" dirty="0">
-              <a:latin typeface="Times New Roman" panose="02020603050405020304" pitchFamily="18" charset="0"/>
-              <a:cs typeface="Times New Roman" panose="02020603050405020304" pitchFamily="18" charset="0"/>
-            </a:rPr>
-            <a:t>Fast</a:t>
-          </a:r>
-        </a:p>
-      </dgm:t>
-    </dgm:pt>
-    <dgm:pt modelId="{E07CEC8F-50AD-40F8-B90F-08B97429868F}" type="parTrans" cxnId="{10AA3FAD-4166-4543-8451-B0F5D4E4DB59}">
-      <dgm:prSet/>
-      <dgm:spPr/>
-      <dgm:t>
-        <a:bodyPr/>
-        <a:lstStyle/>
-        <a:p>
-          <a:endParaRPr lang="en-US"/>
-        </a:p>
-      </dgm:t>
-    </dgm:pt>
-    <dgm:pt modelId="{59A6B7E6-8D9A-481D-B9BD-E8709A06A4E3}" type="sibTrans" cxnId="{10AA3FAD-4166-4543-8451-B0F5D4E4DB59}">
-      <dgm:prSet/>
-      <dgm:spPr/>
-      <dgm:t>
-        <a:bodyPr/>
-        <a:lstStyle/>
-        <a:p>
-          <a:endParaRPr lang="en-US"/>
-        </a:p>
-      </dgm:t>
-    </dgm:pt>
-    <dgm:pt modelId="{8FC2EF4E-E9AE-4C4A-BF73-F75B66C12685}">
-      <dgm:prSet phldrT="[Text]" custT="1"/>
-      <dgm:spPr/>
-      <dgm:t>
-        <a:bodyPr/>
-        <a:lstStyle/>
-        <a:p>
-          <a:r>
-            <a:rPr lang="en-US" sz="1800" dirty="0">
-              <a:latin typeface="Times New Roman" panose="02020603050405020304" pitchFamily="18" charset="0"/>
-              <a:cs typeface="Times New Roman" panose="02020603050405020304" pitchFamily="18" charset="0"/>
-            </a:rPr>
-            <a:t>Limited support for pointers</a:t>
-          </a:r>
-        </a:p>
-      </dgm:t>
-    </dgm:pt>
-    <dgm:pt modelId="{90C603D5-B795-4AF4-AF00-C0013DADC9EE}" type="parTrans" cxnId="{9B092F4F-A07E-43DC-814E-5C927715912C}">
-      <dgm:prSet/>
-      <dgm:spPr/>
-      <dgm:t>
-        <a:bodyPr/>
-        <a:lstStyle/>
-        <a:p>
-          <a:endParaRPr lang="en-US"/>
-        </a:p>
-      </dgm:t>
-    </dgm:pt>
-    <dgm:pt modelId="{8B3F1D47-8CF8-4B36-A11F-8C7ABE34B844}" type="sibTrans" cxnId="{9B092F4F-A07E-43DC-814E-5C927715912C}">
-      <dgm:prSet/>
-      <dgm:spPr/>
-      <dgm:t>
-        <a:bodyPr/>
-        <a:lstStyle/>
-        <a:p>
-          <a:endParaRPr lang="en-US"/>
-        </a:p>
-      </dgm:t>
-    </dgm:pt>
-    <dgm:pt modelId="{3995D340-412C-47CC-B792-C30931C4E758}">
-      <dgm:prSet phldrT="[Text]"/>
-      <dgm:spPr/>
-      <dgm:t>
-        <a:bodyPr/>
-        <a:lstStyle/>
-        <a:p>
-          <a:r>
-            <a:rPr lang="en-US" dirty="0">
-              <a:latin typeface="Times New Roman" panose="02020603050405020304" pitchFamily="18" charset="0"/>
-              <a:cs typeface="Times New Roman" panose="02020603050405020304" pitchFamily="18" charset="0"/>
-            </a:rPr>
-            <a:t>Strongly support pointer</a:t>
-          </a:r>
-        </a:p>
-      </dgm:t>
-    </dgm:pt>
-    <dgm:pt modelId="{1C74BFB8-9A48-460A-8196-1E700FC31D81}" type="parTrans" cxnId="{6FE09F4B-EBCA-49A2-970E-D434EFA05EA1}">
-      <dgm:prSet/>
-      <dgm:spPr/>
-      <dgm:t>
-        <a:bodyPr/>
-        <a:lstStyle/>
-        <a:p>
-          <a:endParaRPr lang="en-US"/>
-        </a:p>
-      </dgm:t>
-    </dgm:pt>
-    <dgm:pt modelId="{A2CDFD54-86D5-491E-8063-43F3E2BD5497}" type="sibTrans" cxnId="{6FE09F4B-EBCA-49A2-970E-D434EFA05EA1}">
-      <dgm:prSet/>
-      <dgm:spPr/>
-      <dgm:t>
-        <a:bodyPr/>
-        <a:lstStyle/>
-        <a:p>
-          <a:endParaRPr lang="en-US"/>
-        </a:p>
-      </dgm:t>
-    </dgm:pt>
     <dgm:pt modelId="{7976991C-D35D-42C3-B7E4-93294697E695}" type="pres">
       <dgm:prSet presAssocID="{BC3200AF-6DBA-4464-ADA4-9E19BD2B005C}" presName="diagram" presStyleCnt="0">
         <dgm:presLayoutVars>
@@ -7391,201 +7033,9 @@
       </dgm:prSet>
       <dgm:spPr/>
     </dgm:pt>
-    <dgm:pt modelId="{F6654342-7798-4211-86A9-078762619B37}" type="pres">
-      <dgm:prSet presAssocID="{036E7BCA-571E-4DCC-9C00-21071E32B69C}" presName="root" presStyleCnt="0"/>
-      <dgm:spPr/>
-    </dgm:pt>
-    <dgm:pt modelId="{1F3FEAB0-478F-456B-8847-3B811BD60704}" type="pres">
-      <dgm:prSet presAssocID="{036E7BCA-571E-4DCC-9C00-21071E32B69C}" presName="rootComposite" presStyleCnt="0"/>
-      <dgm:spPr/>
-    </dgm:pt>
-    <dgm:pt modelId="{8AA4988A-4120-4A4B-BC82-23CD3CF54C47}" type="pres">
-      <dgm:prSet presAssocID="{036E7BCA-571E-4DCC-9C00-21071E32B69C}" presName="rootText" presStyleLbl="node1" presStyleIdx="0" presStyleCnt="2" custScaleX="90932" custScaleY="65329"/>
-      <dgm:spPr/>
-    </dgm:pt>
-    <dgm:pt modelId="{0CD2C296-D601-4FE9-BA72-7FE83FE7A65D}" type="pres">
-      <dgm:prSet presAssocID="{036E7BCA-571E-4DCC-9C00-21071E32B69C}" presName="rootConnector" presStyleLbl="node1" presStyleIdx="0" presStyleCnt="2"/>
-      <dgm:spPr/>
-    </dgm:pt>
-    <dgm:pt modelId="{CCE92636-0913-4911-A4BD-F9C8F4C31A8F}" type="pres">
-      <dgm:prSet presAssocID="{036E7BCA-571E-4DCC-9C00-21071E32B69C}" presName="childShape" presStyleCnt="0"/>
-      <dgm:spPr/>
-    </dgm:pt>
-    <dgm:pt modelId="{8FAE2E6C-5C9F-42F9-9462-B1365972F53C}" type="pres">
-      <dgm:prSet presAssocID="{38E5908C-4532-435C-AB7C-0BB360580B1E}" presName="Name13" presStyleLbl="parChTrans1D2" presStyleIdx="0" presStyleCnt="8"/>
-      <dgm:spPr/>
-    </dgm:pt>
-    <dgm:pt modelId="{3AD521EF-46D2-4B80-9FDA-F9643A6544C7}" type="pres">
-      <dgm:prSet presAssocID="{297A17E1-5702-4AAD-AFF4-3C71A7DE13E9}" presName="childText" presStyleLbl="bgAcc1" presStyleIdx="0" presStyleCnt="8" custScaleX="152306" custScaleY="61068">
-        <dgm:presLayoutVars>
-          <dgm:bulletEnabled val="1"/>
-        </dgm:presLayoutVars>
-      </dgm:prSet>
-      <dgm:spPr/>
-    </dgm:pt>
-    <dgm:pt modelId="{CA412FFA-4A8D-429A-980B-561AC0DF5166}" type="pres">
-      <dgm:prSet presAssocID="{1078E3DD-74E3-4C47-AFEA-FD5694D33678}" presName="Name13" presStyleLbl="parChTrans1D2" presStyleIdx="1" presStyleCnt="8"/>
-      <dgm:spPr/>
-    </dgm:pt>
-    <dgm:pt modelId="{EE378A6F-4468-4830-82EC-ECFEAA8A59F8}" type="pres">
-      <dgm:prSet presAssocID="{F99E5569-802E-4E46-A0E9-F3CD177CCD23}" presName="childText" presStyleLbl="bgAcc1" presStyleIdx="1" presStyleCnt="8" custScaleX="153397" custScaleY="82664">
-        <dgm:presLayoutVars>
-          <dgm:bulletEnabled val="1"/>
-        </dgm:presLayoutVars>
-      </dgm:prSet>
-      <dgm:spPr/>
-    </dgm:pt>
-    <dgm:pt modelId="{6173F583-FB6A-4A74-9B0B-D4C8F13DD65B}" type="pres">
-      <dgm:prSet presAssocID="{7E646F73-CCD1-41F8-87B3-5841C6713340}" presName="Name13" presStyleLbl="parChTrans1D2" presStyleIdx="2" presStyleCnt="8"/>
-      <dgm:spPr/>
-    </dgm:pt>
-    <dgm:pt modelId="{5296C6BE-4DA7-42F0-9789-251757F03A74}" type="pres">
-      <dgm:prSet presAssocID="{DE7C9AA2-23F6-4844-9705-59186C6FEAE1}" presName="childText" presStyleLbl="bgAcc1" presStyleIdx="2" presStyleCnt="8" custScaleX="155483" custScaleY="61068">
-        <dgm:presLayoutVars>
-          <dgm:bulletEnabled val="1"/>
-        </dgm:presLayoutVars>
-      </dgm:prSet>
-      <dgm:spPr/>
-    </dgm:pt>
-    <dgm:pt modelId="{0FEF6BF9-3297-4015-AE05-0DF9B4A40739}" type="pres">
-      <dgm:prSet presAssocID="{90C603D5-B795-4AF4-AF00-C0013DADC9EE}" presName="Name13" presStyleLbl="parChTrans1D2" presStyleIdx="3" presStyleCnt="8"/>
-      <dgm:spPr/>
-    </dgm:pt>
-    <dgm:pt modelId="{2261B539-9226-4D21-AA83-2A101E92624B}" type="pres">
-      <dgm:prSet presAssocID="{8FC2EF4E-E9AE-4C4A-BF73-F75B66C12685}" presName="childText" presStyleLbl="bgAcc1" presStyleIdx="3" presStyleCnt="8" custScaleX="155483" custScaleY="61068">
-        <dgm:presLayoutVars>
-          <dgm:bulletEnabled val="1"/>
-        </dgm:presLayoutVars>
-      </dgm:prSet>
-      <dgm:spPr/>
-    </dgm:pt>
-    <dgm:pt modelId="{45CCFAFE-0BFF-479B-8DF2-4D6DF489F1D2}" type="pres">
-      <dgm:prSet presAssocID="{F07BA240-68CA-4065-AD0F-81F847786C63}" presName="root" presStyleCnt="0"/>
-      <dgm:spPr/>
-    </dgm:pt>
-    <dgm:pt modelId="{00FDCD57-22BD-4706-A07C-7C1F879E04D0}" type="pres">
-      <dgm:prSet presAssocID="{F07BA240-68CA-4065-AD0F-81F847786C63}" presName="rootComposite" presStyleCnt="0"/>
-      <dgm:spPr/>
-    </dgm:pt>
-    <dgm:pt modelId="{B8C871A3-D06E-4E52-9A61-AF81CE5915AD}" type="pres">
-      <dgm:prSet presAssocID="{F07BA240-68CA-4065-AD0F-81F847786C63}" presName="rootText" presStyleLbl="node1" presStyleIdx="1" presStyleCnt="2" custScaleX="96678" custScaleY="63030"/>
-      <dgm:spPr/>
-    </dgm:pt>
-    <dgm:pt modelId="{38A0D3E4-0F54-496F-9430-59A17C01C716}" type="pres">
-      <dgm:prSet presAssocID="{F07BA240-68CA-4065-AD0F-81F847786C63}" presName="rootConnector" presStyleLbl="node1" presStyleIdx="1" presStyleCnt="2"/>
-      <dgm:spPr/>
-    </dgm:pt>
-    <dgm:pt modelId="{6D813597-37FF-4B73-815C-D099AC5808D8}" type="pres">
-      <dgm:prSet presAssocID="{F07BA240-68CA-4065-AD0F-81F847786C63}" presName="childShape" presStyleCnt="0"/>
-      <dgm:spPr/>
-    </dgm:pt>
-    <dgm:pt modelId="{E5FE4AFC-8022-4B9C-9229-C374B127C655}" type="pres">
-      <dgm:prSet presAssocID="{6C5B7778-B7CF-4932-B244-FA7BBAE55F10}" presName="Name13" presStyleLbl="parChTrans1D2" presStyleIdx="4" presStyleCnt="8"/>
-      <dgm:spPr/>
-    </dgm:pt>
-    <dgm:pt modelId="{7ACE3FA0-7A53-43FC-A581-6594845CED56}" type="pres">
-      <dgm:prSet presAssocID="{9D80426C-3C76-4422-A8F5-1DA722EA69E9}" presName="childText" presStyleLbl="bgAcc1" presStyleIdx="4" presStyleCnt="8" custScaleX="156448" custScaleY="63937">
-        <dgm:presLayoutVars>
-          <dgm:bulletEnabled val="1"/>
-        </dgm:presLayoutVars>
-      </dgm:prSet>
-      <dgm:spPr/>
-    </dgm:pt>
-    <dgm:pt modelId="{FC2696EE-11D6-45BC-8083-79D7396639B6}" type="pres">
-      <dgm:prSet presAssocID="{F504C950-8864-4804-A011-3FF548AD8997}" presName="Name13" presStyleLbl="parChTrans1D2" presStyleIdx="5" presStyleCnt="8"/>
-      <dgm:spPr/>
-    </dgm:pt>
-    <dgm:pt modelId="{C4E05718-22FF-4CE3-BC14-6E2E1DD85174}" type="pres">
-      <dgm:prSet presAssocID="{73635160-BD0A-490E-8621-6537E6A10F79}" presName="childText" presStyleLbl="bgAcc1" presStyleIdx="5" presStyleCnt="8" custScaleX="154362" custScaleY="84120">
-        <dgm:presLayoutVars>
-          <dgm:bulletEnabled val="1"/>
-        </dgm:presLayoutVars>
-      </dgm:prSet>
-      <dgm:spPr/>
-    </dgm:pt>
-    <dgm:pt modelId="{7BC1F6EB-6DC2-448C-915E-A83E9083E0B9}" type="pres">
-      <dgm:prSet presAssocID="{E07CEC8F-50AD-40F8-B90F-08B97429868F}" presName="Name13" presStyleLbl="parChTrans1D2" presStyleIdx="6" presStyleCnt="8"/>
-      <dgm:spPr/>
-    </dgm:pt>
-    <dgm:pt modelId="{CD2A95C6-83F3-48B3-AE89-8882DB046EB5}" type="pres">
-      <dgm:prSet presAssocID="{521BCE8B-93E7-459F-AC5D-934C4F2C795C}" presName="childText" presStyleLbl="bgAcc1" presStyleIdx="6" presStyleCnt="8" custScaleX="158444" custScaleY="63937">
-        <dgm:presLayoutVars>
-          <dgm:bulletEnabled val="1"/>
-        </dgm:presLayoutVars>
-      </dgm:prSet>
-      <dgm:spPr/>
-    </dgm:pt>
-    <dgm:pt modelId="{FB31E601-43D1-4DC3-9B20-2487C71AB00A}" type="pres">
-      <dgm:prSet presAssocID="{1C74BFB8-9A48-460A-8196-1E700FC31D81}" presName="Name13" presStyleLbl="parChTrans1D2" presStyleIdx="7" presStyleCnt="8"/>
-      <dgm:spPr/>
-    </dgm:pt>
-    <dgm:pt modelId="{76830130-1BC2-46EF-9668-D80A3008D433}" type="pres">
-      <dgm:prSet presAssocID="{3995D340-412C-47CC-B792-C30931C4E758}" presName="childText" presStyleLbl="bgAcc1" presStyleIdx="7" presStyleCnt="8" custScaleX="156358" custScaleY="63937">
-        <dgm:presLayoutVars>
-          <dgm:bulletEnabled val="1"/>
-        </dgm:presLayoutVars>
-      </dgm:prSet>
-      <dgm:spPr/>
-    </dgm:pt>
   </dgm:ptLst>
   <dgm:cxnLst>
-    <dgm:cxn modelId="{4E3ECC02-C8AF-4DAF-BED7-1098360A9157}" type="presOf" srcId="{6C5B7778-B7CF-4932-B244-FA7BBAE55F10}" destId="{E5FE4AFC-8022-4B9C-9229-C374B127C655}" srcOrd="0" destOrd="0" presId="urn:microsoft.com/office/officeart/2005/8/layout/hierarchy3"/>
-    <dgm:cxn modelId="{B6A49C05-4AE7-423A-929C-DED0AC29DD75}" srcId="{036E7BCA-571E-4DCC-9C00-21071E32B69C}" destId="{DE7C9AA2-23F6-4844-9705-59186C6FEAE1}" srcOrd="2" destOrd="0" parTransId="{7E646F73-CCD1-41F8-87B3-5841C6713340}" sibTransId="{26CEFA0E-6623-4C1C-8C17-4D45ADCA2125}"/>
-    <dgm:cxn modelId="{FDF60B0C-BF2D-402C-A369-C67DE3BAB270}" type="presOf" srcId="{521BCE8B-93E7-459F-AC5D-934C4F2C795C}" destId="{CD2A95C6-83F3-48B3-AE89-8882DB046EB5}" srcOrd="0" destOrd="0" presId="urn:microsoft.com/office/officeart/2005/8/layout/hierarchy3"/>
-    <dgm:cxn modelId="{A48A860C-2123-4F17-91A5-A20CE566AE9B}" type="presOf" srcId="{73635160-BD0A-490E-8621-6537E6A10F79}" destId="{C4E05718-22FF-4CE3-BC14-6E2E1DD85174}" srcOrd="0" destOrd="0" presId="urn:microsoft.com/office/officeart/2005/8/layout/hierarchy3"/>
-    <dgm:cxn modelId="{79C56812-768E-40FE-8DF0-3DE5AC1DFE72}" type="presOf" srcId="{036E7BCA-571E-4DCC-9C00-21071E32B69C}" destId="{0CD2C296-D601-4FE9-BA72-7FE83FE7A65D}" srcOrd="1" destOrd="0" presId="urn:microsoft.com/office/officeart/2005/8/layout/hierarchy3"/>
-    <dgm:cxn modelId="{AF1C362B-2649-4B9D-86C3-E5A9C3177CE1}" type="presOf" srcId="{DE7C9AA2-23F6-4844-9705-59186C6FEAE1}" destId="{5296C6BE-4DA7-42F0-9789-251757F03A74}" srcOrd="0" destOrd="0" presId="urn:microsoft.com/office/officeart/2005/8/layout/hierarchy3"/>
-    <dgm:cxn modelId="{2078E330-20AB-4BCE-8A2B-95FD9CA6EA57}" srcId="{BC3200AF-6DBA-4464-ADA4-9E19BD2B005C}" destId="{F07BA240-68CA-4065-AD0F-81F847786C63}" srcOrd="1" destOrd="0" parTransId="{0CA030C9-FC27-4B2B-BB71-E4FFC2CAD5DF}" sibTransId="{5C75F3DC-4C9C-43E1-A3A5-017B60075D35}"/>
-    <dgm:cxn modelId="{AC7C723A-02D9-4B84-B009-08815EAC956B}" srcId="{036E7BCA-571E-4DCC-9C00-21071E32B69C}" destId="{297A17E1-5702-4AAD-AFF4-3C71A7DE13E9}" srcOrd="0" destOrd="0" parTransId="{38E5908C-4532-435C-AB7C-0BB360580B1E}" sibTransId="{83C82F73-FF6A-4A8D-901E-0C94B37D854B}"/>
-    <dgm:cxn modelId="{6FE09F4B-EBCA-49A2-970E-D434EFA05EA1}" srcId="{F07BA240-68CA-4065-AD0F-81F847786C63}" destId="{3995D340-412C-47CC-B792-C30931C4E758}" srcOrd="3" destOrd="0" parTransId="{1C74BFB8-9A48-460A-8196-1E700FC31D81}" sibTransId="{A2CDFD54-86D5-491E-8063-43F3E2BD5497}"/>
-    <dgm:cxn modelId="{9B092F4F-A07E-43DC-814E-5C927715912C}" srcId="{036E7BCA-571E-4DCC-9C00-21071E32B69C}" destId="{8FC2EF4E-E9AE-4C4A-BF73-F75B66C12685}" srcOrd="3" destOrd="0" parTransId="{90C603D5-B795-4AF4-AF00-C0013DADC9EE}" sibTransId="{8B3F1D47-8CF8-4B36-A11F-8C7ABE34B844}"/>
-    <dgm:cxn modelId="{43B31671-7C26-4321-8EE8-AF7311B09F6A}" type="presOf" srcId="{1078E3DD-74E3-4C47-AFEA-FD5694D33678}" destId="{CA412FFA-4A8D-429A-980B-561AC0DF5166}" srcOrd="0" destOrd="0" presId="urn:microsoft.com/office/officeart/2005/8/layout/hierarchy3"/>
-    <dgm:cxn modelId="{0F6B5371-2367-484B-BA7C-4035C6C150C9}" srcId="{036E7BCA-571E-4DCC-9C00-21071E32B69C}" destId="{F99E5569-802E-4E46-A0E9-F3CD177CCD23}" srcOrd="1" destOrd="0" parTransId="{1078E3DD-74E3-4C47-AFEA-FD5694D33678}" sibTransId="{B547C131-5B45-4369-AF1E-40D08A9B4446}"/>
-    <dgm:cxn modelId="{DC9BFF51-6EE6-4EA1-901E-10BE3288E069}" type="presOf" srcId="{3995D340-412C-47CC-B792-C30931C4E758}" destId="{76830130-1BC2-46EF-9668-D80A3008D433}" srcOrd="0" destOrd="0" presId="urn:microsoft.com/office/officeart/2005/8/layout/hierarchy3"/>
-    <dgm:cxn modelId="{235BA052-68EA-43F1-9259-C2DF44306812}" type="presOf" srcId="{F07BA240-68CA-4065-AD0F-81F847786C63}" destId="{B8C871A3-D06E-4E52-9A61-AF81CE5915AD}" srcOrd="0" destOrd="0" presId="urn:microsoft.com/office/officeart/2005/8/layout/hierarchy3"/>
-    <dgm:cxn modelId="{32C1B485-E2A3-4A44-9ABC-EE2757B3D66E}" type="presOf" srcId="{297A17E1-5702-4AAD-AFF4-3C71A7DE13E9}" destId="{3AD521EF-46D2-4B80-9FDA-F9643A6544C7}" srcOrd="0" destOrd="0" presId="urn:microsoft.com/office/officeart/2005/8/layout/hierarchy3"/>
-    <dgm:cxn modelId="{F1FF9A8C-5FC7-477D-AE52-ACE163613249}" type="presOf" srcId="{1C74BFB8-9A48-460A-8196-1E700FC31D81}" destId="{FB31E601-43D1-4DC3-9B20-2487C71AB00A}" srcOrd="0" destOrd="0" presId="urn:microsoft.com/office/officeart/2005/8/layout/hierarchy3"/>
-    <dgm:cxn modelId="{CF280C8E-0934-4370-8D33-117DFFCD050C}" type="presOf" srcId="{E07CEC8F-50AD-40F8-B90F-08B97429868F}" destId="{7BC1F6EB-6DC2-448C-915E-A83E9083E0B9}" srcOrd="0" destOrd="0" presId="urn:microsoft.com/office/officeart/2005/8/layout/hierarchy3"/>
-    <dgm:cxn modelId="{9FD06A96-6D21-4B75-ABFB-AB14B4511F55}" type="presOf" srcId="{8FC2EF4E-E9AE-4C4A-BF73-F75B66C12685}" destId="{2261B539-9226-4D21-AA83-2A101E92624B}" srcOrd="0" destOrd="0" presId="urn:microsoft.com/office/officeart/2005/8/layout/hierarchy3"/>
-    <dgm:cxn modelId="{AADD989C-AEC2-421F-B473-F59718EC6E86}" type="presOf" srcId="{036E7BCA-571E-4DCC-9C00-21071E32B69C}" destId="{8AA4988A-4120-4A4B-BC82-23CD3CF54C47}" srcOrd="0" destOrd="0" presId="urn:microsoft.com/office/officeart/2005/8/layout/hierarchy3"/>
-    <dgm:cxn modelId="{10AA3FAD-4166-4543-8451-B0F5D4E4DB59}" srcId="{F07BA240-68CA-4065-AD0F-81F847786C63}" destId="{521BCE8B-93E7-459F-AC5D-934C4F2C795C}" srcOrd="2" destOrd="0" parTransId="{E07CEC8F-50AD-40F8-B90F-08B97429868F}" sibTransId="{59A6B7E6-8D9A-481D-B9BD-E8709A06A4E3}"/>
-    <dgm:cxn modelId="{D70CF1B1-2967-40D2-AC12-2B6B142A6360}" type="presOf" srcId="{F99E5569-802E-4E46-A0E9-F3CD177CCD23}" destId="{EE378A6F-4468-4830-82EC-ECFEAA8A59F8}" srcOrd="0" destOrd="0" presId="urn:microsoft.com/office/officeart/2005/8/layout/hierarchy3"/>
     <dgm:cxn modelId="{6A0D39C6-BCB4-4B9C-A0DC-E01DF6122FB1}" type="presOf" srcId="{BC3200AF-6DBA-4464-ADA4-9E19BD2B005C}" destId="{7976991C-D35D-42C3-B7E4-93294697E695}" srcOrd="0" destOrd="0" presId="urn:microsoft.com/office/officeart/2005/8/layout/hierarchy3"/>
-    <dgm:cxn modelId="{EE4B01CD-01FE-4915-9F8C-4D7E945EA39E}" type="presOf" srcId="{38E5908C-4532-435C-AB7C-0BB360580B1E}" destId="{8FAE2E6C-5C9F-42F9-9462-B1365972F53C}" srcOrd="0" destOrd="0" presId="urn:microsoft.com/office/officeart/2005/8/layout/hierarchy3"/>
-    <dgm:cxn modelId="{32D454CD-49FA-436A-B893-592A9FD840E7}" type="presOf" srcId="{F07BA240-68CA-4065-AD0F-81F847786C63}" destId="{38A0D3E4-0F54-496F-9430-59A17C01C716}" srcOrd="1" destOrd="0" presId="urn:microsoft.com/office/officeart/2005/8/layout/hierarchy3"/>
-    <dgm:cxn modelId="{86B784D3-536F-4B14-A4AD-12EE367FF703}" srcId="{BC3200AF-6DBA-4464-ADA4-9E19BD2B005C}" destId="{036E7BCA-571E-4DCC-9C00-21071E32B69C}" srcOrd="0" destOrd="0" parTransId="{8CFEAB5A-7D27-40FB-8B57-B5A76F13E211}" sibTransId="{4E74C7C9-BA6B-4005-A701-EF20F5E544C4}"/>
-    <dgm:cxn modelId="{55E47AD5-BB92-4881-87C8-645EA3388116}" type="presOf" srcId="{7E646F73-CCD1-41F8-87B3-5841C6713340}" destId="{6173F583-FB6A-4A74-9B0B-D4C8F13DD65B}" srcOrd="0" destOrd="0" presId="urn:microsoft.com/office/officeart/2005/8/layout/hierarchy3"/>
-    <dgm:cxn modelId="{134A17F0-691B-47E9-9CEA-ADF01637E963}" srcId="{F07BA240-68CA-4065-AD0F-81F847786C63}" destId="{73635160-BD0A-490E-8621-6537E6A10F79}" srcOrd="1" destOrd="0" parTransId="{F504C950-8864-4804-A011-3FF548AD8997}" sibTransId="{28164C21-0F0C-46A1-9D47-C29B2BBB8D90}"/>
-    <dgm:cxn modelId="{B8DAD5F5-1D09-4559-823E-0765F25E2C4D}" type="presOf" srcId="{9D80426C-3C76-4422-A8F5-1DA722EA69E9}" destId="{7ACE3FA0-7A53-43FC-A581-6594845CED56}" srcOrd="0" destOrd="0" presId="urn:microsoft.com/office/officeart/2005/8/layout/hierarchy3"/>
-    <dgm:cxn modelId="{9451BAF8-2886-4497-B958-3CD485E00913}" type="presOf" srcId="{90C603D5-B795-4AF4-AF00-C0013DADC9EE}" destId="{0FEF6BF9-3297-4015-AE05-0DF9B4A40739}" srcOrd="0" destOrd="0" presId="urn:microsoft.com/office/officeart/2005/8/layout/hierarchy3"/>
-    <dgm:cxn modelId="{F70366F9-040E-4CEE-9FC5-BD2DFAD2B40D}" srcId="{F07BA240-68CA-4065-AD0F-81F847786C63}" destId="{9D80426C-3C76-4422-A8F5-1DA722EA69E9}" srcOrd="0" destOrd="0" parTransId="{6C5B7778-B7CF-4932-B244-FA7BBAE55F10}" sibTransId="{F6F42D66-9AC1-4EB3-B473-F11D0E392B0A}"/>
-    <dgm:cxn modelId="{E50B06FF-CFCD-4820-93B1-3EAC6AEB9517}" type="presOf" srcId="{F504C950-8864-4804-A011-3FF548AD8997}" destId="{FC2696EE-11D6-45BC-8083-79D7396639B6}" srcOrd="0" destOrd="0" presId="urn:microsoft.com/office/officeart/2005/8/layout/hierarchy3"/>
-    <dgm:cxn modelId="{B19F906C-03FC-44D3-A572-E0FBFA3CEB1B}" type="presParOf" srcId="{7976991C-D35D-42C3-B7E4-93294697E695}" destId="{F6654342-7798-4211-86A9-078762619B37}" srcOrd="0" destOrd="0" presId="urn:microsoft.com/office/officeart/2005/8/layout/hierarchy3"/>
-    <dgm:cxn modelId="{45DF0A60-956E-441E-AB90-464B507AEC40}" type="presParOf" srcId="{F6654342-7798-4211-86A9-078762619B37}" destId="{1F3FEAB0-478F-456B-8847-3B811BD60704}" srcOrd="0" destOrd="0" presId="urn:microsoft.com/office/officeart/2005/8/layout/hierarchy3"/>
-    <dgm:cxn modelId="{90B1D015-A3EC-446F-A1C1-1F74376C5996}" type="presParOf" srcId="{1F3FEAB0-478F-456B-8847-3B811BD60704}" destId="{8AA4988A-4120-4A4B-BC82-23CD3CF54C47}" srcOrd="0" destOrd="0" presId="urn:microsoft.com/office/officeart/2005/8/layout/hierarchy3"/>
-    <dgm:cxn modelId="{21DDA41A-C91A-4592-AC73-56146E43C20D}" type="presParOf" srcId="{1F3FEAB0-478F-456B-8847-3B811BD60704}" destId="{0CD2C296-D601-4FE9-BA72-7FE83FE7A65D}" srcOrd="1" destOrd="0" presId="urn:microsoft.com/office/officeart/2005/8/layout/hierarchy3"/>
-    <dgm:cxn modelId="{0A8C0916-188F-45C7-9FE0-E352B725C120}" type="presParOf" srcId="{F6654342-7798-4211-86A9-078762619B37}" destId="{CCE92636-0913-4911-A4BD-F9C8F4C31A8F}" srcOrd="1" destOrd="0" presId="urn:microsoft.com/office/officeart/2005/8/layout/hierarchy3"/>
-    <dgm:cxn modelId="{CE6ECFD6-B82E-4B6C-A70A-2632F4DDEB63}" type="presParOf" srcId="{CCE92636-0913-4911-A4BD-F9C8F4C31A8F}" destId="{8FAE2E6C-5C9F-42F9-9462-B1365972F53C}" srcOrd="0" destOrd="0" presId="urn:microsoft.com/office/officeart/2005/8/layout/hierarchy3"/>
-    <dgm:cxn modelId="{B73BED56-0377-484D-8CE0-1EDC389E652C}" type="presParOf" srcId="{CCE92636-0913-4911-A4BD-F9C8F4C31A8F}" destId="{3AD521EF-46D2-4B80-9FDA-F9643A6544C7}" srcOrd="1" destOrd="0" presId="urn:microsoft.com/office/officeart/2005/8/layout/hierarchy3"/>
-    <dgm:cxn modelId="{18246FBE-91BB-4F95-806C-DA2BEF7BB363}" type="presParOf" srcId="{CCE92636-0913-4911-A4BD-F9C8F4C31A8F}" destId="{CA412FFA-4A8D-429A-980B-561AC0DF5166}" srcOrd="2" destOrd="0" presId="urn:microsoft.com/office/officeart/2005/8/layout/hierarchy3"/>
-    <dgm:cxn modelId="{3133D626-CCDC-4C7A-8FDD-1708C34382CB}" type="presParOf" srcId="{CCE92636-0913-4911-A4BD-F9C8F4C31A8F}" destId="{EE378A6F-4468-4830-82EC-ECFEAA8A59F8}" srcOrd="3" destOrd="0" presId="urn:microsoft.com/office/officeart/2005/8/layout/hierarchy3"/>
-    <dgm:cxn modelId="{BB69602D-D8DA-44E7-BD2C-D5EED532A933}" type="presParOf" srcId="{CCE92636-0913-4911-A4BD-F9C8F4C31A8F}" destId="{6173F583-FB6A-4A74-9B0B-D4C8F13DD65B}" srcOrd="4" destOrd="0" presId="urn:microsoft.com/office/officeart/2005/8/layout/hierarchy3"/>
-    <dgm:cxn modelId="{ED11CDA7-6F85-4D15-B8FA-F98A54D9666D}" type="presParOf" srcId="{CCE92636-0913-4911-A4BD-F9C8F4C31A8F}" destId="{5296C6BE-4DA7-42F0-9789-251757F03A74}" srcOrd="5" destOrd="0" presId="urn:microsoft.com/office/officeart/2005/8/layout/hierarchy3"/>
-    <dgm:cxn modelId="{3E6BD1AA-D334-4CC7-A7E5-2DDB6154F738}" type="presParOf" srcId="{CCE92636-0913-4911-A4BD-F9C8F4C31A8F}" destId="{0FEF6BF9-3297-4015-AE05-0DF9B4A40739}" srcOrd="6" destOrd="0" presId="urn:microsoft.com/office/officeart/2005/8/layout/hierarchy3"/>
-    <dgm:cxn modelId="{106DB15F-762B-4BA8-8562-B366F76FD29C}" type="presParOf" srcId="{CCE92636-0913-4911-A4BD-F9C8F4C31A8F}" destId="{2261B539-9226-4D21-AA83-2A101E92624B}" srcOrd="7" destOrd="0" presId="urn:microsoft.com/office/officeart/2005/8/layout/hierarchy3"/>
-    <dgm:cxn modelId="{39B7B847-028D-41AB-BC14-F11DB953531D}" type="presParOf" srcId="{7976991C-D35D-42C3-B7E4-93294697E695}" destId="{45CCFAFE-0BFF-479B-8DF2-4D6DF489F1D2}" srcOrd="1" destOrd="0" presId="urn:microsoft.com/office/officeart/2005/8/layout/hierarchy3"/>
-    <dgm:cxn modelId="{22A43BE5-39F6-470A-8DDE-D9185C4C529B}" type="presParOf" srcId="{45CCFAFE-0BFF-479B-8DF2-4D6DF489F1D2}" destId="{00FDCD57-22BD-4706-A07C-7C1F879E04D0}" srcOrd="0" destOrd="0" presId="urn:microsoft.com/office/officeart/2005/8/layout/hierarchy3"/>
-    <dgm:cxn modelId="{AE1F6629-2709-4E71-9377-1C5B47A353DE}" type="presParOf" srcId="{00FDCD57-22BD-4706-A07C-7C1F879E04D0}" destId="{B8C871A3-D06E-4E52-9A61-AF81CE5915AD}" srcOrd="0" destOrd="0" presId="urn:microsoft.com/office/officeart/2005/8/layout/hierarchy3"/>
-    <dgm:cxn modelId="{F6B1785B-9445-4C10-ACAC-6BB5EA2EB9F1}" type="presParOf" srcId="{00FDCD57-22BD-4706-A07C-7C1F879E04D0}" destId="{38A0D3E4-0F54-496F-9430-59A17C01C716}" srcOrd="1" destOrd="0" presId="urn:microsoft.com/office/officeart/2005/8/layout/hierarchy3"/>
-    <dgm:cxn modelId="{0BA935A2-FD42-4814-BFC3-17BCCA7D2223}" type="presParOf" srcId="{45CCFAFE-0BFF-479B-8DF2-4D6DF489F1D2}" destId="{6D813597-37FF-4B73-815C-D099AC5808D8}" srcOrd="1" destOrd="0" presId="urn:microsoft.com/office/officeart/2005/8/layout/hierarchy3"/>
-    <dgm:cxn modelId="{59927C97-0FDD-42A7-9A26-C69ADFDCE18E}" type="presParOf" srcId="{6D813597-37FF-4B73-815C-D099AC5808D8}" destId="{E5FE4AFC-8022-4B9C-9229-C374B127C655}" srcOrd="0" destOrd="0" presId="urn:microsoft.com/office/officeart/2005/8/layout/hierarchy3"/>
-    <dgm:cxn modelId="{DF2F51E4-D50C-4F0B-A95C-A3623993C34F}" type="presParOf" srcId="{6D813597-37FF-4B73-815C-D099AC5808D8}" destId="{7ACE3FA0-7A53-43FC-A581-6594845CED56}" srcOrd="1" destOrd="0" presId="urn:microsoft.com/office/officeart/2005/8/layout/hierarchy3"/>
-    <dgm:cxn modelId="{1EA0C420-F5EA-4701-B6CF-77C8408D4B40}" type="presParOf" srcId="{6D813597-37FF-4B73-815C-D099AC5808D8}" destId="{FC2696EE-11D6-45BC-8083-79D7396639B6}" srcOrd="2" destOrd="0" presId="urn:microsoft.com/office/officeart/2005/8/layout/hierarchy3"/>
-    <dgm:cxn modelId="{A0F79507-1878-4C17-AEFD-87CB6398BC82}" type="presParOf" srcId="{6D813597-37FF-4B73-815C-D099AC5808D8}" destId="{C4E05718-22FF-4CE3-BC14-6E2E1DD85174}" srcOrd="3" destOrd="0" presId="urn:microsoft.com/office/officeart/2005/8/layout/hierarchy3"/>
-    <dgm:cxn modelId="{56004CF3-41EA-4CC0-93F9-F3339093D13B}" type="presParOf" srcId="{6D813597-37FF-4B73-815C-D099AC5808D8}" destId="{7BC1F6EB-6DC2-448C-915E-A83E9083E0B9}" srcOrd="4" destOrd="0" presId="urn:microsoft.com/office/officeart/2005/8/layout/hierarchy3"/>
-    <dgm:cxn modelId="{877BD72C-B0B3-4FFD-8929-DAC2C625A188}" type="presParOf" srcId="{6D813597-37FF-4B73-815C-D099AC5808D8}" destId="{CD2A95C6-83F3-48B3-AE89-8882DB046EB5}" srcOrd="5" destOrd="0" presId="urn:microsoft.com/office/officeart/2005/8/layout/hierarchy3"/>
-    <dgm:cxn modelId="{689A5C5B-187A-4175-9535-D82D50EAB34C}" type="presParOf" srcId="{6D813597-37FF-4B73-815C-D099AC5808D8}" destId="{FB31E601-43D1-4DC3-9B20-2487C71AB00A}" srcOrd="6" destOrd="0" presId="urn:microsoft.com/office/officeart/2005/8/layout/hierarchy3"/>
-    <dgm:cxn modelId="{3C0BB923-28C2-4B9B-B084-755AC6824DAA}" type="presParOf" srcId="{6D813597-37FF-4B73-815C-D099AC5808D8}" destId="{76830130-1BC2-46EF-9668-D80A3008D433}" srcOrd="7" destOrd="0" presId="urn:microsoft.com/office/officeart/2005/8/layout/hierarchy3"/>
   </dgm:cxnLst>
   <dgm:bg/>
   <dgm:whole/>
@@ -10419,1310 +9869,6 @@
       <dsp:cNvGrpSpPr/>
     </dsp:nvGrpSpPr>
     <dsp:grpSpPr/>
-    <dsp:sp modelId="{8AA4988A-4120-4A4B-BC82-23CD3CF54C47}">
-      <dsp:nvSpPr>
-        <dsp:cNvPr id="0" name=""/>
-        <dsp:cNvSpPr/>
-      </dsp:nvSpPr>
-      <dsp:spPr>
-        <a:xfrm>
-          <a:off x="1961075" y="1012"/>
-          <a:ext cx="1692465" cy="607965"/>
-        </a:xfrm>
-        <a:prstGeom prst="roundRect">
-          <a:avLst>
-            <a:gd name="adj" fmla="val 10000"/>
-          </a:avLst>
-        </a:prstGeom>
-        <a:solidFill>
-          <a:schemeClr val="lt1">
-            <a:hueOff val="0"/>
-            <a:satOff val="0"/>
-            <a:lumOff val="0"/>
-            <a:alphaOff val="0"/>
-          </a:schemeClr>
-        </a:solidFill>
-        <a:ln w="12700" cap="flat" cmpd="sng" algn="ctr">
-          <a:solidFill>
-            <a:schemeClr val="dk1">
-              <a:shade val="80000"/>
-              <a:hueOff val="0"/>
-              <a:satOff val="0"/>
-              <a:lumOff val="0"/>
-              <a:alphaOff val="0"/>
-            </a:schemeClr>
-          </a:solidFill>
-          <a:prstDash val="solid"/>
-          <a:miter lim="800000"/>
-        </a:ln>
-        <a:effectLst/>
-      </dsp:spPr>
-      <dsp:style>
-        <a:lnRef idx="2">
-          <a:scrgbClr r="0" g="0" b="0"/>
-        </a:lnRef>
-        <a:fillRef idx="1">
-          <a:scrgbClr r="0" g="0" b="0"/>
-        </a:fillRef>
-        <a:effectRef idx="0">
-          <a:scrgbClr r="0" g="0" b="0"/>
-        </a:effectRef>
-        <a:fontRef idx="minor">
-          <a:schemeClr val="lt1"/>
-        </a:fontRef>
-      </dsp:style>
-      <dsp:txBody>
-        <a:bodyPr spcFirstLastPara="0" vert="horz" wrap="square" lIns="45720" tIns="30480" rIns="45720" bIns="30480" numCol="1" spcCol="1270" anchor="ctr" anchorCtr="0">
-          <a:noAutofit/>
-        </a:bodyPr>
-        <a:lstStyle/>
-        <a:p>
-          <a:pPr marL="0" lvl="0" indent="0" algn="ctr" defTabSz="1066800">
-            <a:lnSpc>
-              <a:spcPct val="90000"/>
-            </a:lnSpc>
-            <a:spcBef>
-              <a:spcPct val="0"/>
-            </a:spcBef>
-            <a:spcAft>
-              <a:spcPct val="35000"/>
-            </a:spcAft>
-            <a:buNone/>
-          </a:pPr>
-          <a:r>
-            <a:rPr lang="en-US" sz="2400" kern="1200" dirty="0">
-              <a:latin typeface="Times New Roman" panose="02020603050405020304" pitchFamily="18" charset="0"/>
-              <a:cs typeface="Times New Roman" panose="02020603050405020304" pitchFamily="18" charset="0"/>
-            </a:rPr>
-            <a:t>Java</a:t>
-          </a:r>
-        </a:p>
-      </dsp:txBody>
-      <dsp:txXfrm>
-        <a:off x="1978882" y="18819"/>
-        <a:ext cx="1656851" cy="572351"/>
-      </dsp:txXfrm>
-    </dsp:sp>
-    <dsp:sp modelId="{8FAE2E6C-5C9F-42F9-9462-B1365972F53C}">
-      <dsp:nvSpPr>
-        <dsp:cNvPr id="0" name=""/>
-        <dsp:cNvSpPr/>
-      </dsp:nvSpPr>
-      <dsp:spPr>
-        <a:xfrm>
-          <a:off x="2130321" y="608978"/>
-          <a:ext cx="169246" cy="516811"/>
-        </a:xfrm>
-        <a:custGeom>
-          <a:avLst/>
-          <a:gdLst/>
-          <a:ahLst/>
-          <a:cxnLst/>
-          <a:rect l="0" t="0" r="0" b="0"/>
-          <a:pathLst>
-            <a:path>
-              <a:moveTo>
-                <a:pt x="0" y="0"/>
-              </a:moveTo>
-              <a:lnTo>
-                <a:pt x="0" y="516811"/>
-              </a:lnTo>
-              <a:lnTo>
-                <a:pt x="169246" y="516811"/>
-              </a:lnTo>
-            </a:path>
-          </a:pathLst>
-        </a:custGeom>
-        <a:noFill/>
-        <a:ln w="12700" cap="flat" cmpd="sng" algn="ctr">
-          <a:solidFill>
-            <a:schemeClr val="dk1">
-              <a:shade val="60000"/>
-              <a:hueOff val="0"/>
-              <a:satOff val="0"/>
-              <a:lumOff val="0"/>
-              <a:alphaOff val="0"/>
-            </a:schemeClr>
-          </a:solidFill>
-          <a:prstDash val="solid"/>
-          <a:miter lim="800000"/>
-        </a:ln>
-        <a:effectLst/>
-      </dsp:spPr>
-      <dsp:style>
-        <a:lnRef idx="2">
-          <a:scrgbClr r="0" g="0" b="0"/>
-        </a:lnRef>
-        <a:fillRef idx="0">
-          <a:scrgbClr r="0" g="0" b="0"/>
-        </a:fillRef>
-        <a:effectRef idx="0">
-          <a:scrgbClr r="0" g="0" b="0"/>
-        </a:effectRef>
-        <a:fontRef idx="minor"/>
-      </dsp:style>
-    </dsp:sp>
-    <dsp:sp modelId="{3AD521EF-46D2-4B80-9FDA-F9643A6544C7}">
-      <dsp:nvSpPr>
-        <dsp:cNvPr id="0" name=""/>
-        <dsp:cNvSpPr/>
-      </dsp:nvSpPr>
-      <dsp:spPr>
-        <a:xfrm>
-          <a:off x="2299568" y="841633"/>
-          <a:ext cx="2267827" cy="568311"/>
-        </a:xfrm>
-        <a:prstGeom prst="roundRect">
-          <a:avLst>
-            <a:gd name="adj" fmla="val 10000"/>
-          </a:avLst>
-        </a:prstGeom>
-        <a:solidFill>
-          <a:schemeClr val="dk1">
-            <a:alpha val="90000"/>
-            <a:tint val="40000"/>
-            <a:hueOff val="0"/>
-            <a:satOff val="0"/>
-            <a:lumOff val="0"/>
-            <a:alphaOff val="0"/>
-          </a:schemeClr>
-        </a:solidFill>
-        <a:ln w="12700" cap="flat" cmpd="sng" algn="ctr">
-          <a:solidFill>
-            <a:schemeClr val="dk1">
-              <a:hueOff val="0"/>
-              <a:satOff val="0"/>
-              <a:lumOff val="0"/>
-              <a:alphaOff val="0"/>
-            </a:schemeClr>
-          </a:solidFill>
-          <a:prstDash val="solid"/>
-          <a:miter lim="800000"/>
-        </a:ln>
-        <a:effectLst/>
-      </dsp:spPr>
-      <dsp:style>
-        <a:lnRef idx="2">
-          <a:scrgbClr r="0" g="0" b="0"/>
-        </a:lnRef>
-        <a:fillRef idx="1">
-          <a:scrgbClr r="0" g="0" b="0"/>
-        </a:fillRef>
-        <a:effectRef idx="0">
-          <a:scrgbClr r="0" g="0" b="0"/>
-        </a:effectRef>
-        <a:fontRef idx="minor"/>
-      </dsp:style>
-      <dsp:txBody>
-        <a:bodyPr spcFirstLastPara="0" vert="horz" wrap="square" lIns="34290" tIns="22860" rIns="34290" bIns="22860" numCol="1" spcCol="1270" anchor="ctr" anchorCtr="0">
-          <a:noAutofit/>
-        </a:bodyPr>
-        <a:lstStyle/>
-        <a:p>
-          <a:pPr marL="0" lvl="0" indent="0" algn="ctr" defTabSz="800100">
-            <a:lnSpc>
-              <a:spcPct val="90000"/>
-            </a:lnSpc>
-            <a:spcBef>
-              <a:spcPct val="0"/>
-            </a:spcBef>
-            <a:spcAft>
-              <a:spcPct val="35000"/>
-            </a:spcAft>
-            <a:buNone/>
-          </a:pPr>
-          <a:r>
-            <a:rPr lang="en-US" sz="1800" kern="1200" dirty="0">
-              <a:latin typeface="Times New Roman" panose="02020603050405020304" pitchFamily="18" charset="0"/>
-              <a:cs typeface="Times New Roman" panose="02020603050405020304" pitchFamily="18" charset="0"/>
-            </a:rPr>
-            <a:t>Platform independent</a:t>
-          </a:r>
-        </a:p>
-      </dsp:txBody>
-      <dsp:txXfrm>
-        <a:off x="2316213" y="858278"/>
-        <a:ext cx="2234537" cy="535021"/>
-      </dsp:txXfrm>
-    </dsp:sp>
-    <dsp:sp modelId="{CA412FFA-4A8D-429A-980B-561AC0DF5166}">
-      <dsp:nvSpPr>
-        <dsp:cNvPr id="0" name=""/>
-        <dsp:cNvSpPr/>
-      </dsp:nvSpPr>
-      <dsp:spPr>
-        <a:xfrm>
-          <a:off x="2130321" y="608978"/>
-          <a:ext cx="169246" cy="1418267"/>
-        </a:xfrm>
-        <a:custGeom>
-          <a:avLst/>
-          <a:gdLst/>
-          <a:ahLst/>
-          <a:cxnLst/>
-          <a:rect l="0" t="0" r="0" b="0"/>
-          <a:pathLst>
-            <a:path>
-              <a:moveTo>
-                <a:pt x="0" y="0"/>
-              </a:moveTo>
-              <a:lnTo>
-                <a:pt x="0" y="1418267"/>
-              </a:lnTo>
-              <a:lnTo>
-                <a:pt x="169246" y="1418267"/>
-              </a:lnTo>
-            </a:path>
-          </a:pathLst>
-        </a:custGeom>
-        <a:noFill/>
-        <a:ln w="12700" cap="flat" cmpd="sng" algn="ctr">
-          <a:solidFill>
-            <a:schemeClr val="dk1">
-              <a:shade val="60000"/>
-              <a:hueOff val="0"/>
-              <a:satOff val="0"/>
-              <a:lumOff val="0"/>
-              <a:alphaOff val="0"/>
-            </a:schemeClr>
-          </a:solidFill>
-          <a:prstDash val="solid"/>
-          <a:miter lim="800000"/>
-        </a:ln>
-        <a:effectLst/>
-      </dsp:spPr>
-      <dsp:style>
-        <a:lnRef idx="2">
-          <a:scrgbClr r="0" g="0" b="0"/>
-        </a:lnRef>
-        <a:fillRef idx="0">
-          <a:scrgbClr r="0" g="0" b="0"/>
-        </a:fillRef>
-        <a:effectRef idx="0">
-          <a:scrgbClr r="0" g="0" b="0"/>
-        </a:effectRef>
-        <a:fontRef idx="minor"/>
-      </dsp:style>
-    </dsp:sp>
-    <dsp:sp modelId="{EE378A6F-4468-4830-82EC-ECFEAA8A59F8}">
-      <dsp:nvSpPr>
-        <dsp:cNvPr id="0" name=""/>
-        <dsp:cNvSpPr/>
-      </dsp:nvSpPr>
-      <dsp:spPr>
-        <a:xfrm>
-          <a:off x="2299568" y="1642601"/>
-          <a:ext cx="2284072" cy="769288"/>
-        </a:xfrm>
-        <a:prstGeom prst="roundRect">
-          <a:avLst>
-            <a:gd name="adj" fmla="val 10000"/>
-          </a:avLst>
-        </a:prstGeom>
-        <a:solidFill>
-          <a:schemeClr val="dk1">
-            <a:alpha val="90000"/>
-            <a:tint val="40000"/>
-            <a:hueOff val="0"/>
-            <a:satOff val="0"/>
-            <a:lumOff val="0"/>
-            <a:alphaOff val="0"/>
-          </a:schemeClr>
-        </a:solidFill>
-        <a:ln w="12700" cap="flat" cmpd="sng" algn="ctr">
-          <a:solidFill>
-            <a:schemeClr val="dk1">
-              <a:hueOff val="0"/>
-              <a:satOff val="0"/>
-              <a:lumOff val="0"/>
-              <a:alphaOff val="0"/>
-            </a:schemeClr>
-          </a:solidFill>
-          <a:prstDash val="solid"/>
-          <a:miter lim="800000"/>
-        </a:ln>
-        <a:effectLst/>
-      </dsp:spPr>
-      <dsp:style>
-        <a:lnRef idx="2">
-          <a:scrgbClr r="0" g="0" b="0"/>
-        </a:lnRef>
-        <a:fillRef idx="1">
-          <a:scrgbClr r="0" g="0" b="0"/>
-        </a:fillRef>
-        <a:effectRef idx="0">
-          <a:scrgbClr r="0" g="0" b="0"/>
-        </a:effectRef>
-        <a:fontRef idx="minor"/>
-      </dsp:style>
-      <dsp:txBody>
-        <a:bodyPr spcFirstLastPara="0" vert="horz" wrap="square" lIns="34290" tIns="22860" rIns="34290" bIns="22860" numCol="1" spcCol="1270" anchor="ctr" anchorCtr="0">
-          <a:noAutofit/>
-        </a:bodyPr>
-        <a:lstStyle/>
-        <a:p>
-          <a:pPr marL="0" lvl="0" indent="0" algn="ctr" defTabSz="800100">
-            <a:lnSpc>
-              <a:spcPct val="90000"/>
-            </a:lnSpc>
-            <a:spcBef>
-              <a:spcPct val="0"/>
-            </a:spcBef>
-            <a:spcAft>
-              <a:spcPct val="35000"/>
-            </a:spcAft>
-            <a:buNone/>
-          </a:pPr>
-          <a:r>
-            <a:rPr lang="en-US" sz="1800" kern="1200" dirty="0">
-              <a:latin typeface="Times New Roman" panose="02020603050405020304" pitchFamily="18" charset="0"/>
-              <a:cs typeface="Times New Roman" panose="02020603050405020304" pitchFamily="18" charset="0"/>
-            </a:rPr>
-            <a:t>Automatic garbage collector</a:t>
-          </a:r>
-        </a:p>
-      </dsp:txBody>
-      <dsp:txXfrm>
-        <a:off x="2322100" y="1665133"/>
-        <a:ext cx="2239008" cy="724224"/>
-      </dsp:txXfrm>
-    </dsp:sp>
-    <dsp:sp modelId="{6173F583-FB6A-4A74-9B0B-D4C8F13DD65B}">
-      <dsp:nvSpPr>
-        <dsp:cNvPr id="0" name=""/>
-        <dsp:cNvSpPr/>
-      </dsp:nvSpPr>
-      <dsp:spPr>
-        <a:xfrm>
-          <a:off x="2130321" y="608978"/>
-          <a:ext cx="169246" cy="2319722"/>
-        </a:xfrm>
-        <a:custGeom>
-          <a:avLst/>
-          <a:gdLst/>
-          <a:ahLst/>
-          <a:cxnLst/>
-          <a:rect l="0" t="0" r="0" b="0"/>
-          <a:pathLst>
-            <a:path>
-              <a:moveTo>
-                <a:pt x="0" y="0"/>
-              </a:moveTo>
-              <a:lnTo>
-                <a:pt x="0" y="2319722"/>
-              </a:lnTo>
-              <a:lnTo>
-                <a:pt x="169246" y="2319722"/>
-              </a:lnTo>
-            </a:path>
-          </a:pathLst>
-        </a:custGeom>
-        <a:noFill/>
-        <a:ln w="12700" cap="flat" cmpd="sng" algn="ctr">
-          <a:solidFill>
-            <a:schemeClr val="dk1">
-              <a:shade val="60000"/>
-              <a:hueOff val="0"/>
-              <a:satOff val="0"/>
-              <a:lumOff val="0"/>
-              <a:alphaOff val="0"/>
-            </a:schemeClr>
-          </a:solidFill>
-          <a:prstDash val="solid"/>
-          <a:miter lim="800000"/>
-        </a:ln>
-        <a:effectLst/>
-      </dsp:spPr>
-      <dsp:style>
-        <a:lnRef idx="2">
-          <a:scrgbClr r="0" g="0" b="0"/>
-        </a:lnRef>
-        <a:fillRef idx="0">
-          <a:scrgbClr r="0" g="0" b="0"/>
-        </a:fillRef>
-        <a:effectRef idx="0">
-          <a:scrgbClr r="0" g="0" b="0"/>
-        </a:effectRef>
-        <a:fontRef idx="minor"/>
-      </dsp:style>
-    </dsp:sp>
-    <dsp:sp modelId="{5296C6BE-4DA7-42F0-9789-251757F03A74}">
-      <dsp:nvSpPr>
-        <dsp:cNvPr id="0" name=""/>
-        <dsp:cNvSpPr/>
-      </dsp:nvSpPr>
-      <dsp:spPr>
-        <a:xfrm>
-          <a:off x="2299568" y="2644545"/>
-          <a:ext cx="2315132" cy="568311"/>
-        </a:xfrm>
-        <a:prstGeom prst="roundRect">
-          <a:avLst>
-            <a:gd name="adj" fmla="val 10000"/>
-          </a:avLst>
-        </a:prstGeom>
-        <a:solidFill>
-          <a:schemeClr val="dk1">
-            <a:alpha val="90000"/>
-            <a:tint val="40000"/>
-            <a:hueOff val="0"/>
-            <a:satOff val="0"/>
-            <a:lumOff val="0"/>
-            <a:alphaOff val="0"/>
-          </a:schemeClr>
-        </a:solidFill>
-        <a:ln w="12700" cap="flat" cmpd="sng" algn="ctr">
-          <a:solidFill>
-            <a:schemeClr val="dk1">
-              <a:hueOff val="0"/>
-              <a:satOff val="0"/>
-              <a:lumOff val="0"/>
-              <a:alphaOff val="0"/>
-            </a:schemeClr>
-          </a:solidFill>
-          <a:prstDash val="solid"/>
-          <a:miter lim="800000"/>
-        </a:ln>
-        <a:effectLst/>
-      </dsp:spPr>
-      <dsp:style>
-        <a:lnRef idx="2">
-          <a:scrgbClr r="0" g="0" b="0"/>
-        </a:lnRef>
-        <a:fillRef idx="1">
-          <a:scrgbClr r="0" g="0" b="0"/>
-        </a:fillRef>
-        <a:effectRef idx="0">
-          <a:scrgbClr r="0" g="0" b="0"/>
-        </a:effectRef>
-        <a:fontRef idx="minor"/>
-      </dsp:style>
-      <dsp:txBody>
-        <a:bodyPr spcFirstLastPara="0" vert="horz" wrap="square" lIns="34290" tIns="22860" rIns="34290" bIns="22860" numCol="1" spcCol="1270" anchor="ctr" anchorCtr="0">
-          <a:noAutofit/>
-        </a:bodyPr>
-        <a:lstStyle/>
-        <a:p>
-          <a:pPr marL="0" lvl="0" indent="0" algn="ctr" defTabSz="800100">
-            <a:lnSpc>
-              <a:spcPct val="90000"/>
-            </a:lnSpc>
-            <a:spcBef>
-              <a:spcPct val="0"/>
-            </a:spcBef>
-            <a:spcAft>
-              <a:spcPct val="35000"/>
-            </a:spcAft>
-            <a:buNone/>
-          </a:pPr>
-          <a:r>
-            <a:rPr lang="en-US" sz="1800" kern="1200" dirty="0">
-              <a:latin typeface="Times New Roman" panose="02020603050405020304" pitchFamily="18" charset="0"/>
-              <a:cs typeface="Times New Roman" panose="02020603050405020304" pitchFamily="18" charset="0"/>
-            </a:rPr>
-            <a:t>Slow</a:t>
-          </a:r>
-        </a:p>
-      </dsp:txBody>
-      <dsp:txXfrm>
-        <a:off x="2316213" y="2661190"/>
-        <a:ext cx="2281842" cy="535021"/>
-      </dsp:txXfrm>
-    </dsp:sp>
-    <dsp:sp modelId="{0FEF6BF9-3297-4015-AE05-0DF9B4A40739}">
-      <dsp:nvSpPr>
-        <dsp:cNvPr id="0" name=""/>
-        <dsp:cNvSpPr/>
-      </dsp:nvSpPr>
-      <dsp:spPr>
-        <a:xfrm>
-          <a:off x="2130321" y="608978"/>
-          <a:ext cx="169246" cy="3120690"/>
-        </a:xfrm>
-        <a:custGeom>
-          <a:avLst/>
-          <a:gdLst/>
-          <a:ahLst/>
-          <a:cxnLst/>
-          <a:rect l="0" t="0" r="0" b="0"/>
-          <a:pathLst>
-            <a:path>
-              <a:moveTo>
-                <a:pt x="0" y="0"/>
-              </a:moveTo>
-              <a:lnTo>
-                <a:pt x="0" y="3120690"/>
-              </a:lnTo>
-              <a:lnTo>
-                <a:pt x="169246" y="3120690"/>
-              </a:lnTo>
-            </a:path>
-          </a:pathLst>
-        </a:custGeom>
-        <a:noFill/>
-        <a:ln w="12700" cap="flat" cmpd="sng" algn="ctr">
-          <a:solidFill>
-            <a:schemeClr val="dk1">
-              <a:shade val="60000"/>
-              <a:hueOff val="0"/>
-              <a:satOff val="0"/>
-              <a:lumOff val="0"/>
-              <a:alphaOff val="0"/>
-            </a:schemeClr>
-          </a:solidFill>
-          <a:prstDash val="solid"/>
-          <a:miter lim="800000"/>
-        </a:ln>
-        <a:effectLst/>
-      </dsp:spPr>
-      <dsp:style>
-        <a:lnRef idx="2">
-          <a:scrgbClr r="0" g="0" b="0"/>
-        </a:lnRef>
-        <a:fillRef idx="0">
-          <a:scrgbClr r="0" g="0" b="0"/>
-        </a:fillRef>
-        <a:effectRef idx="0">
-          <a:scrgbClr r="0" g="0" b="0"/>
-        </a:effectRef>
-        <a:fontRef idx="minor"/>
-      </dsp:style>
-    </dsp:sp>
-    <dsp:sp modelId="{2261B539-9226-4D21-AA83-2A101E92624B}">
-      <dsp:nvSpPr>
-        <dsp:cNvPr id="0" name=""/>
-        <dsp:cNvSpPr/>
-      </dsp:nvSpPr>
-      <dsp:spPr>
-        <a:xfrm>
-          <a:off x="2299568" y="3445512"/>
-          <a:ext cx="2315132" cy="568311"/>
-        </a:xfrm>
-        <a:prstGeom prst="roundRect">
-          <a:avLst>
-            <a:gd name="adj" fmla="val 10000"/>
-          </a:avLst>
-        </a:prstGeom>
-        <a:solidFill>
-          <a:schemeClr val="dk1">
-            <a:alpha val="90000"/>
-            <a:tint val="40000"/>
-            <a:hueOff val="0"/>
-            <a:satOff val="0"/>
-            <a:lumOff val="0"/>
-            <a:alphaOff val="0"/>
-          </a:schemeClr>
-        </a:solidFill>
-        <a:ln w="12700" cap="flat" cmpd="sng" algn="ctr">
-          <a:solidFill>
-            <a:schemeClr val="dk1">
-              <a:hueOff val="0"/>
-              <a:satOff val="0"/>
-              <a:lumOff val="0"/>
-              <a:alphaOff val="0"/>
-            </a:schemeClr>
-          </a:solidFill>
-          <a:prstDash val="solid"/>
-          <a:miter lim="800000"/>
-        </a:ln>
-        <a:effectLst/>
-      </dsp:spPr>
-      <dsp:style>
-        <a:lnRef idx="2">
-          <a:scrgbClr r="0" g="0" b="0"/>
-        </a:lnRef>
-        <a:fillRef idx="1">
-          <a:scrgbClr r="0" g="0" b="0"/>
-        </a:fillRef>
-        <a:effectRef idx="0">
-          <a:scrgbClr r="0" g="0" b="0"/>
-        </a:effectRef>
-        <a:fontRef idx="minor"/>
-      </dsp:style>
-      <dsp:txBody>
-        <a:bodyPr spcFirstLastPara="0" vert="horz" wrap="square" lIns="34290" tIns="22860" rIns="34290" bIns="22860" numCol="1" spcCol="1270" anchor="ctr" anchorCtr="0">
-          <a:noAutofit/>
-        </a:bodyPr>
-        <a:lstStyle/>
-        <a:p>
-          <a:pPr marL="0" lvl="0" indent="0" algn="ctr" defTabSz="800100">
-            <a:lnSpc>
-              <a:spcPct val="90000"/>
-            </a:lnSpc>
-            <a:spcBef>
-              <a:spcPct val="0"/>
-            </a:spcBef>
-            <a:spcAft>
-              <a:spcPct val="35000"/>
-            </a:spcAft>
-            <a:buNone/>
-          </a:pPr>
-          <a:r>
-            <a:rPr lang="en-US" sz="1800" kern="1200" dirty="0">
-              <a:latin typeface="Times New Roman" panose="02020603050405020304" pitchFamily="18" charset="0"/>
-              <a:cs typeface="Times New Roman" panose="02020603050405020304" pitchFamily="18" charset="0"/>
-            </a:rPr>
-            <a:t>Limited support for pointers</a:t>
-          </a:r>
-        </a:p>
-      </dsp:txBody>
-      <dsp:txXfrm>
-        <a:off x="2316213" y="3462157"/>
-        <a:ext cx="2281842" cy="535021"/>
-      </dsp:txXfrm>
-    </dsp:sp>
-    <dsp:sp modelId="{B8C871A3-D06E-4E52-9A61-AF81CE5915AD}">
-      <dsp:nvSpPr>
-        <dsp:cNvPr id="0" name=""/>
-        <dsp:cNvSpPr/>
-      </dsp:nvSpPr>
-      <dsp:spPr>
-        <a:xfrm>
-          <a:off x="4720129" y="1012"/>
-          <a:ext cx="1799412" cy="586570"/>
-        </a:xfrm>
-        <a:prstGeom prst="roundRect">
-          <a:avLst>
-            <a:gd name="adj" fmla="val 10000"/>
-          </a:avLst>
-        </a:prstGeom>
-        <a:solidFill>
-          <a:schemeClr val="lt1">
-            <a:hueOff val="0"/>
-            <a:satOff val="0"/>
-            <a:lumOff val="0"/>
-            <a:alphaOff val="0"/>
-          </a:schemeClr>
-        </a:solidFill>
-        <a:ln w="12700" cap="flat" cmpd="sng" algn="ctr">
-          <a:solidFill>
-            <a:schemeClr val="dk1">
-              <a:shade val="80000"/>
-              <a:hueOff val="0"/>
-              <a:satOff val="0"/>
-              <a:lumOff val="0"/>
-              <a:alphaOff val="0"/>
-            </a:schemeClr>
-          </a:solidFill>
-          <a:prstDash val="solid"/>
-          <a:miter lim="800000"/>
-        </a:ln>
-        <a:effectLst/>
-      </dsp:spPr>
-      <dsp:style>
-        <a:lnRef idx="2">
-          <a:scrgbClr r="0" g="0" b="0"/>
-        </a:lnRef>
-        <a:fillRef idx="1">
-          <a:scrgbClr r="0" g="0" b="0"/>
-        </a:fillRef>
-        <a:effectRef idx="0">
-          <a:scrgbClr r="0" g="0" b="0"/>
-        </a:effectRef>
-        <a:fontRef idx="minor">
-          <a:schemeClr val="lt1"/>
-        </a:fontRef>
-      </dsp:style>
-      <dsp:txBody>
-        <a:bodyPr spcFirstLastPara="0" vert="horz" wrap="square" lIns="45720" tIns="30480" rIns="45720" bIns="30480" numCol="1" spcCol="1270" anchor="ctr" anchorCtr="0">
-          <a:noAutofit/>
-        </a:bodyPr>
-        <a:lstStyle/>
-        <a:p>
-          <a:pPr marL="0" lvl="0" indent="0" algn="ctr" defTabSz="1066800">
-            <a:lnSpc>
-              <a:spcPct val="90000"/>
-            </a:lnSpc>
-            <a:spcBef>
-              <a:spcPct val="0"/>
-            </a:spcBef>
-            <a:spcAft>
-              <a:spcPct val="35000"/>
-            </a:spcAft>
-            <a:buNone/>
-          </a:pPr>
-          <a:r>
-            <a:rPr lang="en-US" sz="2400" kern="1200" dirty="0">
-              <a:latin typeface="Times New Roman" panose="02020603050405020304" pitchFamily="18" charset="0"/>
-              <a:cs typeface="Times New Roman" panose="02020603050405020304" pitchFamily="18" charset="0"/>
-            </a:rPr>
-            <a:t>C++</a:t>
-          </a:r>
-        </a:p>
-      </dsp:txBody>
-      <dsp:txXfrm>
-        <a:off x="4737309" y="18192"/>
-        <a:ext cx="1765052" cy="552210"/>
-      </dsp:txXfrm>
-    </dsp:sp>
-    <dsp:sp modelId="{E5FE4AFC-8022-4B9C-9229-C374B127C655}">
-      <dsp:nvSpPr>
-        <dsp:cNvPr id="0" name=""/>
-        <dsp:cNvSpPr/>
-      </dsp:nvSpPr>
-      <dsp:spPr>
-        <a:xfrm>
-          <a:off x="4900070" y="587583"/>
-          <a:ext cx="179941" cy="530161"/>
-        </a:xfrm>
-        <a:custGeom>
-          <a:avLst/>
-          <a:gdLst/>
-          <a:ahLst/>
-          <a:cxnLst/>
-          <a:rect l="0" t="0" r="0" b="0"/>
-          <a:pathLst>
-            <a:path>
-              <a:moveTo>
-                <a:pt x="0" y="0"/>
-              </a:moveTo>
-              <a:lnTo>
-                <a:pt x="0" y="530161"/>
-              </a:lnTo>
-              <a:lnTo>
-                <a:pt x="179941" y="530161"/>
-              </a:lnTo>
-            </a:path>
-          </a:pathLst>
-        </a:custGeom>
-        <a:noFill/>
-        <a:ln w="12700" cap="flat" cmpd="sng" algn="ctr">
-          <a:solidFill>
-            <a:schemeClr val="dk1">
-              <a:shade val="60000"/>
-              <a:hueOff val="0"/>
-              <a:satOff val="0"/>
-              <a:lumOff val="0"/>
-              <a:alphaOff val="0"/>
-            </a:schemeClr>
-          </a:solidFill>
-          <a:prstDash val="solid"/>
-          <a:miter lim="800000"/>
-        </a:ln>
-        <a:effectLst/>
-      </dsp:spPr>
-      <dsp:style>
-        <a:lnRef idx="2">
-          <a:scrgbClr r="0" g="0" b="0"/>
-        </a:lnRef>
-        <a:fillRef idx="0">
-          <a:scrgbClr r="0" g="0" b="0"/>
-        </a:fillRef>
-        <a:effectRef idx="0">
-          <a:scrgbClr r="0" g="0" b="0"/>
-        </a:effectRef>
-        <a:fontRef idx="minor"/>
-      </dsp:style>
-    </dsp:sp>
-    <dsp:sp modelId="{7ACE3FA0-7A53-43FC-A581-6594845CED56}">
-      <dsp:nvSpPr>
-        <dsp:cNvPr id="0" name=""/>
-        <dsp:cNvSpPr/>
-      </dsp:nvSpPr>
-      <dsp:spPr>
-        <a:xfrm>
-          <a:off x="5080011" y="820239"/>
-          <a:ext cx="2329501" cy="595011"/>
-        </a:xfrm>
-        <a:prstGeom prst="roundRect">
-          <a:avLst>
-            <a:gd name="adj" fmla="val 10000"/>
-          </a:avLst>
-        </a:prstGeom>
-        <a:solidFill>
-          <a:schemeClr val="dk1">
-            <a:alpha val="90000"/>
-            <a:tint val="40000"/>
-            <a:hueOff val="0"/>
-            <a:satOff val="0"/>
-            <a:lumOff val="0"/>
-            <a:alphaOff val="0"/>
-          </a:schemeClr>
-        </a:solidFill>
-        <a:ln w="12700" cap="flat" cmpd="sng" algn="ctr">
-          <a:solidFill>
-            <a:schemeClr val="dk1">
-              <a:hueOff val="0"/>
-              <a:satOff val="0"/>
-              <a:lumOff val="0"/>
-              <a:alphaOff val="0"/>
-            </a:schemeClr>
-          </a:solidFill>
-          <a:prstDash val="solid"/>
-          <a:miter lim="800000"/>
-        </a:ln>
-        <a:effectLst/>
-      </dsp:spPr>
-      <dsp:style>
-        <a:lnRef idx="2">
-          <a:scrgbClr r="0" g="0" b="0"/>
-        </a:lnRef>
-        <a:fillRef idx="1">
-          <a:scrgbClr r="0" g="0" b="0"/>
-        </a:fillRef>
-        <a:effectRef idx="0">
-          <a:scrgbClr r="0" g="0" b="0"/>
-        </a:effectRef>
-        <a:fontRef idx="minor"/>
-      </dsp:style>
-      <dsp:txBody>
-        <a:bodyPr spcFirstLastPara="0" vert="horz" wrap="square" lIns="34290" tIns="22860" rIns="34290" bIns="22860" numCol="1" spcCol="1270" anchor="ctr" anchorCtr="0">
-          <a:noAutofit/>
-        </a:bodyPr>
-        <a:lstStyle/>
-        <a:p>
-          <a:pPr marL="0" lvl="0" indent="0" algn="ctr" defTabSz="800100">
-            <a:lnSpc>
-              <a:spcPct val="90000"/>
-            </a:lnSpc>
-            <a:spcBef>
-              <a:spcPct val="0"/>
-            </a:spcBef>
-            <a:spcAft>
-              <a:spcPct val="35000"/>
-            </a:spcAft>
-            <a:buNone/>
-          </a:pPr>
-          <a:r>
-            <a:rPr lang="en-US" sz="1800" kern="1200" dirty="0">
-              <a:latin typeface="Times New Roman" panose="02020603050405020304" pitchFamily="18" charset="0"/>
-              <a:cs typeface="Times New Roman" panose="02020603050405020304" pitchFamily="18" charset="0"/>
-            </a:rPr>
-            <a:t>Platform dependent</a:t>
-          </a:r>
-        </a:p>
-      </dsp:txBody>
-      <dsp:txXfrm>
-        <a:off x="5097438" y="837666"/>
-        <a:ext cx="2294647" cy="560157"/>
-      </dsp:txXfrm>
-    </dsp:sp>
-    <dsp:sp modelId="{FC2696EE-11D6-45BC-8083-79D7396639B6}">
-      <dsp:nvSpPr>
-        <dsp:cNvPr id="0" name=""/>
-        <dsp:cNvSpPr/>
-      </dsp:nvSpPr>
-      <dsp:spPr>
-        <a:xfrm>
-          <a:off x="4900070" y="587583"/>
-          <a:ext cx="179941" cy="1451741"/>
-        </a:xfrm>
-        <a:custGeom>
-          <a:avLst/>
-          <a:gdLst/>
-          <a:ahLst/>
-          <a:cxnLst/>
-          <a:rect l="0" t="0" r="0" b="0"/>
-          <a:pathLst>
-            <a:path>
-              <a:moveTo>
-                <a:pt x="0" y="0"/>
-              </a:moveTo>
-              <a:lnTo>
-                <a:pt x="0" y="1451741"/>
-              </a:lnTo>
-              <a:lnTo>
-                <a:pt x="179941" y="1451741"/>
-              </a:lnTo>
-            </a:path>
-          </a:pathLst>
-        </a:custGeom>
-        <a:noFill/>
-        <a:ln w="12700" cap="flat" cmpd="sng" algn="ctr">
-          <a:solidFill>
-            <a:schemeClr val="dk1">
-              <a:shade val="60000"/>
-              <a:hueOff val="0"/>
-              <a:satOff val="0"/>
-              <a:lumOff val="0"/>
-              <a:alphaOff val="0"/>
-            </a:schemeClr>
-          </a:solidFill>
-          <a:prstDash val="solid"/>
-          <a:miter lim="800000"/>
-        </a:ln>
-        <a:effectLst/>
-      </dsp:spPr>
-      <dsp:style>
-        <a:lnRef idx="2">
-          <a:scrgbClr r="0" g="0" b="0"/>
-        </a:lnRef>
-        <a:fillRef idx="0">
-          <a:scrgbClr r="0" g="0" b="0"/>
-        </a:fillRef>
-        <a:effectRef idx="0">
-          <a:scrgbClr r="0" g="0" b="0"/>
-        </a:effectRef>
-        <a:fontRef idx="minor"/>
-      </dsp:style>
-    </dsp:sp>
-    <dsp:sp modelId="{C4E05718-22FF-4CE3-BC14-6E2E1DD85174}">
-      <dsp:nvSpPr>
-        <dsp:cNvPr id="0" name=""/>
-        <dsp:cNvSpPr/>
-      </dsp:nvSpPr>
-      <dsp:spPr>
-        <a:xfrm>
-          <a:off x="5080011" y="1647905"/>
-          <a:ext cx="2298441" cy="782838"/>
-        </a:xfrm>
-        <a:prstGeom prst="roundRect">
-          <a:avLst>
-            <a:gd name="adj" fmla="val 10000"/>
-          </a:avLst>
-        </a:prstGeom>
-        <a:solidFill>
-          <a:schemeClr val="dk1">
-            <a:alpha val="90000"/>
-            <a:tint val="40000"/>
-            <a:hueOff val="0"/>
-            <a:satOff val="0"/>
-            <a:lumOff val="0"/>
-            <a:alphaOff val="0"/>
-          </a:schemeClr>
-        </a:solidFill>
-        <a:ln w="12700" cap="flat" cmpd="sng" algn="ctr">
-          <a:solidFill>
-            <a:schemeClr val="dk1">
-              <a:hueOff val="0"/>
-              <a:satOff val="0"/>
-              <a:lumOff val="0"/>
-              <a:alphaOff val="0"/>
-            </a:schemeClr>
-          </a:solidFill>
-          <a:prstDash val="solid"/>
-          <a:miter lim="800000"/>
-        </a:ln>
-        <a:effectLst/>
-      </dsp:spPr>
-      <dsp:style>
-        <a:lnRef idx="2">
-          <a:scrgbClr r="0" g="0" b="0"/>
-        </a:lnRef>
-        <a:fillRef idx="1">
-          <a:scrgbClr r="0" g="0" b="0"/>
-        </a:fillRef>
-        <a:effectRef idx="0">
-          <a:scrgbClr r="0" g="0" b="0"/>
-        </a:effectRef>
-        <a:fontRef idx="minor"/>
-      </dsp:style>
-      <dsp:txBody>
-        <a:bodyPr spcFirstLastPara="0" vert="horz" wrap="square" lIns="34290" tIns="22860" rIns="34290" bIns="22860" numCol="1" spcCol="1270" anchor="ctr" anchorCtr="0">
-          <a:noAutofit/>
-        </a:bodyPr>
-        <a:lstStyle/>
-        <a:p>
-          <a:pPr marL="0" lvl="0" indent="0" algn="ctr" defTabSz="800100">
-            <a:lnSpc>
-              <a:spcPct val="90000"/>
-            </a:lnSpc>
-            <a:spcBef>
-              <a:spcPct val="0"/>
-            </a:spcBef>
-            <a:spcAft>
-              <a:spcPct val="35000"/>
-            </a:spcAft>
-            <a:buNone/>
-          </a:pPr>
-          <a:r>
-            <a:rPr lang="en-US" sz="1800" kern="1200" dirty="0">
-              <a:latin typeface="Times New Roman" panose="02020603050405020304" pitchFamily="18" charset="0"/>
-              <a:cs typeface="Times New Roman" panose="02020603050405020304" pitchFamily="18" charset="0"/>
-            </a:rPr>
-            <a:t>Memory management is handled manually</a:t>
-          </a:r>
-        </a:p>
-      </dsp:txBody>
-      <dsp:txXfrm>
-        <a:off x="5102940" y="1670834"/>
-        <a:ext cx="2252583" cy="736980"/>
-      </dsp:txXfrm>
-    </dsp:sp>
-    <dsp:sp modelId="{7BC1F6EB-6DC2-448C-915E-A83E9083E0B9}">
-      <dsp:nvSpPr>
-        <dsp:cNvPr id="0" name=""/>
-        <dsp:cNvSpPr/>
-      </dsp:nvSpPr>
-      <dsp:spPr>
-        <a:xfrm>
-          <a:off x="4900070" y="587583"/>
-          <a:ext cx="179941" cy="2373321"/>
-        </a:xfrm>
-        <a:custGeom>
-          <a:avLst/>
-          <a:gdLst/>
-          <a:ahLst/>
-          <a:cxnLst/>
-          <a:rect l="0" t="0" r="0" b="0"/>
-          <a:pathLst>
-            <a:path>
-              <a:moveTo>
-                <a:pt x="0" y="0"/>
-              </a:moveTo>
-              <a:lnTo>
-                <a:pt x="0" y="2373321"/>
-              </a:lnTo>
-              <a:lnTo>
-                <a:pt x="179941" y="2373321"/>
-              </a:lnTo>
-            </a:path>
-          </a:pathLst>
-        </a:custGeom>
-        <a:noFill/>
-        <a:ln w="12700" cap="flat" cmpd="sng" algn="ctr">
-          <a:solidFill>
-            <a:schemeClr val="dk1">
-              <a:shade val="60000"/>
-              <a:hueOff val="0"/>
-              <a:satOff val="0"/>
-              <a:lumOff val="0"/>
-              <a:alphaOff val="0"/>
-            </a:schemeClr>
-          </a:solidFill>
-          <a:prstDash val="solid"/>
-          <a:miter lim="800000"/>
-        </a:ln>
-        <a:effectLst/>
-      </dsp:spPr>
-      <dsp:style>
-        <a:lnRef idx="2">
-          <a:scrgbClr r="0" g="0" b="0"/>
-        </a:lnRef>
-        <a:fillRef idx="0">
-          <a:scrgbClr r="0" g="0" b="0"/>
-        </a:fillRef>
-        <a:effectRef idx="0">
-          <a:scrgbClr r="0" g="0" b="0"/>
-        </a:effectRef>
-        <a:fontRef idx="minor"/>
-      </dsp:style>
-    </dsp:sp>
-    <dsp:sp modelId="{CD2A95C6-83F3-48B3-AE89-8882DB046EB5}">
-      <dsp:nvSpPr>
-        <dsp:cNvPr id="0" name=""/>
-        <dsp:cNvSpPr/>
-      </dsp:nvSpPr>
-      <dsp:spPr>
-        <a:xfrm>
-          <a:off x="5080011" y="2663399"/>
-          <a:ext cx="2359222" cy="595011"/>
-        </a:xfrm>
-        <a:prstGeom prst="roundRect">
-          <a:avLst>
-            <a:gd name="adj" fmla="val 10000"/>
-          </a:avLst>
-        </a:prstGeom>
-        <a:solidFill>
-          <a:schemeClr val="dk1">
-            <a:alpha val="90000"/>
-            <a:tint val="40000"/>
-            <a:hueOff val="0"/>
-            <a:satOff val="0"/>
-            <a:lumOff val="0"/>
-            <a:alphaOff val="0"/>
-          </a:schemeClr>
-        </a:solidFill>
-        <a:ln w="12700" cap="flat" cmpd="sng" algn="ctr">
-          <a:solidFill>
-            <a:schemeClr val="dk1">
-              <a:hueOff val="0"/>
-              <a:satOff val="0"/>
-              <a:lumOff val="0"/>
-              <a:alphaOff val="0"/>
-            </a:schemeClr>
-          </a:solidFill>
-          <a:prstDash val="solid"/>
-          <a:miter lim="800000"/>
-        </a:ln>
-        <a:effectLst/>
-      </dsp:spPr>
-      <dsp:style>
-        <a:lnRef idx="2">
-          <a:scrgbClr r="0" g="0" b="0"/>
-        </a:lnRef>
-        <a:fillRef idx="1">
-          <a:scrgbClr r="0" g="0" b="0"/>
-        </a:fillRef>
-        <a:effectRef idx="0">
-          <a:scrgbClr r="0" g="0" b="0"/>
-        </a:effectRef>
-        <a:fontRef idx="minor"/>
-      </dsp:style>
-      <dsp:txBody>
-        <a:bodyPr spcFirstLastPara="0" vert="horz" wrap="square" lIns="34290" tIns="22860" rIns="34290" bIns="22860" numCol="1" spcCol="1270" anchor="ctr" anchorCtr="0">
-          <a:noAutofit/>
-        </a:bodyPr>
-        <a:lstStyle/>
-        <a:p>
-          <a:pPr marL="0" lvl="0" indent="0" algn="ctr" defTabSz="800100">
-            <a:lnSpc>
-              <a:spcPct val="90000"/>
-            </a:lnSpc>
-            <a:spcBef>
-              <a:spcPct val="0"/>
-            </a:spcBef>
-            <a:spcAft>
-              <a:spcPct val="35000"/>
-            </a:spcAft>
-            <a:buNone/>
-          </a:pPr>
-          <a:r>
-            <a:rPr lang="en-US" sz="1800" kern="1200" dirty="0">
-              <a:latin typeface="Times New Roman" panose="02020603050405020304" pitchFamily="18" charset="0"/>
-              <a:cs typeface="Times New Roman" panose="02020603050405020304" pitchFamily="18" charset="0"/>
-            </a:rPr>
-            <a:t>Fast</a:t>
-          </a:r>
-        </a:p>
-      </dsp:txBody>
-      <dsp:txXfrm>
-        <a:off x="5097438" y="2680826"/>
-        <a:ext cx="2324368" cy="560157"/>
-      </dsp:txXfrm>
-    </dsp:sp>
-    <dsp:sp modelId="{FB31E601-43D1-4DC3-9B20-2487C71AB00A}">
-      <dsp:nvSpPr>
-        <dsp:cNvPr id="0" name=""/>
-        <dsp:cNvSpPr/>
-      </dsp:nvSpPr>
-      <dsp:spPr>
-        <a:xfrm>
-          <a:off x="4900070" y="587583"/>
-          <a:ext cx="179941" cy="3200988"/>
-        </a:xfrm>
-        <a:custGeom>
-          <a:avLst/>
-          <a:gdLst/>
-          <a:ahLst/>
-          <a:cxnLst/>
-          <a:rect l="0" t="0" r="0" b="0"/>
-          <a:pathLst>
-            <a:path>
-              <a:moveTo>
-                <a:pt x="0" y="0"/>
-              </a:moveTo>
-              <a:lnTo>
-                <a:pt x="0" y="3200988"/>
-              </a:lnTo>
-              <a:lnTo>
-                <a:pt x="179941" y="3200988"/>
-              </a:lnTo>
-            </a:path>
-          </a:pathLst>
-        </a:custGeom>
-        <a:noFill/>
-        <a:ln w="12700" cap="flat" cmpd="sng" algn="ctr">
-          <a:solidFill>
-            <a:schemeClr val="dk1">
-              <a:shade val="60000"/>
-              <a:hueOff val="0"/>
-              <a:satOff val="0"/>
-              <a:lumOff val="0"/>
-              <a:alphaOff val="0"/>
-            </a:schemeClr>
-          </a:solidFill>
-          <a:prstDash val="solid"/>
-          <a:miter lim="800000"/>
-        </a:ln>
-        <a:effectLst/>
-      </dsp:spPr>
-      <dsp:style>
-        <a:lnRef idx="2">
-          <a:scrgbClr r="0" g="0" b="0"/>
-        </a:lnRef>
-        <a:fillRef idx="0">
-          <a:scrgbClr r="0" g="0" b="0"/>
-        </a:fillRef>
-        <a:effectRef idx="0">
-          <a:scrgbClr r="0" g="0" b="0"/>
-        </a:effectRef>
-        <a:fontRef idx="minor"/>
-      </dsp:style>
-    </dsp:sp>
-    <dsp:sp modelId="{76830130-1BC2-46EF-9668-D80A3008D433}">
-      <dsp:nvSpPr>
-        <dsp:cNvPr id="0" name=""/>
-        <dsp:cNvSpPr/>
-      </dsp:nvSpPr>
-      <dsp:spPr>
-        <a:xfrm>
-          <a:off x="5080011" y="3491066"/>
-          <a:ext cx="2328161" cy="595011"/>
-        </a:xfrm>
-        <a:prstGeom prst="roundRect">
-          <a:avLst>
-            <a:gd name="adj" fmla="val 10000"/>
-          </a:avLst>
-        </a:prstGeom>
-        <a:solidFill>
-          <a:schemeClr val="dk1">
-            <a:alpha val="90000"/>
-            <a:tint val="40000"/>
-            <a:hueOff val="0"/>
-            <a:satOff val="0"/>
-            <a:lumOff val="0"/>
-            <a:alphaOff val="0"/>
-          </a:schemeClr>
-        </a:solidFill>
-        <a:ln w="12700" cap="flat" cmpd="sng" algn="ctr">
-          <a:solidFill>
-            <a:schemeClr val="dk1">
-              <a:hueOff val="0"/>
-              <a:satOff val="0"/>
-              <a:lumOff val="0"/>
-              <a:alphaOff val="0"/>
-            </a:schemeClr>
-          </a:solidFill>
-          <a:prstDash val="solid"/>
-          <a:miter lim="800000"/>
-        </a:ln>
-        <a:effectLst/>
-      </dsp:spPr>
-      <dsp:style>
-        <a:lnRef idx="2">
-          <a:scrgbClr r="0" g="0" b="0"/>
-        </a:lnRef>
-        <a:fillRef idx="1">
-          <a:scrgbClr r="0" g="0" b="0"/>
-        </a:fillRef>
-        <a:effectRef idx="0">
-          <a:scrgbClr r="0" g="0" b="0"/>
-        </a:effectRef>
-        <a:fontRef idx="minor"/>
-      </dsp:style>
-      <dsp:txBody>
-        <a:bodyPr spcFirstLastPara="0" vert="horz" wrap="square" lIns="36195" tIns="24130" rIns="36195" bIns="24130" numCol="1" spcCol="1270" anchor="ctr" anchorCtr="0">
-          <a:noAutofit/>
-        </a:bodyPr>
-        <a:lstStyle/>
-        <a:p>
-          <a:pPr marL="0" lvl="0" indent="0" algn="ctr" defTabSz="844550">
-            <a:lnSpc>
-              <a:spcPct val="90000"/>
-            </a:lnSpc>
-            <a:spcBef>
-              <a:spcPct val="0"/>
-            </a:spcBef>
-            <a:spcAft>
-              <a:spcPct val="35000"/>
-            </a:spcAft>
-            <a:buNone/>
-          </a:pPr>
-          <a:r>
-            <a:rPr lang="en-US" sz="1900" kern="1200" dirty="0">
-              <a:latin typeface="Times New Roman" panose="02020603050405020304" pitchFamily="18" charset="0"/>
-              <a:cs typeface="Times New Roman" panose="02020603050405020304" pitchFamily="18" charset="0"/>
-            </a:rPr>
-            <a:t>Strongly support pointer</a:t>
-          </a:r>
-        </a:p>
-      </dsp:txBody>
-      <dsp:txXfrm>
-        <a:off x="5097438" y="3508493"/>
-        <a:ext cx="2293307" cy="560157"/>
-      </dsp:txXfrm>
-    </dsp:sp>
   </dsp:spTree>
 </dsp:drawing>
 </file>
@@ -22663,7 +20809,7 @@
           <a:p>
             <a:fld id="{59041DB8-B66F-4DC8-A96E-33677E0F90FF}" type="datetimeFigureOut">
               <a:rPr lang="en-US" smtClean="0"/>
-              <a:t>2/6/2025</a:t>
+              <a:t>2/13/2025</a:t>
             </a:fld>
             <a:endParaRPr lang="en-US"/>
           </a:p>
@@ -22828,7 +20974,7 @@
           <a:p>
             <a:fld id="{DEB49C4A-65AC-492D-9701-81B46C3AD0E4}" type="datetimeFigureOut">
               <a:rPr lang="en-US" smtClean="0"/>
-              <a:t>2/6/2025</a:t>
+              <a:t>2/13/2025</a:t>
             </a:fld>
             <a:endParaRPr lang="en-US"/>
           </a:p>
@@ -25320,7 +23466,7 @@
           <a:p>
             <a:fld id="{384A29A4-78C8-47AB-BA06-22CB45938951}" type="datetime1">
               <a:rPr lang="en-US" smtClean="0"/>
-              <a:t>2/6/2025</a:t>
+              <a:t>2/13/2025</a:t>
             </a:fld>
             <a:endParaRPr lang="en-US"/>
           </a:p>
@@ -25515,7 +23661,7 @@
           <a:p>
             <a:fld id="{E1ED4ACF-2D82-46F2-A8E9-23963AA34E86}" type="datetime1">
               <a:rPr lang="en-US" smtClean="0"/>
-              <a:t>2/6/2025</a:t>
+              <a:t>2/13/2025</a:t>
             </a:fld>
             <a:endParaRPr lang="en-US"/>
           </a:p>
@@ -25699,7 +23845,7 @@
           <a:p>
             <a:fld id="{AE374B5B-21A0-4192-BF4C-38187F1A68D8}" type="datetime1">
               <a:rPr lang="en-US" smtClean="0"/>
-              <a:t>2/6/2025</a:t>
+              <a:t>2/13/2025</a:t>
             </a:fld>
             <a:endParaRPr lang="en-US"/>
           </a:p>
@@ -28040,7 +26186,7 @@
           <a:p>
             <a:fld id="{33B5CF7C-B333-48E1-A4A6-83A3C8B73AC0}" type="datetime1">
               <a:rPr lang="en-US" smtClean="0"/>
-              <a:t>2/6/2025</a:t>
+              <a:t>2/13/2025</a:t>
             </a:fld>
             <a:endParaRPr lang="en-US"/>
           </a:p>
@@ -28493,7 +26639,7 @@
           <a:p>
             <a:fld id="{AE320762-5CBF-4210-AB54-376B091119F8}" type="datetime1">
               <a:rPr lang="en-US" smtClean="0"/>
-              <a:t>2/6/2025</a:t>
+              <a:t>2/13/2025</a:t>
             </a:fld>
             <a:endParaRPr lang="en-US"/>
           </a:p>
@@ -28625,7 +26771,7 @@
           <a:p>
             <a:fld id="{7F0DB371-BF5F-4058-A212-1A908E4D2674}" type="datetime1">
               <a:rPr lang="en-US" smtClean="0"/>
-              <a:t>2/6/2025</a:t>
+              <a:t>2/13/2025</a:t>
             </a:fld>
             <a:endParaRPr lang="en-US"/>
           </a:p>
@@ -30558,7 +28704,7 @@
           <a:p>
             <a:fld id="{60A4083B-90AA-48CF-BAD5-00AA24D7F288}" type="datetime1">
               <a:rPr lang="en-US" smtClean="0"/>
-              <a:t>2/6/2025</a:t>
+              <a:t>2/13/2025</a:t>
             </a:fld>
             <a:endParaRPr lang="en-US"/>
           </a:p>
@@ -32817,7 +30963,7 @@
             <a:fld id="{F5BAF629-ECA2-4CF3-B790-9D9BDED98269}" type="datetime1">
               <a:rPr lang="en-US" smtClean="0"/>
               <a:pPr/>
-              <a:t>2/6/2025</a:t>
+              <a:t>2/13/2025</a:t>
             </a:fld>
             <a:endParaRPr lang="en-US"/>
           </a:p>
@@ -37112,7 +35258,7 @@
             <a:fld id="{B51B2453-8663-4C69-AF73-9FD7B1DEC5D0}" type="datetime1">
               <a:rPr lang="en-US" smtClean="0"/>
               <a:pPr/>
-              <a:t>2/6/2025</a:t>
+              <a:t>2/13/2025</a:t>
             </a:fld>
             <a:endParaRPr lang="en-US" dirty="0"/>
           </a:p>
@@ -37755,6 +35901,5602 @@
           <p:cNvPr id="2" name="Title 1">
             <a:extLst>
               <a:ext uri="{FF2B5EF4-FFF2-40B4-BE49-F238E27FC236}">
+                <a16:creationId xmlns:a16="http://schemas.microsoft.com/office/drawing/2014/main" id="{4F724206-E4BB-018D-9AC5-045B6128F5EA}"/>
+              </a:ext>
+            </a:extLst>
+          </p:cNvPr>
+          <p:cNvSpPr txBox="1">
+            <a:spLocks/>
+          </p:cNvSpPr>
+          <p:nvPr/>
+        </p:nvSpPr>
+        <p:spPr>
+          <a:xfrm>
+            <a:off x="1295400" y="503854"/>
+            <a:ext cx="9601200" cy="687638"/>
+          </a:xfrm>
+          <a:prstGeom prst="rect">
+            <a:avLst/>
+          </a:prstGeom>
+        </p:spPr>
+        <p:txBody>
+          <a:bodyPr/>
+          <a:lstStyle>
+            <a:lvl1pPr algn="l" defTabSz="914400" rtl="0" eaLnBrk="1" latinLnBrk="0" hangingPunct="1">
+              <a:lnSpc>
+                <a:spcPct val="90000"/>
+              </a:lnSpc>
+              <a:spcBef>
+                <a:spcPct val="0"/>
+              </a:spcBef>
+              <a:buNone/>
+              <a:defRPr sz="3200" b="1" kern="1200">
+                <a:solidFill>
+                  <a:schemeClr val="accent1">
+                    <a:lumMod val="75000"/>
+                  </a:schemeClr>
+                </a:solidFill>
+                <a:latin typeface="+mj-lt"/>
+                <a:ea typeface="+mj-ea"/>
+                <a:cs typeface="+mj-cs"/>
+              </a:defRPr>
+            </a:lvl1pPr>
+          </a:lstStyle>
+          <a:p>
+            <a:r>
+              <a:rPr lang="en-US" sz="2800" dirty="0">
+                <a:latin typeface="Times New Roman" panose="02020603050405020304" pitchFamily="18" charset="0"/>
+                <a:cs typeface="Times New Roman" panose="02020603050405020304" pitchFamily="18" charset="0"/>
+              </a:rPr>
+              <a:t>Operators in Java</a:t>
+            </a:r>
+          </a:p>
+        </p:txBody>
+      </p:sp>
+      <p:sp>
+        <p:nvSpPr>
+          <p:cNvPr id="3" name="Content Placeholder 2">
+            <a:extLst>
+              <a:ext uri="{FF2B5EF4-FFF2-40B4-BE49-F238E27FC236}">
+                <a16:creationId xmlns:a16="http://schemas.microsoft.com/office/drawing/2014/main" id="{95F85ED5-48DB-3212-0C76-254EFA007F0D}"/>
+              </a:ext>
+            </a:extLst>
+          </p:cNvPr>
+          <p:cNvSpPr txBox="1">
+            <a:spLocks/>
+          </p:cNvSpPr>
+          <p:nvPr/>
+        </p:nvSpPr>
+        <p:spPr>
+          <a:xfrm>
+            <a:off x="1295400" y="1981201"/>
+            <a:ext cx="9601200" cy="3809999"/>
+          </a:xfrm>
+          <a:prstGeom prst="rect">
+            <a:avLst/>
+          </a:prstGeom>
+        </p:spPr>
+        <p:txBody>
+          <a:bodyPr/>
+          <a:lstStyle>
+            <a:lvl1pPr marL="228600" indent="-228600" algn="l" defTabSz="914400" rtl="0" eaLnBrk="1" latinLnBrk="0" hangingPunct="1">
+              <a:lnSpc>
+                <a:spcPct val="90000"/>
+              </a:lnSpc>
+              <a:spcBef>
+                <a:spcPts val="1800"/>
+              </a:spcBef>
+              <a:buClr>
+                <a:schemeClr val="accent1">
+                  <a:lumMod val="75000"/>
+                </a:schemeClr>
+              </a:buClr>
+              <a:buSzPct val="100000"/>
+              <a:buFont typeface="Arial" pitchFamily="34" charset="0"/>
+              <a:buChar char="▪"/>
+              <a:defRPr sz="2000" kern="1200">
+                <a:solidFill>
+                  <a:schemeClr val="tx1"/>
+                </a:solidFill>
+                <a:latin typeface="+mn-lt"/>
+                <a:ea typeface="+mn-ea"/>
+                <a:cs typeface="+mn-cs"/>
+              </a:defRPr>
+            </a:lvl1pPr>
+            <a:lvl2pPr marL="457200" indent="-182880" algn="l" defTabSz="914400" rtl="0" eaLnBrk="1" latinLnBrk="0" hangingPunct="1">
+              <a:lnSpc>
+                <a:spcPct val="90000"/>
+              </a:lnSpc>
+              <a:spcBef>
+                <a:spcPts val="1200"/>
+              </a:spcBef>
+              <a:buClr>
+                <a:schemeClr val="accent1">
+                  <a:lumMod val="75000"/>
+                </a:schemeClr>
+              </a:buClr>
+              <a:buSzPct val="100000"/>
+              <a:buFont typeface="Arial" pitchFamily="34" charset="0"/>
+              <a:buChar char="▪"/>
+              <a:defRPr sz="1800" kern="1200">
+                <a:solidFill>
+                  <a:schemeClr val="tx1"/>
+                </a:solidFill>
+                <a:latin typeface="+mn-lt"/>
+                <a:ea typeface="+mn-ea"/>
+                <a:cs typeface="+mn-cs"/>
+              </a:defRPr>
+            </a:lvl2pPr>
+            <a:lvl3pPr marL="685800" indent="-179388" algn="l" defTabSz="914400" rtl="0" eaLnBrk="1" latinLnBrk="0" hangingPunct="1">
+              <a:lnSpc>
+                <a:spcPct val="90000"/>
+              </a:lnSpc>
+              <a:spcBef>
+                <a:spcPts val="800"/>
+              </a:spcBef>
+              <a:buClr>
+                <a:schemeClr val="accent1">
+                  <a:lumMod val="75000"/>
+                </a:schemeClr>
+              </a:buClr>
+              <a:buSzPct val="100000"/>
+              <a:buFont typeface="Arial" pitchFamily="34" charset="0"/>
+              <a:buChar char="▪"/>
+              <a:defRPr sz="1600" kern="1200">
+                <a:solidFill>
+                  <a:schemeClr val="tx1"/>
+                </a:solidFill>
+                <a:latin typeface="+mn-lt"/>
+                <a:ea typeface="+mn-ea"/>
+                <a:cs typeface="+mn-cs"/>
+              </a:defRPr>
+            </a:lvl3pPr>
+            <a:lvl4pPr marL="914400" indent="-182880" algn="l" defTabSz="914400" rtl="0" eaLnBrk="1" latinLnBrk="0" hangingPunct="1">
+              <a:lnSpc>
+                <a:spcPct val="90000"/>
+              </a:lnSpc>
+              <a:spcBef>
+                <a:spcPts val="800"/>
+              </a:spcBef>
+              <a:buClr>
+                <a:schemeClr val="accent1">
+                  <a:lumMod val="75000"/>
+                </a:schemeClr>
+              </a:buClr>
+              <a:buSzPct val="100000"/>
+              <a:buFont typeface="Arial" pitchFamily="34" charset="0"/>
+              <a:buChar char="▪"/>
+              <a:defRPr sz="1400" kern="1200">
+                <a:solidFill>
+                  <a:schemeClr val="tx1"/>
+                </a:solidFill>
+                <a:latin typeface="+mn-lt"/>
+                <a:ea typeface="+mn-ea"/>
+                <a:cs typeface="+mn-cs"/>
+              </a:defRPr>
+            </a:lvl4pPr>
+            <a:lvl5pPr marL="1143000" indent="-179388" algn="l" defTabSz="914400" rtl="0" eaLnBrk="1" latinLnBrk="0" hangingPunct="1">
+              <a:lnSpc>
+                <a:spcPct val="90000"/>
+              </a:lnSpc>
+              <a:spcBef>
+                <a:spcPts val="600"/>
+              </a:spcBef>
+              <a:buClr>
+                <a:schemeClr val="accent1">
+                  <a:lumMod val="75000"/>
+                </a:schemeClr>
+              </a:buClr>
+              <a:buSzPct val="100000"/>
+              <a:buFont typeface="Arial" pitchFamily="34" charset="0"/>
+              <a:buChar char="▪"/>
+              <a:defRPr sz="1400" kern="1200">
+                <a:solidFill>
+                  <a:schemeClr val="tx1"/>
+                </a:solidFill>
+                <a:latin typeface="+mn-lt"/>
+                <a:ea typeface="+mn-ea"/>
+                <a:cs typeface="+mn-cs"/>
+              </a:defRPr>
+            </a:lvl5pPr>
+            <a:lvl6pPr marL="1371600" indent="-182880" algn="l" defTabSz="914400" rtl="0" eaLnBrk="1" latinLnBrk="0" hangingPunct="1">
+              <a:lnSpc>
+                <a:spcPct val="90000"/>
+              </a:lnSpc>
+              <a:spcBef>
+                <a:spcPts val="600"/>
+              </a:spcBef>
+              <a:buClr>
+                <a:schemeClr val="accent1">
+                  <a:lumMod val="75000"/>
+                </a:schemeClr>
+              </a:buClr>
+              <a:buSzPct val="100000"/>
+              <a:buFont typeface="Arial" pitchFamily="34" charset="0"/>
+              <a:buChar char="▪"/>
+              <a:defRPr sz="1400" kern="1200">
+                <a:solidFill>
+                  <a:schemeClr val="tx1"/>
+                </a:solidFill>
+                <a:latin typeface="+mn-lt"/>
+                <a:ea typeface="+mn-ea"/>
+                <a:cs typeface="+mn-cs"/>
+              </a:defRPr>
+            </a:lvl6pPr>
+            <a:lvl7pPr marL="1600200" indent="-179388" algn="l" defTabSz="914400" rtl="0" eaLnBrk="1" latinLnBrk="0" hangingPunct="1">
+              <a:lnSpc>
+                <a:spcPct val="90000"/>
+              </a:lnSpc>
+              <a:spcBef>
+                <a:spcPts val="600"/>
+              </a:spcBef>
+              <a:buClr>
+                <a:schemeClr val="accent1">
+                  <a:lumMod val="75000"/>
+                </a:schemeClr>
+              </a:buClr>
+              <a:buSzPct val="100000"/>
+              <a:buFont typeface="Arial" pitchFamily="34" charset="0"/>
+              <a:buChar char="▪"/>
+              <a:defRPr sz="1400" kern="1200">
+                <a:solidFill>
+                  <a:schemeClr val="tx1"/>
+                </a:solidFill>
+                <a:latin typeface="+mn-lt"/>
+                <a:ea typeface="+mn-ea"/>
+                <a:cs typeface="+mn-cs"/>
+              </a:defRPr>
+            </a:lvl7pPr>
+            <a:lvl8pPr marL="1828800" indent="-182880" algn="l" defTabSz="914400" rtl="0" eaLnBrk="1" latinLnBrk="0" hangingPunct="1">
+              <a:lnSpc>
+                <a:spcPct val="90000"/>
+              </a:lnSpc>
+              <a:spcBef>
+                <a:spcPts val="600"/>
+              </a:spcBef>
+              <a:buClr>
+                <a:schemeClr val="accent1">
+                  <a:lumMod val="75000"/>
+                </a:schemeClr>
+              </a:buClr>
+              <a:buSzPct val="100000"/>
+              <a:buFont typeface="Arial" pitchFamily="34" charset="0"/>
+              <a:buChar char="▪"/>
+              <a:defRPr sz="1400" kern="1200">
+                <a:solidFill>
+                  <a:schemeClr val="tx1"/>
+                </a:solidFill>
+                <a:latin typeface="+mn-lt"/>
+                <a:ea typeface="+mn-ea"/>
+                <a:cs typeface="+mn-cs"/>
+              </a:defRPr>
+            </a:lvl8pPr>
+            <a:lvl9pPr marL="1878012" indent="0" algn="l" defTabSz="914400" rtl="0" eaLnBrk="1" latinLnBrk="0" hangingPunct="1">
+              <a:lnSpc>
+                <a:spcPct val="90000"/>
+              </a:lnSpc>
+              <a:spcBef>
+                <a:spcPts val="600"/>
+              </a:spcBef>
+              <a:buClr>
+                <a:schemeClr val="accent1">
+                  <a:lumMod val="75000"/>
+                </a:schemeClr>
+              </a:buClr>
+              <a:buSzPct val="100000"/>
+              <a:buFont typeface="Arial" pitchFamily="34" charset="0"/>
+              <a:buNone/>
+              <a:defRPr sz="1400" kern="1200">
+                <a:solidFill>
+                  <a:schemeClr val="tx1"/>
+                </a:solidFill>
+                <a:latin typeface="+mn-lt"/>
+                <a:ea typeface="+mn-ea"/>
+                <a:cs typeface="+mn-cs"/>
+              </a:defRPr>
+            </a:lvl9pPr>
+          </a:lstStyle>
+          <a:p>
+            <a:r>
+              <a:rPr lang="en-US" sz="1800" dirty="0">
+                <a:latin typeface="Times New Roman" panose="02020603050405020304" pitchFamily="18" charset="0"/>
+                <a:cs typeface="Times New Roman" panose="02020603050405020304" pitchFamily="18" charset="0"/>
+              </a:rPr>
+              <a:t>Mathematical operations.</a:t>
+            </a:r>
+          </a:p>
+          <a:p>
+            <a:endParaRPr lang="en-US" sz="1800" dirty="0">
+              <a:latin typeface="Times New Roman" panose="02020603050405020304" pitchFamily="18" charset="0"/>
+              <a:cs typeface="Times New Roman" panose="02020603050405020304" pitchFamily="18" charset="0"/>
+            </a:endParaRPr>
+          </a:p>
+        </p:txBody>
+      </p:sp>
+      <p:pic>
+        <p:nvPicPr>
+          <p:cNvPr id="4" name="Picture 3">
+            <a:extLst>
+              <a:ext uri="{FF2B5EF4-FFF2-40B4-BE49-F238E27FC236}">
+                <a16:creationId xmlns:a16="http://schemas.microsoft.com/office/drawing/2014/main" id="{A73974BD-A44F-DF76-3512-219139DC3F25}"/>
+              </a:ext>
+            </a:extLst>
+          </p:cNvPr>
+          <p:cNvPicPr>
+            <a:picLocks noChangeAspect="1"/>
+          </p:cNvPicPr>
+          <p:nvPr/>
+        </p:nvPicPr>
+        <p:blipFill>
+          <a:blip r:embed="rId2"/>
+          <a:stretch>
+            <a:fillRect/>
+          </a:stretch>
+        </p:blipFill>
+        <p:spPr>
+          <a:xfrm>
+            <a:off x="1502229" y="2514471"/>
+            <a:ext cx="9054935" cy="3110473"/>
+          </a:xfrm>
+          <a:prstGeom prst="rect">
+            <a:avLst/>
+          </a:prstGeom>
+        </p:spPr>
+      </p:pic>
+    </p:spTree>
+    <p:extLst>
+      <p:ext uri="{BB962C8B-B14F-4D97-AF65-F5344CB8AC3E}">
+        <p14:creationId xmlns:p14="http://schemas.microsoft.com/office/powerpoint/2010/main" val="573496185"/>
+      </p:ext>
+    </p:extLst>
+  </p:cSld>
+  <p:clrMapOvr>
+    <a:masterClrMapping/>
+  </p:clrMapOvr>
+  <mc:AlternateContent xmlns:mc="http://schemas.openxmlformats.org/markup-compatibility/2006" xmlns:p14="http://schemas.microsoft.com/office/powerpoint/2010/main">
+    <mc:Choice Requires="p14">
+      <p:transition spd="med" p14:dur="700">
+        <p:fade/>
+      </p:transition>
+    </mc:Choice>
+    <mc:Fallback xmlns="">
+      <p:transition spd="med">
+        <p:fade/>
+      </p:transition>
+    </mc:Fallback>
+  </mc:AlternateContent>
+</p:sld>
+</file>
+
+<file path=ppt/slides/slide11.xml><?xml version="1.0" encoding="utf-8"?>
+<p:sld xmlns:a="http://schemas.openxmlformats.org/drawingml/2006/main" xmlns:r="http://schemas.openxmlformats.org/officeDocument/2006/relationships" xmlns:p="http://schemas.openxmlformats.org/presentationml/2006/main">
+  <p:cSld>
+    <p:spTree>
+      <p:nvGrpSpPr>
+        <p:cNvPr id="1" name=""/>
+        <p:cNvGrpSpPr/>
+        <p:nvPr/>
+      </p:nvGrpSpPr>
+      <p:grpSpPr>
+        <a:xfrm>
+          <a:off x="0" y="0"/>
+          <a:ext cx="0" cy="0"/>
+          <a:chOff x="0" y="0"/>
+          <a:chExt cx="0" cy="0"/>
+        </a:xfrm>
+      </p:grpSpPr>
+      <p:sp>
+        <p:nvSpPr>
+          <p:cNvPr id="2" name="Title 1">
+            <a:extLst>
+              <a:ext uri="{FF2B5EF4-FFF2-40B4-BE49-F238E27FC236}">
+                <a16:creationId xmlns:a16="http://schemas.microsoft.com/office/drawing/2014/main" id="{5CD160F8-AA74-35B1-F2E8-C1F454787245}"/>
+              </a:ext>
+            </a:extLst>
+          </p:cNvPr>
+          <p:cNvSpPr txBox="1">
+            <a:spLocks/>
+          </p:cNvSpPr>
+          <p:nvPr/>
+        </p:nvSpPr>
+        <p:spPr>
+          <a:xfrm>
+            <a:off x="1295400" y="503854"/>
+            <a:ext cx="9601200" cy="874842"/>
+          </a:xfrm>
+          <a:prstGeom prst="rect">
+            <a:avLst/>
+          </a:prstGeom>
+        </p:spPr>
+        <p:txBody>
+          <a:bodyPr/>
+          <a:lstStyle>
+            <a:lvl1pPr algn="l" defTabSz="914400" rtl="0" eaLnBrk="1" latinLnBrk="0" hangingPunct="1">
+              <a:lnSpc>
+                <a:spcPct val="90000"/>
+              </a:lnSpc>
+              <a:spcBef>
+                <a:spcPct val="0"/>
+              </a:spcBef>
+              <a:buNone/>
+              <a:defRPr sz="3200" b="1" kern="1200">
+                <a:solidFill>
+                  <a:schemeClr val="accent1">
+                    <a:lumMod val="75000"/>
+                  </a:schemeClr>
+                </a:solidFill>
+                <a:latin typeface="+mj-lt"/>
+                <a:ea typeface="+mj-ea"/>
+                <a:cs typeface="+mj-cs"/>
+              </a:defRPr>
+            </a:lvl1pPr>
+          </a:lstStyle>
+          <a:p>
+            <a:r>
+              <a:rPr lang="en-US" sz="2800" dirty="0">
+                <a:latin typeface="Times New Roman" panose="02020603050405020304" pitchFamily="18" charset="0"/>
+                <a:cs typeface="Times New Roman" panose="02020603050405020304" pitchFamily="18" charset="0"/>
+              </a:rPr>
+              <a:t>Relational (Comparison) Operators</a:t>
+            </a:r>
+          </a:p>
+        </p:txBody>
+      </p:sp>
+      <p:sp>
+        <p:nvSpPr>
+          <p:cNvPr id="3" name="TextBox 2">
+            <a:extLst>
+              <a:ext uri="{FF2B5EF4-FFF2-40B4-BE49-F238E27FC236}">
+                <a16:creationId xmlns:a16="http://schemas.microsoft.com/office/drawing/2014/main" id="{0AECEA31-6AD5-E284-38C5-9FB6A4F39F1A}"/>
+              </a:ext>
+            </a:extLst>
+          </p:cNvPr>
+          <p:cNvSpPr txBox="1"/>
+          <p:nvPr/>
+        </p:nvSpPr>
+        <p:spPr>
+          <a:xfrm>
+            <a:off x="1426030" y="4837435"/>
+            <a:ext cx="6106884" cy="646331"/>
+          </a:xfrm>
+          <a:prstGeom prst="rect">
+            <a:avLst/>
+          </a:prstGeom>
+          <a:noFill/>
+        </p:spPr>
+        <p:txBody>
+          <a:bodyPr wrap="square">
+            <a:spAutoFit/>
+          </a:bodyPr>
+          <a:lstStyle/>
+          <a:p>
+            <a:r>
+              <a:rPr lang="en-US" dirty="0"/>
+              <a:t>int x = 5, y = 10; </a:t>
+            </a:r>
+            <a:br>
+              <a:rPr lang="en-US" dirty="0"/>
+            </a:br>
+            <a:r>
+              <a:rPr lang="en-US" dirty="0" err="1"/>
+              <a:t>System.out.println</a:t>
+            </a:r>
+            <a:r>
+              <a:rPr lang="en-US" dirty="0"/>
+              <a:t>(x &lt; y); // Output: true</a:t>
+            </a:r>
+          </a:p>
+        </p:txBody>
+      </p:sp>
+      <p:pic>
+        <p:nvPicPr>
+          <p:cNvPr id="4" name="Content Placeholder 7">
+            <a:extLst>
+              <a:ext uri="{FF2B5EF4-FFF2-40B4-BE49-F238E27FC236}">
+                <a16:creationId xmlns:a16="http://schemas.microsoft.com/office/drawing/2014/main" id="{218F0CAB-1E0E-E4ED-31C0-8502B1561D69}"/>
+              </a:ext>
+            </a:extLst>
+          </p:cNvPr>
+          <p:cNvPicPr>
+            <a:picLocks noChangeAspect="1"/>
+          </p:cNvPicPr>
+          <p:nvPr/>
+        </p:nvPicPr>
+        <p:blipFill>
+          <a:blip r:embed="rId2"/>
+          <a:stretch>
+            <a:fillRect/>
+          </a:stretch>
+        </p:blipFill>
+        <p:spPr>
+          <a:xfrm>
+            <a:off x="1426030" y="1646237"/>
+            <a:ext cx="7861302" cy="2923657"/>
+          </a:xfrm>
+          <a:prstGeom prst="rect">
+            <a:avLst/>
+          </a:prstGeom>
+        </p:spPr>
+      </p:pic>
+    </p:spTree>
+    <p:extLst>
+      <p:ext uri="{BB962C8B-B14F-4D97-AF65-F5344CB8AC3E}">
+        <p14:creationId xmlns:p14="http://schemas.microsoft.com/office/powerpoint/2010/main" val="3022375830"/>
+      </p:ext>
+    </p:extLst>
+  </p:cSld>
+  <p:clrMapOvr>
+    <a:masterClrMapping/>
+  </p:clrMapOvr>
+  <mc:AlternateContent xmlns:mc="http://schemas.openxmlformats.org/markup-compatibility/2006" xmlns:p14="http://schemas.microsoft.com/office/powerpoint/2010/main">
+    <mc:Choice Requires="p14">
+      <p:transition spd="med" p14:dur="700">
+        <p:fade/>
+      </p:transition>
+    </mc:Choice>
+    <mc:Fallback xmlns="">
+      <p:transition spd="med">
+        <p:fade/>
+      </p:transition>
+    </mc:Fallback>
+  </mc:AlternateContent>
+</p:sld>
+</file>
+
+<file path=ppt/slides/slide12.xml><?xml version="1.0" encoding="utf-8"?>
+<p:sld xmlns:a="http://schemas.openxmlformats.org/drawingml/2006/main" xmlns:r="http://schemas.openxmlformats.org/officeDocument/2006/relationships" xmlns:p="http://schemas.openxmlformats.org/presentationml/2006/main">
+  <p:cSld>
+    <p:spTree>
+      <p:nvGrpSpPr>
+        <p:cNvPr id="1" name=""/>
+        <p:cNvGrpSpPr/>
+        <p:nvPr/>
+      </p:nvGrpSpPr>
+      <p:grpSpPr>
+        <a:xfrm>
+          <a:off x="0" y="0"/>
+          <a:ext cx="0" cy="0"/>
+          <a:chOff x="0" y="0"/>
+          <a:chExt cx="0" cy="0"/>
+        </a:xfrm>
+      </p:grpSpPr>
+      <p:sp>
+        <p:nvSpPr>
+          <p:cNvPr id="2" name="Title 1">
+            <a:extLst>
+              <a:ext uri="{FF2B5EF4-FFF2-40B4-BE49-F238E27FC236}">
+                <a16:creationId xmlns:a16="http://schemas.microsoft.com/office/drawing/2014/main" id="{49121D7D-F3CB-687F-2891-68F13B61745A}"/>
+              </a:ext>
+            </a:extLst>
+          </p:cNvPr>
+          <p:cNvSpPr>
+            <a:spLocks noGrp="1"/>
+          </p:cNvSpPr>
+          <p:nvPr>
+            <p:ph type="title"/>
+          </p:nvPr>
+        </p:nvSpPr>
+        <p:spPr>
+          <a:xfrm>
+            <a:off x="1295400" y="503854"/>
+            <a:ext cx="9601200" cy="590656"/>
+          </a:xfrm>
+        </p:spPr>
+        <p:txBody>
+          <a:bodyPr>
+            <a:normAutofit/>
+          </a:bodyPr>
+          <a:lstStyle/>
+          <a:p>
+            <a:r>
+              <a:rPr lang="en-US" sz="2800" dirty="0">
+                <a:latin typeface="Times New Roman" panose="02020603050405020304" pitchFamily="18" charset="0"/>
+                <a:cs typeface="Times New Roman" panose="02020603050405020304" pitchFamily="18" charset="0"/>
+              </a:rPr>
+              <a:t>Logical Operators</a:t>
+            </a:r>
+          </a:p>
+        </p:txBody>
+      </p:sp>
+      <p:pic>
+        <p:nvPicPr>
+          <p:cNvPr id="3" name="Picture 2">
+            <a:extLst>
+              <a:ext uri="{FF2B5EF4-FFF2-40B4-BE49-F238E27FC236}">
+                <a16:creationId xmlns:a16="http://schemas.microsoft.com/office/drawing/2014/main" id="{A982DC5B-59E8-56E3-D3B5-EC5C6230633D}"/>
+              </a:ext>
+            </a:extLst>
+          </p:cNvPr>
+          <p:cNvPicPr>
+            <a:picLocks noChangeAspect="1"/>
+          </p:cNvPicPr>
+          <p:nvPr/>
+        </p:nvPicPr>
+        <p:blipFill>
+          <a:blip r:embed="rId2"/>
+          <a:stretch>
+            <a:fillRect/>
+          </a:stretch>
+        </p:blipFill>
+        <p:spPr>
+          <a:xfrm>
+            <a:off x="1556199" y="2092036"/>
+            <a:ext cx="8643715" cy="3470564"/>
+          </a:xfrm>
+          <a:prstGeom prst="rect">
+            <a:avLst/>
+          </a:prstGeom>
+        </p:spPr>
+      </p:pic>
+    </p:spTree>
+    <p:extLst>
+      <p:ext uri="{BB962C8B-B14F-4D97-AF65-F5344CB8AC3E}">
+        <p14:creationId xmlns:p14="http://schemas.microsoft.com/office/powerpoint/2010/main" val="2477615366"/>
+      </p:ext>
+    </p:extLst>
+  </p:cSld>
+  <p:clrMapOvr>
+    <a:masterClrMapping/>
+  </p:clrMapOvr>
+  <mc:AlternateContent xmlns:mc="http://schemas.openxmlformats.org/markup-compatibility/2006" xmlns:p14="http://schemas.microsoft.com/office/powerpoint/2010/main">
+    <mc:Choice Requires="p14">
+      <p:transition spd="med" p14:dur="700">
+        <p:fade/>
+      </p:transition>
+    </mc:Choice>
+    <mc:Fallback xmlns="">
+      <p:transition spd="med">
+        <p:fade/>
+      </p:transition>
+    </mc:Fallback>
+  </mc:AlternateContent>
+</p:sld>
+</file>
+
+<file path=ppt/slides/slide13.xml><?xml version="1.0" encoding="utf-8"?>
+<p:sld xmlns:a="http://schemas.openxmlformats.org/drawingml/2006/main" xmlns:r="http://schemas.openxmlformats.org/officeDocument/2006/relationships" xmlns:p="http://schemas.openxmlformats.org/presentationml/2006/main">
+  <p:cSld>
+    <p:spTree>
+      <p:nvGrpSpPr>
+        <p:cNvPr id="1" name=""/>
+        <p:cNvGrpSpPr/>
+        <p:nvPr/>
+      </p:nvGrpSpPr>
+      <p:grpSpPr>
+        <a:xfrm>
+          <a:off x="0" y="0"/>
+          <a:ext cx="0" cy="0"/>
+          <a:chOff x="0" y="0"/>
+          <a:chExt cx="0" cy="0"/>
+        </a:xfrm>
+      </p:grpSpPr>
+      <p:sp>
+        <p:nvSpPr>
+          <p:cNvPr id="2" name="Title 1">
+            <a:extLst>
+              <a:ext uri="{FF2B5EF4-FFF2-40B4-BE49-F238E27FC236}">
+                <a16:creationId xmlns:a16="http://schemas.microsoft.com/office/drawing/2014/main" id="{9F7046F4-CE6D-8C37-E43C-758D823A3EF6}"/>
+              </a:ext>
+            </a:extLst>
+          </p:cNvPr>
+          <p:cNvSpPr>
+            <a:spLocks noGrp="1"/>
+          </p:cNvSpPr>
+          <p:nvPr>
+            <p:ph type="title"/>
+          </p:nvPr>
+        </p:nvSpPr>
+        <p:spPr>
+          <a:xfrm>
+            <a:off x="1295400" y="503854"/>
+            <a:ext cx="9601200" cy="950874"/>
+          </a:xfrm>
+        </p:spPr>
+        <p:txBody>
+          <a:bodyPr>
+            <a:normAutofit/>
+          </a:bodyPr>
+          <a:lstStyle/>
+          <a:p>
+            <a:r>
+              <a:rPr lang="en-US" sz="2800" b="1" dirty="0">
+                <a:latin typeface="Times New Roman" panose="02020603050405020304" pitchFamily="18" charset="0"/>
+                <a:cs typeface="Times New Roman" panose="02020603050405020304" pitchFamily="18" charset="0"/>
+              </a:rPr>
+              <a:t>Control Flow</a:t>
+            </a:r>
+            <a:r>
+              <a:rPr lang="en-US" sz="2800" dirty="0">
+                <a:latin typeface="Times New Roman" panose="02020603050405020304" pitchFamily="18" charset="0"/>
+                <a:cs typeface="Times New Roman" panose="02020603050405020304" pitchFamily="18" charset="0"/>
+              </a:rPr>
+              <a:t>:</a:t>
+            </a:r>
+            <a:br>
+              <a:rPr lang="en-US" sz="2800" dirty="0">
+                <a:latin typeface="Times New Roman" panose="02020603050405020304" pitchFamily="18" charset="0"/>
+                <a:cs typeface="Times New Roman" panose="02020603050405020304" pitchFamily="18" charset="0"/>
+              </a:rPr>
+            </a:br>
+            <a:endParaRPr lang="en-US" sz="2800" dirty="0">
+              <a:latin typeface="Times New Roman" panose="02020603050405020304" pitchFamily="18" charset="0"/>
+              <a:cs typeface="Times New Roman" panose="02020603050405020304" pitchFamily="18" charset="0"/>
+            </a:endParaRPr>
+          </a:p>
+        </p:txBody>
+      </p:sp>
+      <p:sp>
+        <p:nvSpPr>
+          <p:cNvPr id="4" name="TextBox 3">
+            <a:extLst>
+              <a:ext uri="{FF2B5EF4-FFF2-40B4-BE49-F238E27FC236}">
+                <a16:creationId xmlns:a16="http://schemas.microsoft.com/office/drawing/2014/main" id="{33005388-1E66-0D82-F381-A36863FC33C4}"/>
+              </a:ext>
+            </a:extLst>
+          </p:cNvPr>
+          <p:cNvSpPr txBox="1"/>
+          <p:nvPr/>
+        </p:nvSpPr>
+        <p:spPr>
+          <a:xfrm>
+            <a:off x="1295400" y="2413337"/>
+            <a:ext cx="7869381" cy="2031325"/>
+          </a:xfrm>
+          <a:prstGeom prst="rect">
+            <a:avLst/>
+          </a:prstGeom>
+          <a:noFill/>
+        </p:spPr>
+        <p:txBody>
+          <a:bodyPr wrap="square">
+            <a:spAutoFit/>
+          </a:bodyPr>
+          <a:lstStyle/>
+          <a:p>
+            <a:r>
+              <a:rPr lang="en-US" b="1" dirty="0">
+                <a:latin typeface="Times New Roman" panose="02020603050405020304" pitchFamily="18" charset="0"/>
+                <a:cs typeface="Times New Roman" panose="02020603050405020304" pitchFamily="18" charset="0"/>
+              </a:rPr>
+              <a:t>Control flow</a:t>
+            </a:r>
+            <a:r>
+              <a:rPr lang="en-US" dirty="0">
+                <a:latin typeface="Times New Roman" panose="02020603050405020304" pitchFamily="18" charset="0"/>
+                <a:cs typeface="Times New Roman" panose="02020603050405020304" pitchFamily="18" charset="0"/>
+              </a:rPr>
+              <a:t> determines the </a:t>
+            </a:r>
+            <a:r>
+              <a:rPr lang="en-US" b="1" dirty="0">
+                <a:latin typeface="Times New Roman" panose="02020603050405020304" pitchFamily="18" charset="0"/>
+                <a:cs typeface="Times New Roman" panose="02020603050405020304" pitchFamily="18" charset="0"/>
+              </a:rPr>
+              <a:t>order of execution</a:t>
+            </a:r>
+            <a:r>
+              <a:rPr lang="en-US" dirty="0">
+                <a:latin typeface="Times New Roman" panose="02020603050405020304" pitchFamily="18" charset="0"/>
+                <a:cs typeface="Times New Roman" panose="02020603050405020304" pitchFamily="18" charset="0"/>
+              </a:rPr>
+              <a:t> of statements in Java.</a:t>
+            </a:r>
+          </a:p>
+          <a:p>
+            <a:r>
+              <a:rPr lang="en-US" dirty="0">
+                <a:latin typeface="Times New Roman" panose="02020603050405020304" pitchFamily="18" charset="0"/>
+                <a:cs typeface="Times New Roman" panose="02020603050405020304" pitchFamily="18" charset="0"/>
+              </a:rPr>
+              <a:t>Java provides different types of control flow statements:</a:t>
+            </a:r>
+            <a:br>
+              <a:rPr lang="en-US" dirty="0">
+                <a:latin typeface="Times New Roman" panose="02020603050405020304" pitchFamily="18" charset="0"/>
+                <a:cs typeface="Times New Roman" panose="02020603050405020304" pitchFamily="18" charset="0"/>
+              </a:rPr>
+            </a:br>
+            <a:br>
+              <a:rPr lang="en-US" dirty="0">
+                <a:latin typeface="Times New Roman" panose="02020603050405020304" pitchFamily="18" charset="0"/>
+                <a:cs typeface="Times New Roman" panose="02020603050405020304" pitchFamily="18" charset="0"/>
+              </a:rPr>
+            </a:br>
+            <a:r>
+              <a:rPr lang="en-US" dirty="0">
+                <a:latin typeface="Times New Roman" panose="02020603050405020304" pitchFamily="18" charset="0"/>
+                <a:cs typeface="Times New Roman" panose="02020603050405020304" pitchFamily="18" charset="0"/>
+              </a:rPr>
+              <a:t>- Conditional Statements (if, if-else, switch)</a:t>
+            </a:r>
+          </a:p>
+          <a:p>
+            <a:pPr marL="0" indent="0">
+              <a:buNone/>
+            </a:pPr>
+            <a:r>
+              <a:rPr lang="en-US" dirty="0">
+                <a:latin typeface="Times New Roman" panose="02020603050405020304" pitchFamily="18" charset="0"/>
+                <a:cs typeface="Times New Roman" panose="02020603050405020304" pitchFamily="18" charset="0"/>
+              </a:rPr>
+              <a:t>- Looping Statements (for, while, do-while)</a:t>
+            </a:r>
+          </a:p>
+          <a:p>
+            <a:pPr marL="0" indent="0">
+              <a:buNone/>
+            </a:pPr>
+            <a:r>
+              <a:rPr lang="en-US" dirty="0">
+                <a:latin typeface="Times New Roman" panose="02020603050405020304" pitchFamily="18" charset="0"/>
+                <a:cs typeface="Times New Roman" panose="02020603050405020304" pitchFamily="18" charset="0"/>
+              </a:rPr>
+              <a:t>- Jump Statements (break, continue, return)</a:t>
+            </a:r>
+          </a:p>
+          <a:p>
+            <a:endParaRPr lang="en-US" dirty="0">
+              <a:latin typeface="Times New Roman" panose="02020603050405020304" pitchFamily="18" charset="0"/>
+              <a:cs typeface="Times New Roman" panose="02020603050405020304" pitchFamily="18" charset="0"/>
+            </a:endParaRPr>
+          </a:p>
+        </p:txBody>
+      </p:sp>
+    </p:spTree>
+    <p:extLst>
+      <p:ext uri="{BB962C8B-B14F-4D97-AF65-F5344CB8AC3E}">
+        <p14:creationId xmlns:p14="http://schemas.microsoft.com/office/powerpoint/2010/main" val="288277107"/>
+      </p:ext>
+    </p:extLst>
+  </p:cSld>
+  <p:clrMapOvr>
+    <a:masterClrMapping/>
+  </p:clrMapOvr>
+  <mc:AlternateContent xmlns:mc="http://schemas.openxmlformats.org/markup-compatibility/2006" xmlns:p14="http://schemas.microsoft.com/office/powerpoint/2010/main">
+    <mc:Choice Requires="p14">
+      <p:transition spd="med" p14:dur="700">
+        <p:fade/>
+      </p:transition>
+    </mc:Choice>
+    <mc:Fallback xmlns="">
+      <p:transition spd="med">
+        <p:fade/>
+      </p:transition>
+    </mc:Fallback>
+  </mc:AlternateContent>
+</p:sld>
+</file>
+
+<file path=ppt/slides/slide14.xml><?xml version="1.0" encoding="utf-8"?>
+<p:sld xmlns:a="http://schemas.openxmlformats.org/drawingml/2006/main" xmlns:r="http://schemas.openxmlformats.org/officeDocument/2006/relationships" xmlns:p="http://schemas.openxmlformats.org/presentationml/2006/main">
+  <p:cSld>
+    <p:spTree>
+      <p:nvGrpSpPr>
+        <p:cNvPr id="1" name=""/>
+        <p:cNvGrpSpPr/>
+        <p:nvPr/>
+      </p:nvGrpSpPr>
+      <p:grpSpPr>
+        <a:xfrm>
+          <a:off x="0" y="0"/>
+          <a:ext cx="0" cy="0"/>
+          <a:chOff x="0" y="0"/>
+          <a:chExt cx="0" cy="0"/>
+        </a:xfrm>
+      </p:grpSpPr>
+      <p:sp>
+        <p:nvSpPr>
+          <p:cNvPr id="2" name="Title 1">
+            <a:extLst>
+              <a:ext uri="{FF2B5EF4-FFF2-40B4-BE49-F238E27FC236}">
+                <a16:creationId xmlns:a16="http://schemas.microsoft.com/office/drawing/2014/main" id="{9C735418-3D6B-03F3-836D-A0CC5B81F8D0}"/>
+              </a:ext>
+            </a:extLst>
+          </p:cNvPr>
+          <p:cNvSpPr txBox="1">
+            <a:spLocks/>
+          </p:cNvSpPr>
+          <p:nvPr/>
+        </p:nvSpPr>
+        <p:spPr>
+          <a:xfrm>
+            <a:off x="836431" y="568036"/>
+            <a:ext cx="9601200" cy="777693"/>
+          </a:xfrm>
+          <a:prstGeom prst="rect">
+            <a:avLst/>
+          </a:prstGeom>
+        </p:spPr>
+        <p:txBody>
+          <a:bodyPr/>
+          <a:lstStyle>
+            <a:lvl1pPr algn="l" defTabSz="914400" rtl="0" eaLnBrk="1" latinLnBrk="0" hangingPunct="1">
+              <a:lnSpc>
+                <a:spcPct val="90000"/>
+              </a:lnSpc>
+              <a:spcBef>
+                <a:spcPct val="0"/>
+              </a:spcBef>
+              <a:buNone/>
+              <a:defRPr sz="3200" b="1" kern="1200">
+                <a:solidFill>
+                  <a:schemeClr val="accent1">
+                    <a:lumMod val="75000"/>
+                  </a:schemeClr>
+                </a:solidFill>
+                <a:latin typeface="+mj-lt"/>
+                <a:ea typeface="+mj-ea"/>
+                <a:cs typeface="+mj-cs"/>
+              </a:defRPr>
+            </a:lvl1pPr>
+          </a:lstStyle>
+          <a:p>
+            <a:r>
+              <a:rPr lang="en-US" sz="2800" dirty="0">
+                <a:latin typeface="Times New Roman" panose="02020603050405020304" pitchFamily="18" charset="0"/>
+                <a:cs typeface="Times New Roman" panose="02020603050405020304" pitchFamily="18" charset="0"/>
+              </a:rPr>
+              <a:t>Conditional Statement</a:t>
+            </a:r>
+          </a:p>
+        </p:txBody>
+      </p:sp>
+      <p:sp>
+        <p:nvSpPr>
+          <p:cNvPr id="3" name="Content Placeholder 2">
+            <a:extLst>
+              <a:ext uri="{FF2B5EF4-FFF2-40B4-BE49-F238E27FC236}">
+                <a16:creationId xmlns:a16="http://schemas.microsoft.com/office/drawing/2014/main" id="{53B34961-635E-8033-3AF8-13E12661835B}"/>
+              </a:ext>
+            </a:extLst>
+          </p:cNvPr>
+          <p:cNvSpPr txBox="1">
+            <a:spLocks/>
+          </p:cNvSpPr>
+          <p:nvPr/>
+        </p:nvSpPr>
+        <p:spPr>
+          <a:xfrm>
+            <a:off x="1295400" y="1530345"/>
+            <a:ext cx="9601200" cy="4260856"/>
+          </a:xfrm>
+          <a:prstGeom prst="rect">
+            <a:avLst/>
+          </a:prstGeom>
+        </p:spPr>
+        <p:txBody>
+          <a:bodyPr/>
+          <a:lstStyle>
+            <a:lvl1pPr marL="228600" indent="-228600" algn="l" defTabSz="914400" rtl="0" eaLnBrk="1" latinLnBrk="0" hangingPunct="1">
+              <a:lnSpc>
+                <a:spcPct val="90000"/>
+              </a:lnSpc>
+              <a:spcBef>
+                <a:spcPts val="1800"/>
+              </a:spcBef>
+              <a:buClr>
+                <a:schemeClr val="accent1">
+                  <a:lumMod val="75000"/>
+                </a:schemeClr>
+              </a:buClr>
+              <a:buSzPct val="100000"/>
+              <a:buFont typeface="Arial" pitchFamily="34" charset="0"/>
+              <a:buChar char="▪"/>
+              <a:defRPr sz="2000" kern="1200">
+                <a:solidFill>
+                  <a:schemeClr val="tx1"/>
+                </a:solidFill>
+                <a:latin typeface="+mn-lt"/>
+                <a:ea typeface="+mn-ea"/>
+                <a:cs typeface="+mn-cs"/>
+              </a:defRPr>
+            </a:lvl1pPr>
+            <a:lvl2pPr marL="457200" indent="-182880" algn="l" defTabSz="914400" rtl="0" eaLnBrk="1" latinLnBrk="0" hangingPunct="1">
+              <a:lnSpc>
+                <a:spcPct val="90000"/>
+              </a:lnSpc>
+              <a:spcBef>
+                <a:spcPts val="1200"/>
+              </a:spcBef>
+              <a:buClr>
+                <a:schemeClr val="accent1">
+                  <a:lumMod val="75000"/>
+                </a:schemeClr>
+              </a:buClr>
+              <a:buSzPct val="100000"/>
+              <a:buFont typeface="Arial" pitchFamily="34" charset="0"/>
+              <a:buChar char="▪"/>
+              <a:defRPr sz="1800" kern="1200">
+                <a:solidFill>
+                  <a:schemeClr val="tx1"/>
+                </a:solidFill>
+                <a:latin typeface="+mn-lt"/>
+                <a:ea typeface="+mn-ea"/>
+                <a:cs typeface="+mn-cs"/>
+              </a:defRPr>
+            </a:lvl2pPr>
+            <a:lvl3pPr marL="685800" indent="-179388" algn="l" defTabSz="914400" rtl="0" eaLnBrk="1" latinLnBrk="0" hangingPunct="1">
+              <a:lnSpc>
+                <a:spcPct val="90000"/>
+              </a:lnSpc>
+              <a:spcBef>
+                <a:spcPts val="800"/>
+              </a:spcBef>
+              <a:buClr>
+                <a:schemeClr val="accent1">
+                  <a:lumMod val="75000"/>
+                </a:schemeClr>
+              </a:buClr>
+              <a:buSzPct val="100000"/>
+              <a:buFont typeface="Arial" pitchFamily="34" charset="0"/>
+              <a:buChar char="▪"/>
+              <a:defRPr sz="1600" kern="1200">
+                <a:solidFill>
+                  <a:schemeClr val="tx1"/>
+                </a:solidFill>
+                <a:latin typeface="+mn-lt"/>
+                <a:ea typeface="+mn-ea"/>
+                <a:cs typeface="+mn-cs"/>
+              </a:defRPr>
+            </a:lvl3pPr>
+            <a:lvl4pPr marL="914400" indent="-182880" algn="l" defTabSz="914400" rtl="0" eaLnBrk="1" latinLnBrk="0" hangingPunct="1">
+              <a:lnSpc>
+                <a:spcPct val="90000"/>
+              </a:lnSpc>
+              <a:spcBef>
+                <a:spcPts val="800"/>
+              </a:spcBef>
+              <a:buClr>
+                <a:schemeClr val="accent1">
+                  <a:lumMod val="75000"/>
+                </a:schemeClr>
+              </a:buClr>
+              <a:buSzPct val="100000"/>
+              <a:buFont typeface="Arial" pitchFamily="34" charset="0"/>
+              <a:buChar char="▪"/>
+              <a:defRPr sz="1400" kern="1200">
+                <a:solidFill>
+                  <a:schemeClr val="tx1"/>
+                </a:solidFill>
+                <a:latin typeface="+mn-lt"/>
+                <a:ea typeface="+mn-ea"/>
+                <a:cs typeface="+mn-cs"/>
+              </a:defRPr>
+            </a:lvl4pPr>
+            <a:lvl5pPr marL="1143000" indent="-179388" algn="l" defTabSz="914400" rtl="0" eaLnBrk="1" latinLnBrk="0" hangingPunct="1">
+              <a:lnSpc>
+                <a:spcPct val="90000"/>
+              </a:lnSpc>
+              <a:spcBef>
+                <a:spcPts val="600"/>
+              </a:spcBef>
+              <a:buClr>
+                <a:schemeClr val="accent1">
+                  <a:lumMod val="75000"/>
+                </a:schemeClr>
+              </a:buClr>
+              <a:buSzPct val="100000"/>
+              <a:buFont typeface="Arial" pitchFamily="34" charset="0"/>
+              <a:buChar char="▪"/>
+              <a:defRPr sz="1400" kern="1200">
+                <a:solidFill>
+                  <a:schemeClr val="tx1"/>
+                </a:solidFill>
+                <a:latin typeface="+mn-lt"/>
+                <a:ea typeface="+mn-ea"/>
+                <a:cs typeface="+mn-cs"/>
+              </a:defRPr>
+            </a:lvl5pPr>
+            <a:lvl6pPr marL="1371600" indent="-182880" algn="l" defTabSz="914400" rtl="0" eaLnBrk="1" latinLnBrk="0" hangingPunct="1">
+              <a:lnSpc>
+                <a:spcPct val="90000"/>
+              </a:lnSpc>
+              <a:spcBef>
+                <a:spcPts val="600"/>
+              </a:spcBef>
+              <a:buClr>
+                <a:schemeClr val="accent1">
+                  <a:lumMod val="75000"/>
+                </a:schemeClr>
+              </a:buClr>
+              <a:buSzPct val="100000"/>
+              <a:buFont typeface="Arial" pitchFamily="34" charset="0"/>
+              <a:buChar char="▪"/>
+              <a:defRPr sz="1400" kern="1200">
+                <a:solidFill>
+                  <a:schemeClr val="tx1"/>
+                </a:solidFill>
+                <a:latin typeface="+mn-lt"/>
+                <a:ea typeface="+mn-ea"/>
+                <a:cs typeface="+mn-cs"/>
+              </a:defRPr>
+            </a:lvl6pPr>
+            <a:lvl7pPr marL="1600200" indent="-179388" algn="l" defTabSz="914400" rtl="0" eaLnBrk="1" latinLnBrk="0" hangingPunct="1">
+              <a:lnSpc>
+                <a:spcPct val="90000"/>
+              </a:lnSpc>
+              <a:spcBef>
+                <a:spcPts val="600"/>
+              </a:spcBef>
+              <a:buClr>
+                <a:schemeClr val="accent1">
+                  <a:lumMod val="75000"/>
+                </a:schemeClr>
+              </a:buClr>
+              <a:buSzPct val="100000"/>
+              <a:buFont typeface="Arial" pitchFamily="34" charset="0"/>
+              <a:buChar char="▪"/>
+              <a:defRPr sz="1400" kern="1200">
+                <a:solidFill>
+                  <a:schemeClr val="tx1"/>
+                </a:solidFill>
+                <a:latin typeface="+mn-lt"/>
+                <a:ea typeface="+mn-ea"/>
+                <a:cs typeface="+mn-cs"/>
+              </a:defRPr>
+            </a:lvl7pPr>
+            <a:lvl8pPr marL="1828800" indent="-182880" algn="l" defTabSz="914400" rtl="0" eaLnBrk="1" latinLnBrk="0" hangingPunct="1">
+              <a:lnSpc>
+                <a:spcPct val="90000"/>
+              </a:lnSpc>
+              <a:spcBef>
+                <a:spcPts val="600"/>
+              </a:spcBef>
+              <a:buClr>
+                <a:schemeClr val="accent1">
+                  <a:lumMod val="75000"/>
+                </a:schemeClr>
+              </a:buClr>
+              <a:buSzPct val="100000"/>
+              <a:buFont typeface="Arial" pitchFamily="34" charset="0"/>
+              <a:buChar char="▪"/>
+              <a:defRPr sz="1400" kern="1200">
+                <a:solidFill>
+                  <a:schemeClr val="tx1"/>
+                </a:solidFill>
+                <a:latin typeface="+mn-lt"/>
+                <a:ea typeface="+mn-ea"/>
+                <a:cs typeface="+mn-cs"/>
+              </a:defRPr>
+            </a:lvl8pPr>
+            <a:lvl9pPr marL="1878012" indent="0" algn="l" defTabSz="914400" rtl="0" eaLnBrk="1" latinLnBrk="0" hangingPunct="1">
+              <a:lnSpc>
+                <a:spcPct val="90000"/>
+              </a:lnSpc>
+              <a:spcBef>
+                <a:spcPts val="600"/>
+              </a:spcBef>
+              <a:buClr>
+                <a:schemeClr val="accent1">
+                  <a:lumMod val="75000"/>
+                </a:schemeClr>
+              </a:buClr>
+              <a:buSzPct val="100000"/>
+              <a:buFont typeface="Arial" pitchFamily="34" charset="0"/>
+              <a:buNone/>
+              <a:defRPr sz="1400" kern="1200">
+                <a:solidFill>
+                  <a:schemeClr val="tx1"/>
+                </a:solidFill>
+                <a:latin typeface="+mn-lt"/>
+                <a:ea typeface="+mn-ea"/>
+                <a:cs typeface="+mn-cs"/>
+              </a:defRPr>
+            </a:lvl9pPr>
+          </a:lstStyle>
+          <a:p>
+            <a:pPr marL="0" indent="0">
+              <a:buFont typeface="Arial" pitchFamily="34" charset="0"/>
+              <a:buNone/>
+            </a:pPr>
+            <a:r>
+              <a:rPr lang="en-US"/>
+              <a:t> </a:t>
+            </a:r>
+            <a:endParaRPr lang="en-US" dirty="0"/>
+          </a:p>
+        </p:txBody>
+      </p:sp>
+      <p:pic>
+        <p:nvPicPr>
+          <p:cNvPr id="4" name="Content Placeholder 4">
+            <a:extLst>
+              <a:ext uri="{FF2B5EF4-FFF2-40B4-BE49-F238E27FC236}">
+                <a16:creationId xmlns:a16="http://schemas.microsoft.com/office/drawing/2014/main" id="{134A1378-49C2-100D-6262-E33823E2C257}"/>
+              </a:ext>
+            </a:extLst>
+          </p:cNvPr>
+          <p:cNvPicPr>
+            <a:picLocks noChangeAspect="1"/>
+          </p:cNvPicPr>
+          <p:nvPr/>
+        </p:nvPicPr>
+        <p:blipFill>
+          <a:blip r:embed="rId2"/>
+          <a:stretch>
+            <a:fillRect/>
+          </a:stretch>
+        </p:blipFill>
+        <p:spPr>
+          <a:xfrm>
+            <a:off x="912213" y="1981200"/>
+            <a:ext cx="4976959" cy="1384790"/>
+          </a:xfrm>
+          <a:prstGeom prst="rect">
+            <a:avLst/>
+          </a:prstGeom>
+        </p:spPr>
+      </p:pic>
+      <p:pic>
+        <p:nvPicPr>
+          <p:cNvPr id="5" name="Picture 4">
+            <a:extLst>
+              <a:ext uri="{FF2B5EF4-FFF2-40B4-BE49-F238E27FC236}">
+                <a16:creationId xmlns:a16="http://schemas.microsoft.com/office/drawing/2014/main" id="{BA7243F0-23CC-474C-3FF2-95F932A591DF}"/>
+              </a:ext>
+            </a:extLst>
+          </p:cNvPr>
+          <p:cNvPicPr>
+            <a:picLocks noChangeAspect="1"/>
+          </p:cNvPicPr>
+          <p:nvPr/>
+        </p:nvPicPr>
+        <p:blipFill>
+          <a:blip r:embed="rId3"/>
+          <a:stretch>
+            <a:fillRect/>
+          </a:stretch>
+        </p:blipFill>
+        <p:spPr>
+          <a:xfrm>
+            <a:off x="6409322" y="1981200"/>
+            <a:ext cx="5046922" cy="1396203"/>
+          </a:xfrm>
+          <a:prstGeom prst="rect">
+            <a:avLst/>
+          </a:prstGeom>
+        </p:spPr>
+      </p:pic>
+      <p:pic>
+        <p:nvPicPr>
+          <p:cNvPr id="6" name="Picture 5">
+            <a:extLst>
+              <a:ext uri="{FF2B5EF4-FFF2-40B4-BE49-F238E27FC236}">
+                <a16:creationId xmlns:a16="http://schemas.microsoft.com/office/drawing/2014/main" id="{09A483C2-9416-F58C-0205-38CDD365125B}"/>
+              </a:ext>
+            </a:extLst>
+          </p:cNvPr>
+          <p:cNvPicPr>
+            <a:picLocks noChangeAspect="1"/>
+          </p:cNvPicPr>
+          <p:nvPr/>
+        </p:nvPicPr>
+        <p:blipFill>
+          <a:blip r:embed="rId4"/>
+          <a:stretch>
+            <a:fillRect/>
+          </a:stretch>
+        </p:blipFill>
+        <p:spPr>
+          <a:xfrm>
+            <a:off x="912213" y="3668873"/>
+            <a:ext cx="4976959" cy="1672123"/>
+          </a:xfrm>
+          <a:prstGeom prst="rect">
+            <a:avLst/>
+          </a:prstGeom>
+        </p:spPr>
+      </p:pic>
+      <p:pic>
+        <p:nvPicPr>
+          <p:cNvPr id="7" name="Picture 6">
+            <a:extLst>
+              <a:ext uri="{FF2B5EF4-FFF2-40B4-BE49-F238E27FC236}">
+                <a16:creationId xmlns:a16="http://schemas.microsoft.com/office/drawing/2014/main" id="{18C07878-D322-F4A1-7EB7-576033BAED95}"/>
+              </a:ext>
+            </a:extLst>
+          </p:cNvPr>
+          <p:cNvPicPr>
+            <a:picLocks noChangeAspect="1"/>
+          </p:cNvPicPr>
+          <p:nvPr/>
+        </p:nvPicPr>
+        <p:blipFill>
+          <a:blip r:embed="rId5"/>
+          <a:stretch>
+            <a:fillRect/>
+          </a:stretch>
+        </p:blipFill>
+        <p:spPr>
+          <a:xfrm>
+            <a:off x="6426960" y="3738882"/>
+            <a:ext cx="5046921" cy="1609430"/>
+          </a:xfrm>
+          <a:prstGeom prst="rect">
+            <a:avLst/>
+          </a:prstGeom>
+        </p:spPr>
+      </p:pic>
+    </p:spTree>
+    <p:extLst>
+      <p:ext uri="{BB962C8B-B14F-4D97-AF65-F5344CB8AC3E}">
+        <p14:creationId xmlns:p14="http://schemas.microsoft.com/office/powerpoint/2010/main" val="3952646475"/>
+      </p:ext>
+    </p:extLst>
+  </p:cSld>
+  <p:clrMapOvr>
+    <a:masterClrMapping/>
+  </p:clrMapOvr>
+  <mc:AlternateContent xmlns:mc="http://schemas.openxmlformats.org/markup-compatibility/2006" xmlns:p14="http://schemas.microsoft.com/office/powerpoint/2010/main">
+    <mc:Choice Requires="p14">
+      <p:transition spd="med" p14:dur="700">
+        <p:fade/>
+      </p:transition>
+    </mc:Choice>
+    <mc:Fallback xmlns="">
+      <p:transition spd="med">
+        <p:fade/>
+      </p:transition>
+    </mc:Fallback>
+  </mc:AlternateContent>
+</p:sld>
+</file>
+
+<file path=ppt/slides/slide15.xml><?xml version="1.0" encoding="utf-8"?>
+<p:sld xmlns:a="http://schemas.openxmlformats.org/drawingml/2006/main" xmlns:r="http://schemas.openxmlformats.org/officeDocument/2006/relationships" xmlns:p="http://schemas.openxmlformats.org/presentationml/2006/main">
+  <p:cSld>
+    <p:spTree>
+      <p:nvGrpSpPr>
+        <p:cNvPr id="1" name=""/>
+        <p:cNvGrpSpPr/>
+        <p:nvPr/>
+      </p:nvGrpSpPr>
+      <p:grpSpPr>
+        <a:xfrm>
+          <a:off x="0" y="0"/>
+          <a:ext cx="0" cy="0"/>
+          <a:chOff x="0" y="0"/>
+          <a:chExt cx="0" cy="0"/>
+        </a:xfrm>
+      </p:grpSpPr>
+      <p:pic>
+        <p:nvPicPr>
+          <p:cNvPr id="2" name="Content Placeholder 12">
+            <a:extLst>
+              <a:ext uri="{FF2B5EF4-FFF2-40B4-BE49-F238E27FC236}">
+                <a16:creationId xmlns:a16="http://schemas.microsoft.com/office/drawing/2014/main" id="{738A9F27-0050-E2C1-81B3-16C19D401AD1}"/>
+              </a:ext>
+            </a:extLst>
+          </p:cNvPr>
+          <p:cNvPicPr>
+            <a:picLocks noChangeAspect="1"/>
+          </p:cNvPicPr>
+          <p:nvPr/>
+        </p:nvPicPr>
+        <p:blipFill>
+          <a:blip r:embed="rId2"/>
+          <a:stretch>
+            <a:fillRect/>
+          </a:stretch>
+        </p:blipFill>
+        <p:spPr>
+          <a:xfrm>
+            <a:off x="522216" y="1353736"/>
+            <a:ext cx="5573784" cy="3259827"/>
+          </a:xfrm>
+          <a:prstGeom prst="rect">
+            <a:avLst/>
+          </a:prstGeom>
+        </p:spPr>
+      </p:pic>
+      <p:pic>
+        <p:nvPicPr>
+          <p:cNvPr id="3" name="Picture 2">
+            <a:extLst>
+              <a:ext uri="{FF2B5EF4-FFF2-40B4-BE49-F238E27FC236}">
+                <a16:creationId xmlns:a16="http://schemas.microsoft.com/office/drawing/2014/main" id="{689DFCA8-1135-E34B-03A3-D8F8F163F74E}"/>
+              </a:ext>
+            </a:extLst>
+          </p:cNvPr>
+          <p:cNvPicPr>
+            <a:picLocks noChangeAspect="1"/>
+          </p:cNvPicPr>
+          <p:nvPr/>
+        </p:nvPicPr>
+        <p:blipFill>
+          <a:blip r:embed="rId3"/>
+          <a:stretch>
+            <a:fillRect/>
+          </a:stretch>
+        </p:blipFill>
+        <p:spPr>
+          <a:xfrm>
+            <a:off x="6304542" y="1353737"/>
+            <a:ext cx="5495571" cy="3259826"/>
+          </a:xfrm>
+          <a:prstGeom prst="rect">
+            <a:avLst/>
+          </a:prstGeom>
+        </p:spPr>
+      </p:pic>
+    </p:spTree>
+    <p:extLst>
+      <p:ext uri="{BB962C8B-B14F-4D97-AF65-F5344CB8AC3E}">
+        <p14:creationId xmlns:p14="http://schemas.microsoft.com/office/powerpoint/2010/main" val="1952984069"/>
+      </p:ext>
+    </p:extLst>
+  </p:cSld>
+  <p:clrMapOvr>
+    <a:masterClrMapping/>
+  </p:clrMapOvr>
+  <mc:AlternateContent xmlns:mc="http://schemas.openxmlformats.org/markup-compatibility/2006" xmlns:p14="http://schemas.microsoft.com/office/powerpoint/2010/main">
+    <mc:Choice Requires="p14">
+      <p:transition spd="med" p14:dur="700">
+        <p:fade/>
+      </p:transition>
+    </mc:Choice>
+    <mc:Fallback xmlns="">
+      <p:transition spd="med">
+        <p:fade/>
+      </p:transition>
+    </mc:Fallback>
+  </mc:AlternateContent>
+</p:sld>
+</file>
+
+<file path=ppt/slides/slide16.xml><?xml version="1.0" encoding="utf-8"?>
+<p:sld xmlns:a="http://schemas.openxmlformats.org/drawingml/2006/main" xmlns:r="http://schemas.openxmlformats.org/officeDocument/2006/relationships" xmlns:p="http://schemas.openxmlformats.org/presentationml/2006/main">
+  <p:cSld>
+    <p:spTree>
+      <p:nvGrpSpPr>
+        <p:cNvPr id="1" name=""/>
+        <p:cNvGrpSpPr/>
+        <p:nvPr/>
+      </p:nvGrpSpPr>
+      <p:grpSpPr>
+        <a:xfrm>
+          <a:off x="0" y="0"/>
+          <a:ext cx="0" cy="0"/>
+          <a:chOff x="0" y="0"/>
+          <a:chExt cx="0" cy="0"/>
+        </a:xfrm>
+      </p:grpSpPr>
+      <p:sp>
+        <p:nvSpPr>
+          <p:cNvPr id="2" name="Title 1">
+            <a:extLst>
+              <a:ext uri="{FF2B5EF4-FFF2-40B4-BE49-F238E27FC236}">
+                <a16:creationId xmlns:a16="http://schemas.microsoft.com/office/drawing/2014/main" id="{DBF5D9E3-F1F9-73AA-A26D-14CAD4CD684E}"/>
+              </a:ext>
+            </a:extLst>
+          </p:cNvPr>
+          <p:cNvSpPr txBox="1">
+            <a:spLocks/>
+          </p:cNvSpPr>
+          <p:nvPr/>
+        </p:nvSpPr>
+        <p:spPr>
+          <a:xfrm>
+            <a:off x="1295398" y="554182"/>
+            <a:ext cx="9601200" cy="813840"/>
+          </a:xfrm>
+          <a:prstGeom prst="rect">
+            <a:avLst/>
+          </a:prstGeom>
+        </p:spPr>
+        <p:txBody>
+          <a:bodyPr/>
+          <a:lstStyle>
+            <a:lvl1pPr algn="l" defTabSz="914400" rtl="0" eaLnBrk="1" latinLnBrk="0" hangingPunct="1">
+              <a:lnSpc>
+                <a:spcPct val="90000"/>
+              </a:lnSpc>
+              <a:spcBef>
+                <a:spcPct val="0"/>
+              </a:spcBef>
+              <a:buNone/>
+              <a:defRPr sz="3200" b="1" kern="1200">
+                <a:solidFill>
+                  <a:schemeClr val="accent1">
+                    <a:lumMod val="75000"/>
+                  </a:schemeClr>
+                </a:solidFill>
+                <a:latin typeface="+mj-lt"/>
+                <a:ea typeface="+mj-ea"/>
+                <a:cs typeface="+mj-cs"/>
+              </a:defRPr>
+            </a:lvl1pPr>
+          </a:lstStyle>
+          <a:p>
+            <a:r>
+              <a:rPr lang="en-US" sz="2800" dirty="0">
+                <a:latin typeface="Times New Roman" panose="02020603050405020304" pitchFamily="18" charset="0"/>
+                <a:cs typeface="Times New Roman" panose="02020603050405020304" pitchFamily="18" charset="0"/>
+              </a:rPr>
+              <a:t>Looping Statement</a:t>
+            </a:r>
+          </a:p>
+        </p:txBody>
+      </p:sp>
+      <p:sp>
+        <p:nvSpPr>
+          <p:cNvPr id="3" name="Content Placeholder 2">
+            <a:extLst>
+              <a:ext uri="{FF2B5EF4-FFF2-40B4-BE49-F238E27FC236}">
+                <a16:creationId xmlns:a16="http://schemas.microsoft.com/office/drawing/2014/main" id="{E9889B34-880A-91FE-792C-EB4AA1833CBE}"/>
+              </a:ext>
+            </a:extLst>
+          </p:cNvPr>
+          <p:cNvSpPr txBox="1">
+            <a:spLocks/>
+          </p:cNvSpPr>
+          <p:nvPr/>
+        </p:nvSpPr>
+        <p:spPr>
+          <a:xfrm>
+            <a:off x="1295400" y="1981201"/>
+            <a:ext cx="9601200" cy="3809999"/>
+          </a:xfrm>
+          <a:prstGeom prst="rect">
+            <a:avLst/>
+          </a:prstGeom>
+        </p:spPr>
+        <p:txBody>
+          <a:bodyPr/>
+          <a:lstStyle>
+            <a:lvl1pPr marL="228600" indent="-228600" algn="l" defTabSz="914400" rtl="0" eaLnBrk="1" latinLnBrk="0" hangingPunct="1">
+              <a:lnSpc>
+                <a:spcPct val="90000"/>
+              </a:lnSpc>
+              <a:spcBef>
+                <a:spcPts val="1800"/>
+              </a:spcBef>
+              <a:buClr>
+                <a:schemeClr val="accent1">
+                  <a:lumMod val="75000"/>
+                </a:schemeClr>
+              </a:buClr>
+              <a:buSzPct val="100000"/>
+              <a:buFont typeface="Arial" pitchFamily="34" charset="0"/>
+              <a:buChar char="▪"/>
+              <a:defRPr sz="2000" kern="1200">
+                <a:solidFill>
+                  <a:schemeClr val="tx1"/>
+                </a:solidFill>
+                <a:latin typeface="+mn-lt"/>
+                <a:ea typeface="+mn-ea"/>
+                <a:cs typeface="+mn-cs"/>
+              </a:defRPr>
+            </a:lvl1pPr>
+            <a:lvl2pPr marL="457200" indent="-182880" algn="l" defTabSz="914400" rtl="0" eaLnBrk="1" latinLnBrk="0" hangingPunct="1">
+              <a:lnSpc>
+                <a:spcPct val="90000"/>
+              </a:lnSpc>
+              <a:spcBef>
+                <a:spcPts val="1200"/>
+              </a:spcBef>
+              <a:buClr>
+                <a:schemeClr val="accent1">
+                  <a:lumMod val="75000"/>
+                </a:schemeClr>
+              </a:buClr>
+              <a:buSzPct val="100000"/>
+              <a:buFont typeface="Arial" pitchFamily="34" charset="0"/>
+              <a:buChar char="▪"/>
+              <a:defRPr sz="1800" kern="1200">
+                <a:solidFill>
+                  <a:schemeClr val="tx1"/>
+                </a:solidFill>
+                <a:latin typeface="+mn-lt"/>
+                <a:ea typeface="+mn-ea"/>
+                <a:cs typeface="+mn-cs"/>
+              </a:defRPr>
+            </a:lvl2pPr>
+            <a:lvl3pPr marL="685800" indent="-179388" algn="l" defTabSz="914400" rtl="0" eaLnBrk="1" latinLnBrk="0" hangingPunct="1">
+              <a:lnSpc>
+                <a:spcPct val="90000"/>
+              </a:lnSpc>
+              <a:spcBef>
+                <a:spcPts val="800"/>
+              </a:spcBef>
+              <a:buClr>
+                <a:schemeClr val="accent1">
+                  <a:lumMod val="75000"/>
+                </a:schemeClr>
+              </a:buClr>
+              <a:buSzPct val="100000"/>
+              <a:buFont typeface="Arial" pitchFamily="34" charset="0"/>
+              <a:buChar char="▪"/>
+              <a:defRPr sz="1600" kern="1200">
+                <a:solidFill>
+                  <a:schemeClr val="tx1"/>
+                </a:solidFill>
+                <a:latin typeface="+mn-lt"/>
+                <a:ea typeface="+mn-ea"/>
+                <a:cs typeface="+mn-cs"/>
+              </a:defRPr>
+            </a:lvl3pPr>
+            <a:lvl4pPr marL="914400" indent="-182880" algn="l" defTabSz="914400" rtl="0" eaLnBrk="1" latinLnBrk="0" hangingPunct="1">
+              <a:lnSpc>
+                <a:spcPct val="90000"/>
+              </a:lnSpc>
+              <a:spcBef>
+                <a:spcPts val="800"/>
+              </a:spcBef>
+              <a:buClr>
+                <a:schemeClr val="accent1">
+                  <a:lumMod val="75000"/>
+                </a:schemeClr>
+              </a:buClr>
+              <a:buSzPct val="100000"/>
+              <a:buFont typeface="Arial" pitchFamily="34" charset="0"/>
+              <a:buChar char="▪"/>
+              <a:defRPr sz="1400" kern="1200">
+                <a:solidFill>
+                  <a:schemeClr val="tx1"/>
+                </a:solidFill>
+                <a:latin typeface="+mn-lt"/>
+                <a:ea typeface="+mn-ea"/>
+                <a:cs typeface="+mn-cs"/>
+              </a:defRPr>
+            </a:lvl4pPr>
+            <a:lvl5pPr marL="1143000" indent="-179388" algn="l" defTabSz="914400" rtl="0" eaLnBrk="1" latinLnBrk="0" hangingPunct="1">
+              <a:lnSpc>
+                <a:spcPct val="90000"/>
+              </a:lnSpc>
+              <a:spcBef>
+                <a:spcPts val="600"/>
+              </a:spcBef>
+              <a:buClr>
+                <a:schemeClr val="accent1">
+                  <a:lumMod val="75000"/>
+                </a:schemeClr>
+              </a:buClr>
+              <a:buSzPct val="100000"/>
+              <a:buFont typeface="Arial" pitchFamily="34" charset="0"/>
+              <a:buChar char="▪"/>
+              <a:defRPr sz="1400" kern="1200">
+                <a:solidFill>
+                  <a:schemeClr val="tx1"/>
+                </a:solidFill>
+                <a:latin typeface="+mn-lt"/>
+                <a:ea typeface="+mn-ea"/>
+                <a:cs typeface="+mn-cs"/>
+              </a:defRPr>
+            </a:lvl5pPr>
+            <a:lvl6pPr marL="1371600" indent="-182880" algn="l" defTabSz="914400" rtl="0" eaLnBrk="1" latinLnBrk="0" hangingPunct="1">
+              <a:lnSpc>
+                <a:spcPct val="90000"/>
+              </a:lnSpc>
+              <a:spcBef>
+                <a:spcPts val="600"/>
+              </a:spcBef>
+              <a:buClr>
+                <a:schemeClr val="accent1">
+                  <a:lumMod val="75000"/>
+                </a:schemeClr>
+              </a:buClr>
+              <a:buSzPct val="100000"/>
+              <a:buFont typeface="Arial" pitchFamily="34" charset="0"/>
+              <a:buChar char="▪"/>
+              <a:defRPr sz="1400" kern="1200">
+                <a:solidFill>
+                  <a:schemeClr val="tx1"/>
+                </a:solidFill>
+                <a:latin typeface="+mn-lt"/>
+                <a:ea typeface="+mn-ea"/>
+                <a:cs typeface="+mn-cs"/>
+              </a:defRPr>
+            </a:lvl6pPr>
+            <a:lvl7pPr marL="1600200" indent="-179388" algn="l" defTabSz="914400" rtl="0" eaLnBrk="1" latinLnBrk="0" hangingPunct="1">
+              <a:lnSpc>
+                <a:spcPct val="90000"/>
+              </a:lnSpc>
+              <a:spcBef>
+                <a:spcPts val="600"/>
+              </a:spcBef>
+              <a:buClr>
+                <a:schemeClr val="accent1">
+                  <a:lumMod val="75000"/>
+                </a:schemeClr>
+              </a:buClr>
+              <a:buSzPct val="100000"/>
+              <a:buFont typeface="Arial" pitchFamily="34" charset="0"/>
+              <a:buChar char="▪"/>
+              <a:defRPr sz="1400" kern="1200">
+                <a:solidFill>
+                  <a:schemeClr val="tx1"/>
+                </a:solidFill>
+                <a:latin typeface="+mn-lt"/>
+                <a:ea typeface="+mn-ea"/>
+                <a:cs typeface="+mn-cs"/>
+              </a:defRPr>
+            </a:lvl7pPr>
+            <a:lvl8pPr marL="1828800" indent="-182880" algn="l" defTabSz="914400" rtl="0" eaLnBrk="1" latinLnBrk="0" hangingPunct="1">
+              <a:lnSpc>
+                <a:spcPct val="90000"/>
+              </a:lnSpc>
+              <a:spcBef>
+                <a:spcPts val="600"/>
+              </a:spcBef>
+              <a:buClr>
+                <a:schemeClr val="accent1">
+                  <a:lumMod val="75000"/>
+                </a:schemeClr>
+              </a:buClr>
+              <a:buSzPct val="100000"/>
+              <a:buFont typeface="Arial" pitchFamily="34" charset="0"/>
+              <a:buChar char="▪"/>
+              <a:defRPr sz="1400" kern="1200">
+                <a:solidFill>
+                  <a:schemeClr val="tx1"/>
+                </a:solidFill>
+                <a:latin typeface="+mn-lt"/>
+                <a:ea typeface="+mn-ea"/>
+                <a:cs typeface="+mn-cs"/>
+              </a:defRPr>
+            </a:lvl8pPr>
+            <a:lvl9pPr marL="1878012" indent="0" algn="l" defTabSz="914400" rtl="0" eaLnBrk="1" latinLnBrk="0" hangingPunct="1">
+              <a:lnSpc>
+                <a:spcPct val="90000"/>
+              </a:lnSpc>
+              <a:spcBef>
+                <a:spcPts val="600"/>
+              </a:spcBef>
+              <a:buClr>
+                <a:schemeClr val="accent1">
+                  <a:lumMod val="75000"/>
+                </a:schemeClr>
+              </a:buClr>
+              <a:buSzPct val="100000"/>
+              <a:buFont typeface="Arial" pitchFamily="34" charset="0"/>
+              <a:buNone/>
+              <a:defRPr sz="1400" kern="1200">
+                <a:solidFill>
+                  <a:schemeClr val="tx1"/>
+                </a:solidFill>
+                <a:latin typeface="+mn-lt"/>
+                <a:ea typeface="+mn-ea"/>
+                <a:cs typeface="+mn-cs"/>
+              </a:defRPr>
+            </a:lvl9pPr>
+          </a:lstStyle>
+          <a:p>
+            <a:pPr marL="0" indent="0">
+              <a:buFont typeface="Arial" pitchFamily="34" charset="0"/>
+              <a:buNone/>
+            </a:pPr>
+            <a:r>
+              <a:rPr lang="en-US"/>
+              <a:t> </a:t>
+            </a:r>
+            <a:endParaRPr lang="en-US" dirty="0"/>
+          </a:p>
+        </p:txBody>
+      </p:sp>
+      <p:pic>
+        <p:nvPicPr>
+          <p:cNvPr id="4" name="Picture 3">
+            <a:extLst>
+              <a:ext uri="{FF2B5EF4-FFF2-40B4-BE49-F238E27FC236}">
+                <a16:creationId xmlns:a16="http://schemas.microsoft.com/office/drawing/2014/main" id="{14BEA8A8-9EEE-9A41-8D95-AC725E040BF3}"/>
+              </a:ext>
+            </a:extLst>
+          </p:cNvPr>
+          <p:cNvPicPr>
+            <a:picLocks noChangeAspect="1"/>
+          </p:cNvPicPr>
+          <p:nvPr/>
+        </p:nvPicPr>
+        <p:blipFill>
+          <a:blip r:embed="rId2"/>
+          <a:stretch>
+            <a:fillRect/>
+          </a:stretch>
+        </p:blipFill>
+        <p:spPr>
+          <a:xfrm>
+            <a:off x="1295400" y="1981201"/>
+            <a:ext cx="4408714" cy="1273628"/>
+          </a:xfrm>
+          <a:prstGeom prst="rect">
+            <a:avLst/>
+          </a:prstGeom>
+        </p:spPr>
+      </p:pic>
+      <p:pic>
+        <p:nvPicPr>
+          <p:cNvPr id="5" name="Picture 4">
+            <a:extLst>
+              <a:ext uri="{FF2B5EF4-FFF2-40B4-BE49-F238E27FC236}">
+                <a16:creationId xmlns:a16="http://schemas.microsoft.com/office/drawing/2014/main" id="{380FFBAB-5D7A-EBBD-209D-AEAEDAEBA1D3}"/>
+              </a:ext>
+            </a:extLst>
+          </p:cNvPr>
+          <p:cNvPicPr>
+            <a:picLocks noChangeAspect="1"/>
+          </p:cNvPicPr>
+          <p:nvPr/>
+        </p:nvPicPr>
+        <p:blipFill>
+          <a:blip r:embed="rId3"/>
+          <a:stretch>
+            <a:fillRect/>
+          </a:stretch>
+        </p:blipFill>
+        <p:spPr>
+          <a:xfrm>
+            <a:off x="1295399" y="3646715"/>
+            <a:ext cx="4408713" cy="979714"/>
+          </a:xfrm>
+          <a:prstGeom prst="rect">
+            <a:avLst/>
+          </a:prstGeom>
+        </p:spPr>
+      </p:pic>
+      <p:pic>
+        <p:nvPicPr>
+          <p:cNvPr id="6" name="Picture 5">
+            <a:extLst>
+              <a:ext uri="{FF2B5EF4-FFF2-40B4-BE49-F238E27FC236}">
+                <a16:creationId xmlns:a16="http://schemas.microsoft.com/office/drawing/2014/main" id="{C7236144-9E36-43BB-3EB1-D6B0ADFC1D39}"/>
+              </a:ext>
+            </a:extLst>
+          </p:cNvPr>
+          <p:cNvPicPr>
+            <a:picLocks noChangeAspect="1"/>
+          </p:cNvPicPr>
+          <p:nvPr/>
+        </p:nvPicPr>
+        <p:blipFill>
+          <a:blip r:embed="rId4"/>
+          <a:stretch>
+            <a:fillRect/>
+          </a:stretch>
+        </p:blipFill>
+        <p:spPr>
+          <a:xfrm>
+            <a:off x="6825343" y="1981201"/>
+            <a:ext cx="4071257" cy="1733649"/>
+          </a:xfrm>
+          <a:prstGeom prst="rect">
+            <a:avLst/>
+          </a:prstGeom>
+        </p:spPr>
+      </p:pic>
+      <p:pic>
+        <p:nvPicPr>
+          <p:cNvPr id="7" name="Picture 6">
+            <a:extLst>
+              <a:ext uri="{FF2B5EF4-FFF2-40B4-BE49-F238E27FC236}">
+                <a16:creationId xmlns:a16="http://schemas.microsoft.com/office/drawing/2014/main" id="{77A9D4E1-6623-69FE-5FDA-FFC310DA59F5}"/>
+              </a:ext>
+            </a:extLst>
+          </p:cNvPr>
+          <p:cNvPicPr>
+            <a:picLocks noChangeAspect="1"/>
+          </p:cNvPicPr>
+          <p:nvPr/>
+        </p:nvPicPr>
+        <p:blipFill>
+          <a:blip r:embed="rId5"/>
+          <a:stretch>
+            <a:fillRect/>
+          </a:stretch>
+        </p:blipFill>
+        <p:spPr>
+          <a:xfrm>
+            <a:off x="1295398" y="4918786"/>
+            <a:ext cx="4408713" cy="1142384"/>
+          </a:xfrm>
+          <a:prstGeom prst="rect">
+            <a:avLst/>
+          </a:prstGeom>
+        </p:spPr>
+      </p:pic>
+      <p:pic>
+        <p:nvPicPr>
+          <p:cNvPr id="8" name="Picture 7">
+            <a:extLst>
+              <a:ext uri="{FF2B5EF4-FFF2-40B4-BE49-F238E27FC236}">
+                <a16:creationId xmlns:a16="http://schemas.microsoft.com/office/drawing/2014/main" id="{2CC109A1-75CE-1F30-7002-2C3639844D10}"/>
+              </a:ext>
+            </a:extLst>
+          </p:cNvPr>
+          <p:cNvPicPr>
+            <a:picLocks noChangeAspect="1"/>
+          </p:cNvPicPr>
+          <p:nvPr/>
+        </p:nvPicPr>
+        <p:blipFill>
+          <a:blip r:embed="rId6"/>
+          <a:stretch>
+            <a:fillRect/>
+          </a:stretch>
+        </p:blipFill>
+        <p:spPr>
+          <a:xfrm>
+            <a:off x="6847910" y="3954822"/>
+            <a:ext cx="4048690" cy="1836377"/>
+          </a:xfrm>
+          <a:prstGeom prst="rect">
+            <a:avLst/>
+          </a:prstGeom>
+        </p:spPr>
+      </p:pic>
+    </p:spTree>
+    <p:extLst>
+      <p:ext uri="{BB962C8B-B14F-4D97-AF65-F5344CB8AC3E}">
+        <p14:creationId xmlns:p14="http://schemas.microsoft.com/office/powerpoint/2010/main" val="2514218895"/>
+      </p:ext>
+    </p:extLst>
+  </p:cSld>
+  <p:clrMapOvr>
+    <a:masterClrMapping/>
+  </p:clrMapOvr>
+  <mc:AlternateContent xmlns:mc="http://schemas.openxmlformats.org/markup-compatibility/2006" xmlns:p14="http://schemas.microsoft.com/office/powerpoint/2010/main">
+    <mc:Choice Requires="p14">
+      <p:transition spd="med" p14:dur="700">
+        <p:fade/>
+      </p:transition>
+    </mc:Choice>
+    <mc:Fallback xmlns="">
+      <p:transition spd="med">
+        <p:fade/>
+      </p:transition>
+    </mc:Fallback>
+  </mc:AlternateContent>
+</p:sld>
+</file>
+
+<file path=ppt/slides/slide17.xml><?xml version="1.0" encoding="utf-8"?>
+<p:sld xmlns:a="http://schemas.openxmlformats.org/drawingml/2006/main" xmlns:r="http://schemas.openxmlformats.org/officeDocument/2006/relationships" xmlns:p="http://schemas.openxmlformats.org/presentationml/2006/main">
+  <p:cSld>
+    <p:spTree>
+      <p:nvGrpSpPr>
+        <p:cNvPr id="1" name=""/>
+        <p:cNvGrpSpPr/>
+        <p:nvPr/>
+      </p:nvGrpSpPr>
+      <p:grpSpPr>
+        <a:xfrm>
+          <a:off x="0" y="0"/>
+          <a:ext cx="0" cy="0"/>
+          <a:chOff x="0" y="0"/>
+          <a:chExt cx="0" cy="0"/>
+        </a:xfrm>
+      </p:grpSpPr>
+      <p:sp>
+        <p:nvSpPr>
+          <p:cNvPr id="2" name="Title 1">
+            <a:extLst>
+              <a:ext uri="{FF2B5EF4-FFF2-40B4-BE49-F238E27FC236}">
+                <a16:creationId xmlns:a16="http://schemas.microsoft.com/office/drawing/2014/main" id="{02E10502-F37E-D445-E2E5-5B5256945683}"/>
+              </a:ext>
+            </a:extLst>
+          </p:cNvPr>
+          <p:cNvSpPr txBox="1">
+            <a:spLocks/>
+          </p:cNvSpPr>
+          <p:nvPr/>
+        </p:nvSpPr>
+        <p:spPr>
+          <a:xfrm>
+            <a:off x="1295400" y="503853"/>
+            <a:ext cx="9601200" cy="1142385"/>
+          </a:xfrm>
+          <a:prstGeom prst="rect">
+            <a:avLst/>
+          </a:prstGeom>
+        </p:spPr>
+        <p:txBody>
+          <a:bodyPr/>
+          <a:lstStyle>
+            <a:lvl1pPr algn="l" defTabSz="914400" rtl="0" eaLnBrk="1" latinLnBrk="0" hangingPunct="1">
+              <a:lnSpc>
+                <a:spcPct val="90000"/>
+              </a:lnSpc>
+              <a:spcBef>
+                <a:spcPct val="0"/>
+              </a:spcBef>
+              <a:buNone/>
+              <a:defRPr sz="3200" b="1" kern="1200">
+                <a:solidFill>
+                  <a:schemeClr val="accent1">
+                    <a:lumMod val="75000"/>
+                  </a:schemeClr>
+                </a:solidFill>
+                <a:latin typeface="+mj-lt"/>
+                <a:ea typeface="+mj-ea"/>
+                <a:cs typeface="+mj-cs"/>
+              </a:defRPr>
+            </a:lvl1pPr>
+          </a:lstStyle>
+          <a:p>
+            <a:r>
+              <a:rPr lang="en-US" sz="2800" dirty="0">
+                <a:latin typeface="Times New Roman" panose="02020603050405020304" pitchFamily="18" charset="0"/>
+                <a:cs typeface="Times New Roman" panose="02020603050405020304" pitchFamily="18" charset="0"/>
+              </a:rPr>
+              <a:t>Jump Statement</a:t>
+            </a:r>
+          </a:p>
+        </p:txBody>
+      </p:sp>
+      <p:sp>
+        <p:nvSpPr>
+          <p:cNvPr id="3" name="Content Placeholder 2">
+            <a:extLst>
+              <a:ext uri="{FF2B5EF4-FFF2-40B4-BE49-F238E27FC236}">
+                <a16:creationId xmlns:a16="http://schemas.microsoft.com/office/drawing/2014/main" id="{E68A579F-0249-0BFC-9C24-D3E11424B06F}"/>
+              </a:ext>
+            </a:extLst>
+          </p:cNvPr>
+          <p:cNvSpPr txBox="1">
+            <a:spLocks/>
+          </p:cNvSpPr>
+          <p:nvPr/>
+        </p:nvSpPr>
+        <p:spPr>
+          <a:xfrm>
+            <a:off x="1295400" y="1981201"/>
+            <a:ext cx="9601200" cy="3809999"/>
+          </a:xfrm>
+          <a:prstGeom prst="rect">
+            <a:avLst/>
+          </a:prstGeom>
+        </p:spPr>
+        <p:txBody>
+          <a:bodyPr/>
+          <a:lstStyle>
+            <a:lvl1pPr marL="228600" indent="-228600" algn="l" defTabSz="914400" rtl="0" eaLnBrk="1" latinLnBrk="0" hangingPunct="1">
+              <a:lnSpc>
+                <a:spcPct val="90000"/>
+              </a:lnSpc>
+              <a:spcBef>
+                <a:spcPts val="1800"/>
+              </a:spcBef>
+              <a:buClr>
+                <a:schemeClr val="accent1">
+                  <a:lumMod val="75000"/>
+                </a:schemeClr>
+              </a:buClr>
+              <a:buSzPct val="100000"/>
+              <a:buFont typeface="Arial" pitchFamily="34" charset="0"/>
+              <a:buChar char="▪"/>
+              <a:defRPr sz="2000" kern="1200">
+                <a:solidFill>
+                  <a:schemeClr val="tx1"/>
+                </a:solidFill>
+                <a:latin typeface="+mn-lt"/>
+                <a:ea typeface="+mn-ea"/>
+                <a:cs typeface="+mn-cs"/>
+              </a:defRPr>
+            </a:lvl1pPr>
+            <a:lvl2pPr marL="457200" indent="-182880" algn="l" defTabSz="914400" rtl="0" eaLnBrk="1" latinLnBrk="0" hangingPunct="1">
+              <a:lnSpc>
+                <a:spcPct val="90000"/>
+              </a:lnSpc>
+              <a:spcBef>
+                <a:spcPts val="1200"/>
+              </a:spcBef>
+              <a:buClr>
+                <a:schemeClr val="accent1">
+                  <a:lumMod val="75000"/>
+                </a:schemeClr>
+              </a:buClr>
+              <a:buSzPct val="100000"/>
+              <a:buFont typeface="Arial" pitchFamily="34" charset="0"/>
+              <a:buChar char="▪"/>
+              <a:defRPr sz="1800" kern="1200">
+                <a:solidFill>
+                  <a:schemeClr val="tx1"/>
+                </a:solidFill>
+                <a:latin typeface="+mn-lt"/>
+                <a:ea typeface="+mn-ea"/>
+                <a:cs typeface="+mn-cs"/>
+              </a:defRPr>
+            </a:lvl2pPr>
+            <a:lvl3pPr marL="685800" indent="-179388" algn="l" defTabSz="914400" rtl="0" eaLnBrk="1" latinLnBrk="0" hangingPunct="1">
+              <a:lnSpc>
+                <a:spcPct val="90000"/>
+              </a:lnSpc>
+              <a:spcBef>
+                <a:spcPts val="800"/>
+              </a:spcBef>
+              <a:buClr>
+                <a:schemeClr val="accent1">
+                  <a:lumMod val="75000"/>
+                </a:schemeClr>
+              </a:buClr>
+              <a:buSzPct val="100000"/>
+              <a:buFont typeface="Arial" pitchFamily="34" charset="0"/>
+              <a:buChar char="▪"/>
+              <a:defRPr sz="1600" kern="1200">
+                <a:solidFill>
+                  <a:schemeClr val="tx1"/>
+                </a:solidFill>
+                <a:latin typeface="+mn-lt"/>
+                <a:ea typeface="+mn-ea"/>
+                <a:cs typeface="+mn-cs"/>
+              </a:defRPr>
+            </a:lvl3pPr>
+            <a:lvl4pPr marL="914400" indent="-182880" algn="l" defTabSz="914400" rtl="0" eaLnBrk="1" latinLnBrk="0" hangingPunct="1">
+              <a:lnSpc>
+                <a:spcPct val="90000"/>
+              </a:lnSpc>
+              <a:spcBef>
+                <a:spcPts val="800"/>
+              </a:spcBef>
+              <a:buClr>
+                <a:schemeClr val="accent1">
+                  <a:lumMod val="75000"/>
+                </a:schemeClr>
+              </a:buClr>
+              <a:buSzPct val="100000"/>
+              <a:buFont typeface="Arial" pitchFamily="34" charset="0"/>
+              <a:buChar char="▪"/>
+              <a:defRPr sz="1400" kern="1200">
+                <a:solidFill>
+                  <a:schemeClr val="tx1"/>
+                </a:solidFill>
+                <a:latin typeface="+mn-lt"/>
+                <a:ea typeface="+mn-ea"/>
+                <a:cs typeface="+mn-cs"/>
+              </a:defRPr>
+            </a:lvl4pPr>
+            <a:lvl5pPr marL="1143000" indent="-179388" algn="l" defTabSz="914400" rtl="0" eaLnBrk="1" latinLnBrk="0" hangingPunct="1">
+              <a:lnSpc>
+                <a:spcPct val="90000"/>
+              </a:lnSpc>
+              <a:spcBef>
+                <a:spcPts val="600"/>
+              </a:spcBef>
+              <a:buClr>
+                <a:schemeClr val="accent1">
+                  <a:lumMod val="75000"/>
+                </a:schemeClr>
+              </a:buClr>
+              <a:buSzPct val="100000"/>
+              <a:buFont typeface="Arial" pitchFamily="34" charset="0"/>
+              <a:buChar char="▪"/>
+              <a:defRPr sz="1400" kern="1200">
+                <a:solidFill>
+                  <a:schemeClr val="tx1"/>
+                </a:solidFill>
+                <a:latin typeface="+mn-lt"/>
+                <a:ea typeface="+mn-ea"/>
+                <a:cs typeface="+mn-cs"/>
+              </a:defRPr>
+            </a:lvl5pPr>
+            <a:lvl6pPr marL="1371600" indent="-182880" algn="l" defTabSz="914400" rtl="0" eaLnBrk="1" latinLnBrk="0" hangingPunct="1">
+              <a:lnSpc>
+                <a:spcPct val="90000"/>
+              </a:lnSpc>
+              <a:spcBef>
+                <a:spcPts val="600"/>
+              </a:spcBef>
+              <a:buClr>
+                <a:schemeClr val="accent1">
+                  <a:lumMod val="75000"/>
+                </a:schemeClr>
+              </a:buClr>
+              <a:buSzPct val="100000"/>
+              <a:buFont typeface="Arial" pitchFamily="34" charset="0"/>
+              <a:buChar char="▪"/>
+              <a:defRPr sz="1400" kern="1200">
+                <a:solidFill>
+                  <a:schemeClr val="tx1"/>
+                </a:solidFill>
+                <a:latin typeface="+mn-lt"/>
+                <a:ea typeface="+mn-ea"/>
+                <a:cs typeface="+mn-cs"/>
+              </a:defRPr>
+            </a:lvl6pPr>
+            <a:lvl7pPr marL="1600200" indent="-179388" algn="l" defTabSz="914400" rtl="0" eaLnBrk="1" latinLnBrk="0" hangingPunct="1">
+              <a:lnSpc>
+                <a:spcPct val="90000"/>
+              </a:lnSpc>
+              <a:spcBef>
+                <a:spcPts val="600"/>
+              </a:spcBef>
+              <a:buClr>
+                <a:schemeClr val="accent1">
+                  <a:lumMod val="75000"/>
+                </a:schemeClr>
+              </a:buClr>
+              <a:buSzPct val="100000"/>
+              <a:buFont typeface="Arial" pitchFamily="34" charset="0"/>
+              <a:buChar char="▪"/>
+              <a:defRPr sz="1400" kern="1200">
+                <a:solidFill>
+                  <a:schemeClr val="tx1"/>
+                </a:solidFill>
+                <a:latin typeface="+mn-lt"/>
+                <a:ea typeface="+mn-ea"/>
+                <a:cs typeface="+mn-cs"/>
+              </a:defRPr>
+            </a:lvl7pPr>
+            <a:lvl8pPr marL="1828800" indent="-182880" algn="l" defTabSz="914400" rtl="0" eaLnBrk="1" latinLnBrk="0" hangingPunct="1">
+              <a:lnSpc>
+                <a:spcPct val="90000"/>
+              </a:lnSpc>
+              <a:spcBef>
+                <a:spcPts val="600"/>
+              </a:spcBef>
+              <a:buClr>
+                <a:schemeClr val="accent1">
+                  <a:lumMod val="75000"/>
+                </a:schemeClr>
+              </a:buClr>
+              <a:buSzPct val="100000"/>
+              <a:buFont typeface="Arial" pitchFamily="34" charset="0"/>
+              <a:buChar char="▪"/>
+              <a:defRPr sz="1400" kern="1200">
+                <a:solidFill>
+                  <a:schemeClr val="tx1"/>
+                </a:solidFill>
+                <a:latin typeface="+mn-lt"/>
+                <a:ea typeface="+mn-ea"/>
+                <a:cs typeface="+mn-cs"/>
+              </a:defRPr>
+            </a:lvl8pPr>
+            <a:lvl9pPr marL="1878012" indent="0" algn="l" defTabSz="914400" rtl="0" eaLnBrk="1" latinLnBrk="0" hangingPunct="1">
+              <a:lnSpc>
+                <a:spcPct val="90000"/>
+              </a:lnSpc>
+              <a:spcBef>
+                <a:spcPts val="600"/>
+              </a:spcBef>
+              <a:buClr>
+                <a:schemeClr val="accent1">
+                  <a:lumMod val="75000"/>
+                </a:schemeClr>
+              </a:buClr>
+              <a:buSzPct val="100000"/>
+              <a:buFont typeface="Arial" pitchFamily="34" charset="0"/>
+              <a:buNone/>
+              <a:defRPr sz="1400" kern="1200">
+                <a:solidFill>
+                  <a:schemeClr val="tx1"/>
+                </a:solidFill>
+                <a:latin typeface="+mn-lt"/>
+                <a:ea typeface="+mn-ea"/>
+                <a:cs typeface="+mn-cs"/>
+              </a:defRPr>
+            </a:lvl9pPr>
+          </a:lstStyle>
+          <a:p>
+            <a:r>
+              <a:rPr lang="en-US" sz="1800" dirty="0">
+                <a:latin typeface="Times New Roman" panose="02020603050405020304" pitchFamily="18" charset="0"/>
+                <a:cs typeface="Times New Roman" panose="02020603050405020304" pitchFamily="18" charset="0"/>
+              </a:rPr>
+              <a:t>Break statement (Exit Loop)</a:t>
+            </a:r>
+          </a:p>
+        </p:txBody>
+      </p:sp>
+      <p:pic>
+        <p:nvPicPr>
+          <p:cNvPr id="4" name="Picture 3">
+            <a:extLst>
+              <a:ext uri="{FF2B5EF4-FFF2-40B4-BE49-F238E27FC236}">
+                <a16:creationId xmlns:a16="http://schemas.microsoft.com/office/drawing/2014/main" id="{C7A0E77A-5FDA-45EE-C759-FA80097C2A7F}"/>
+              </a:ext>
+            </a:extLst>
+          </p:cNvPr>
+          <p:cNvPicPr>
+            <a:picLocks noChangeAspect="1"/>
+          </p:cNvPicPr>
+          <p:nvPr/>
+        </p:nvPicPr>
+        <p:blipFill>
+          <a:blip r:embed="rId2"/>
+          <a:stretch>
+            <a:fillRect/>
+          </a:stretch>
+        </p:blipFill>
+        <p:spPr>
+          <a:xfrm>
+            <a:off x="1805361" y="2530928"/>
+            <a:ext cx="6348039" cy="2710543"/>
+          </a:xfrm>
+          <a:prstGeom prst="rect">
+            <a:avLst/>
+          </a:prstGeom>
+        </p:spPr>
+      </p:pic>
+    </p:spTree>
+    <p:extLst>
+      <p:ext uri="{BB962C8B-B14F-4D97-AF65-F5344CB8AC3E}">
+        <p14:creationId xmlns:p14="http://schemas.microsoft.com/office/powerpoint/2010/main" val="2386462321"/>
+      </p:ext>
+    </p:extLst>
+  </p:cSld>
+  <p:clrMapOvr>
+    <a:masterClrMapping/>
+  </p:clrMapOvr>
+  <mc:AlternateContent xmlns:mc="http://schemas.openxmlformats.org/markup-compatibility/2006" xmlns:p14="http://schemas.microsoft.com/office/powerpoint/2010/main">
+    <mc:Choice Requires="p14">
+      <p:transition spd="med" p14:dur="700">
+        <p:fade/>
+      </p:transition>
+    </mc:Choice>
+    <mc:Fallback xmlns="">
+      <p:transition spd="med">
+        <p:fade/>
+      </p:transition>
+    </mc:Fallback>
+  </mc:AlternateContent>
+</p:sld>
+</file>
+
+<file path=ppt/slides/slide18.xml><?xml version="1.0" encoding="utf-8"?>
+<p:sld xmlns:a="http://schemas.openxmlformats.org/drawingml/2006/main" xmlns:r="http://schemas.openxmlformats.org/officeDocument/2006/relationships" xmlns:p="http://schemas.openxmlformats.org/presentationml/2006/main">
+  <p:cSld>
+    <p:spTree>
+      <p:nvGrpSpPr>
+        <p:cNvPr id="1" name=""/>
+        <p:cNvGrpSpPr/>
+        <p:nvPr/>
+      </p:nvGrpSpPr>
+      <p:grpSpPr>
+        <a:xfrm>
+          <a:off x="0" y="0"/>
+          <a:ext cx="0" cy="0"/>
+          <a:chOff x="0" y="0"/>
+          <a:chExt cx="0" cy="0"/>
+        </a:xfrm>
+      </p:grpSpPr>
+      <p:sp>
+        <p:nvSpPr>
+          <p:cNvPr id="2" name="Title 1">
+            <a:extLst>
+              <a:ext uri="{FF2B5EF4-FFF2-40B4-BE49-F238E27FC236}">
+                <a16:creationId xmlns:a16="http://schemas.microsoft.com/office/drawing/2014/main" id="{8E2E3541-1004-B399-ADB4-AD1A82565CFC}"/>
+              </a:ext>
+            </a:extLst>
+          </p:cNvPr>
+          <p:cNvSpPr txBox="1">
+            <a:spLocks/>
+          </p:cNvSpPr>
+          <p:nvPr/>
+        </p:nvSpPr>
+        <p:spPr>
+          <a:xfrm>
+            <a:off x="1295400" y="503853"/>
+            <a:ext cx="9601200" cy="1142385"/>
+          </a:xfrm>
+          <a:prstGeom prst="rect">
+            <a:avLst/>
+          </a:prstGeom>
+        </p:spPr>
+        <p:txBody>
+          <a:bodyPr/>
+          <a:lstStyle>
+            <a:lvl1pPr algn="l" defTabSz="914400" rtl="0" eaLnBrk="1" latinLnBrk="0" hangingPunct="1">
+              <a:lnSpc>
+                <a:spcPct val="90000"/>
+              </a:lnSpc>
+              <a:spcBef>
+                <a:spcPct val="0"/>
+              </a:spcBef>
+              <a:buNone/>
+              <a:defRPr sz="3200" b="1" kern="1200">
+                <a:solidFill>
+                  <a:schemeClr val="accent1">
+                    <a:lumMod val="75000"/>
+                  </a:schemeClr>
+                </a:solidFill>
+                <a:latin typeface="+mj-lt"/>
+                <a:ea typeface="+mj-ea"/>
+                <a:cs typeface="+mj-cs"/>
+              </a:defRPr>
+            </a:lvl1pPr>
+          </a:lstStyle>
+          <a:p>
+            <a:r>
+              <a:rPr lang="en-US" sz="2800" dirty="0">
+                <a:latin typeface="Times New Roman" panose="02020603050405020304" pitchFamily="18" charset="0"/>
+                <a:cs typeface="Times New Roman" panose="02020603050405020304" pitchFamily="18" charset="0"/>
+              </a:rPr>
+              <a:t>Jump Statement(Cont..)</a:t>
+            </a:r>
+          </a:p>
+        </p:txBody>
+      </p:sp>
+      <p:sp>
+        <p:nvSpPr>
+          <p:cNvPr id="3" name="Content Placeholder 2">
+            <a:extLst>
+              <a:ext uri="{FF2B5EF4-FFF2-40B4-BE49-F238E27FC236}">
+                <a16:creationId xmlns:a16="http://schemas.microsoft.com/office/drawing/2014/main" id="{8DC92068-487F-BFE9-4132-8AFFF4F98875}"/>
+              </a:ext>
+            </a:extLst>
+          </p:cNvPr>
+          <p:cNvSpPr txBox="1">
+            <a:spLocks/>
+          </p:cNvSpPr>
+          <p:nvPr/>
+        </p:nvSpPr>
+        <p:spPr>
+          <a:xfrm>
+            <a:off x="1295400" y="1981201"/>
+            <a:ext cx="9601200" cy="3809999"/>
+          </a:xfrm>
+          <a:prstGeom prst="rect">
+            <a:avLst/>
+          </a:prstGeom>
+        </p:spPr>
+        <p:txBody>
+          <a:bodyPr/>
+          <a:lstStyle>
+            <a:lvl1pPr marL="228600" indent="-228600" algn="l" defTabSz="914400" rtl="0" eaLnBrk="1" latinLnBrk="0" hangingPunct="1">
+              <a:lnSpc>
+                <a:spcPct val="90000"/>
+              </a:lnSpc>
+              <a:spcBef>
+                <a:spcPts val="1800"/>
+              </a:spcBef>
+              <a:buClr>
+                <a:schemeClr val="accent1">
+                  <a:lumMod val="75000"/>
+                </a:schemeClr>
+              </a:buClr>
+              <a:buSzPct val="100000"/>
+              <a:buFont typeface="Arial" pitchFamily="34" charset="0"/>
+              <a:buChar char="▪"/>
+              <a:defRPr sz="2000" kern="1200">
+                <a:solidFill>
+                  <a:schemeClr val="tx1"/>
+                </a:solidFill>
+                <a:latin typeface="+mn-lt"/>
+                <a:ea typeface="+mn-ea"/>
+                <a:cs typeface="+mn-cs"/>
+              </a:defRPr>
+            </a:lvl1pPr>
+            <a:lvl2pPr marL="457200" indent="-182880" algn="l" defTabSz="914400" rtl="0" eaLnBrk="1" latinLnBrk="0" hangingPunct="1">
+              <a:lnSpc>
+                <a:spcPct val="90000"/>
+              </a:lnSpc>
+              <a:spcBef>
+                <a:spcPts val="1200"/>
+              </a:spcBef>
+              <a:buClr>
+                <a:schemeClr val="accent1">
+                  <a:lumMod val="75000"/>
+                </a:schemeClr>
+              </a:buClr>
+              <a:buSzPct val="100000"/>
+              <a:buFont typeface="Arial" pitchFamily="34" charset="0"/>
+              <a:buChar char="▪"/>
+              <a:defRPr sz="1800" kern="1200">
+                <a:solidFill>
+                  <a:schemeClr val="tx1"/>
+                </a:solidFill>
+                <a:latin typeface="+mn-lt"/>
+                <a:ea typeface="+mn-ea"/>
+                <a:cs typeface="+mn-cs"/>
+              </a:defRPr>
+            </a:lvl2pPr>
+            <a:lvl3pPr marL="685800" indent="-179388" algn="l" defTabSz="914400" rtl="0" eaLnBrk="1" latinLnBrk="0" hangingPunct="1">
+              <a:lnSpc>
+                <a:spcPct val="90000"/>
+              </a:lnSpc>
+              <a:spcBef>
+                <a:spcPts val="800"/>
+              </a:spcBef>
+              <a:buClr>
+                <a:schemeClr val="accent1">
+                  <a:lumMod val="75000"/>
+                </a:schemeClr>
+              </a:buClr>
+              <a:buSzPct val="100000"/>
+              <a:buFont typeface="Arial" pitchFamily="34" charset="0"/>
+              <a:buChar char="▪"/>
+              <a:defRPr sz="1600" kern="1200">
+                <a:solidFill>
+                  <a:schemeClr val="tx1"/>
+                </a:solidFill>
+                <a:latin typeface="+mn-lt"/>
+                <a:ea typeface="+mn-ea"/>
+                <a:cs typeface="+mn-cs"/>
+              </a:defRPr>
+            </a:lvl3pPr>
+            <a:lvl4pPr marL="914400" indent="-182880" algn="l" defTabSz="914400" rtl="0" eaLnBrk="1" latinLnBrk="0" hangingPunct="1">
+              <a:lnSpc>
+                <a:spcPct val="90000"/>
+              </a:lnSpc>
+              <a:spcBef>
+                <a:spcPts val="800"/>
+              </a:spcBef>
+              <a:buClr>
+                <a:schemeClr val="accent1">
+                  <a:lumMod val="75000"/>
+                </a:schemeClr>
+              </a:buClr>
+              <a:buSzPct val="100000"/>
+              <a:buFont typeface="Arial" pitchFamily="34" charset="0"/>
+              <a:buChar char="▪"/>
+              <a:defRPr sz="1400" kern="1200">
+                <a:solidFill>
+                  <a:schemeClr val="tx1"/>
+                </a:solidFill>
+                <a:latin typeface="+mn-lt"/>
+                <a:ea typeface="+mn-ea"/>
+                <a:cs typeface="+mn-cs"/>
+              </a:defRPr>
+            </a:lvl4pPr>
+            <a:lvl5pPr marL="1143000" indent="-179388" algn="l" defTabSz="914400" rtl="0" eaLnBrk="1" latinLnBrk="0" hangingPunct="1">
+              <a:lnSpc>
+                <a:spcPct val="90000"/>
+              </a:lnSpc>
+              <a:spcBef>
+                <a:spcPts val="600"/>
+              </a:spcBef>
+              <a:buClr>
+                <a:schemeClr val="accent1">
+                  <a:lumMod val="75000"/>
+                </a:schemeClr>
+              </a:buClr>
+              <a:buSzPct val="100000"/>
+              <a:buFont typeface="Arial" pitchFamily="34" charset="0"/>
+              <a:buChar char="▪"/>
+              <a:defRPr sz="1400" kern="1200">
+                <a:solidFill>
+                  <a:schemeClr val="tx1"/>
+                </a:solidFill>
+                <a:latin typeface="+mn-lt"/>
+                <a:ea typeface="+mn-ea"/>
+                <a:cs typeface="+mn-cs"/>
+              </a:defRPr>
+            </a:lvl5pPr>
+            <a:lvl6pPr marL="1371600" indent="-182880" algn="l" defTabSz="914400" rtl="0" eaLnBrk="1" latinLnBrk="0" hangingPunct="1">
+              <a:lnSpc>
+                <a:spcPct val="90000"/>
+              </a:lnSpc>
+              <a:spcBef>
+                <a:spcPts val="600"/>
+              </a:spcBef>
+              <a:buClr>
+                <a:schemeClr val="accent1">
+                  <a:lumMod val="75000"/>
+                </a:schemeClr>
+              </a:buClr>
+              <a:buSzPct val="100000"/>
+              <a:buFont typeface="Arial" pitchFamily="34" charset="0"/>
+              <a:buChar char="▪"/>
+              <a:defRPr sz="1400" kern="1200">
+                <a:solidFill>
+                  <a:schemeClr val="tx1"/>
+                </a:solidFill>
+                <a:latin typeface="+mn-lt"/>
+                <a:ea typeface="+mn-ea"/>
+                <a:cs typeface="+mn-cs"/>
+              </a:defRPr>
+            </a:lvl6pPr>
+            <a:lvl7pPr marL="1600200" indent="-179388" algn="l" defTabSz="914400" rtl="0" eaLnBrk="1" latinLnBrk="0" hangingPunct="1">
+              <a:lnSpc>
+                <a:spcPct val="90000"/>
+              </a:lnSpc>
+              <a:spcBef>
+                <a:spcPts val="600"/>
+              </a:spcBef>
+              <a:buClr>
+                <a:schemeClr val="accent1">
+                  <a:lumMod val="75000"/>
+                </a:schemeClr>
+              </a:buClr>
+              <a:buSzPct val="100000"/>
+              <a:buFont typeface="Arial" pitchFamily="34" charset="0"/>
+              <a:buChar char="▪"/>
+              <a:defRPr sz="1400" kern="1200">
+                <a:solidFill>
+                  <a:schemeClr val="tx1"/>
+                </a:solidFill>
+                <a:latin typeface="+mn-lt"/>
+                <a:ea typeface="+mn-ea"/>
+                <a:cs typeface="+mn-cs"/>
+              </a:defRPr>
+            </a:lvl7pPr>
+            <a:lvl8pPr marL="1828800" indent="-182880" algn="l" defTabSz="914400" rtl="0" eaLnBrk="1" latinLnBrk="0" hangingPunct="1">
+              <a:lnSpc>
+                <a:spcPct val="90000"/>
+              </a:lnSpc>
+              <a:spcBef>
+                <a:spcPts val="600"/>
+              </a:spcBef>
+              <a:buClr>
+                <a:schemeClr val="accent1">
+                  <a:lumMod val="75000"/>
+                </a:schemeClr>
+              </a:buClr>
+              <a:buSzPct val="100000"/>
+              <a:buFont typeface="Arial" pitchFamily="34" charset="0"/>
+              <a:buChar char="▪"/>
+              <a:defRPr sz="1400" kern="1200">
+                <a:solidFill>
+                  <a:schemeClr val="tx1"/>
+                </a:solidFill>
+                <a:latin typeface="+mn-lt"/>
+                <a:ea typeface="+mn-ea"/>
+                <a:cs typeface="+mn-cs"/>
+              </a:defRPr>
+            </a:lvl8pPr>
+            <a:lvl9pPr marL="1878012" indent="0" algn="l" defTabSz="914400" rtl="0" eaLnBrk="1" latinLnBrk="0" hangingPunct="1">
+              <a:lnSpc>
+                <a:spcPct val="90000"/>
+              </a:lnSpc>
+              <a:spcBef>
+                <a:spcPts val="600"/>
+              </a:spcBef>
+              <a:buClr>
+                <a:schemeClr val="accent1">
+                  <a:lumMod val="75000"/>
+                </a:schemeClr>
+              </a:buClr>
+              <a:buSzPct val="100000"/>
+              <a:buFont typeface="Arial" pitchFamily="34" charset="0"/>
+              <a:buNone/>
+              <a:defRPr sz="1400" kern="1200">
+                <a:solidFill>
+                  <a:schemeClr val="tx1"/>
+                </a:solidFill>
+                <a:latin typeface="+mn-lt"/>
+                <a:ea typeface="+mn-ea"/>
+                <a:cs typeface="+mn-cs"/>
+              </a:defRPr>
+            </a:lvl9pPr>
+          </a:lstStyle>
+          <a:p>
+            <a:r>
+              <a:rPr lang="en-US" sz="1800" dirty="0">
+                <a:latin typeface="Times New Roman" panose="02020603050405020304" pitchFamily="18" charset="0"/>
+                <a:cs typeface="Times New Roman" panose="02020603050405020304" pitchFamily="18" charset="0"/>
+              </a:rPr>
+              <a:t>Continue Statement(Skip Iteration)</a:t>
+            </a:r>
+          </a:p>
+        </p:txBody>
+      </p:sp>
+      <p:pic>
+        <p:nvPicPr>
+          <p:cNvPr id="4" name="Picture 3">
+            <a:extLst>
+              <a:ext uri="{FF2B5EF4-FFF2-40B4-BE49-F238E27FC236}">
+                <a16:creationId xmlns:a16="http://schemas.microsoft.com/office/drawing/2014/main" id="{50DBA1E6-66E2-1943-E7B2-0EE022992813}"/>
+              </a:ext>
+            </a:extLst>
+          </p:cNvPr>
+          <p:cNvPicPr>
+            <a:picLocks noChangeAspect="1"/>
+          </p:cNvPicPr>
+          <p:nvPr/>
+        </p:nvPicPr>
+        <p:blipFill>
+          <a:blip r:embed="rId2"/>
+          <a:stretch>
+            <a:fillRect/>
+          </a:stretch>
+        </p:blipFill>
+        <p:spPr>
+          <a:xfrm>
+            <a:off x="1436914" y="2857420"/>
+            <a:ext cx="6564086" cy="2770494"/>
+          </a:xfrm>
+          <a:prstGeom prst="rect">
+            <a:avLst/>
+          </a:prstGeom>
+        </p:spPr>
+      </p:pic>
+    </p:spTree>
+    <p:extLst>
+      <p:ext uri="{BB962C8B-B14F-4D97-AF65-F5344CB8AC3E}">
+        <p14:creationId xmlns:p14="http://schemas.microsoft.com/office/powerpoint/2010/main" val="2991907843"/>
+      </p:ext>
+    </p:extLst>
+  </p:cSld>
+  <p:clrMapOvr>
+    <a:masterClrMapping/>
+  </p:clrMapOvr>
+  <mc:AlternateContent xmlns:mc="http://schemas.openxmlformats.org/markup-compatibility/2006" xmlns:p14="http://schemas.microsoft.com/office/powerpoint/2010/main">
+    <mc:Choice Requires="p14">
+      <p:transition spd="med" p14:dur="700">
+        <p:fade/>
+      </p:transition>
+    </mc:Choice>
+    <mc:Fallback xmlns="">
+      <p:transition spd="med">
+        <p:fade/>
+      </p:transition>
+    </mc:Fallback>
+  </mc:AlternateContent>
+</p:sld>
+</file>
+
+<file path=ppt/slides/slide19.xml><?xml version="1.0" encoding="utf-8"?>
+<p:sld xmlns:a="http://schemas.openxmlformats.org/drawingml/2006/main" xmlns:r="http://schemas.openxmlformats.org/officeDocument/2006/relationships" xmlns:p="http://schemas.openxmlformats.org/presentationml/2006/main">
+  <p:cSld>
+    <p:spTree>
+      <p:nvGrpSpPr>
+        <p:cNvPr id="1" name=""/>
+        <p:cNvGrpSpPr/>
+        <p:nvPr/>
+      </p:nvGrpSpPr>
+      <p:grpSpPr>
+        <a:xfrm>
+          <a:off x="0" y="0"/>
+          <a:ext cx="0" cy="0"/>
+          <a:chOff x="0" y="0"/>
+          <a:chExt cx="0" cy="0"/>
+        </a:xfrm>
+      </p:grpSpPr>
+      <p:sp>
+        <p:nvSpPr>
+          <p:cNvPr id="2" name="Title 1">
+            <a:extLst>
+              <a:ext uri="{FF2B5EF4-FFF2-40B4-BE49-F238E27FC236}">
+                <a16:creationId xmlns:a16="http://schemas.microsoft.com/office/drawing/2014/main" id="{D5225A38-4D78-B4E4-A901-255C9873F157}"/>
+              </a:ext>
+            </a:extLst>
+          </p:cNvPr>
+          <p:cNvSpPr txBox="1">
+            <a:spLocks/>
+          </p:cNvSpPr>
+          <p:nvPr/>
+        </p:nvSpPr>
+        <p:spPr>
+          <a:xfrm>
+            <a:off x="1295400" y="503853"/>
+            <a:ext cx="9601200" cy="1142385"/>
+          </a:xfrm>
+          <a:prstGeom prst="rect">
+            <a:avLst/>
+          </a:prstGeom>
+        </p:spPr>
+        <p:txBody>
+          <a:bodyPr/>
+          <a:lstStyle>
+            <a:lvl1pPr algn="l" defTabSz="914400" rtl="0" eaLnBrk="1" latinLnBrk="0" hangingPunct="1">
+              <a:lnSpc>
+                <a:spcPct val="90000"/>
+              </a:lnSpc>
+              <a:spcBef>
+                <a:spcPct val="0"/>
+              </a:spcBef>
+              <a:buNone/>
+              <a:defRPr sz="3200" b="1" kern="1200">
+                <a:solidFill>
+                  <a:schemeClr val="accent1">
+                    <a:lumMod val="75000"/>
+                  </a:schemeClr>
+                </a:solidFill>
+                <a:latin typeface="+mj-lt"/>
+                <a:ea typeface="+mj-ea"/>
+                <a:cs typeface="+mj-cs"/>
+              </a:defRPr>
+            </a:lvl1pPr>
+          </a:lstStyle>
+          <a:p>
+            <a:r>
+              <a:rPr lang="en-US" sz="2800" dirty="0">
+                <a:latin typeface="Times New Roman" panose="02020603050405020304" pitchFamily="18" charset="0"/>
+                <a:cs typeface="Times New Roman" panose="02020603050405020304" pitchFamily="18" charset="0"/>
+              </a:rPr>
+              <a:t>Jump Statement(cont..)</a:t>
+            </a:r>
+          </a:p>
+        </p:txBody>
+      </p:sp>
+      <p:sp>
+        <p:nvSpPr>
+          <p:cNvPr id="3" name="Content Placeholder 2">
+            <a:extLst>
+              <a:ext uri="{FF2B5EF4-FFF2-40B4-BE49-F238E27FC236}">
+                <a16:creationId xmlns:a16="http://schemas.microsoft.com/office/drawing/2014/main" id="{08820B0A-F562-CA30-5D5B-F2BF928A1744}"/>
+              </a:ext>
+            </a:extLst>
+          </p:cNvPr>
+          <p:cNvSpPr txBox="1">
+            <a:spLocks/>
+          </p:cNvSpPr>
+          <p:nvPr/>
+        </p:nvSpPr>
+        <p:spPr>
+          <a:xfrm>
+            <a:off x="1295400" y="1981201"/>
+            <a:ext cx="9601200" cy="3809999"/>
+          </a:xfrm>
+          <a:prstGeom prst="rect">
+            <a:avLst/>
+          </a:prstGeom>
+        </p:spPr>
+        <p:txBody>
+          <a:bodyPr/>
+          <a:lstStyle>
+            <a:lvl1pPr marL="228600" indent="-228600" algn="l" defTabSz="914400" rtl="0" eaLnBrk="1" latinLnBrk="0" hangingPunct="1">
+              <a:lnSpc>
+                <a:spcPct val="90000"/>
+              </a:lnSpc>
+              <a:spcBef>
+                <a:spcPts val="1800"/>
+              </a:spcBef>
+              <a:buClr>
+                <a:schemeClr val="accent1">
+                  <a:lumMod val="75000"/>
+                </a:schemeClr>
+              </a:buClr>
+              <a:buSzPct val="100000"/>
+              <a:buFont typeface="Arial" pitchFamily="34" charset="0"/>
+              <a:buChar char="▪"/>
+              <a:defRPr sz="2000" kern="1200">
+                <a:solidFill>
+                  <a:schemeClr val="tx1"/>
+                </a:solidFill>
+                <a:latin typeface="+mn-lt"/>
+                <a:ea typeface="+mn-ea"/>
+                <a:cs typeface="+mn-cs"/>
+              </a:defRPr>
+            </a:lvl1pPr>
+            <a:lvl2pPr marL="457200" indent="-182880" algn="l" defTabSz="914400" rtl="0" eaLnBrk="1" latinLnBrk="0" hangingPunct="1">
+              <a:lnSpc>
+                <a:spcPct val="90000"/>
+              </a:lnSpc>
+              <a:spcBef>
+                <a:spcPts val="1200"/>
+              </a:spcBef>
+              <a:buClr>
+                <a:schemeClr val="accent1">
+                  <a:lumMod val="75000"/>
+                </a:schemeClr>
+              </a:buClr>
+              <a:buSzPct val="100000"/>
+              <a:buFont typeface="Arial" pitchFamily="34" charset="0"/>
+              <a:buChar char="▪"/>
+              <a:defRPr sz="1800" kern="1200">
+                <a:solidFill>
+                  <a:schemeClr val="tx1"/>
+                </a:solidFill>
+                <a:latin typeface="+mn-lt"/>
+                <a:ea typeface="+mn-ea"/>
+                <a:cs typeface="+mn-cs"/>
+              </a:defRPr>
+            </a:lvl2pPr>
+            <a:lvl3pPr marL="685800" indent="-179388" algn="l" defTabSz="914400" rtl="0" eaLnBrk="1" latinLnBrk="0" hangingPunct="1">
+              <a:lnSpc>
+                <a:spcPct val="90000"/>
+              </a:lnSpc>
+              <a:spcBef>
+                <a:spcPts val="800"/>
+              </a:spcBef>
+              <a:buClr>
+                <a:schemeClr val="accent1">
+                  <a:lumMod val="75000"/>
+                </a:schemeClr>
+              </a:buClr>
+              <a:buSzPct val="100000"/>
+              <a:buFont typeface="Arial" pitchFamily="34" charset="0"/>
+              <a:buChar char="▪"/>
+              <a:defRPr sz="1600" kern="1200">
+                <a:solidFill>
+                  <a:schemeClr val="tx1"/>
+                </a:solidFill>
+                <a:latin typeface="+mn-lt"/>
+                <a:ea typeface="+mn-ea"/>
+                <a:cs typeface="+mn-cs"/>
+              </a:defRPr>
+            </a:lvl3pPr>
+            <a:lvl4pPr marL="914400" indent="-182880" algn="l" defTabSz="914400" rtl="0" eaLnBrk="1" latinLnBrk="0" hangingPunct="1">
+              <a:lnSpc>
+                <a:spcPct val="90000"/>
+              </a:lnSpc>
+              <a:spcBef>
+                <a:spcPts val="800"/>
+              </a:spcBef>
+              <a:buClr>
+                <a:schemeClr val="accent1">
+                  <a:lumMod val="75000"/>
+                </a:schemeClr>
+              </a:buClr>
+              <a:buSzPct val="100000"/>
+              <a:buFont typeface="Arial" pitchFamily="34" charset="0"/>
+              <a:buChar char="▪"/>
+              <a:defRPr sz="1400" kern="1200">
+                <a:solidFill>
+                  <a:schemeClr val="tx1"/>
+                </a:solidFill>
+                <a:latin typeface="+mn-lt"/>
+                <a:ea typeface="+mn-ea"/>
+                <a:cs typeface="+mn-cs"/>
+              </a:defRPr>
+            </a:lvl4pPr>
+            <a:lvl5pPr marL="1143000" indent="-179388" algn="l" defTabSz="914400" rtl="0" eaLnBrk="1" latinLnBrk="0" hangingPunct="1">
+              <a:lnSpc>
+                <a:spcPct val="90000"/>
+              </a:lnSpc>
+              <a:spcBef>
+                <a:spcPts val="600"/>
+              </a:spcBef>
+              <a:buClr>
+                <a:schemeClr val="accent1">
+                  <a:lumMod val="75000"/>
+                </a:schemeClr>
+              </a:buClr>
+              <a:buSzPct val="100000"/>
+              <a:buFont typeface="Arial" pitchFamily="34" charset="0"/>
+              <a:buChar char="▪"/>
+              <a:defRPr sz="1400" kern="1200">
+                <a:solidFill>
+                  <a:schemeClr val="tx1"/>
+                </a:solidFill>
+                <a:latin typeface="+mn-lt"/>
+                <a:ea typeface="+mn-ea"/>
+                <a:cs typeface="+mn-cs"/>
+              </a:defRPr>
+            </a:lvl5pPr>
+            <a:lvl6pPr marL="1371600" indent="-182880" algn="l" defTabSz="914400" rtl="0" eaLnBrk="1" latinLnBrk="0" hangingPunct="1">
+              <a:lnSpc>
+                <a:spcPct val="90000"/>
+              </a:lnSpc>
+              <a:spcBef>
+                <a:spcPts val="600"/>
+              </a:spcBef>
+              <a:buClr>
+                <a:schemeClr val="accent1">
+                  <a:lumMod val="75000"/>
+                </a:schemeClr>
+              </a:buClr>
+              <a:buSzPct val="100000"/>
+              <a:buFont typeface="Arial" pitchFamily="34" charset="0"/>
+              <a:buChar char="▪"/>
+              <a:defRPr sz="1400" kern="1200">
+                <a:solidFill>
+                  <a:schemeClr val="tx1"/>
+                </a:solidFill>
+                <a:latin typeface="+mn-lt"/>
+                <a:ea typeface="+mn-ea"/>
+                <a:cs typeface="+mn-cs"/>
+              </a:defRPr>
+            </a:lvl6pPr>
+            <a:lvl7pPr marL="1600200" indent="-179388" algn="l" defTabSz="914400" rtl="0" eaLnBrk="1" latinLnBrk="0" hangingPunct="1">
+              <a:lnSpc>
+                <a:spcPct val="90000"/>
+              </a:lnSpc>
+              <a:spcBef>
+                <a:spcPts val="600"/>
+              </a:spcBef>
+              <a:buClr>
+                <a:schemeClr val="accent1">
+                  <a:lumMod val="75000"/>
+                </a:schemeClr>
+              </a:buClr>
+              <a:buSzPct val="100000"/>
+              <a:buFont typeface="Arial" pitchFamily="34" charset="0"/>
+              <a:buChar char="▪"/>
+              <a:defRPr sz="1400" kern="1200">
+                <a:solidFill>
+                  <a:schemeClr val="tx1"/>
+                </a:solidFill>
+                <a:latin typeface="+mn-lt"/>
+                <a:ea typeface="+mn-ea"/>
+                <a:cs typeface="+mn-cs"/>
+              </a:defRPr>
+            </a:lvl7pPr>
+            <a:lvl8pPr marL="1828800" indent="-182880" algn="l" defTabSz="914400" rtl="0" eaLnBrk="1" latinLnBrk="0" hangingPunct="1">
+              <a:lnSpc>
+                <a:spcPct val="90000"/>
+              </a:lnSpc>
+              <a:spcBef>
+                <a:spcPts val="600"/>
+              </a:spcBef>
+              <a:buClr>
+                <a:schemeClr val="accent1">
+                  <a:lumMod val="75000"/>
+                </a:schemeClr>
+              </a:buClr>
+              <a:buSzPct val="100000"/>
+              <a:buFont typeface="Arial" pitchFamily="34" charset="0"/>
+              <a:buChar char="▪"/>
+              <a:defRPr sz="1400" kern="1200">
+                <a:solidFill>
+                  <a:schemeClr val="tx1"/>
+                </a:solidFill>
+                <a:latin typeface="+mn-lt"/>
+                <a:ea typeface="+mn-ea"/>
+                <a:cs typeface="+mn-cs"/>
+              </a:defRPr>
+            </a:lvl8pPr>
+            <a:lvl9pPr marL="1878012" indent="0" algn="l" defTabSz="914400" rtl="0" eaLnBrk="1" latinLnBrk="0" hangingPunct="1">
+              <a:lnSpc>
+                <a:spcPct val="90000"/>
+              </a:lnSpc>
+              <a:spcBef>
+                <a:spcPts val="600"/>
+              </a:spcBef>
+              <a:buClr>
+                <a:schemeClr val="accent1">
+                  <a:lumMod val="75000"/>
+                </a:schemeClr>
+              </a:buClr>
+              <a:buSzPct val="100000"/>
+              <a:buFont typeface="Arial" pitchFamily="34" charset="0"/>
+              <a:buNone/>
+              <a:defRPr sz="1400" kern="1200">
+                <a:solidFill>
+                  <a:schemeClr val="tx1"/>
+                </a:solidFill>
+                <a:latin typeface="+mn-lt"/>
+                <a:ea typeface="+mn-ea"/>
+                <a:cs typeface="+mn-cs"/>
+              </a:defRPr>
+            </a:lvl9pPr>
+          </a:lstStyle>
+          <a:p>
+            <a:r>
+              <a:rPr lang="en-US" sz="1800" dirty="0">
+                <a:latin typeface="Times New Roman" panose="02020603050405020304" pitchFamily="18" charset="0"/>
+                <a:cs typeface="Times New Roman" panose="02020603050405020304" pitchFamily="18" charset="0"/>
+              </a:rPr>
+              <a:t>Return Statement(Exit Method)</a:t>
+            </a:r>
+          </a:p>
+        </p:txBody>
+      </p:sp>
+      <p:pic>
+        <p:nvPicPr>
+          <p:cNvPr id="4" name="Picture 3">
+            <a:extLst>
+              <a:ext uri="{FF2B5EF4-FFF2-40B4-BE49-F238E27FC236}">
+                <a16:creationId xmlns:a16="http://schemas.microsoft.com/office/drawing/2014/main" id="{CAE04DD9-DA81-CFCC-0476-DE7454FB2AAD}"/>
+              </a:ext>
+            </a:extLst>
+          </p:cNvPr>
+          <p:cNvPicPr>
+            <a:picLocks noChangeAspect="1"/>
+          </p:cNvPicPr>
+          <p:nvPr/>
+        </p:nvPicPr>
+        <p:blipFill>
+          <a:blip r:embed="rId2"/>
+          <a:stretch>
+            <a:fillRect/>
+          </a:stretch>
+        </p:blipFill>
+        <p:spPr>
+          <a:xfrm>
+            <a:off x="1621971" y="2612571"/>
+            <a:ext cx="6172200" cy="2362200"/>
+          </a:xfrm>
+          <a:prstGeom prst="rect">
+            <a:avLst/>
+          </a:prstGeom>
+        </p:spPr>
+      </p:pic>
+    </p:spTree>
+    <p:extLst>
+      <p:ext uri="{BB962C8B-B14F-4D97-AF65-F5344CB8AC3E}">
+        <p14:creationId xmlns:p14="http://schemas.microsoft.com/office/powerpoint/2010/main" val="2181813757"/>
+      </p:ext>
+    </p:extLst>
+  </p:cSld>
+  <p:clrMapOvr>
+    <a:masterClrMapping/>
+  </p:clrMapOvr>
+  <mc:AlternateContent xmlns:mc="http://schemas.openxmlformats.org/markup-compatibility/2006" xmlns:p14="http://schemas.microsoft.com/office/powerpoint/2010/main">
+    <mc:Choice Requires="p14">
+      <p:transition spd="med" p14:dur="700">
+        <p:fade/>
+      </p:transition>
+    </mc:Choice>
+    <mc:Fallback xmlns="">
+      <p:transition spd="med">
+        <p:fade/>
+      </p:transition>
+    </mc:Fallback>
+  </mc:AlternateContent>
+</p:sld>
+</file>
+
+<file path=ppt/slides/slide2.xml><?xml version="1.0" encoding="utf-8"?>
+<p:sld xmlns:a="http://schemas.openxmlformats.org/drawingml/2006/main" xmlns:r="http://schemas.openxmlformats.org/officeDocument/2006/relationships" xmlns:p="http://schemas.openxmlformats.org/presentationml/2006/main">
+  <p:cSld>
+    <p:spTree>
+      <p:nvGrpSpPr>
+        <p:cNvPr id="1" name=""/>
+        <p:cNvGrpSpPr/>
+        <p:nvPr/>
+      </p:nvGrpSpPr>
+      <p:grpSpPr>
+        <a:xfrm>
+          <a:off x="0" y="0"/>
+          <a:ext cx="0" cy="0"/>
+          <a:chOff x="0" y="0"/>
+          <a:chExt cx="0" cy="0"/>
+        </a:xfrm>
+      </p:grpSpPr>
+      <p:sp>
+        <p:nvSpPr>
+          <p:cNvPr id="2" name="Title 1"/>
+          <p:cNvSpPr>
+            <a:spLocks noGrp="1"/>
+          </p:cNvSpPr>
+          <p:nvPr>
+            <p:ph type="title"/>
+          </p:nvPr>
+        </p:nvSpPr>
+        <p:spPr>
+          <a:xfrm>
+            <a:off x="1295400" y="503853"/>
+            <a:ext cx="9601200" cy="562947"/>
+          </a:xfrm>
+        </p:spPr>
+        <p:txBody>
+          <a:bodyPr>
+            <a:normAutofit/>
+          </a:bodyPr>
+          <a:lstStyle/>
+          <a:p>
+            <a:r>
+              <a:rPr lang="en-US" sz="2800" dirty="0">
+                <a:latin typeface="Times New Roman" panose="02020603050405020304" pitchFamily="18" charset="0"/>
+                <a:cs typeface="Times New Roman" panose="02020603050405020304" pitchFamily="18" charset="0"/>
+              </a:rPr>
+              <a:t>Table of Content</a:t>
+            </a:r>
+          </a:p>
+        </p:txBody>
+      </p:sp>
+      <p:sp>
+        <p:nvSpPr>
+          <p:cNvPr id="3" name="Content Placeholder 2"/>
+          <p:cNvSpPr>
+            <a:spLocks noGrp="1"/>
+          </p:cNvSpPr>
+          <p:nvPr>
+            <p:ph idx="1"/>
+          </p:nvPr>
+        </p:nvSpPr>
+        <p:spPr>
+          <a:xfrm>
+            <a:off x="1295400" y="1066801"/>
+            <a:ext cx="9601200" cy="5024284"/>
+          </a:xfrm>
+        </p:spPr>
+        <p:txBody>
+          <a:bodyPr>
+            <a:noAutofit/>
+          </a:bodyPr>
+          <a:lstStyle/>
+          <a:p>
+            <a:pPr>
+              <a:buFont typeface="Wingdings" panose="05000000000000000000" pitchFamily="2" charset="2"/>
+              <a:buChar char="q"/>
+            </a:pPr>
+            <a:r>
+              <a:rPr lang="en-US" sz="1800" dirty="0">
+                <a:latin typeface="Times New Roman" panose="02020603050405020304" pitchFamily="18" charset="0"/>
+                <a:cs typeface="Times New Roman" panose="02020603050405020304" pitchFamily="18" charset="0"/>
+              </a:rPr>
+              <a:t>Brief History of Java</a:t>
+            </a:r>
+          </a:p>
+          <a:p>
+            <a:pPr>
+              <a:buFont typeface="Wingdings" panose="05000000000000000000" pitchFamily="2" charset="2"/>
+              <a:buChar char="q"/>
+            </a:pPr>
+            <a:r>
+              <a:rPr lang="en-US" sz="1800" dirty="0">
+                <a:latin typeface="Times New Roman" panose="02020603050405020304" pitchFamily="18" charset="0"/>
+                <a:cs typeface="Times New Roman" panose="02020603050405020304" pitchFamily="18" charset="0"/>
+              </a:rPr>
+              <a:t>Features of Java</a:t>
+            </a:r>
+          </a:p>
+          <a:p>
+            <a:pPr>
+              <a:buFont typeface="Wingdings" panose="05000000000000000000" pitchFamily="2" charset="2"/>
+              <a:buChar char="q"/>
+            </a:pPr>
+            <a:r>
+              <a:rPr lang="en-US" sz="1800" dirty="0">
+                <a:latin typeface="Times New Roman" panose="02020603050405020304" pitchFamily="18" charset="0"/>
+                <a:cs typeface="Times New Roman" panose="02020603050405020304" pitchFamily="18" charset="0"/>
+              </a:rPr>
+              <a:t>Applications of Java</a:t>
+            </a:r>
+          </a:p>
+          <a:p>
+            <a:pPr>
+              <a:buFont typeface="Wingdings" panose="05000000000000000000" pitchFamily="2" charset="2"/>
+              <a:buChar char="q"/>
+            </a:pPr>
+            <a:r>
+              <a:rPr lang="en-US" sz="1800" dirty="0">
+                <a:latin typeface="Times New Roman" panose="02020603050405020304" pitchFamily="18" charset="0"/>
+                <a:cs typeface="Times New Roman" panose="02020603050405020304" pitchFamily="18" charset="0"/>
+              </a:rPr>
+              <a:t>Key Differences Between Java and C++</a:t>
+            </a:r>
+          </a:p>
+          <a:p>
+            <a:pPr>
+              <a:buFont typeface="Wingdings" panose="05000000000000000000" pitchFamily="2" charset="2"/>
+              <a:buChar char="q"/>
+            </a:pPr>
+            <a:r>
+              <a:rPr lang="en-US" sz="1800" dirty="0">
+                <a:latin typeface="Times New Roman" panose="02020603050405020304" pitchFamily="18" charset="0"/>
+                <a:cs typeface="Times New Roman" panose="02020603050405020304" pitchFamily="18" charset="0"/>
+              </a:rPr>
+              <a:t>Sample Java Program</a:t>
+            </a:r>
+          </a:p>
+          <a:p>
+            <a:pPr>
+              <a:buFont typeface="Wingdings" panose="05000000000000000000" pitchFamily="2" charset="2"/>
+              <a:buChar char="q"/>
+            </a:pPr>
+            <a:r>
+              <a:rPr lang="en-US" sz="1800" dirty="0">
+                <a:latin typeface="Times New Roman" panose="02020603050405020304" pitchFamily="18" charset="0"/>
+                <a:cs typeface="Times New Roman" panose="02020603050405020304" pitchFamily="18" charset="0"/>
+              </a:rPr>
+              <a:t>Data Types in Java </a:t>
+            </a:r>
+          </a:p>
+          <a:p>
+            <a:pPr>
+              <a:buFont typeface="Wingdings" panose="05000000000000000000" pitchFamily="2" charset="2"/>
+              <a:buChar char="q"/>
+            </a:pPr>
+            <a:r>
+              <a:rPr lang="en-US" sz="1800" dirty="0">
+                <a:latin typeface="Times New Roman" panose="02020603050405020304" pitchFamily="18" charset="0"/>
+                <a:cs typeface="Times New Roman" panose="02020603050405020304" pitchFamily="18" charset="0"/>
+              </a:rPr>
+              <a:t>Basic Concepts of OOP</a:t>
+            </a:r>
+          </a:p>
+          <a:p>
+            <a:pPr>
+              <a:buFont typeface="Wingdings" panose="05000000000000000000" pitchFamily="2" charset="2"/>
+              <a:buChar char="q"/>
+            </a:pPr>
+            <a:r>
+              <a:rPr lang="en-US" sz="1800" dirty="0">
+                <a:latin typeface="Times New Roman" panose="02020603050405020304" pitchFamily="18" charset="0"/>
+                <a:cs typeface="Times New Roman" panose="02020603050405020304" pitchFamily="18" charset="0"/>
+              </a:rPr>
+              <a:t>Abstraction</a:t>
+            </a:r>
+          </a:p>
+          <a:p>
+            <a:pPr>
+              <a:buFont typeface="Wingdings" panose="05000000000000000000" pitchFamily="2" charset="2"/>
+              <a:buChar char="q"/>
+            </a:pPr>
+            <a:r>
+              <a:rPr lang="en-US" sz="1800" dirty="0">
+                <a:latin typeface="Times New Roman" panose="02020603050405020304" pitchFamily="18" charset="0"/>
+                <a:cs typeface="Times New Roman" panose="02020603050405020304" pitchFamily="18" charset="0"/>
+              </a:rPr>
+              <a:t>Encapsulation</a:t>
+            </a:r>
+          </a:p>
+          <a:p>
+            <a:pPr>
+              <a:buFont typeface="Wingdings" panose="05000000000000000000" pitchFamily="2" charset="2"/>
+              <a:buChar char="q"/>
+            </a:pPr>
+            <a:r>
+              <a:rPr lang="en-US" sz="1800" dirty="0">
+                <a:latin typeface="Times New Roman" panose="02020603050405020304" pitchFamily="18" charset="0"/>
+                <a:cs typeface="Times New Roman" panose="02020603050405020304" pitchFamily="18" charset="0"/>
+              </a:rPr>
+              <a:t>Inheritance</a:t>
+            </a:r>
+          </a:p>
+          <a:p>
+            <a:pPr>
+              <a:buFont typeface="Wingdings" panose="05000000000000000000" pitchFamily="2" charset="2"/>
+              <a:buChar char="q"/>
+            </a:pPr>
+            <a:r>
+              <a:rPr lang="en-US" sz="1800" dirty="0">
+                <a:latin typeface="Times New Roman" panose="02020603050405020304" pitchFamily="18" charset="0"/>
+                <a:cs typeface="Times New Roman" panose="02020603050405020304" pitchFamily="18" charset="0"/>
+              </a:rPr>
+              <a:t>Polymorphism</a:t>
+            </a:r>
+          </a:p>
+        </p:txBody>
+      </p:sp>
+    </p:spTree>
+    <p:extLst>
+      <p:ext uri="{BB962C8B-B14F-4D97-AF65-F5344CB8AC3E}">
+        <p14:creationId xmlns:p14="http://schemas.microsoft.com/office/powerpoint/2010/main" val="3984617762"/>
+      </p:ext>
+    </p:extLst>
+  </p:cSld>
+  <p:clrMapOvr>
+    <a:masterClrMapping/>
+  </p:clrMapOvr>
+  <mc:AlternateContent xmlns:mc="http://schemas.openxmlformats.org/markup-compatibility/2006" xmlns:p14="http://schemas.microsoft.com/office/powerpoint/2010/main">
+    <mc:Choice Requires="p14">
+      <p:transition spd="med" p14:dur="700">
+        <p:fade/>
+      </p:transition>
+    </mc:Choice>
+    <mc:Fallback xmlns="">
+      <p:transition spd="med">
+        <p:fade/>
+      </p:transition>
+    </mc:Fallback>
+  </mc:AlternateContent>
+</p:sld>
+</file>
+
+<file path=ppt/slides/slide20.xml><?xml version="1.0" encoding="utf-8"?>
+<p:sld xmlns:a="http://schemas.openxmlformats.org/drawingml/2006/main" xmlns:r="http://schemas.openxmlformats.org/officeDocument/2006/relationships" xmlns:p="http://schemas.openxmlformats.org/presentationml/2006/main">
+  <p:cSld>
+    <p:spTree>
+      <p:nvGrpSpPr>
+        <p:cNvPr id="1" name=""/>
+        <p:cNvGrpSpPr/>
+        <p:nvPr/>
+      </p:nvGrpSpPr>
+      <p:grpSpPr>
+        <a:xfrm>
+          <a:off x="0" y="0"/>
+          <a:ext cx="0" cy="0"/>
+          <a:chOff x="0" y="0"/>
+          <a:chExt cx="0" cy="0"/>
+        </a:xfrm>
+      </p:grpSpPr>
+      <p:sp>
+        <p:nvSpPr>
+          <p:cNvPr id="2" name="Title 1">
+            <a:extLst>
+              <a:ext uri="{FF2B5EF4-FFF2-40B4-BE49-F238E27FC236}">
+                <a16:creationId xmlns:a16="http://schemas.microsoft.com/office/drawing/2014/main" id="{31ED5910-E9B0-831D-0005-961D4E7214BC}"/>
+              </a:ext>
+            </a:extLst>
+          </p:cNvPr>
+          <p:cNvSpPr txBox="1">
+            <a:spLocks/>
+          </p:cNvSpPr>
+          <p:nvPr/>
+        </p:nvSpPr>
+        <p:spPr>
+          <a:xfrm>
+            <a:off x="1295400" y="503853"/>
+            <a:ext cx="9601200" cy="1142385"/>
+          </a:xfrm>
+          <a:prstGeom prst="rect">
+            <a:avLst/>
+          </a:prstGeom>
+        </p:spPr>
+        <p:txBody>
+          <a:bodyPr/>
+          <a:lstStyle>
+            <a:lvl1pPr algn="l" defTabSz="914400" rtl="0" eaLnBrk="1" latinLnBrk="0" hangingPunct="1">
+              <a:lnSpc>
+                <a:spcPct val="90000"/>
+              </a:lnSpc>
+              <a:spcBef>
+                <a:spcPct val="0"/>
+              </a:spcBef>
+              <a:buNone/>
+              <a:defRPr sz="3200" b="1" kern="1200">
+                <a:solidFill>
+                  <a:schemeClr val="accent1">
+                    <a:lumMod val="75000"/>
+                  </a:schemeClr>
+                </a:solidFill>
+                <a:latin typeface="+mj-lt"/>
+                <a:ea typeface="+mj-ea"/>
+                <a:cs typeface="+mj-cs"/>
+              </a:defRPr>
+            </a:lvl1pPr>
+          </a:lstStyle>
+          <a:p>
+            <a:r>
+              <a:rPr lang="en-US" sz="2800" dirty="0">
+                <a:latin typeface="Times New Roman" panose="02020603050405020304" pitchFamily="18" charset="0"/>
+                <a:cs typeface="Times New Roman" panose="02020603050405020304" pitchFamily="18" charset="0"/>
+              </a:rPr>
+              <a:t>Strings in Java</a:t>
+            </a:r>
+          </a:p>
+        </p:txBody>
+      </p:sp>
+      <p:sp>
+        <p:nvSpPr>
+          <p:cNvPr id="3" name="Rectangle 1">
+            <a:extLst>
+              <a:ext uri="{FF2B5EF4-FFF2-40B4-BE49-F238E27FC236}">
+                <a16:creationId xmlns:a16="http://schemas.microsoft.com/office/drawing/2014/main" id="{F0BEE2AF-1209-0F1A-DF6F-7D48FD639E31}"/>
+              </a:ext>
+            </a:extLst>
+          </p:cNvPr>
+          <p:cNvSpPr txBox="1">
+            <a:spLocks noChangeArrowheads="1"/>
+          </p:cNvSpPr>
+          <p:nvPr/>
+        </p:nvSpPr>
+        <p:spPr bwMode="auto">
+          <a:xfrm>
+            <a:off x="1295399" y="1624048"/>
+            <a:ext cx="9046029" cy="4524315"/>
+          </a:xfrm>
+          <a:prstGeom prst="rect">
+            <a:avLst/>
+          </a:prstGeom>
+          <a:noFill/>
+          <a:ln>
+            <a:noFill/>
+          </a:ln>
+          <a:effectLst/>
+          <a:extLst>
+            <a:ext uri="{909E8E84-426E-40DD-AFC4-6F175D3DCCD1}">
+              <a14:hiddenFill xmlns:a14="http://schemas.microsoft.com/office/drawing/2010/main">
+                <a:solidFill>
+                  <a:schemeClr val="accent1"/>
+                </a:solidFill>
+              </a14:hiddenFill>
+            </a:ext>
+            <a:ext uri="{91240B29-F687-4F45-9708-019B960494DF}">
+              <a14:hiddenLine xmlns:a14="http://schemas.microsoft.com/office/drawing/2010/main" w="9525">
+                <a:solidFill>
+                  <a:schemeClr val="tx1"/>
+                </a:solidFill>
+                <a:miter lim="800000"/>
+                <a:headEnd/>
+                <a:tailEnd/>
+              </a14:hiddenLine>
+            </a:ext>
+            <a:ext uri="{AF507438-7753-43E0-B8FC-AC1667EBCBE1}">
+              <a14:hiddenEffects xmlns:a14="http://schemas.microsoft.com/office/drawing/2010/main">
+                <a:effectLst>
+                  <a:outerShdw dist="35921" dir="2700000" algn="ctr" rotWithShape="0">
+                    <a:schemeClr val="bg2"/>
+                  </a:outerShdw>
+                </a:effectLst>
+              </a14:hiddenEffects>
+            </a:ext>
+          </a:extLst>
+        </p:spPr>
+        <p:txBody>
+          <a:bodyPr vert="horz" wrap="square" lIns="91440" tIns="45720" rIns="91440" bIns="45720" numCol="1" anchor="ctr" anchorCtr="0" compatLnSpc="1">
+            <a:prstTxWarp prst="textNoShape">
+              <a:avLst/>
+            </a:prstTxWarp>
+            <a:spAutoFit/>
+          </a:bodyPr>
+          <a:lstStyle>
+            <a:lvl1pPr marL="228600" indent="-228600" algn="l" defTabSz="914400" rtl="0" eaLnBrk="1" latinLnBrk="0" hangingPunct="1">
+              <a:lnSpc>
+                <a:spcPct val="90000"/>
+              </a:lnSpc>
+              <a:spcBef>
+                <a:spcPts val="1800"/>
+              </a:spcBef>
+              <a:buClr>
+                <a:schemeClr val="accent1">
+                  <a:lumMod val="75000"/>
+                </a:schemeClr>
+              </a:buClr>
+              <a:buSzPct val="100000"/>
+              <a:buFont typeface="Arial" pitchFamily="34" charset="0"/>
+              <a:buChar char="▪"/>
+              <a:defRPr sz="2000" kern="1200">
+                <a:solidFill>
+                  <a:schemeClr val="tx1"/>
+                </a:solidFill>
+                <a:latin typeface="+mn-lt"/>
+                <a:ea typeface="+mn-ea"/>
+                <a:cs typeface="+mn-cs"/>
+              </a:defRPr>
+            </a:lvl1pPr>
+            <a:lvl2pPr marL="457200" indent="-182880" algn="l" defTabSz="914400" rtl="0" eaLnBrk="1" latinLnBrk="0" hangingPunct="1">
+              <a:lnSpc>
+                <a:spcPct val="90000"/>
+              </a:lnSpc>
+              <a:spcBef>
+                <a:spcPts val="1200"/>
+              </a:spcBef>
+              <a:buClr>
+                <a:schemeClr val="accent1">
+                  <a:lumMod val="75000"/>
+                </a:schemeClr>
+              </a:buClr>
+              <a:buSzPct val="100000"/>
+              <a:buFont typeface="Arial" pitchFamily="34" charset="0"/>
+              <a:buChar char="▪"/>
+              <a:defRPr sz="1800" kern="1200">
+                <a:solidFill>
+                  <a:schemeClr val="tx1"/>
+                </a:solidFill>
+                <a:latin typeface="+mn-lt"/>
+                <a:ea typeface="+mn-ea"/>
+                <a:cs typeface="+mn-cs"/>
+              </a:defRPr>
+            </a:lvl2pPr>
+            <a:lvl3pPr marL="685800" indent="-179388" algn="l" defTabSz="914400" rtl="0" eaLnBrk="1" latinLnBrk="0" hangingPunct="1">
+              <a:lnSpc>
+                <a:spcPct val="90000"/>
+              </a:lnSpc>
+              <a:spcBef>
+                <a:spcPts val="800"/>
+              </a:spcBef>
+              <a:buClr>
+                <a:schemeClr val="accent1">
+                  <a:lumMod val="75000"/>
+                </a:schemeClr>
+              </a:buClr>
+              <a:buSzPct val="100000"/>
+              <a:buFont typeface="Arial" pitchFamily="34" charset="0"/>
+              <a:buChar char="▪"/>
+              <a:defRPr sz="1600" kern="1200">
+                <a:solidFill>
+                  <a:schemeClr val="tx1"/>
+                </a:solidFill>
+                <a:latin typeface="+mn-lt"/>
+                <a:ea typeface="+mn-ea"/>
+                <a:cs typeface="+mn-cs"/>
+              </a:defRPr>
+            </a:lvl3pPr>
+            <a:lvl4pPr marL="914400" indent="-182880" algn="l" defTabSz="914400" rtl="0" eaLnBrk="1" latinLnBrk="0" hangingPunct="1">
+              <a:lnSpc>
+                <a:spcPct val="90000"/>
+              </a:lnSpc>
+              <a:spcBef>
+                <a:spcPts val="800"/>
+              </a:spcBef>
+              <a:buClr>
+                <a:schemeClr val="accent1">
+                  <a:lumMod val="75000"/>
+                </a:schemeClr>
+              </a:buClr>
+              <a:buSzPct val="100000"/>
+              <a:buFont typeface="Arial" pitchFamily="34" charset="0"/>
+              <a:buChar char="▪"/>
+              <a:defRPr sz="1400" kern="1200">
+                <a:solidFill>
+                  <a:schemeClr val="tx1"/>
+                </a:solidFill>
+                <a:latin typeface="+mn-lt"/>
+                <a:ea typeface="+mn-ea"/>
+                <a:cs typeface="+mn-cs"/>
+              </a:defRPr>
+            </a:lvl4pPr>
+            <a:lvl5pPr marL="1143000" indent="-179388" algn="l" defTabSz="914400" rtl="0" eaLnBrk="1" latinLnBrk="0" hangingPunct="1">
+              <a:lnSpc>
+                <a:spcPct val="90000"/>
+              </a:lnSpc>
+              <a:spcBef>
+                <a:spcPts val="600"/>
+              </a:spcBef>
+              <a:buClr>
+                <a:schemeClr val="accent1">
+                  <a:lumMod val="75000"/>
+                </a:schemeClr>
+              </a:buClr>
+              <a:buSzPct val="100000"/>
+              <a:buFont typeface="Arial" pitchFamily="34" charset="0"/>
+              <a:buChar char="▪"/>
+              <a:defRPr sz="1400" kern="1200">
+                <a:solidFill>
+                  <a:schemeClr val="tx1"/>
+                </a:solidFill>
+                <a:latin typeface="+mn-lt"/>
+                <a:ea typeface="+mn-ea"/>
+                <a:cs typeface="+mn-cs"/>
+              </a:defRPr>
+            </a:lvl5pPr>
+            <a:lvl6pPr marL="1371600" indent="-182880" algn="l" defTabSz="914400" rtl="0" eaLnBrk="1" latinLnBrk="0" hangingPunct="1">
+              <a:lnSpc>
+                <a:spcPct val="90000"/>
+              </a:lnSpc>
+              <a:spcBef>
+                <a:spcPts val="600"/>
+              </a:spcBef>
+              <a:buClr>
+                <a:schemeClr val="accent1">
+                  <a:lumMod val="75000"/>
+                </a:schemeClr>
+              </a:buClr>
+              <a:buSzPct val="100000"/>
+              <a:buFont typeface="Arial" pitchFamily="34" charset="0"/>
+              <a:buChar char="▪"/>
+              <a:defRPr sz="1400" kern="1200">
+                <a:solidFill>
+                  <a:schemeClr val="tx1"/>
+                </a:solidFill>
+                <a:latin typeface="+mn-lt"/>
+                <a:ea typeface="+mn-ea"/>
+                <a:cs typeface="+mn-cs"/>
+              </a:defRPr>
+            </a:lvl6pPr>
+            <a:lvl7pPr marL="1600200" indent="-179388" algn="l" defTabSz="914400" rtl="0" eaLnBrk="1" latinLnBrk="0" hangingPunct="1">
+              <a:lnSpc>
+                <a:spcPct val="90000"/>
+              </a:lnSpc>
+              <a:spcBef>
+                <a:spcPts val="600"/>
+              </a:spcBef>
+              <a:buClr>
+                <a:schemeClr val="accent1">
+                  <a:lumMod val="75000"/>
+                </a:schemeClr>
+              </a:buClr>
+              <a:buSzPct val="100000"/>
+              <a:buFont typeface="Arial" pitchFamily="34" charset="0"/>
+              <a:buChar char="▪"/>
+              <a:defRPr sz="1400" kern="1200">
+                <a:solidFill>
+                  <a:schemeClr val="tx1"/>
+                </a:solidFill>
+                <a:latin typeface="+mn-lt"/>
+                <a:ea typeface="+mn-ea"/>
+                <a:cs typeface="+mn-cs"/>
+              </a:defRPr>
+            </a:lvl7pPr>
+            <a:lvl8pPr marL="1828800" indent="-182880" algn="l" defTabSz="914400" rtl="0" eaLnBrk="1" latinLnBrk="0" hangingPunct="1">
+              <a:lnSpc>
+                <a:spcPct val="90000"/>
+              </a:lnSpc>
+              <a:spcBef>
+                <a:spcPts val="600"/>
+              </a:spcBef>
+              <a:buClr>
+                <a:schemeClr val="accent1">
+                  <a:lumMod val="75000"/>
+                </a:schemeClr>
+              </a:buClr>
+              <a:buSzPct val="100000"/>
+              <a:buFont typeface="Arial" pitchFamily="34" charset="0"/>
+              <a:buChar char="▪"/>
+              <a:defRPr sz="1400" kern="1200">
+                <a:solidFill>
+                  <a:schemeClr val="tx1"/>
+                </a:solidFill>
+                <a:latin typeface="+mn-lt"/>
+                <a:ea typeface="+mn-ea"/>
+                <a:cs typeface="+mn-cs"/>
+              </a:defRPr>
+            </a:lvl8pPr>
+            <a:lvl9pPr marL="1878012" indent="0" algn="l" defTabSz="914400" rtl="0" eaLnBrk="1" latinLnBrk="0" hangingPunct="1">
+              <a:lnSpc>
+                <a:spcPct val="90000"/>
+              </a:lnSpc>
+              <a:spcBef>
+                <a:spcPts val="600"/>
+              </a:spcBef>
+              <a:buClr>
+                <a:schemeClr val="accent1">
+                  <a:lumMod val="75000"/>
+                </a:schemeClr>
+              </a:buClr>
+              <a:buSzPct val="100000"/>
+              <a:buFont typeface="Arial" pitchFamily="34" charset="0"/>
+              <a:buNone/>
+              <a:defRPr sz="1400" kern="1200">
+                <a:solidFill>
+                  <a:schemeClr val="tx1"/>
+                </a:solidFill>
+                <a:latin typeface="+mn-lt"/>
+                <a:ea typeface="+mn-ea"/>
+                <a:cs typeface="+mn-cs"/>
+              </a:defRPr>
+            </a:lvl9pPr>
+          </a:lstStyle>
+          <a:p>
+            <a:pPr marL="0" indent="0" eaLnBrk="0" fontAlgn="base" hangingPunct="0">
+              <a:lnSpc>
+                <a:spcPct val="100000"/>
+              </a:lnSpc>
+              <a:spcBef>
+                <a:spcPct val="0"/>
+              </a:spcBef>
+              <a:spcAft>
+                <a:spcPct val="0"/>
+              </a:spcAft>
+              <a:buClrTx/>
+              <a:buSzTx/>
+              <a:buFontTx/>
+              <a:buNone/>
+            </a:pPr>
+            <a:endParaRPr lang="en-US" altLang="en-US" sz="1800" dirty="0">
+              <a:latin typeface="Times New Roman" panose="02020603050405020304" pitchFamily="18" charset="0"/>
+              <a:cs typeface="Times New Roman" panose="02020603050405020304" pitchFamily="18" charset="0"/>
+            </a:endParaRPr>
+          </a:p>
+          <a:p>
+            <a:pPr marL="0" indent="0" eaLnBrk="0" fontAlgn="base" hangingPunct="0">
+              <a:lnSpc>
+                <a:spcPct val="100000"/>
+              </a:lnSpc>
+              <a:spcBef>
+                <a:spcPct val="0"/>
+              </a:spcBef>
+              <a:spcAft>
+                <a:spcPct val="0"/>
+              </a:spcAft>
+              <a:buClrTx/>
+              <a:buSzTx/>
+              <a:buFontTx/>
+              <a:buChar char="•"/>
+            </a:pPr>
+            <a:r>
+              <a:rPr lang="en-US" altLang="en-US" sz="1800" dirty="0">
+                <a:latin typeface="Times New Roman" panose="02020603050405020304" pitchFamily="18" charset="0"/>
+                <a:cs typeface="Times New Roman" panose="02020603050405020304" pitchFamily="18" charset="0"/>
+              </a:rPr>
+              <a:t>A </a:t>
+            </a:r>
+            <a:r>
+              <a:rPr lang="en-US" altLang="en-US" sz="1800" b="1" dirty="0">
+                <a:latin typeface="Times New Roman" panose="02020603050405020304" pitchFamily="18" charset="0"/>
+                <a:cs typeface="Times New Roman" panose="02020603050405020304" pitchFamily="18" charset="0"/>
+              </a:rPr>
+              <a:t>String</a:t>
+            </a:r>
+            <a:r>
+              <a:rPr lang="en-US" altLang="en-US" sz="1800" dirty="0">
+                <a:latin typeface="Times New Roman" panose="02020603050405020304" pitchFamily="18" charset="0"/>
+                <a:cs typeface="Times New Roman" panose="02020603050405020304" pitchFamily="18" charset="0"/>
+              </a:rPr>
+              <a:t> in Java is a sequence of characters.</a:t>
+            </a:r>
+          </a:p>
+          <a:p>
+            <a:pPr marL="0" indent="0" eaLnBrk="0" fontAlgn="base" hangingPunct="0">
+              <a:lnSpc>
+                <a:spcPct val="100000"/>
+              </a:lnSpc>
+              <a:spcBef>
+                <a:spcPct val="0"/>
+              </a:spcBef>
+              <a:spcAft>
+                <a:spcPct val="0"/>
+              </a:spcAft>
+              <a:buClrTx/>
+              <a:buSzTx/>
+              <a:buFontTx/>
+              <a:buChar char="•"/>
+            </a:pPr>
+            <a:r>
+              <a:rPr lang="en-US" altLang="en-US" sz="1800" b="1" dirty="0">
+                <a:latin typeface="Times New Roman" panose="02020603050405020304" pitchFamily="18" charset="0"/>
+                <a:cs typeface="Times New Roman" panose="02020603050405020304" pitchFamily="18" charset="0"/>
+              </a:rPr>
+              <a:t>Strings are immutable</a:t>
+            </a:r>
+            <a:r>
+              <a:rPr lang="en-US" altLang="en-US" sz="1800" dirty="0">
+                <a:latin typeface="Times New Roman" panose="02020603050405020304" pitchFamily="18" charset="0"/>
+                <a:cs typeface="Times New Roman" panose="02020603050405020304" pitchFamily="18" charset="0"/>
+              </a:rPr>
+              <a:t> (once created, they cannot be changed).</a:t>
+            </a:r>
+          </a:p>
+          <a:p>
+            <a:pPr marL="0" indent="0" eaLnBrk="0" fontAlgn="base" hangingPunct="0">
+              <a:lnSpc>
+                <a:spcPct val="100000"/>
+              </a:lnSpc>
+              <a:spcBef>
+                <a:spcPct val="0"/>
+              </a:spcBef>
+              <a:spcAft>
+                <a:spcPct val="0"/>
+              </a:spcAft>
+              <a:buClrTx/>
+              <a:buSzTx/>
+              <a:buFontTx/>
+              <a:buChar char="•"/>
+            </a:pPr>
+            <a:r>
+              <a:rPr lang="en-US" altLang="en-US" sz="1800" dirty="0">
+                <a:latin typeface="Times New Roman" panose="02020603050405020304" pitchFamily="18" charset="0"/>
+                <a:cs typeface="Times New Roman" panose="02020603050405020304" pitchFamily="18" charset="0"/>
+              </a:rPr>
+              <a:t>Defined using the String class in Java </a:t>
+            </a:r>
+          </a:p>
+          <a:p>
+            <a:pPr marL="0" indent="0" eaLnBrk="0" fontAlgn="base" hangingPunct="0">
+              <a:lnSpc>
+                <a:spcPct val="100000"/>
+              </a:lnSpc>
+              <a:spcBef>
+                <a:spcPct val="0"/>
+              </a:spcBef>
+              <a:spcAft>
+                <a:spcPct val="0"/>
+              </a:spcAft>
+              <a:buClrTx/>
+              <a:buSzTx/>
+              <a:buFontTx/>
+              <a:buChar char="•"/>
+            </a:pPr>
+            <a:endParaRPr lang="en-US" altLang="en-US" sz="1800" dirty="0">
+              <a:latin typeface="Times New Roman" panose="02020603050405020304" pitchFamily="18" charset="0"/>
+              <a:cs typeface="Times New Roman" panose="02020603050405020304" pitchFamily="18" charset="0"/>
+            </a:endParaRPr>
+          </a:p>
+          <a:p>
+            <a:pPr marL="0" indent="0" eaLnBrk="0" fontAlgn="base" hangingPunct="0">
+              <a:lnSpc>
+                <a:spcPct val="100000"/>
+              </a:lnSpc>
+              <a:spcBef>
+                <a:spcPct val="0"/>
+              </a:spcBef>
+              <a:spcAft>
+                <a:spcPct val="0"/>
+              </a:spcAft>
+              <a:buClrTx/>
+              <a:buSzTx/>
+              <a:buFontTx/>
+              <a:buChar char="•"/>
+            </a:pPr>
+            <a:endParaRPr lang="en-US" altLang="en-US" sz="1800" dirty="0">
+              <a:latin typeface="Times New Roman" panose="02020603050405020304" pitchFamily="18" charset="0"/>
+              <a:cs typeface="Times New Roman" panose="02020603050405020304" pitchFamily="18" charset="0"/>
+            </a:endParaRPr>
+          </a:p>
+          <a:p>
+            <a:pPr marL="0" indent="0" eaLnBrk="0" fontAlgn="base" hangingPunct="0">
+              <a:lnSpc>
+                <a:spcPct val="100000"/>
+              </a:lnSpc>
+              <a:spcBef>
+                <a:spcPct val="0"/>
+              </a:spcBef>
+              <a:spcAft>
+                <a:spcPct val="0"/>
+              </a:spcAft>
+              <a:buClrTx/>
+              <a:buSzTx/>
+              <a:buFontTx/>
+              <a:buChar char="•"/>
+            </a:pPr>
+            <a:endParaRPr lang="en-US" altLang="en-US" sz="1800" dirty="0">
+              <a:latin typeface="Times New Roman" panose="02020603050405020304" pitchFamily="18" charset="0"/>
+              <a:cs typeface="Times New Roman" panose="02020603050405020304" pitchFamily="18" charset="0"/>
+            </a:endParaRPr>
+          </a:p>
+          <a:p>
+            <a:pPr marL="0" indent="0" eaLnBrk="0" fontAlgn="base" hangingPunct="0">
+              <a:lnSpc>
+                <a:spcPct val="100000"/>
+              </a:lnSpc>
+              <a:spcBef>
+                <a:spcPct val="0"/>
+              </a:spcBef>
+              <a:spcAft>
+                <a:spcPct val="0"/>
+              </a:spcAft>
+              <a:buClrTx/>
+              <a:buSzTx/>
+              <a:buFontTx/>
+              <a:buChar char="•"/>
+            </a:pPr>
+            <a:endParaRPr lang="en-US" altLang="en-US" sz="1800" dirty="0">
+              <a:latin typeface="Times New Roman" panose="02020603050405020304" pitchFamily="18" charset="0"/>
+              <a:cs typeface="Times New Roman" panose="02020603050405020304" pitchFamily="18" charset="0"/>
+            </a:endParaRPr>
+          </a:p>
+          <a:p>
+            <a:pPr marL="0" indent="0" eaLnBrk="0" fontAlgn="base" hangingPunct="0">
+              <a:lnSpc>
+                <a:spcPct val="100000"/>
+              </a:lnSpc>
+              <a:spcBef>
+                <a:spcPct val="0"/>
+              </a:spcBef>
+              <a:spcAft>
+                <a:spcPct val="0"/>
+              </a:spcAft>
+              <a:buClrTx/>
+              <a:buSzTx/>
+              <a:buFontTx/>
+              <a:buChar char="•"/>
+            </a:pPr>
+            <a:endParaRPr lang="en-US" altLang="en-US" sz="1800" dirty="0">
+              <a:latin typeface="Times New Roman" panose="02020603050405020304" pitchFamily="18" charset="0"/>
+              <a:cs typeface="Times New Roman" panose="02020603050405020304" pitchFamily="18" charset="0"/>
+            </a:endParaRPr>
+          </a:p>
+          <a:p>
+            <a:pPr marL="0" indent="0" eaLnBrk="0" fontAlgn="base" hangingPunct="0">
+              <a:lnSpc>
+                <a:spcPct val="100000"/>
+              </a:lnSpc>
+              <a:spcBef>
+                <a:spcPct val="0"/>
+              </a:spcBef>
+              <a:spcAft>
+                <a:spcPct val="0"/>
+              </a:spcAft>
+              <a:buClrTx/>
+              <a:buSzTx/>
+              <a:buFontTx/>
+              <a:buChar char="•"/>
+            </a:pPr>
+            <a:endParaRPr lang="en-US" altLang="en-US" sz="1800" dirty="0">
+              <a:latin typeface="Times New Roman" panose="02020603050405020304" pitchFamily="18" charset="0"/>
+              <a:cs typeface="Times New Roman" panose="02020603050405020304" pitchFamily="18" charset="0"/>
+            </a:endParaRPr>
+          </a:p>
+          <a:p>
+            <a:pPr marL="0" indent="0" eaLnBrk="0" fontAlgn="base" hangingPunct="0">
+              <a:lnSpc>
+                <a:spcPct val="100000"/>
+              </a:lnSpc>
+              <a:spcBef>
+                <a:spcPct val="0"/>
+              </a:spcBef>
+              <a:spcAft>
+                <a:spcPct val="0"/>
+              </a:spcAft>
+              <a:buClrTx/>
+              <a:buSzTx/>
+              <a:buFontTx/>
+              <a:buChar char="•"/>
+            </a:pPr>
+            <a:endParaRPr lang="en-US" altLang="en-US" sz="1800" dirty="0">
+              <a:latin typeface="Times New Roman" panose="02020603050405020304" pitchFamily="18" charset="0"/>
+              <a:cs typeface="Times New Roman" panose="02020603050405020304" pitchFamily="18" charset="0"/>
+            </a:endParaRPr>
+          </a:p>
+          <a:p>
+            <a:pPr marL="0" indent="0" eaLnBrk="0" fontAlgn="base" hangingPunct="0">
+              <a:lnSpc>
+                <a:spcPct val="100000"/>
+              </a:lnSpc>
+              <a:spcBef>
+                <a:spcPct val="0"/>
+              </a:spcBef>
+              <a:spcAft>
+                <a:spcPct val="0"/>
+              </a:spcAft>
+              <a:buClrTx/>
+              <a:buSzTx/>
+              <a:buFontTx/>
+              <a:buChar char="•"/>
+            </a:pPr>
+            <a:endParaRPr lang="en-US" altLang="en-US" sz="1800" dirty="0">
+              <a:latin typeface="Times New Roman" panose="02020603050405020304" pitchFamily="18" charset="0"/>
+              <a:cs typeface="Times New Roman" panose="02020603050405020304" pitchFamily="18" charset="0"/>
+            </a:endParaRPr>
+          </a:p>
+          <a:p>
+            <a:pPr marL="0" indent="0" eaLnBrk="0" fontAlgn="base" hangingPunct="0">
+              <a:lnSpc>
+                <a:spcPct val="100000"/>
+              </a:lnSpc>
+              <a:spcBef>
+                <a:spcPct val="0"/>
+              </a:spcBef>
+              <a:spcAft>
+                <a:spcPct val="0"/>
+              </a:spcAft>
+              <a:buClrTx/>
+              <a:buSzTx/>
+              <a:buFontTx/>
+              <a:buChar char="•"/>
+            </a:pPr>
+            <a:endParaRPr lang="en-US" altLang="en-US" sz="1800" dirty="0">
+              <a:latin typeface="Times New Roman" panose="02020603050405020304" pitchFamily="18" charset="0"/>
+              <a:cs typeface="Times New Roman" panose="02020603050405020304" pitchFamily="18" charset="0"/>
+            </a:endParaRPr>
+          </a:p>
+          <a:p>
+            <a:pPr marL="0" indent="0" eaLnBrk="0" fontAlgn="base" hangingPunct="0">
+              <a:lnSpc>
+                <a:spcPct val="100000"/>
+              </a:lnSpc>
+              <a:spcBef>
+                <a:spcPct val="0"/>
+              </a:spcBef>
+              <a:spcAft>
+                <a:spcPct val="0"/>
+              </a:spcAft>
+              <a:buClrTx/>
+              <a:buSzTx/>
+              <a:buFontTx/>
+              <a:buChar char="•"/>
+            </a:pPr>
+            <a:endParaRPr lang="en-US" altLang="en-US" sz="1800" dirty="0">
+              <a:latin typeface="Times New Roman" panose="02020603050405020304" pitchFamily="18" charset="0"/>
+              <a:cs typeface="Times New Roman" panose="02020603050405020304" pitchFamily="18" charset="0"/>
+            </a:endParaRPr>
+          </a:p>
+          <a:p>
+            <a:pPr marL="0" indent="0" eaLnBrk="0" fontAlgn="base" hangingPunct="0">
+              <a:lnSpc>
+                <a:spcPct val="100000"/>
+              </a:lnSpc>
+              <a:spcBef>
+                <a:spcPct val="0"/>
+              </a:spcBef>
+              <a:spcAft>
+                <a:spcPct val="0"/>
+              </a:spcAft>
+              <a:buClrTx/>
+              <a:buSzTx/>
+              <a:buFontTx/>
+              <a:buChar char="•"/>
+            </a:pPr>
+            <a:endParaRPr lang="en-US" altLang="en-US" sz="1800" dirty="0">
+              <a:latin typeface="Times New Roman" panose="02020603050405020304" pitchFamily="18" charset="0"/>
+              <a:cs typeface="Times New Roman" panose="02020603050405020304" pitchFamily="18" charset="0"/>
+            </a:endParaRPr>
+          </a:p>
+          <a:p>
+            <a:pPr marL="0" indent="0" eaLnBrk="0" fontAlgn="base" hangingPunct="0">
+              <a:lnSpc>
+                <a:spcPct val="100000"/>
+              </a:lnSpc>
+              <a:spcBef>
+                <a:spcPct val="0"/>
+              </a:spcBef>
+              <a:spcAft>
+                <a:spcPct val="0"/>
+              </a:spcAft>
+              <a:buClrTx/>
+              <a:buSzTx/>
+              <a:buFont typeface="Arial" pitchFamily="34" charset="0"/>
+              <a:buNone/>
+            </a:pPr>
+            <a:endParaRPr lang="en-US" altLang="en-US" sz="1800" dirty="0">
+              <a:latin typeface="Times New Roman" panose="02020603050405020304" pitchFamily="18" charset="0"/>
+              <a:cs typeface="Times New Roman" panose="02020603050405020304" pitchFamily="18" charset="0"/>
+            </a:endParaRPr>
+          </a:p>
+        </p:txBody>
+      </p:sp>
+      <p:pic>
+        <p:nvPicPr>
+          <p:cNvPr id="4" name="Picture 3">
+            <a:extLst>
+              <a:ext uri="{FF2B5EF4-FFF2-40B4-BE49-F238E27FC236}">
+                <a16:creationId xmlns:a16="http://schemas.microsoft.com/office/drawing/2014/main" id="{C4B7E155-DA0A-682A-79CD-1222CC6E8ECD}"/>
+              </a:ext>
+            </a:extLst>
+          </p:cNvPr>
+          <p:cNvPicPr>
+            <a:picLocks noChangeAspect="1"/>
+          </p:cNvPicPr>
+          <p:nvPr/>
+        </p:nvPicPr>
+        <p:blipFill>
+          <a:blip r:embed="rId2"/>
+          <a:stretch>
+            <a:fillRect/>
+          </a:stretch>
+        </p:blipFill>
+        <p:spPr>
+          <a:xfrm>
+            <a:off x="1481614" y="3071762"/>
+            <a:ext cx="4004786" cy="1142385"/>
+          </a:xfrm>
+          <a:prstGeom prst="rect">
+            <a:avLst/>
+          </a:prstGeom>
+        </p:spPr>
+      </p:pic>
+      <p:pic>
+        <p:nvPicPr>
+          <p:cNvPr id="5" name="Picture 4">
+            <a:extLst>
+              <a:ext uri="{FF2B5EF4-FFF2-40B4-BE49-F238E27FC236}">
+                <a16:creationId xmlns:a16="http://schemas.microsoft.com/office/drawing/2014/main" id="{DC0F8ABC-984C-FB81-221B-65D7F6EB1C48}"/>
+              </a:ext>
+            </a:extLst>
+          </p:cNvPr>
+          <p:cNvPicPr>
+            <a:picLocks noChangeAspect="1"/>
+          </p:cNvPicPr>
+          <p:nvPr/>
+        </p:nvPicPr>
+        <p:blipFill>
+          <a:blip r:embed="rId3"/>
+          <a:stretch>
+            <a:fillRect/>
+          </a:stretch>
+        </p:blipFill>
+        <p:spPr>
+          <a:xfrm>
+            <a:off x="6361180" y="3071762"/>
+            <a:ext cx="3658111" cy="1042358"/>
+          </a:xfrm>
+          <a:prstGeom prst="rect">
+            <a:avLst/>
+          </a:prstGeom>
+        </p:spPr>
+      </p:pic>
+      <p:sp>
+        <p:nvSpPr>
+          <p:cNvPr id="6" name="TextBox 5">
+            <a:extLst>
+              <a:ext uri="{FF2B5EF4-FFF2-40B4-BE49-F238E27FC236}">
+                <a16:creationId xmlns:a16="http://schemas.microsoft.com/office/drawing/2014/main" id="{14615FA4-B045-1E28-EA95-8B62BD753C3D}"/>
+              </a:ext>
+            </a:extLst>
+          </p:cNvPr>
+          <p:cNvSpPr txBox="1"/>
+          <p:nvPr/>
+        </p:nvSpPr>
+        <p:spPr>
+          <a:xfrm>
+            <a:off x="2046514" y="4439342"/>
+            <a:ext cx="2623457" cy="369332"/>
+          </a:xfrm>
+          <a:prstGeom prst="rect">
+            <a:avLst/>
+          </a:prstGeom>
+          <a:noFill/>
+        </p:spPr>
+        <p:txBody>
+          <a:bodyPr wrap="square" rtlCol="0">
+            <a:spAutoFit/>
+          </a:bodyPr>
+          <a:lstStyle/>
+          <a:p>
+            <a:r>
+              <a:rPr lang="en-US" dirty="0">
+                <a:latin typeface="Times New Roman" panose="02020603050405020304" pitchFamily="18" charset="0"/>
+                <a:cs typeface="Times New Roman" panose="02020603050405020304" pitchFamily="18" charset="0"/>
+              </a:rPr>
+              <a:t>Stored in String Pool</a:t>
+            </a:r>
+          </a:p>
+        </p:txBody>
+      </p:sp>
+      <p:sp>
+        <p:nvSpPr>
+          <p:cNvPr id="7" name="TextBox 6">
+            <a:extLst>
+              <a:ext uri="{FF2B5EF4-FFF2-40B4-BE49-F238E27FC236}">
+                <a16:creationId xmlns:a16="http://schemas.microsoft.com/office/drawing/2014/main" id="{E66868D9-7F3C-B5C5-B360-3587CB5AF7DC}"/>
+              </a:ext>
+            </a:extLst>
+          </p:cNvPr>
+          <p:cNvSpPr txBox="1"/>
+          <p:nvPr/>
+        </p:nvSpPr>
+        <p:spPr>
+          <a:xfrm>
+            <a:off x="6564085" y="4439342"/>
+            <a:ext cx="2743198" cy="369332"/>
+          </a:xfrm>
+          <a:prstGeom prst="rect">
+            <a:avLst/>
+          </a:prstGeom>
+          <a:noFill/>
+        </p:spPr>
+        <p:txBody>
+          <a:bodyPr wrap="square" rtlCol="0">
+            <a:spAutoFit/>
+          </a:bodyPr>
+          <a:lstStyle/>
+          <a:p>
+            <a:r>
+              <a:rPr lang="en-US" dirty="0">
+                <a:latin typeface="Times New Roman" panose="02020603050405020304" pitchFamily="18" charset="0"/>
+                <a:cs typeface="Times New Roman" panose="02020603050405020304" pitchFamily="18" charset="0"/>
+              </a:rPr>
+              <a:t>Stored in Heap Memory</a:t>
+            </a:r>
+          </a:p>
+        </p:txBody>
+      </p:sp>
+    </p:spTree>
+    <p:extLst>
+      <p:ext uri="{BB962C8B-B14F-4D97-AF65-F5344CB8AC3E}">
+        <p14:creationId xmlns:p14="http://schemas.microsoft.com/office/powerpoint/2010/main" val="427751610"/>
+      </p:ext>
+    </p:extLst>
+  </p:cSld>
+  <p:clrMapOvr>
+    <a:masterClrMapping/>
+  </p:clrMapOvr>
+  <mc:AlternateContent xmlns:mc="http://schemas.openxmlformats.org/markup-compatibility/2006" xmlns:p14="http://schemas.microsoft.com/office/powerpoint/2010/main">
+    <mc:Choice Requires="p14">
+      <p:transition spd="med" p14:dur="700">
+        <p:fade/>
+      </p:transition>
+    </mc:Choice>
+    <mc:Fallback xmlns="">
+      <p:transition spd="med">
+        <p:fade/>
+      </p:transition>
+    </mc:Fallback>
+  </mc:AlternateContent>
+</p:sld>
+</file>
+
+<file path=ppt/slides/slide21.xml><?xml version="1.0" encoding="utf-8"?>
+<p:sld xmlns:a="http://schemas.openxmlformats.org/drawingml/2006/main" xmlns:r="http://schemas.openxmlformats.org/officeDocument/2006/relationships" xmlns:p="http://schemas.openxmlformats.org/presentationml/2006/main">
+  <p:cSld>
+    <p:spTree>
+      <p:nvGrpSpPr>
+        <p:cNvPr id="1" name=""/>
+        <p:cNvGrpSpPr/>
+        <p:nvPr/>
+      </p:nvGrpSpPr>
+      <p:grpSpPr>
+        <a:xfrm>
+          <a:off x="0" y="0"/>
+          <a:ext cx="0" cy="0"/>
+          <a:chOff x="0" y="0"/>
+          <a:chExt cx="0" cy="0"/>
+        </a:xfrm>
+      </p:grpSpPr>
+      <p:sp>
+        <p:nvSpPr>
+          <p:cNvPr id="2" name="Title 1">
+            <a:extLst>
+              <a:ext uri="{FF2B5EF4-FFF2-40B4-BE49-F238E27FC236}">
+                <a16:creationId xmlns:a16="http://schemas.microsoft.com/office/drawing/2014/main" id="{A084AAFF-1F7E-FB4F-BF79-1932A9164E29}"/>
+              </a:ext>
+            </a:extLst>
+          </p:cNvPr>
+          <p:cNvSpPr txBox="1">
+            <a:spLocks/>
+          </p:cNvSpPr>
+          <p:nvPr/>
+        </p:nvSpPr>
+        <p:spPr>
+          <a:xfrm>
+            <a:off x="1295400" y="503853"/>
+            <a:ext cx="9601200" cy="1142385"/>
+          </a:xfrm>
+          <a:prstGeom prst="rect">
+            <a:avLst/>
+          </a:prstGeom>
+        </p:spPr>
+        <p:txBody>
+          <a:bodyPr/>
+          <a:lstStyle>
+            <a:lvl1pPr algn="l" defTabSz="914400" rtl="0" eaLnBrk="1" latinLnBrk="0" hangingPunct="1">
+              <a:lnSpc>
+                <a:spcPct val="90000"/>
+              </a:lnSpc>
+              <a:spcBef>
+                <a:spcPct val="0"/>
+              </a:spcBef>
+              <a:buNone/>
+              <a:defRPr sz="3200" b="1" kern="1200">
+                <a:solidFill>
+                  <a:schemeClr val="accent1">
+                    <a:lumMod val="75000"/>
+                  </a:schemeClr>
+                </a:solidFill>
+                <a:latin typeface="+mj-lt"/>
+                <a:ea typeface="+mj-ea"/>
+                <a:cs typeface="+mj-cs"/>
+              </a:defRPr>
+            </a:lvl1pPr>
+          </a:lstStyle>
+          <a:p>
+            <a:r>
+              <a:rPr lang="en-US" sz="2800" dirty="0">
+                <a:latin typeface="Times New Roman" panose="02020603050405020304" pitchFamily="18" charset="0"/>
+                <a:cs typeface="Times New Roman" panose="02020603050405020304" pitchFamily="18" charset="0"/>
+              </a:rPr>
+              <a:t>String Comparison</a:t>
+            </a:r>
+          </a:p>
+        </p:txBody>
+      </p:sp>
+      <p:sp>
+        <p:nvSpPr>
+          <p:cNvPr id="3" name="Content Placeholder 2">
+            <a:extLst>
+              <a:ext uri="{FF2B5EF4-FFF2-40B4-BE49-F238E27FC236}">
+                <a16:creationId xmlns:a16="http://schemas.microsoft.com/office/drawing/2014/main" id="{46DBD0D8-9E79-F193-CE4E-4CB3BD22F37E}"/>
+              </a:ext>
+            </a:extLst>
+          </p:cNvPr>
+          <p:cNvSpPr txBox="1">
+            <a:spLocks/>
+          </p:cNvSpPr>
+          <p:nvPr/>
+        </p:nvSpPr>
+        <p:spPr>
+          <a:xfrm>
+            <a:off x="1295400" y="1981201"/>
+            <a:ext cx="9601200" cy="3809999"/>
+          </a:xfrm>
+          <a:prstGeom prst="rect">
+            <a:avLst/>
+          </a:prstGeom>
+        </p:spPr>
+        <p:txBody>
+          <a:bodyPr/>
+          <a:lstStyle>
+            <a:lvl1pPr marL="228600" indent="-228600" algn="l" defTabSz="914400" rtl="0" eaLnBrk="1" latinLnBrk="0" hangingPunct="1">
+              <a:lnSpc>
+                <a:spcPct val="90000"/>
+              </a:lnSpc>
+              <a:spcBef>
+                <a:spcPts val="1800"/>
+              </a:spcBef>
+              <a:buClr>
+                <a:schemeClr val="accent1">
+                  <a:lumMod val="75000"/>
+                </a:schemeClr>
+              </a:buClr>
+              <a:buSzPct val="100000"/>
+              <a:buFont typeface="Arial" pitchFamily="34" charset="0"/>
+              <a:buChar char="▪"/>
+              <a:defRPr sz="2000" kern="1200">
+                <a:solidFill>
+                  <a:schemeClr val="tx1"/>
+                </a:solidFill>
+                <a:latin typeface="+mn-lt"/>
+                <a:ea typeface="+mn-ea"/>
+                <a:cs typeface="+mn-cs"/>
+              </a:defRPr>
+            </a:lvl1pPr>
+            <a:lvl2pPr marL="457200" indent="-182880" algn="l" defTabSz="914400" rtl="0" eaLnBrk="1" latinLnBrk="0" hangingPunct="1">
+              <a:lnSpc>
+                <a:spcPct val="90000"/>
+              </a:lnSpc>
+              <a:spcBef>
+                <a:spcPts val="1200"/>
+              </a:spcBef>
+              <a:buClr>
+                <a:schemeClr val="accent1">
+                  <a:lumMod val="75000"/>
+                </a:schemeClr>
+              </a:buClr>
+              <a:buSzPct val="100000"/>
+              <a:buFont typeface="Arial" pitchFamily="34" charset="0"/>
+              <a:buChar char="▪"/>
+              <a:defRPr sz="1800" kern="1200">
+                <a:solidFill>
+                  <a:schemeClr val="tx1"/>
+                </a:solidFill>
+                <a:latin typeface="+mn-lt"/>
+                <a:ea typeface="+mn-ea"/>
+                <a:cs typeface="+mn-cs"/>
+              </a:defRPr>
+            </a:lvl2pPr>
+            <a:lvl3pPr marL="685800" indent="-179388" algn="l" defTabSz="914400" rtl="0" eaLnBrk="1" latinLnBrk="0" hangingPunct="1">
+              <a:lnSpc>
+                <a:spcPct val="90000"/>
+              </a:lnSpc>
+              <a:spcBef>
+                <a:spcPts val="800"/>
+              </a:spcBef>
+              <a:buClr>
+                <a:schemeClr val="accent1">
+                  <a:lumMod val="75000"/>
+                </a:schemeClr>
+              </a:buClr>
+              <a:buSzPct val="100000"/>
+              <a:buFont typeface="Arial" pitchFamily="34" charset="0"/>
+              <a:buChar char="▪"/>
+              <a:defRPr sz="1600" kern="1200">
+                <a:solidFill>
+                  <a:schemeClr val="tx1"/>
+                </a:solidFill>
+                <a:latin typeface="+mn-lt"/>
+                <a:ea typeface="+mn-ea"/>
+                <a:cs typeface="+mn-cs"/>
+              </a:defRPr>
+            </a:lvl3pPr>
+            <a:lvl4pPr marL="914400" indent="-182880" algn="l" defTabSz="914400" rtl="0" eaLnBrk="1" latinLnBrk="0" hangingPunct="1">
+              <a:lnSpc>
+                <a:spcPct val="90000"/>
+              </a:lnSpc>
+              <a:spcBef>
+                <a:spcPts val="800"/>
+              </a:spcBef>
+              <a:buClr>
+                <a:schemeClr val="accent1">
+                  <a:lumMod val="75000"/>
+                </a:schemeClr>
+              </a:buClr>
+              <a:buSzPct val="100000"/>
+              <a:buFont typeface="Arial" pitchFamily="34" charset="0"/>
+              <a:buChar char="▪"/>
+              <a:defRPr sz="1400" kern="1200">
+                <a:solidFill>
+                  <a:schemeClr val="tx1"/>
+                </a:solidFill>
+                <a:latin typeface="+mn-lt"/>
+                <a:ea typeface="+mn-ea"/>
+                <a:cs typeface="+mn-cs"/>
+              </a:defRPr>
+            </a:lvl4pPr>
+            <a:lvl5pPr marL="1143000" indent="-179388" algn="l" defTabSz="914400" rtl="0" eaLnBrk="1" latinLnBrk="0" hangingPunct="1">
+              <a:lnSpc>
+                <a:spcPct val="90000"/>
+              </a:lnSpc>
+              <a:spcBef>
+                <a:spcPts val="600"/>
+              </a:spcBef>
+              <a:buClr>
+                <a:schemeClr val="accent1">
+                  <a:lumMod val="75000"/>
+                </a:schemeClr>
+              </a:buClr>
+              <a:buSzPct val="100000"/>
+              <a:buFont typeface="Arial" pitchFamily="34" charset="0"/>
+              <a:buChar char="▪"/>
+              <a:defRPr sz="1400" kern="1200">
+                <a:solidFill>
+                  <a:schemeClr val="tx1"/>
+                </a:solidFill>
+                <a:latin typeface="+mn-lt"/>
+                <a:ea typeface="+mn-ea"/>
+                <a:cs typeface="+mn-cs"/>
+              </a:defRPr>
+            </a:lvl5pPr>
+            <a:lvl6pPr marL="1371600" indent="-182880" algn="l" defTabSz="914400" rtl="0" eaLnBrk="1" latinLnBrk="0" hangingPunct="1">
+              <a:lnSpc>
+                <a:spcPct val="90000"/>
+              </a:lnSpc>
+              <a:spcBef>
+                <a:spcPts val="600"/>
+              </a:spcBef>
+              <a:buClr>
+                <a:schemeClr val="accent1">
+                  <a:lumMod val="75000"/>
+                </a:schemeClr>
+              </a:buClr>
+              <a:buSzPct val="100000"/>
+              <a:buFont typeface="Arial" pitchFamily="34" charset="0"/>
+              <a:buChar char="▪"/>
+              <a:defRPr sz="1400" kern="1200">
+                <a:solidFill>
+                  <a:schemeClr val="tx1"/>
+                </a:solidFill>
+                <a:latin typeface="+mn-lt"/>
+                <a:ea typeface="+mn-ea"/>
+                <a:cs typeface="+mn-cs"/>
+              </a:defRPr>
+            </a:lvl6pPr>
+            <a:lvl7pPr marL="1600200" indent="-179388" algn="l" defTabSz="914400" rtl="0" eaLnBrk="1" latinLnBrk="0" hangingPunct="1">
+              <a:lnSpc>
+                <a:spcPct val="90000"/>
+              </a:lnSpc>
+              <a:spcBef>
+                <a:spcPts val="600"/>
+              </a:spcBef>
+              <a:buClr>
+                <a:schemeClr val="accent1">
+                  <a:lumMod val="75000"/>
+                </a:schemeClr>
+              </a:buClr>
+              <a:buSzPct val="100000"/>
+              <a:buFont typeface="Arial" pitchFamily="34" charset="0"/>
+              <a:buChar char="▪"/>
+              <a:defRPr sz="1400" kern="1200">
+                <a:solidFill>
+                  <a:schemeClr val="tx1"/>
+                </a:solidFill>
+                <a:latin typeface="+mn-lt"/>
+                <a:ea typeface="+mn-ea"/>
+                <a:cs typeface="+mn-cs"/>
+              </a:defRPr>
+            </a:lvl7pPr>
+            <a:lvl8pPr marL="1828800" indent="-182880" algn="l" defTabSz="914400" rtl="0" eaLnBrk="1" latinLnBrk="0" hangingPunct="1">
+              <a:lnSpc>
+                <a:spcPct val="90000"/>
+              </a:lnSpc>
+              <a:spcBef>
+                <a:spcPts val="600"/>
+              </a:spcBef>
+              <a:buClr>
+                <a:schemeClr val="accent1">
+                  <a:lumMod val="75000"/>
+                </a:schemeClr>
+              </a:buClr>
+              <a:buSzPct val="100000"/>
+              <a:buFont typeface="Arial" pitchFamily="34" charset="0"/>
+              <a:buChar char="▪"/>
+              <a:defRPr sz="1400" kern="1200">
+                <a:solidFill>
+                  <a:schemeClr val="tx1"/>
+                </a:solidFill>
+                <a:latin typeface="+mn-lt"/>
+                <a:ea typeface="+mn-ea"/>
+                <a:cs typeface="+mn-cs"/>
+              </a:defRPr>
+            </a:lvl8pPr>
+            <a:lvl9pPr marL="1878012" indent="0" algn="l" defTabSz="914400" rtl="0" eaLnBrk="1" latinLnBrk="0" hangingPunct="1">
+              <a:lnSpc>
+                <a:spcPct val="90000"/>
+              </a:lnSpc>
+              <a:spcBef>
+                <a:spcPts val="600"/>
+              </a:spcBef>
+              <a:buClr>
+                <a:schemeClr val="accent1">
+                  <a:lumMod val="75000"/>
+                </a:schemeClr>
+              </a:buClr>
+              <a:buSzPct val="100000"/>
+              <a:buFont typeface="Arial" pitchFamily="34" charset="0"/>
+              <a:buNone/>
+              <a:defRPr sz="1400" kern="1200">
+                <a:solidFill>
+                  <a:schemeClr val="tx1"/>
+                </a:solidFill>
+                <a:latin typeface="+mn-lt"/>
+                <a:ea typeface="+mn-ea"/>
+                <a:cs typeface="+mn-cs"/>
+              </a:defRPr>
+            </a:lvl9pPr>
+          </a:lstStyle>
+          <a:p>
+            <a:r>
+              <a:rPr lang="en-US" sz="1800" dirty="0">
+                <a:latin typeface="Times New Roman" panose="02020603050405020304" pitchFamily="18" charset="0"/>
+                <a:cs typeface="Times New Roman" panose="02020603050405020304" pitchFamily="18" charset="0"/>
+              </a:rPr>
+              <a:t>Using equals() (Checks content)</a:t>
+            </a:r>
+          </a:p>
+          <a:p>
+            <a:endParaRPr lang="en-US" sz="1800" dirty="0">
+              <a:latin typeface="Times New Roman" panose="02020603050405020304" pitchFamily="18" charset="0"/>
+              <a:cs typeface="Times New Roman" panose="02020603050405020304" pitchFamily="18" charset="0"/>
+            </a:endParaRPr>
+          </a:p>
+          <a:p>
+            <a:endParaRPr lang="en-US" sz="1800" dirty="0">
+              <a:latin typeface="Times New Roman" panose="02020603050405020304" pitchFamily="18" charset="0"/>
+              <a:cs typeface="Times New Roman" panose="02020603050405020304" pitchFamily="18" charset="0"/>
+            </a:endParaRPr>
+          </a:p>
+          <a:p>
+            <a:pPr marL="0" indent="0">
+              <a:buFont typeface="Arial" pitchFamily="34" charset="0"/>
+              <a:buNone/>
+            </a:pPr>
+            <a:endParaRPr lang="en-US" sz="1800" dirty="0">
+              <a:latin typeface="Times New Roman" panose="02020603050405020304" pitchFamily="18" charset="0"/>
+              <a:cs typeface="Times New Roman" panose="02020603050405020304" pitchFamily="18" charset="0"/>
+            </a:endParaRPr>
+          </a:p>
+          <a:p>
+            <a:r>
+              <a:rPr lang="en-US" sz="1800" dirty="0">
+                <a:latin typeface="Times New Roman" panose="02020603050405020304" pitchFamily="18" charset="0"/>
+                <a:cs typeface="Times New Roman" panose="02020603050405020304" pitchFamily="18" charset="0"/>
+              </a:rPr>
+              <a:t>Using == Operator (Checks reference)</a:t>
+            </a:r>
+          </a:p>
+        </p:txBody>
+      </p:sp>
+      <p:pic>
+        <p:nvPicPr>
+          <p:cNvPr id="4" name="Picture 3">
+            <a:extLst>
+              <a:ext uri="{FF2B5EF4-FFF2-40B4-BE49-F238E27FC236}">
+                <a16:creationId xmlns:a16="http://schemas.microsoft.com/office/drawing/2014/main" id="{DE4CF072-6A7C-9CDB-BAEE-E033169B7219}"/>
+              </a:ext>
+            </a:extLst>
+          </p:cNvPr>
+          <p:cNvPicPr>
+            <a:picLocks noChangeAspect="1"/>
+          </p:cNvPicPr>
+          <p:nvPr/>
+        </p:nvPicPr>
+        <p:blipFill>
+          <a:blip r:embed="rId2"/>
+          <a:stretch>
+            <a:fillRect/>
+          </a:stretch>
+        </p:blipFill>
+        <p:spPr>
+          <a:xfrm>
+            <a:off x="1680211" y="2514471"/>
+            <a:ext cx="5220429" cy="1262871"/>
+          </a:xfrm>
+          <a:prstGeom prst="rect">
+            <a:avLst/>
+          </a:prstGeom>
+        </p:spPr>
+      </p:pic>
+      <p:pic>
+        <p:nvPicPr>
+          <p:cNvPr id="5" name="Picture 4">
+            <a:extLst>
+              <a:ext uri="{FF2B5EF4-FFF2-40B4-BE49-F238E27FC236}">
+                <a16:creationId xmlns:a16="http://schemas.microsoft.com/office/drawing/2014/main" id="{56D51277-C4C0-3FFC-2AB0-4529A33622EB}"/>
+              </a:ext>
+            </a:extLst>
+          </p:cNvPr>
+          <p:cNvPicPr>
+            <a:picLocks noChangeAspect="1"/>
+          </p:cNvPicPr>
+          <p:nvPr/>
+        </p:nvPicPr>
+        <p:blipFill>
+          <a:blip r:embed="rId3"/>
+          <a:stretch>
+            <a:fillRect/>
+          </a:stretch>
+        </p:blipFill>
+        <p:spPr>
+          <a:xfrm>
+            <a:off x="1680212" y="4561745"/>
+            <a:ext cx="6407874" cy="1262871"/>
+          </a:xfrm>
+          <a:prstGeom prst="rect">
+            <a:avLst/>
+          </a:prstGeom>
+        </p:spPr>
+      </p:pic>
+    </p:spTree>
+    <p:extLst>
+      <p:ext uri="{BB962C8B-B14F-4D97-AF65-F5344CB8AC3E}">
+        <p14:creationId xmlns:p14="http://schemas.microsoft.com/office/powerpoint/2010/main" val="769666544"/>
+      </p:ext>
+    </p:extLst>
+  </p:cSld>
+  <p:clrMapOvr>
+    <a:masterClrMapping/>
+  </p:clrMapOvr>
+  <mc:AlternateContent xmlns:mc="http://schemas.openxmlformats.org/markup-compatibility/2006" xmlns:p14="http://schemas.microsoft.com/office/powerpoint/2010/main">
+    <mc:Choice Requires="p14">
+      <p:transition spd="med" p14:dur="700">
+        <p:fade/>
+      </p:transition>
+    </mc:Choice>
+    <mc:Fallback xmlns="">
+      <p:transition spd="med">
+        <p:fade/>
+      </p:transition>
+    </mc:Fallback>
+  </mc:AlternateContent>
+</p:sld>
+</file>
+
+<file path=ppt/slides/slide22.xml><?xml version="1.0" encoding="utf-8"?>
+<p:sld xmlns:a="http://schemas.openxmlformats.org/drawingml/2006/main" xmlns:r="http://schemas.openxmlformats.org/officeDocument/2006/relationships" xmlns:p="http://schemas.openxmlformats.org/presentationml/2006/main">
+  <p:cSld>
+    <p:spTree>
+      <p:nvGrpSpPr>
+        <p:cNvPr id="1" name=""/>
+        <p:cNvGrpSpPr/>
+        <p:nvPr/>
+      </p:nvGrpSpPr>
+      <p:grpSpPr>
+        <a:xfrm>
+          <a:off x="0" y="0"/>
+          <a:ext cx="0" cy="0"/>
+          <a:chOff x="0" y="0"/>
+          <a:chExt cx="0" cy="0"/>
+        </a:xfrm>
+      </p:grpSpPr>
+      <p:sp>
+        <p:nvSpPr>
+          <p:cNvPr id="2" name="Title 1">
+            <a:extLst>
+              <a:ext uri="{FF2B5EF4-FFF2-40B4-BE49-F238E27FC236}">
+                <a16:creationId xmlns:a16="http://schemas.microsoft.com/office/drawing/2014/main" id="{FFC45667-16D2-FD13-9F7C-7C3BD2599369}"/>
+              </a:ext>
+            </a:extLst>
+          </p:cNvPr>
+          <p:cNvSpPr txBox="1">
+            <a:spLocks/>
+          </p:cNvSpPr>
+          <p:nvPr/>
+        </p:nvSpPr>
+        <p:spPr>
+          <a:xfrm>
+            <a:off x="1295400" y="503853"/>
+            <a:ext cx="9601200" cy="1142385"/>
+          </a:xfrm>
+          <a:prstGeom prst="rect">
+            <a:avLst/>
+          </a:prstGeom>
+        </p:spPr>
+        <p:txBody>
+          <a:bodyPr/>
+          <a:lstStyle>
+            <a:lvl1pPr algn="l" defTabSz="914400" rtl="0" eaLnBrk="1" latinLnBrk="0" hangingPunct="1">
+              <a:lnSpc>
+                <a:spcPct val="90000"/>
+              </a:lnSpc>
+              <a:spcBef>
+                <a:spcPct val="0"/>
+              </a:spcBef>
+              <a:buNone/>
+              <a:defRPr sz="3200" b="1" kern="1200">
+                <a:solidFill>
+                  <a:schemeClr val="accent1">
+                    <a:lumMod val="75000"/>
+                  </a:schemeClr>
+                </a:solidFill>
+                <a:latin typeface="+mj-lt"/>
+                <a:ea typeface="+mj-ea"/>
+                <a:cs typeface="+mj-cs"/>
+              </a:defRPr>
+            </a:lvl1pPr>
+          </a:lstStyle>
+          <a:p>
+            <a:r>
+              <a:rPr lang="en-US" sz="2800" dirty="0">
+                <a:latin typeface="Times New Roman" panose="02020603050405020304" pitchFamily="18" charset="0"/>
+                <a:cs typeface="Times New Roman" panose="02020603050405020304" pitchFamily="18" charset="0"/>
+              </a:rPr>
+              <a:t>What is the String Pool?</a:t>
+            </a:r>
+          </a:p>
+        </p:txBody>
+      </p:sp>
+      <p:sp>
+        <p:nvSpPr>
+          <p:cNvPr id="3" name="Content Placeholder 2">
+            <a:extLst>
+              <a:ext uri="{FF2B5EF4-FFF2-40B4-BE49-F238E27FC236}">
+                <a16:creationId xmlns:a16="http://schemas.microsoft.com/office/drawing/2014/main" id="{F6455A26-22DF-FE8C-39B9-433BC9DB7AD7}"/>
+              </a:ext>
+            </a:extLst>
+          </p:cNvPr>
+          <p:cNvSpPr txBox="1">
+            <a:spLocks/>
+          </p:cNvSpPr>
+          <p:nvPr/>
+        </p:nvSpPr>
+        <p:spPr>
+          <a:xfrm>
+            <a:off x="1295400" y="1981201"/>
+            <a:ext cx="9601200" cy="3809999"/>
+          </a:xfrm>
+          <a:prstGeom prst="rect">
+            <a:avLst/>
+          </a:prstGeom>
+        </p:spPr>
+        <p:txBody>
+          <a:bodyPr/>
+          <a:lstStyle>
+            <a:lvl1pPr marL="228600" indent="-228600" algn="l" defTabSz="914400" rtl="0" eaLnBrk="1" latinLnBrk="0" hangingPunct="1">
+              <a:lnSpc>
+                <a:spcPct val="90000"/>
+              </a:lnSpc>
+              <a:spcBef>
+                <a:spcPts val="1800"/>
+              </a:spcBef>
+              <a:buClr>
+                <a:schemeClr val="accent1">
+                  <a:lumMod val="75000"/>
+                </a:schemeClr>
+              </a:buClr>
+              <a:buSzPct val="100000"/>
+              <a:buFont typeface="Arial" pitchFamily="34" charset="0"/>
+              <a:buChar char="▪"/>
+              <a:defRPr sz="2000" kern="1200">
+                <a:solidFill>
+                  <a:schemeClr val="tx1"/>
+                </a:solidFill>
+                <a:latin typeface="+mn-lt"/>
+                <a:ea typeface="+mn-ea"/>
+                <a:cs typeface="+mn-cs"/>
+              </a:defRPr>
+            </a:lvl1pPr>
+            <a:lvl2pPr marL="457200" indent="-182880" algn="l" defTabSz="914400" rtl="0" eaLnBrk="1" latinLnBrk="0" hangingPunct="1">
+              <a:lnSpc>
+                <a:spcPct val="90000"/>
+              </a:lnSpc>
+              <a:spcBef>
+                <a:spcPts val="1200"/>
+              </a:spcBef>
+              <a:buClr>
+                <a:schemeClr val="accent1">
+                  <a:lumMod val="75000"/>
+                </a:schemeClr>
+              </a:buClr>
+              <a:buSzPct val="100000"/>
+              <a:buFont typeface="Arial" pitchFamily="34" charset="0"/>
+              <a:buChar char="▪"/>
+              <a:defRPr sz="1800" kern="1200">
+                <a:solidFill>
+                  <a:schemeClr val="tx1"/>
+                </a:solidFill>
+                <a:latin typeface="+mn-lt"/>
+                <a:ea typeface="+mn-ea"/>
+                <a:cs typeface="+mn-cs"/>
+              </a:defRPr>
+            </a:lvl2pPr>
+            <a:lvl3pPr marL="685800" indent="-179388" algn="l" defTabSz="914400" rtl="0" eaLnBrk="1" latinLnBrk="0" hangingPunct="1">
+              <a:lnSpc>
+                <a:spcPct val="90000"/>
+              </a:lnSpc>
+              <a:spcBef>
+                <a:spcPts val="800"/>
+              </a:spcBef>
+              <a:buClr>
+                <a:schemeClr val="accent1">
+                  <a:lumMod val="75000"/>
+                </a:schemeClr>
+              </a:buClr>
+              <a:buSzPct val="100000"/>
+              <a:buFont typeface="Arial" pitchFamily="34" charset="0"/>
+              <a:buChar char="▪"/>
+              <a:defRPr sz="1600" kern="1200">
+                <a:solidFill>
+                  <a:schemeClr val="tx1"/>
+                </a:solidFill>
+                <a:latin typeface="+mn-lt"/>
+                <a:ea typeface="+mn-ea"/>
+                <a:cs typeface="+mn-cs"/>
+              </a:defRPr>
+            </a:lvl3pPr>
+            <a:lvl4pPr marL="914400" indent="-182880" algn="l" defTabSz="914400" rtl="0" eaLnBrk="1" latinLnBrk="0" hangingPunct="1">
+              <a:lnSpc>
+                <a:spcPct val="90000"/>
+              </a:lnSpc>
+              <a:spcBef>
+                <a:spcPts val="800"/>
+              </a:spcBef>
+              <a:buClr>
+                <a:schemeClr val="accent1">
+                  <a:lumMod val="75000"/>
+                </a:schemeClr>
+              </a:buClr>
+              <a:buSzPct val="100000"/>
+              <a:buFont typeface="Arial" pitchFamily="34" charset="0"/>
+              <a:buChar char="▪"/>
+              <a:defRPr sz="1400" kern="1200">
+                <a:solidFill>
+                  <a:schemeClr val="tx1"/>
+                </a:solidFill>
+                <a:latin typeface="+mn-lt"/>
+                <a:ea typeface="+mn-ea"/>
+                <a:cs typeface="+mn-cs"/>
+              </a:defRPr>
+            </a:lvl4pPr>
+            <a:lvl5pPr marL="1143000" indent="-179388" algn="l" defTabSz="914400" rtl="0" eaLnBrk="1" latinLnBrk="0" hangingPunct="1">
+              <a:lnSpc>
+                <a:spcPct val="90000"/>
+              </a:lnSpc>
+              <a:spcBef>
+                <a:spcPts val="600"/>
+              </a:spcBef>
+              <a:buClr>
+                <a:schemeClr val="accent1">
+                  <a:lumMod val="75000"/>
+                </a:schemeClr>
+              </a:buClr>
+              <a:buSzPct val="100000"/>
+              <a:buFont typeface="Arial" pitchFamily="34" charset="0"/>
+              <a:buChar char="▪"/>
+              <a:defRPr sz="1400" kern="1200">
+                <a:solidFill>
+                  <a:schemeClr val="tx1"/>
+                </a:solidFill>
+                <a:latin typeface="+mn-lt"/>
+                <a:ea typeface="+mn-ea"/>
+                <a:cs typeface="+mn-cs"/>
+              </a:defRPr>
+            </a:lvl5pPr>
+            <a:lvl6pPr marL="1371600" indent="-182880" algn="l" defTabSz="914400" rtl="0" eaLnBrk="1" latinLnBrk="0" hangingPunct="1">
+              <a:lnSpc>
+                <a:spcPct val="90000"/>
+              </a:lnSpc>
+              <a:spcBef>
+                <a:spcPts val="600"/>
+              </a:spcBef>
+              <a:buClr>
+                <a:schemeClr val="accent1">
+                  <a:lumMod val="75000"/>
+                </a:schemeClr>
+              </a:buClr>
+              <a:buSzPct val="100000"/>
+              <a:buFont typeface="Arial" pitchFamily="34" charset="0"/>
+              <a:buChar char="▪"/>
+              <a:defRPr sz="1400" kern="1200">
+                <a:solidFill>
+                  <a:schemeClr val="tx1"/>
+                </a:solidFill>
+                <a:latin typeface="+mn-lt"/>
+                <a:ea typeface="+mn-ea"/>
+                <a:cs typeface="+mn-cs"/>
+              </a:defRPr>
+            </a:lvl6pPr>
+            <a:lvl7pPr marL="1600200" indent="-179388" algn="l" defTabSz="914400" rtl="0" eaLnBrk="1" latinLnBrk="0" hangingPunct="1">
+              <a:lnSpc>
+                <a:spcPct val="90000"/>
+              </a:lnSpc>
+              <a:spcBef>
+                <a:spcPts val="600"/>
+              </a:spcBef>
+              <a:buClr>
+                <a:schemeClr val="accent1">
+                  <a:lumMod val="75000"/>
+                </a:schemeClr>
+              </a:buClr>
+              <a:buSzPct val="100000"/>
+              <a:buFont typeface="Arial" pitchFamily="34" charset="0"/>
+              <a:buChar char="▪"/>
+              <a:defRPr sz="1400" kern="1200">
+                <a:solidFill>
+                  <a:schemeClr val="tx1"/>
+                </a:solidFill>
+                <a:latin typeface="+mn-lt"/>
+                <a:ea typeface="+mn-ea"/>
+                <a:cs typeface="+mn-cs"/>
+              </a:defRPr>
+            </a:lvl7pPr>
+            <a:lvl8pPr marL="1828800" indent="-182880" algn="l" defTabSz="914400" rtl="0" eaLnBrk="1" latinLnBrk="0" hangingPunct="1">
+              <a:lnSpc>
+                <a:spcPct val="90000"/>
+              </a:lnSpc>
+              <a:spcBef>
+                <a:spcPts val="600"/>
+              </a:spcBef>
+              <a:buClr>
+                <a:schemeClr val="accent1">
+                  <a:lumMod val="75000"/>
+                </a:schemeClr>
+              </a:buClr>
+              <a:buSzPct val="100000"/>
+              <a:buFont typeface="Arial" pitchFamily="34" charset="0"/>
+              <a:buChar char="▪"/>
+              <a:defRPr sz="1400" kern="1200">
+                <a:solidFill>
+                  <a:schemeClr val="tx1"/>
+                </a:solidFill>
+                <a:latin typeface="+mn-lt"/>
+                <a:ea typeface="+mn-ea"/>
+                <a:cs typeface="+mn-cs"/>
+              </a:defRPr>
+            </a:lvl8pPr>
+            <a:lvl9pPr marL="1878012" indent="0" algn="l" defTabSz="914400" rtl="0" eaLnBrk="1" latinLnBrk="0" hangingPunct="1">
+              <a:lnSpc>
+                <a:spcPct val="90000"/>
+              </a:lnSpc>
+              <a:spcBef>
+                <a:spcPts val="600"/>
+              </a:spcBef>
+              <a:buClr>
+                <a:schemeClr val="accent1">
+                  <a:lumMod val="75000"/>
+                </a:schemeClr>
+              </a:buClr>
+              <a:buSzPct val="100000"/>
+              <a:buFont typeface="Arial" pitchFamily="34" charset="0"/>
+              <a:buNone/>
+              <a:defRPr sz="1400" kern="1200">
+                <a:solidFill>
+                  <a:schemeClr val="tx1"/>
+                </a:solidFill>
+                <a:latin typeface="+mn-lt"/>
+                <a:ea typeface="+mn-ea"/>
+                <a:cs typeface="+mn-cs"/>
+              </a:defRPr>
+            </a:lvl9pPr>
+          </a:lstStyle>
+          <a:p>
+            <a:r>
+              <a:rPr lang="en-US" sz="1800" dirty="0">
+                <a:latin typeface="Times New Roman" panose="02020603050405020304" pitchFamily="18" charset="0"/>
+                <a:cs typeface="Times New Roman" panose="02020603050405020304" pitchFamily="18" charset="0"/>
+              </a:rPr>
+              <a:t>String Pool (also known as String Intern Pool) is a special memory area in Java's Heap memory to optimize memory usage.</a:t>
+            </a:r>
+          </a:p>
+          <a:p>
+            <a:r>
+              <a:rPr lang="en-US" sz="1800" dirty="0">
+                <a:latin typeface="Times New Roman" panose="02020603050405020304" pitchFamily="18" charset="0"/>
+                <a:cs typeface="Times New Roman" panose="02020603050405020304" pitchFamily="18" charset="0"/>
+              </a:rPr>
+              <a:t>It stores unique string literals to save memory and improve performance.</a:t>
+            </a:r>
+          </a:p>
+          <a:p>
+            <a:r>
+              <a:rPr lang="en-US" sz="1800" dirty="0">
+                <a:latin typeface="Times New Roman" panose="02020603050405020304" pitchFamily="18" charset="0"/>
+                <a:cs typeface="Times New Roman" panose="02020603050405020304" pitchFamily="18" charset="0"/>
+              </a:rPr>
+              <a:t>Implements the concept of "string interning"</a:t>
+            </a:r>
+          </a:p>
+        </p:txBody>
+      </p:sp>
+    </p:spTree>
+    <p:extLst>
+      <p:ext uri="{BB962C8B-B14F-4D97-AF65-F5344CB8AC3E}">
+        <p14:creationId xmlns:p14="http://schemas.microsoft.com/office/powerpoint/2010/main" val="87566870"/>
+      </p:ext>
+    </p:extLst>
+  </p:cSld>
+  <p:clrMapOvr>
+    <a:masterClrMapping/>
+  </p:clrMapOvr>
+  <mc:AlternateContent xmlns:mc="http://schemas.openxmlformats.org/markup-compatibility/2006" xmlns:p14="http://schemas.microsoft.com/office/powerpoint/2010/main">
+    <mc:Choice Requires="p14">
+      <p:transition spd="med" p14:dur="700">
+        <p:fade/>
+      </p:transition>
+    </mc:Choice>
+    <mc:Fallback xmlns="">
+      <p:transition spd="med">
+        <p:fade/>
+      </p:transition>
+    </mc:Fallback>
+  </mc:AlternateContent>
+</p:sld>
+</file>
+
+<file path=ppt/slides/slide23.xml><?xml version="1.0" encoding="utf-8"?>
+<p:sld xmlns:a="http://schemas.openxmlformats.org/drawingml/2006/main" xmlns:r="http://schemas.openxmlformats.org/officeDocument/2006/relationships" xmlns:p="http://schemas.openxmlformats.org/presentationml/2006/main">
+  <p:cSld>
+    <p:spTree>
+      <p:nvGrpSpPr>
+        <p:cNvPr id="1" name=""/>
+        <p:cNvGrpSpPr/>
+        <p:nvPr/>
+      </p:nvGrpSpPr>
+      <p:grpSpPr>
+        <a:xfrm>
+          <a:off x="0" y="0"/>
+          <a:ext cx="0" cy="0"/>
+          <a:chOff x="0" y="0"/>
+          <a:chExt cx="0" cy="0"/>
+        </a:xfrm>
+      </p:grpSpPr>
+      <p:pic>
+        <p:nvPicPr>
+          <p:cNvPr id="2" name="Content Placeholder 4">
+            <a:extLst>
+              <a:ext uri="{FF2B5EF4-FFF2-40B4-BE49-F238E27FC236}">
+                <a16:creationId xmlns:a16="http://schemas.microsoft.com/office/drawing/2014/main" id="{1F64887A-9C5A-02D8-652B-F694E948E5B2}"/>
+              </a:ext>
+            </a:extLst>
+          </p:cNvPr>
+          <p:cNvPicPr>
+            <a:picLocks noChangeAspect="1"/>
+          </p:cNvPicPr>
+          <p:nvPr/>
+        </p:nvPicPr>
+        <p:blipFill>
+          <a:blip r:embed="rId2"/>
+          <a:stretch>
+            <a:fillRect/>
+          </a:stretch>
+        </p:blipFill>
+        <p:spPr>
+          <a:xfrm>
+            <a:off x="729343" y="2175165"/>
+            <a:ext cx="4637313" cy="2113808"/>
+          </a:xfrm>
+          <a:prstGeom prst="rect">
+            <a:avLst/>
+          </a:prstGeom>
+        </p:spPr>
+      </p:pic>
+      <p:pic>
+        <p:nvPicPr>
+          <p:cNvPr id="3" name="Picture 2">
+            <a:extLst>
+              <a:ext uri="{FF2B5EF4-FFF2-40B4-BE49-F238E27FC236}">
+                <a16:creationId xmlns:a16="http://schemas.microsoft.com/office/drawing/2014/main" id="{B47FD925-F241-0AB5-EBF0-3AD2F6AF75C0}"/>
+              </a:ext>
+            </a:extLst>
+          </p:cNvPr>
+          <p:cNvPicPr>
+            <a:picLocks noChangeAspect="1"/>
+          </p:cNvPicPr>
+          <p:nvPr/>
+        </p:nvPicPr>
+        <p:blipFill>
+          <a:blip r:embed="rId3"/>
+          <a:stretch>
+            <a:fillRect/>
+          </a:stretch>
+        </p:blipFill>
+        <p:spPr>
+          <a:xfrm>
+            <a:off x="6224329" y="1773609"/>
+            <a:ext cx="3705742" cy="2739381"/>
+          </a:xfrm>
+          <a:prstGeom prst="rect">
+            <a:avLst/>
+          </a:prstGeom>
+        </p:spPr>
+      </p:pic>
+    </p:spTree>
+    <p:extLst>
+      <p:ext uri="{BB962C8B-B14F-4D97-AF65-F5344CB8AC3E}">
+        <p14:creationId xmlns:p14="http://schemas.microsoft.com/office/powerpoint/2010/main" val="2275257822"/>
+      </p:ext>
+    </p:extLst>
+  </p:cSld>
+  <p:clrMapOvr>
+    <a:masterClrMapping/>
+  </p:clrMapOvr>
+  <mc:AlternateContent xmlns:mc="http://schemas.openxmlformats.org/markup-compatibility/2006" xmlns:p14="http://schemas.microsoft.com/office/powerpoint/2010/main">
+    <mc:Choice Requires="p14">
+      <p:transition spd="med" p14:dur="700">
+        <p:fade/>
+      </p:transition>
+    </mc:Choice>
+    <mc:Fallback xmlns="">
+      <p:transition spd="med">
+        <p:fade/>
+      </p:transition>
+    </mc:Fallback>
+  </mc:AlternateContent>
+</p:sld>
+</file>
+
+<file path=ppt/slides/slide24.xml><?xml version="1.0" encoding="utf-8"?>
+<p:sld xmlns:a="http://schemas.openxmlformats.org/drawingml/2006/main" xmlns:r="http://schemas.openxmlformats.org/officeDocument/2006/relationships" xmlns:p="http://schemas.openxmlformats.org/presentationml/2006/main">
+  <p:cSld>
+    <p:spTree>
+      <p:nvGrpSpPr>
+        <p:cNvPr id="1" name=""/>
+        <p:cNvGrpSpPr/>
+        <p:nvPr/>
+      </p:nvGrpSpPr>
+      <p:grpSpPr>
+        <a:xfrm>
+          <a:off x="0" y="0"/>
+          <a:ext cx="0" cy="0"/>
+          <a:chOff x="0" y="0"/>
+          <a:chExt cx="0" cy="0"/>
+        </a:xfrm>
+      </p:grpSpPr>
+      <p:sp>
+        <p:nvSpPr>
+          <p:cNvPr id="2" name="Content Placeholder 2">
+            <a:extLst>
+              <a:ext uri="{FF2B5EF4-FFF2-40B4-BE49-F238E27FC236}">
+                <a16:creationId xmlns:a16="http://schemas.microsoft.com/office/drawing/2014/main" id="{837A2924-63A4-CDAE-C451-D8ADD2EA858C}"/>
+              </a:ext>
+            </a:extLst>
+          </p:cNvPr>
+          <p:cNvSpPr txBox="1">
+            <a:spLocks/>
+          </p:cNvSpPr>
+          <p:nvPr/>
+        </p:nvSpPr>
+        <p:spPr>
+          <a:xfrm>
+            <a:off x="1295400" y="805543"/>
+            <a:ext cx="9601200" cy="4985658"/>
+          </a:xfrm>
+          <a:prstGeom prst="rect">
+            <a:avLst/>
+          </a:prstGeom>
+        </p:spPr>
+        <p:txBody>
+          <a:bodyPr/>
+          <a:lstStyle>
+            <a:lvl1pPr marL="228600" indent="-228600" algn="l" defTabSz="914400" rtl="0" eaLnBrk="1" latinLnBrk="0" hangingPunct="1">
+              <a:lnSpc>
+                <a:spcPct val="90000"/>
+              </a:lnSpc>
+              <a:spcBef>
+                <a:spcPts val="1800"/>
+              </a:spcBef>
+              <a:buClr>
+                <a:schemeClr val="accent1">
+                  <a:lumMod val="75000"/>
+                </a:schemeClr>
+              </a:buClr>
+              <a:buSzPct val="100000"/>
+              <a:buFont typeface="Arial" pitchFamily="34" charset="0"/>
+              <a:buChar char="▪"/>
+              <a:defRPr sz="2000" kern="1200">
+                <a:solidFill>
+                  <a:schemeClr val="tx1"/>
+                </a:solidFill>
+                <a:latin typeface="+mn-lt"/>
+                <a:ea typeface="+mn-ea"/>
+                <a:cs typeface="+mn-cs"/>
+              </a:defRPr>
+            </a:lvl1pPr>
+            <a:lvl2pPr marL="457200" indent="-182880" algn="l" defTabSz="914400" rtl="0" eaLnBrk="1" latinLnBrk="0" hangingPunct="1">
+              <a:lnSpc>
+                <a:spcPct val="90000"/>
+              </a:lnSpc>
+              <a:spcBef>
+                <a:spcPts val="1200"/>
+              </a:spcBef>
+              <a:buClr>
+                <a:schemeClr val="accent1">
+                  <a:lumMod val="75000"/>
+                </a:schemeClr>
+              </a:buClr>
+              <a:buSzPct val="100000"/>
+              <a:buFont typeface="Arial" pitchFamily="34" charset="0"/>
+              <a:buChar char="▪"/>
+              <a:defRPr sz="1800" kern="1200">
+                <a:solidFill>
+                  <a:schemeClr val="tx1"/>
+                </a:solidFill>
+                <a:latin typeface="+mn-lt"/>
+                <a:ea typeface="+mn-ea"/>
+                <a:cs typeface="+mn-cs"/>
+              </a:defRPr>
+            </a:lvl2pPr>
+            <a:lvl3pPr marL="685800" indent="-179388" algn="l" defTabSz="914400" rtl="0" eaLnBrk="1" latinLnBrk="0" hangingPunct="1">
+              <a:lnSpc>
+                <a:spcPct val="90000"/>
+              </a:lnSpc>
+              <a:spcBef>
+                <a:spcPts val="800"/>
+              </a:spcBef>
+              <a:buClr>
+                <a:schemeClr val="accent1">
+                  <a:lumMod val="75000"/>
+                </a:schemeClr>
+              </a:buClr>
+              <a:buSzPct val="100000"/>
+              <a:buFont typeface="Arial" pitchFamily="34" charset="0"/>
+              <a:buChar char="▪"/>
+              <a:defRPr sz="1600" kern="1200">
+                <a:solidFill>
+                  <a:schemeClr val="tx1"/>
+                </a:solidFill>
+                <a:latin typeface="+mn-lt"/>
+                <a:ea typeface="+mn-ea"/>
+                <a:cs typeface="+mn-cs"/>
+              </a:defRPr>
+            </a:lvl3pPr>
+            <a:lvl4pPr marL="914400" indent="-182880" algn="l" defTabSz="914400" rtl="0" eaLnBrk="1" latinLnBrk="0" hangingPunct="1">
+              <a:lnSpc>
+                <a:spcPct val="90000"/>
+              </a:lnSpc>
+              <a:spcBef>
+                <a:spcPts val="800"/>
+              </a:spcBef>
+              <a:buClr>
+                <a:schemeClr val="accent1">
+                  <a:lumMod val="75000"/>
+                </a:schemeClr>
+              </a:buClr>
+              <a:buSzPct val="100000"/>
+              <a:buFont typeface="Arial" pitchFamily="34" charset="0"/>
+              <a:buChar char="▪"/>
+              <a:defRPr sz="1400" kern="1200">
+                <a:solidFill>
+                  <a:schemeClr val="tx1"/>
+                </a:solidFill>
+                <a:latin typeface="+mn-lt"/>
+                <a:ea typeface="+mn-ea"/>
+                <a:cs typeface="+mn-cs"/>
+              </a:defRPr>
+            </a:lvl4pPr>
+            <a:lvl5pPr marL="1143000" indent="-179388" algn="l" defTabSz="914400" rtl="0" eaLnBrk="1" latinLnBrk="0" hangingPunct="1">
+              <a:lnSpc>
+                <a:spcPct val="90000"/>
+              </a:lnSpc>
+              <a:spcBef>
+                <a:spcPts val="600"/>
+              </a:spcBef>
+              <a:buClr>
+                <a:schemeClr val="accent1">
+                  <a:lumMod val="75000"/>
+                </a:schemeClr>
+              </a:buClr>
+              <a:buSzPct val="100000"/>
+              <a:buFont typeface="Arial" pitchFamily="34" charset="0"/>
+              <a:buChar char="▪"/>
+              <a:defRPr sz="1400" kern="1200">
+                <a:solidFill>
+                  <a:schemeClr val="tx1"/>
+                </a:solidFill>
+                <a:latin typeface="+mn-lt"/>
+                <a:ea typeface="+mn-ea"/>
+                <a:cs typeface="+mn-cs"/>
+              </a:defRPr>
+            </a:lvl5pPr>
+            <a:lvl6pPr marL="1371600" indent="-182880" algn="l" defTabSz="914400" rtl="0" eaLnBrk="1" latinLnBrk="0" hangingPunct="1">
+              <a:lnSpc>
+                <a:spcPct val="90000"/>
+              </a:lnSpc>
+              <a:spcBef>
+                <a:spcPts val="600"/>
+              </a:spcBef>
+              <a:buClr>
+                <a:schemeClr val="accent1">
+                  <a:lumMod val="75000"/>
+                </a:schemeClr>
+              </a:buClr>
+              <a:buSzPct val="100000"/>
+              <a:buFont typeface="Arial" pitchFamily="34" charset="0"/>
+              <a:buChar char="▪"/>
+              <a:defRPr sz="1400" kern="1200">
+                <a:solidFill>
+                  <a:schemeClr val="tx1"/>
+                </a:solidFill>
+                <a:latin typeface="+mn-lt"/>
+                <a:ea typeface="+mn-ea"/>
+                <a:cs typeface="+mn-cs"/>
+              </a:defRPr>
+            </a:lvl6pPr>
+            <a:lvl7pPr marL="1600200" indent="-179388" algn="l" defTabSz="914400" rtl="0" eaLnBrk="1" latinLnBrk="0" hangingPunct="1">
+              <a:lnSpc>
+                <a:spcPct val="90000"/>
+              </a:lnSpc>
+              <a:spcBef>
+                <a:spcPts val="600"/>
+              </a:spcBef>
+              <a:buClr>
+                <a:schemeClr val="accent1">
+                  <a:lumMod val="75000"/>
+                </a:schemeClr>
+              </a:buClr>
+              <a:buSzPct val="100000"/>
+              <a:buFont typeface="Arial" pitchFamily="34" charset="0"/>
+              <a:buChar char="▪"/>
+              <a:defRPr sz="1400" kern="1200">
+                <a:solidFill>
+                  <a:schemeClr val="tx1"/>
+                </a:solidFill>
+                <a:latin typeface="+mn-lt"/>
+                <a:ea typeface="+mn-ea"/>
+                <a:cs typeface="+mn-cs"/>
+              </a:defRPr>
+            </a:lvl7pPr>
+            <a:lvl8pPr marL="1828800" indent="-182880" algn="l" defTabSz="914400" rtl="0" eaLnBrk="1" latinLnBrk="0" hangingPunct="1">
+              <a:lnSpc>
+                <a:spcPct val="90000"/>
+              </a:lnSpc>
+              <a:spcBef>
+                <a:spcPts val="600"/>
+              </a:spcBef>
+              <a:buClr>
+                <a:schemeClr val="accent1">
+                  <a:lumMod val="75000"/>
+                </a:schemeClr>
+              </a:buClr>
+              <a:buSzPct val="100000"/>
+              <a:buFont typeface="Arial" pitchFamily="34" charset="0"/>
+              <a:buChar char="▪"/>
+              <a:defRPr sz="1400" kern="1200">
+                <a:solidFill>
+                  <a:schemeClr val="tx1"/>
+                </a:solidFill>
+                <a:latin typeface="+mn-lt"/>
+                <a:ea typeface="+mn-ea"/>
+                <a:cs typeface="+mn-cs"/>
+              </a:defRPr>
+            </a:lvl8pPr>
+            <a:lvl9pPr marL="1878012" indent="0" algn="l" defTabSz="914400" rtl="0" eaLnBrk="1" latinLnBrk="0" hangingPunct="1">
+              <a:lnSpc>
+                <a:spcPct val="90000"/>
+              </a:lnSpc>
+              <a:spcBef>
+                <a:spcPts val="600"/>
+              </a:spcBef>
+              <a:buClr>
+                <a:schemeClr val="accent1">
+                  <a:lumMod val="75000"/>
+                </a:schemeClr>
+              </a:buClr>
+              <a:buSzPct val="100000"/>
+              <a:buFont typeface="Arial" pitchFamily="34" charset="0"/>
+              <a:buNone/>
+              <a:defRPr sz="1400" kern="1200">
+                <a:solidFill>
+                  <a:schemeClr val="tx1"/>
+                </a:solidFill>
+                <a:latin typeface="+mn-lt"/>
+                <a:ea typeface="+mn-ea"/>
+                <a:cs typeface="+mn-cs"/>
+              </a:defRPr>
+            </a:lvl9pPr>
+          </a:lstStyle>
+          <a:p>
+            <a:pPr marL="0" indent="0">
+              <a:buFont typeface="Arial" pitchFamily="34" charset="0"/>
+              <a:buNone/>
+            </a:pPr>
+            <a:r>
+              <a:rPr lang="en-US"/>
+              <a:t> </a:t>
+            </a:r>
+            <a:endParaRPr lang="en-US" dirty="0"/>
+          </a:p>
+        </p:txBody>
+      </p:sp>
+      <p:pic>
+        <p:nvPicPr>
+          <p:cNvPr id="3" name="Picture 2">
+            <a:extLst>
+              <a:ext uri="{FF2B5EF4-FFF2-40B4-BE49-F238E27FC236}">
+                <a16:creationId xmlns:a16="http://schemas.microsoft.com/office/drawing/2014/main" id="{D22B707C-C83A-41CA-FC22-F1E5B048303E}"/>
+              </a:ext>
+            </a:extLst>
+          </p:cNvPr>
+          <p:cNvPicPr>
+            <a:picLocks noChangeAspect="1"/>
+          </p:cNvPicPr>
+          <p:nvPr/>
+        </p:nvPicPr>
+        <p:blipFill>
+          <a:blip r:embed="rId2"/>
+          <a:stretch>
+            <a:fillRect/>
+          </a:stretch>
+        </p:blipFill>
+        <p:spPr>
+          <a:xfrm>
+            <a:off x="1382487" y="1066799"/>
+            <a:ext cx="9089570" cy="4724401"/>
+          </a:xfrm>
+          <a:prstGeom prst="rect">
+            <a:avLst/>
+          </a:prstGeom>
+        </p:spPr>
+      </p:pic>
+    </p:spTree>
+    <p:extLst>
+      <p:ext uri="{BB962C8B-B14F-4D97-AF65-F5344CB8AC3E}">
+        <p14:creationId xmlns:p14="http://schemas.microsoft.com/office/powerpoint/2010/main" val="1399939234"/>
+      </p:ext>
+    </p:extLst>
+  </p:cSld>
+  <p:clrMapOvr>
+    <a:masterClrMapping/>
+  </p:clrMapOvr>
+  <mc:AlternateContent xmlns:mc="http://schemas.openxmlformats.org/markup-compatibility/2006" xmlns:p14="http://schemas.microsoft.com/office/powerpoint/2010/main">
+    <mc:Choice Requires="p14">
+      <p:transition spd="med" p14:dur="700">
+        <p:fade/>
+      </p:transition>
+    </mc:Choice>
+    <mc:Fallback xmlns="">
+      <p:transition spd="med">
+        <p:fade/>
+      </p:transition>
+    </mc:Fallback>
+  </mc:AlternateContent>
+</p:sld>
+</file>
+
+<file path=ppt/slides/slide25.xml><?xml version="1.0" encoding="utf-8"?>
+<p:sld xmlns:a="http://schemas.openxmlformats.org/drawingml/2006/main" xmlns:r="http://schemas.openxmlformats.org/officeDocument/2006/relationships" xmlns:p="http://schemas.openxmlformats.org/presentationml/2006/main">
+  <p:cSld>
+    <p:spTree>
+      <p:nvGrpSpPr>
+        <p:cNvPr id="1" name=""/>
+        <p:cNvGrpSpPr/>
+        <p:nvPr/>
+      </p:nvGrpSpPr>
+      <p:grpSpPr>
+        <a:xfrm>
+          <a:off x="0" y="0"/>
+          <a:ext cx="0" cy="0"/>
+          <a:chOff x="0" y="0"/>
+          <a:chExt cx="0" cy="0"/>
+        </a:xfrm>
+      </p:grpSpPr>
+      <p:sp>
+        <p:nvSpPr>
+          <p:cNvPr id="2" name="Title 1">
+            <a:extLst>
+              <a:ext uri="{FF2B5EF4-FFF2-40B4-BE49-F238E27FC236}">
+                <a16:creationId xmlns:a16="http://schemas.microsoft.com/office/drawing/2014/main" id="{5F3FBF6A-346E-6470-3AFB-B2DBFCD7DF50}"/>
+              </a:ext>
+            </a:extLst>
+          </p:cNvPr>
+          <p:cNvSpPr>
+            <a:spLocks noGrp="1"/>
+          </p:cNvSpPr>
+          <p:nvPr>
+            <p:ph type="title"/>
+          </p:nvPr>
+        </p:nvSpPr>
+        <p:spPr>
+          <a:xfrm>
+            <a:off x="1295400" y="503853"/>
+            <a:ext cx="9601200" cy="507529"/>
+          </a:xfrm>
+        </p:spPr>
+        <p:txBody>
+          <a:bodyPr>
+            <a:normAutofit/>
+          </a:bodyPr>
+          <a:lstStyle/>
+          <a:p>
+            <a:r>
+              <a:rPr lang="en-US" sz="2800" dirty="0">
+                <a:latin typeface="Times New Roman" panose="02020603050405020304" pitchFamily="18" charset="0"/>
+                <a:cs typeface="Times New Roman" panose="02020603050405020304" pitchFamily="18" charset="0"/>
+              </a:rPr>
+              <a:t>Basic Concepts of OOP</a:t>
+            </a:r>
+          </a:p>
+        </p:txBody>
+      </p:sp>
+      <p:graphicFrame>
+        <p:nvGraphicFramePr>
+          <p:cNvPr id="4" name="Diagram 3">
+            <a:extLst>
+              <a:ext uri="{FF2B5EF4-FFF2-40B4-BE49-F238E27FC236}">
+                <a16:creationId xmlns:a16="http://schemas.microsoft.com/office/drawing/2014/main" id="{97CA4BDF-474B-2B89-F6D5-1DCE6CF3F23A}"/>
+              </a:ext>
+            </a:extLst>
+          </p:cNvPr>
+          <p:cNvGraphicFramePr/>
+          <p:nvPr>
+            <p:extLst>
+              <p:ext uri="{D42A27DB-BD31-4B8C-83A1-F6EECF244321}">
+                <p14:modId xmlns:p14="http://schemas.microsoft.com/office/powerpoint/2010/main" val="4129239020"/>
+              </p:ext>
+            </p:extLst>
+          </p:nvPr>
+        </p:nvGraphicFramePr>
+        <p:xfrm>
+          <a:off x="2032000" y="1343891"/>
+          <a:ext cx="8128000" cy="4794442"/>
+        </p:xfrm>
+        <a:graphic>
+          <a:graphicData uri="http://schemas.openxmlformats.org/drawingml/2006/diagram">
+            <dgm:relIds xmlns:dgm="http://schemas.openxmlformats.org/drawingml/2006/diagram" xmlns:r="http://schemas.openxmlformats.org/officeDocument/2006/relationships" r:dm="rId2" r:lo="rId3" r:qs="rId4" r:cs="rId5"/>
+          </a:graphicData>
+        </a:graphic>
+      </p:graphicFrame>
+    </p:spTree>
+    <p:extLst>
+      <p:ext uri="{BB962C8B-B14F-4D97-AF65-F5344CB8AC3E}">
+        <p14:creationId xmlns:p14="http://schemas.microsoft.com/office/powerpoint/2010/main" val="1964837268"/>
+      </p:ext>
+    </p:extLst>
+  </p:cSld>
+  <p:clrMapOvr>
+    <a:masterClrMapping/>
+  </p:clrMapOvr>
+  <mc:AlternateContent xmlns:mc="http://schemas.openxmlformats.org/markup-compatibility/2006" xmlns:p14="http://schemas.microsoft.com/office/powerpoint/2010/main">
+    <mc:Choice Requires="p14">
+      <p:transition spd="med" p14:dur="700">
+        <p:fade/>
+      </p:transition>
+    </mc:Choice>
+    <mc:Fallback xmlns="">
+      <p:transition spd="med">
+        <p:fade/>
+      </p:transition>
+    </mc:Fallback>
+  </mc:AlternateContent>
+</p:sld>
+</file>
+
+<file path=ppt/slides/slide26.xml><?xml version="1.0" encoding="utf-8"?>
+<p:sld xmlns:a="http://schemas.openxmlformats.org/drawingml/2006/main" xmlns:r="http://schemas.openxmlformats.org/officeDocument/2006/relationships" xmlns:p="http://schemas.openxmlformats.org/presentationml/2006/main">
+  <p:cSld>
+    <p:spTree>
+      <p:nvGrpSpPr>
+        <p:cNvPr id="1" name=""/>
+        <p:cNvGrpSpPr/>
+        <p:nvPr/>
+      </p:nvGrpSpPr>
+      <p:grpSpPr>
+        <a:xfrm>
+          <a:off x="0" y="0"/>
+          <a:ext cx="0" cy="0"/>
+          <a:chOff x="0" y="0"/>
+          <a:chExt cx="0" cy="0"/>
+        </a:xfrm>
+      </p:grpSpPr>
+      <p:sp>
+        <p:nvSpPr>
+          <p:cNvPr id="2" name="Title 1">
+            <a:extLst>
+              <a:ext uri="{FF2B5EF4-FFF2-40B4-BE49-F238E27FC236}">
                 <a16:creationId xmlns:a16="http://schemas.microsoft.com/office/drawing/2014/main" id="{057B3155-5AD3-D3D9-851D-E6368B62465F}"/>
               </a:ext>
             </a:extLst>
@@ -38264,7 +42006,7 @@
 </p:sld>
 </file>
 
-<file path=ppt/slides/slide11.xml><?xml version="1.0" encoding="utf-8"?>
+<file path=ppt/slides/slide27.xml><?xml version="1.0" encoding="utf-8"?>
 <p:sld xmlns:a="http://schemas.openxmlformats.org/drawingml/2006/main" xmlns:r="http://schemas.openxmlformats.org/officeDocument/2006/relationships" xmlns:p="http://schemas.openxmlformats.org/presentationml/2006/main">
   <p:cSld>
     <p:spTree>
@@ -38652,7 +42394,7 @@
 </p:sld>
 </file>
 
-<file path=ppt/slides/slide12.xml><?xml version="1.0" encoding="utf-8"?>
+<file path=ppt/slides/slide28.xml><?xml version="1.0" encoding="utf-8"?>
 <p:sld xmlns:a="http://schemas.openxmlformats.org/drawingml/2006/main" xmlns:r="http://schemas.openxmlformats.org/officeDocument/2006/relationships" xmlns:p="http://schemas.openxmlformats.org/presentationml/2006/main">
   <p:cSld>
     <p:spTree>
@@ -38803,7 +42545,7 @@
 </p:sld>
 </file>
 
-<file path=ppt/slides/slide13.xml><?xml version="1.0" encoding="utf-8"?>
+<file path=ppt/slides/slide29.xml><?xml version="1.0" encoding="utf-8"?>
 <p:sld xmlns:a="http://schemas.openxmlformats.org/drawingml/2006/main" xmlns:r="http://schemas.openxmlformats.org/officeDocument/2006/relationships" xmlns:p="http://schemas.openxmlformats.org/presentationml/2006/main">
   <p:cSld>
     <p:spTree>
@@ -38958,7 +42700,164 @@
 </p:sld>
 </file>
 
-<file path=ppt/slides/slide14.xml><?xml version="1.0" encoding="utf-8"?>
+<file path=ppt/slides/slide3.xml><?xml version="1.0" encoding="utf-8"?>
+<p:sld xmlns:a="http://schemas.openxmlformats.org/drawingml/2006/main" xmlns:r="http://schemas.openxmlformats.org/officeDocument/2006/relationships" xmlns:p="http://schemas.openxmlformats.org/presentationml/2006/main">
+  <p:cSld>
+    <p:spTree>
+      <p:nvGrpSpPr>
+        <p:cNvPr id="1" name=""/>
+        <p:cNvGrpSpPr/>
+        <p:nvPr/>
+      </p:nvGrpSpPr>
+      <p:grpSpPr>
+        <a:xfrm>
+          <a:off x="0" y="0"/>
+          <a:ext cx="0" cy="0"/>
+          <a:chOff x="0" y="0"/>
+          <a:chExt cx="0" cy="0"/>
+        </a:xfrm>
+      </p:grpSpPr>
+      <p:sp>
+        <p:nvSpPr>
+          <p:cNvPr id="2" name="Title 1"/>
+          <p:cNvSpPr>
+            <a:spLocks noGrp="1"/>
+          </p:cNvSpPr>
+          <p:nvPr>
+            <p:ph type="title"/>
+          </p:nvPr>
+        </p:nvSpPr>
+        <p:spPr>
+          <a:xfrm>
+            <a:off x="1295400" y="503854"/>
+            <a:ext cx="9601200" cy="562946"/>
+          </a:xfrm>
+        </p:spPr>
+        <p:txBody>
+          <a:bodyPr>
+            <a:normAutofit/>
+          </a:bodyPr>
+          <a:lstStyle/>
+          <a:p>
+            <a:r>
+              <a:rPr lang="en-US" sz="2800" dirty="0">
+                <a:latin typeface="Times New Roman" panose="02020603050405020304" pitchFamily="18" charset="0"/>
+                <a:cs typeface="Times New Roman" panose="02020603050405020304" pitchFamily="18" charset="0"/>
+              </a:rPr>
+              <a:t>Brief History of Java</a:t>
+            </a:r>
+          </a:p>
+        </p:txBody>
+      </p:sp>
+      <p:sp>
+        <p:nvSpPr>
+          <p:cNvPr id="4" name="Content Placeholder 3">
+            <a:extLst>
+              <a:ext uri="{FF2B5EF4-FFF2-40B4-BE49-F238E27FC236}">
+                <a16:creationId xmlns:a16="http://schemas.microsoft.com/office/drawing/2014/main" id="{8BA5D383-C9D7-F5C6-482D-3089C059414D}"/>
+              </a:ext>
+            </a:extLst>
+          </p:cNvPr>
+          <p:cNvSpPr>
+            <a:spLocks noGrp="1"/>
+          </p:cNvSpPr>
+          <p:nvPr>
+            <p:ph idx="1"/>
+          </p:nvPr>
+        </p:nvSpPr>
+        <p:spPr>
+          <a:xfrm>
+            <a:off x="1295400" y="1620981"/>
+            <a:ext cx="9601200" cy="4170219"/>
+          </a:xfrm>
+        </p:spPr>
+        <p:txBody>
+          <a:bodyPr>
+            <a:normAutofit/>
+          </a:bodyPr>
+          <a:lstStyle/>
+          <a:p>
+            <a:r>
+              <a:rPr lang="en-US" sz="1800" dirty="0">
+                <a:latin typeface="Times New Roman" panose="02020603050405020304" pitchFamily="18" charset="0"/>
+                <a:cs typeface="Times New Roman" panose="02020603050405020304" pitchFamily="18" charset="0"/>
+              </a:rPr>
+              <a:t>Developed by Sun Microsystems in the mid-1990s.</a:t>
+            </a:r>
+          </a:p>
+          <a:p>
+            <a:endParaRPr lang="en-US" sz="1800" dirty="0">
+              <a:latin typeface="Times New Roman" panose="02020603050405020304" pitchFamily="18" charset="0"/>
+              <a:cs typeface="Times New Roman" panose="02020603050405020304" pitchFamily="18" charset="0"/>
+            </a:endParaRPr>
+          </a:p>
+          <a:p>
+            <a:r>
+              <a:rPr lang="en-US" sz="1800" dirty="0">
+                <a:latin typeface="Times New Roman" panose="02020603050405020304" pitchFamily="18" charset="0"/>
+                <a:cs typeface="Times New Roman" panose="02020603050405020304" pitchFamily="18" charset="0"/>
+              </a:rPr>
+              <a:t>Originally called "Oak"; renamed Java in 1995.</a:t>
+            </a:r>
+          </a:p>
+          <a:p>
+            <a:endParaRPr lang="en-US" sz="1800" dirty="0">
+              <a:latin typeface="Times New Roman" panose="02020603050405020304" pitchFamily="18" charset="0"/>
+              <a:cs typeface="Times New Roman" panose="02020603050405020304" pitchFamily="18" charset="0"/>
+            </a:endParaRPr>
+          </a:p>
+          <a:p>
+            <a:r>
+              <a:rPr lang="en-US" sz="1800" dirty="0">
+                <a:latin typeface="Times New Roman" panose="02020603050405020304" pitchFamily="18" charset="0"/>
+                <a:cs typeface="Times New Roman" panose="02020603050405020304" pitchFamily="18" charset="0"/>
+              </a:rPr>
+              <a:t>Java 1.0 released in 1996.</a:t>
+            </a:r>
+          </a:p>
+          <a:p>
+            <a:endParaRPr lang="en-US" sz="1800" dirty="0">
+              <a:latin typeface="Times New Roman" panose="02020603050405020304" pitchFamily="18" charset="0"/>
+              <a:cs typeface="Times New Roman" panose="02020603050405020304" pitchFamily="18" charset="0"/>
+            </a:endParaRPr>
+          </a:p>
+          <a:p>
+            <a:r>
+              <a:rPr lang="en-US" sz="1800" dirty="0">
+                <a:latin typeface="Times New Roman" panose="02020603050405020304" pitchFamily="18" charset="0"/>
+                <a:cs typeface="Times New Roman" panose="02020603050405020304" pitchFamily="18" charset="0"/>
+              </a:rPr>
+              <a:t>It is now owned by oracle, and more than 3 billon devices run Java.</a:t>
+            </a:r>
+          </a:p>
+        </p:txBody>
+      </p:sp>
+    </p:spTree>
+    <p:extLst>
+      <p:ext uri="{BB962C8B-B14F-4D97-AF65-F5344CB8AC3E}">
+        <p14:creationId xmlns:p14="http://schemas.microsoft.com/office/powerpoint/2010/main" val="1476019738"/>
+      </p:ext>
+    </p:extLst>
+  </p:cSld>
+  <p:clrMapOvr>
+    <a:masterClrMapping/>
+  </p:clrMapOvr>
+  <mc:AlternateContent xmlns:mc="http://schemas.openxmlformats.org/markup-compatibility/2006" xmlns:p14="http://schemas.microsoft.com/office/powerpoint/2010/main">
+    <mc:Choice Requires="p14">
+      <p:transition spd="med" p14:dur="700">
+        <p:fade/>
+      </p:transition>
+    </mc:Choice>
+    <mc:Fallback xmlns="">
+      <p:transition spd="med">
+        <p:fade/>
+      </p:transition>
+    </mc:Fallback>
+  </mc:AlternateContent>
+</p:sld>
+</file>
+
+<file path=ppt/slides/slide30.xml><?xml version="1.0" encoding="utf-8"?>
 <p:sld xmlns:a="http://schemas.openxmlformats.org/drawingml/2006/main" xmlns:r="http://schemas.openxmlformats.org/officeDocument/2006/relationships" xmlns:p="http://schemas.openxmlformats.org/presentationml/2006/main">
   <p:cSld>
     <p:spTree>
@@ -39364,7 +43263,7 @@
 </p:sld>
 </file>
 
-<file path=ppt/slides/slide15.xml><?xml version="1.0" encoding="utf-8"?>
+<file path=ppt/slides/slide31.xml><?xml version="1.0" encoding="utf-8"?>
 <p:sld xmlns:a="http://schemas.openxmlformats.org/drawingml/2006/main" xmlns:r="http://schemas.openxmlformats.org/officeDocument/2006/relationships" xmlns:p="http://schemas.openxmlformats.org/presentationml/2006/main">
   <p:cSld>
     <p:spTree>
@@ -39529,7 +43428,7 @@
 </p:sld>
 </file>
 
-<file path=ppt/slides/slide16.xml><?xml version="1.0" encoding="utf-8"?>
+<file path=ppt/slides/slide32.xml><?xml version="1.0" encoding="utf-8"?>
 <p:sld xmlns:a="http://schemas.openxmlformats.org/drawingml/2006/main" xmlns:r="http://schemas.openxmlformats.org/officeDocument/2006/relationships" xmlns:p="http://schemas.openxmlformats.org/presentationml/2006/main">
   <p:cSld>
     <p:spTree>
@@ -39803,7 +43702,7 @@
 </p:sld>
 </file>
 
-<file path=ppt/slides/slide17.xml><?xml version="1.0" encoding="utf-8"?>
+<file path=ppt/slides/slide33.xml><?xml version="1.0" encoding="utf-8"?>
 <p:sld xmlns:a="http://schemas.openxmlformats.org/drawingml/2006/main" xmlns:r="http://schemas.openxmlformats.org/officeDocument/2006/relationships" xmlns:p="http://schemas.openxmlformats.org/presentationml/2006/main">
   <p:cSld>
     <p:spTree>
@@ -40171,7 +44070,7 @@
 </p:sld>
 </file>
 
-<file path=ppt/slides/slide18.xml><?xml version="1.0" encoding="utf-8"?>
+<file path=ppt/slides/slide34.xml><?xml version="1.0" encoding="utf-8"?>
 <p:sld xmlns:a="http://schemas.openxmlformats.org/drawingml/2006/main" xmlns:r="http://schemas.openxmlformats.org/officeDocument/2006/relationships" xmlns:p="http://schemas.openxmlformats.org/presentationml/2006/main">
   <p:cSld>
     <p:spTree>
@@ -40559,7 +44458,7 @@
 </p:sld>
 </file>
 
-<file path=ppt/slides/slide19.xml><?xml version="1.0" encoding="utf-8"?>
+<file path=ppt/slides/slide35.xml><?xml version="1.0" encoding="utf-8"?>
 <p:sld xmlns:a="http://schemas.openxmlformats.org/drawingml/2006/main" xmlns:r="http://schemas.openxmlformats.org/officeDocument/2006/relationships" xmlns:p="http://schemas.openxmlformats.org/presentationml/2006/main">
   <p:cSld>
     <p:spTree>
@@ -40714,247 +44613,7 @@
 </p:sld>
 </file>
 
-<file path=ppt/slides/slide2.xml><?xml version="1.0" encoding="utf-8"?>
-<p:sld xmlns:a="http://schemas.openxmlformats.org/drawingml/2006/main" xmlns:r="http://schemas.openxmlformats.org/officeDocument/2006/relationships" xmlns:p="http://schemas.openxmlformats.org/presentationml/2006/main">
-  <p:cSld>
-    <p:spTree>
-      <p:nvGrpSpPr>
-        <p:cNvPr id="1" name=""/>
-        <p:cNvGrpSpPr/>
-        <p:nvPr/>
-      </p:nvGrpSpPr>
-      <p:grpSpPr>
-        <a:xfrm>
-          <a:off x="0" y="0"/>
-          <a:ext cx="0" cy="0"/>
-          <a:chOff x="0" y="0"/>
-          <a:chExt cx="0" cy="0"/>
-        </a:xfrm>
-      </p:grpSpPr>
-      <p:sp>
-        <p:nvSpPr>
-          <p:cNvPr id="2" name="Title 1"/>
-          <p:cNvSpPr>
-            <a:spLocks noGrp="1"/>
-          </p:cNvSpPr>
-          <p:nvPr>
-            <p:ph type="title"/>
-          </p:nvPr>
-        </p:nvSpPr>
-        <p:spPr>
-          <a:xfrm>
-            <a:off x="1295400" y="503853"/>
-            <a:ext cx="9601200" cy="562947"/>
-          </a:xfrm>
-        </p:spPr>
-        <p:txBody>
-          <a:bodyPr>
-            <a:normAutofit/>
-          </a:bodyPr>
-          <a:lstStyle/>
-          <a:p>
-            <a:r>
-              <a:rPr lang="en-US" sz="2800" dirty="0">
-                <a:latin typeface="Times New Roman" panose="02020603050405020304" pitchFamily="18" charset="0"/>
-                <a:cs typeface="Times New Roman" panose="02020603050405020304" pitchFamily="18" charset="0"/>
-              </a:rPr>
-              <a:t>Table of Content</a:t>
-            </a:r>
-          </a:p>
-        </p:txBody>
-      </p:sp>
-      <p:sp>
-        <p:nvSpPr>
-          <p:cNvPr id="3" name="Content Placeholder 2"/>
-          <p:cNvSpPr>
-            <a:spLocks noGrp="1"/>
-          </p:cNvSpPr>
-          <p:nvPr>
-            <p:ph idx="1"/>
-          </p:nvPr>
-        </p:nvSpPr>
-        <p:spPr>
-          <a:xfrm>
-            <a:off x="1295400" y="1066801"/>
-            <a:ext cx="9601200" cy="5024284"/>
-          </a:xfrm>
-        </p:spPr>
-        <p:txBody>
-          <a:bodyPr>
-            <a:noAutofit/>
-          </a:bodyPr>
-          <a:lstStyle/>
-          <a:p>
-            <a:pPr>
-              <a:buFont typeface="Wingdings" panose="05000000000000000000" pitchFamily="2" charset="2"/>
-              <a:buChar char="q"/>
-            </a:pPr>
-            <a:r>
-              <a:rPr lang="en-US" sz="1800" dirty="0">
-                <a:latin typeface="Times New Roman" panose="02020603050405020304" pitchFamily="18" charset="0"/>
-                <a:cs typeface="Times New Roman" panose="02020603050405020304" pitchFamily="18" charset="0"/>
-              </a:rPr>
-              <a:t>Brief History of Java</a:t>
-            </a:r>
-          </a:p>
-          <a:p>
-            <a:pPr>
-              <a:buFont typeface="Wingdings" panose="05000000000000000000" pitchFamily="2" charset="2"/>
-              <a:buChar char="q"/>
-            </a:pPr>
-            <a:r>
-              <a:rPr lang="en-US" sz="1800" dirty="0">
-                <a:latin typeface="Times New Roman" panose="02020603050405020304" pitchFamily="18" charset="0"/>
-                <a:cs typeface="Times New Roman" panose="02020603050405020304" pitchFamily="18" charset="0"/>
-              </a:rPr>
-              <a:t>Features of Java</a:t>
-            </a:r>
-          </a:p>
-          <a:p>
-            <a:pPr>
-              <a:buFont typeface="Wingdings" panose="05000000000000000000" pitchFamily="2" charset="2"/>
-              <a:buChar char="q"/>
-            </a:pPr>
-            <a:r>
-              <a:rPr lang="en-US" sz="1800" dirty="0">
-                <a:latin typeface="Times New Roman" panose="02020603050405020304" pitchFamily="18" charset="0"/>
-                <a:cs typeface="Times New Roman" panose="02020603050405020304" pitchFamily="18" charset="0"/>
-              </a:rPr>
-              <a:t>Applications of Java</a:t>
-            </a:r>
-          </a:p>
-          <a:p>
-            <a:pPr>
-              <a:buFont typeface="Wingdings" panose="05000000000000000000" pitchFamily="2" charset="2"/>
-              <a:buChar char="q"/>
-            </a:pPr>
-            <a:r>
-              <a:rPr lang="en-US" sz="1800" dirty="0">
-                <a:latin typeface="Times New Roman" panose="02020603050405020304" pitchFamily="18" charset="0"/>
-                <a:cs typeface="Times New Roman" panose="02020603050405020304" pitchFamily="18" charset="0"/>
-              </a:rPr>
-              <a:t>Key Differences Between Java and C++</a:t>
-            </a:r>
-          </a:p>
-          <a:p>
-            <a:pPr>
-              <a:buFont typeface="Wingdings" panose="05000000000000000000" pitchFamily="2" charset="2"/>
-              <a:buChar char="q"/>
-            </a:pPr>
-            <a:r>
-              <a:rPr lang="en-US" sz="1800" dirty="0">
-                <a:latin typeface="Times New Roman" panose="02020603050405020304" pitchFamily="18" charset="0"/>
-                <a:cs typeface="Times New Roman" panose="02020603050405020304" pitchFamily="18" charset="0"/>
-              </a:rPr>
-              <a:t>Sample Java Program</a:t>
-            </a:r>
-          </a:p>
-          <a:p>
-            <a:pPr>
-              <a:buFont typeface="Wingdings" panose="05000000000000000000" pitchFamily="2" charset="2"/>
-              <a:buChar char="q"/>
-            </a:pPr>
-            <a:r>
-              <a:rPr lang="en-US" sz="1800" dirty="0">
-                <a:latin typeface="Times New Roman" panose="02020603050405020304" pitchFamily="18" charset="0"/>
-                <a:cs typeface="Times New Roman" panose="02020603050405020304" pitchFamily="18" charset="0"/>
-              </a:rPr>
-              <a:t>Data Types in Java </a:t>
-            </a:r>
-          </a:p>
-          <a:p>
-            <a:pPr>
-              <a:buFont typeface="Wingdings" panose="05000000000000000000" pitchFamily="2" charset="2"/>
-              <a:buChar char="q"/>
-            </a:pPr>
-            <a:r>
-              <a:rPr lang="en-US" sz="1800" dirty="0">
-                <a:latin typeface="Times New Roman" panose="02020603050405020304" pitchFamily="18" charset="0"/>
-                <a:cs typeface="Times New Roman" panose="02020603050405020304" pitchFamily="18" charset="0"/>
-              </a:rPr>
-              <a:t>Basic Concepts of OOP</a:t>
-            </a:r>
-          </a:p>
-          <a:p>
-            <a:pPr>
-              <a:buFont typeface="Wingdings" panose="05000000000000000000" pitchFamily="2" charset="2"/>
-              <a:buChar char="q"/>
-            </a:pPr>
-            <a:r>
-              <a:rPr lang="en-US" sz="1800" dirty="0">
-                <a:latin typeface="Times New Roman" panose="02020603050405020304" pitchFamily="18" charset="0"/>
-                <a:cs typeface="Times New Roman" panose="02020603050405020304" pitchFamily="18" charset="0"/>
-              </a:rPr>
-              <a:t>Abstraction</a:t>
-            </a:r>
-          </a:p>
-          <a:p>
-            <a:pPr>
-              <a:buFont typeface="Wingdings" panose="05000000000000000000" pitchFamily="2" charset="2"/>
-              <a:buChar char="q"/>
-            </a:pPr>
-            <a:r>
-              <a:rPr lang="en-US" sz="1800" dirty="0">
-                <a:latin typeface="Times New Roman" panose="02020603050405020304" pitchFamily="18" charset="0"/>
-                <a:cs typeface="Times New Roman" panose="02020603050405020304" pitchFamily="18" charset="0"/>
-              </a:rPr>
-              <a:t>Encapsulation</a:t>
-            </a:r>
-          </a:p>
-          <a:p>
-            <a:pPr>
-              <a:buFont typeface="Wingdings" panose="05000000000000000000" pitchFamily="2" charset="2"/>
-              <a:buChar char="q"/>
-            </a:pPr>
-            <a:r>
-              <a:rPr lang="en-US" sz="1800" dirty="0">
-                <a:latin typeface="Times New Roman" panose="02020603050405020304" pitchFamily="18" charset="0"/>
-                <a:cs typeface="Times New Roman" panose="02020603050405020304" pitchFamily="18" charset="0"/>
-              </a:rPr>
-              <a:t>Inheritance</a:t>
-            </a:r>
-          </a:p>
-          <a:p>
-            <a:pPr>
-              <a:buFont typeface="Wingdings" panose="05000000000000000000" pitchFamily="2" charset="2"/>
-              <a:buChar char="q"/>
-            </a:pPr>
-            <a:r>
-              <a:rPr lang="en-US" sz="1800" dirty="0">
-                <a:latin typeface="Times New Roman" panose="02020603050405020304" pitchFamily="18" charset="0"/>
-                <a:cs typeface="Times New Roman" panose="02020603050405020304" pitchFamily="18" charset="0"/>
-              </a:rPr>
-              <a:t>Polymorphism</a:t>
-            </a:r>
-          </a:p>
-        </p:txBody>
-      </p:sp>
-    </p:spTree>
-    <p:extLst>
-      <p:ext uri="{BB962C8B-B14F-4D97-AF65-F5344CB8AC3E}">
-        <p14:creationId xmlns:p14="http://schemas.microsoft.com/office/powerpoint/2010/main" val="3984617762"/>
-      </p:ext>
-    </p:extLst>
-  </p:cSld>
-  <p:clrMapOvr>
-    <a:masterClrMapping/>
-  </p:clrMapOvr>
-  <mc:AlternateContent xmlns:mc="http://schemas.openxmlformats.org/markup-compatibility/2006" xmlns:p14="http://schemas.microsoft.com/office/powerpoint/2010/main">
-    <mc:Choice Requires="p14">
-      <p:transition spd="med" p14:dur="700">
-        <p:fade/>
-      </p:transition>
-    </mc:Choice>
-    <mc:Fallback xmlns="">
-      <p:transition spd="med">
-        <p:fade/>
-      </p:transition>
-    </mc:Fallback>
-  </mc:AlternateContent>
-</p:sld>
-</file>
-
-<file path=ppt/slides/slide20.xml><?xml version="1.0" encoding="utf-8"?>
+<file path=ppt/slides/slide36.xml><?xml version="1.0" encoding="utf-8"?>
 <p:sld xmlns:a="http://schemas.openxmlformats.org/drawingml/2006/main" xmlns:r="http://schemas.openxmlformats.org/officeDocument/2006/relationships" xmlns:p="http://schemas.openxmlformats.org/presentationml/2006/main">
   <p:cSld>
     <p:spTree>
@@ -41058,7 +44717,7 @@
 </p:sld>
 </file>
 
-<file path=ppt/slides/slide21.xml><?xml version="1.0" encoding="utf-8"?>
+<file path=ppt/slides/slide37.xml><?xml version="1.0" encoding="utf-8"?>
 <p:sld xmlns:a="http://schemas.openxmlformats.org/drawingml/2006/main" xmlns:r="http://schemas.openxmlformats.org/officeDocument/2006/relationships" xmlns:p="http://schemas.openxmlformats.org/presentationml/2006/main">
   <p:cSld>
     <p:spTree>
@@ -41148,163 +44807,6 @@
     <p:extLst>
       <p:ext uri="{BB962C8B-B14F-4D97-AF65-F5344CB8AC3E}">
         <p14:creationId xmlns:p14="http://schemas.microsoft.com/office/powerpoint/2010/main" val="2371426253"/>
-      </p:ext>
-    </p:extLst>
-  </p:cSld>
-  <p:clrMapOvr>
-    <a:masterClrMapping/>
-  </p:clrMapOvr>
-  <mc:AlternateContent xmlns:mc="http://schemas.openxmlformats.org/markup-compatibility/2006" xmlns:p14="http://schemas.microsoft.com/office/powerpoint/2010/main">
-    <mc:Choice Requires="p14">
-      <p:transition spd="med" p14:dur="700">
-        <p:fade/>
-      </p:transition>
-    </mc:Choice>
-    <mc:Fallback xmlns="">
-      <p:transition spd="med">
-        <p:fade/>
-      </p:transition>
-    </mc:Fallback>
-  </mc:AlternateContent>
-</p:sld>
-</file>
-
-<file path=ppt/slides/slide3.xml><?xml version="1.0" encoding="utf-8"?>
-<p:sld xmlns:a="http://schemas.openxmlformats.org/drawingml/2006/main" xmlns:r="http://schemas.openxmlformats.org/officeDocument/2006/relationships" xmlns:p="http://schemas.openxmlformats.org/presentationml/2006/main">
-  <p:cSld>
-    <p:spTree>
-      <p:nvGrpSpPr>
-        <p:cNvPr id="1" name=""/>
-        <p:cNvGrpSpPr/>
-        <p:nvPr/>
-      </p:nvGrpSpPr>
-      <p:grpSpPr>
-        <a:xfrm>
-          <a:off x="0" y="0"/>
-          <a:ext cx="0" cy="0"/>
-          <a:chOff x="0" y="0"/>
-          <a:chExt cx="0" cy="0"/>
-        </a:xfrm>
-      </p:grpSpPr>
-      <p:sp>
-        <p:nvSpPr>
-          <p:cNvPr id="2" name="Title 1"/>
-          <p:cNvSpPr>
-            <a:spLocks noGrp="1"/>
-          </p:cNvSpPr>
-          <p:nvPr>
-            <p:ph type="title"/>
-          </p:nvPr>
-        </p:nvSpPr>
-        <p:spPr>
-          <a:xfrm>
-            <a:off x="1295400" y="503854"/>
-            <a:ext cx="9601200" cy="562946"/>
-          </a:xfrm>
-        </p:spPr>
-        <p:txBody>
-          <a:bodyPr>
-            <a:normAutofit/>
-          </a:bodyPr>
-          <a:lstStyle/>
-          <a:p>
-            <a:r>
-              <a:rPr lang="en-US" sz="2800" dirty="0">
-                <a:latin typeface="Times New Roman" panose="02020603050405020304" pitchFamily="18" charset="0"/>
-                <a:cs typeface="Times New Roman" panose="02020603050405020304" pitchFamily="18" charset="0"/>
-              </a:rPr>
-              <a:t>Brief History of Java</a:t>
-            </a:r>
-          </a:p>
-        </p:txBody>
-      </p:sp>
-      <p:sp>
-        <p:nvSpPr>
-          <p:cNvPr id="4" name="Content Placeholder 3">
-            <a:extLst>
-              <a:ext uri="{FF2B5EF4-FFF2-40B4-BE49-F238E27FC236}">
-                <a16:creationId xmlns:a16="http://schemas.microsoft.com/office/drawing/2014/main" id="{8BA5D383-C9D7-F5C6-482D-3089C059414D}"/>
-              </a:ext>
-            </a:extLst>
-          </p:cNvPr>
-          <p:cNvSpPr>
-            <a:spLocks noGrp="1"/>
-          </p:cNvSpPr>
-          <p:nvPr>
-            <p:ph idx="1"/>
-          </p:nvPr>
-        </p:nvSpPr>
-        <p:spPr>
-          <a:xfrm>
-            <a:off x="1295400" y="1620981"/>
-            <a:ext cx="9601200" cy="4170219"/>
-          </a:xfrm>
-        </p:spPr>
-        <p:txBody>
-          <a:bodyPr>
-            <a:normAutofit/>
-          </a:bodyPr>
-          <a:lstStyle/>
-          <a:p>
-            <a:r>
-              <a:rPr lang="en-US" sz="1800" dirty="0">
-                <a:latin typeface="Times New Roman" panose="02020603050405020304" pitchFamily="18" charset="0"/>
-                <a:cs typeface="Times New Roman" panose="02020603050405020304" pitchFamily="18" charset="0"/>
-              </a:rPr>
-              <a:t>Developed by Sun Microsystems in the mid-1990s.</a:t>
-            </a:r>
-          </a:p>
-          <a:p>
-            <a:endParaRPr lang="en-US" sz="1800" dirty="0">
-              <a:latin typeface="Times New Roman" panose="02020603050405020304" pitchFamily="18" charset="0"/>
-              <a:cs typeface="Times New Roman" panose="02020603050405020304" pitchFamily="18" charset="0"/>
-            </a:endParaRPr>
-          </a:p>
-          <a:p>
-            <a:r>
-              <a:rPr lang="en-US" sz="1800" dirty="0">
-                <a:latin typeface="Times New Roman" panose="02020603050405020304" pitchFamily="18" charset="0"/>
-                <a:cs typeface="Times New Roman" panose="02020603050405020304" pitchFamily="18" charset="0"/>
-              </a:rPr>
-              <a:t>Originally called "Oak"; renamed Java in 1995.</a:t>
-            </a:r>
-          </a:p>
-          <a:p>
-            <a:endParaRPr lang="en-US" sz="1800" dirty="0">
-              <a:latin typeface="Times New Roman" panose="02020603050405020304" pitchFamily="18" charset="0"/>
-              <a:cs typeface="Times New Roman" panose="02020603050405020304" pitchFamily="18" charset="0"/>
-            </a:endParaRPr>
-          </a:p>
-          <a:p>
-            <a:r>
-              <a:rPr lang="en-US" sz="1800" dirty="0">
-                <a:latin typeface="Times New Roman" panose="02020603050405020304" pitchFamily="18" charset="0"/>
-                <a:cs typeface="Times New Roman" panose="02020603050405020304" pitchFamily="18" charset="0"/>
-              </a:rPr>
-              <a:t>Java 1.0 released in 1996.</a:t>
-            </a:r>
-          </a:p>
-          <a:p>
-            <a:endParaRPr lang="en-US" sz="1800" dirty="0">
-              <a:latin typeface="Times New Roman" panose="02020603050405020304" pitchFamily="18" charset="0"/>
-              <a:cs typeface="Times New Roman" panose="02020603050405020304" pitchFamily="18" charset="0"/>
-            </a:endParaRPr>
-          </a:p>
-          <a:p>
-            <a:r>
-              <a:rPr lang="en-US" sz="1800" dirty="0">
-                <a:latin typeface="Times New Roman" panose="02020603050405020304" pitchFamily="18" charset="0"/>
-                <a:cs typeface="Times New Roman" panose="02020603050405020304" pitchFamily="18" charset="0"/>
-              </a:rPr>
-              <a:t>It is now owned by oracle, and more than 3 billon devices run Java.</a:t>
-            </a:r>
-          </a:p>
-        </p:txBody>
-      </p:sp>
-    </p:spTree>
-    <p:extLst>
-      <p:ext uri="{BB962C8B-B14F-4D97-AF65-F5344CB8AC3E}">
-        <p14:creationId xmlns:p14="http://schemas.microsoft.com/office/powerpoint/2010/main" val="1476019738"/>
       </p:ext>
     </p:extLst>
   </p:cSld>
@@ -41555,25 +45057,52 @@
       </p:grpSpPr>
       <p:sp>
         <p:nvSpPr>
-          <p:cNvPr id="2" name="Title 1"/>
-          <p:cNvSpPr>
-            <a:spLocks noGrp="1"/>
+          <p:cNvPr id="2" name="Title 1">
+            <a:extLst>
+              <a:ext uri="{FF2B5EF4-FFF2-40B4-BE49-F238E27FC236}">
+                <a16:creationId xmlns:a16="http://schemas.microsoft.com/office/drawing/2014/main" id="{74AD5E61-B92E-4CD6-9F83-2A1CD247954B}"/>
+              </a:ext>
+            </a:extLst>
+          </p:cNvPr>
+          <p:cNvSpPr txBox="1">
+            <a:spLocks/>
           </p:cNvSpPr>
-          <p:nvPr>
-            <p:ph type="title"/>
-          </p:nvPr>
+          <p:nvPr/>
         </p:nvSpPr>
         <p:spPr>
           <a:xfrm>
             <a:off x="1295400" y="503853"/>
             <a:ext cx="9601200" cy="562947"/>
           </a:xfrm>
+          <a:prstGeom prst="rect">
+            <a:avLst/>
+          </a:prstGeom>
         </p:spPr>
         <p:txBody>
           <a:bodyPr>
             <a:normAutofit/>
           </a:bodyPr>
-          <a:lstStyle/>
+          <a:lstStyle>
+            <a:lvl1pPr algn="l" defTabSz="914400" rtl="0" eaLnBrk="1" latinLnBrk="0" hangingPunct="1">
+              <a:lnSpc>
+                <a:spcPct val="90000"/>
+              </a:lnSpc>
+              <a:spcBef>
+                <a:spcPct val="0"/>
+              </a:spcBef>
+              <a:buNone/>
+              <a:defRPr sz="3200" b="1" kern="1200">
+                <a:solidFill>
+                  <a:schemeClr val="accent1">
+                    <a:lumMod val="75000"/>
+                  </a:schemeClr>
+                </a:solidFill>
+                <a:latin typeface="+mj-lt"/>
+                <a:ea typeface="+mj-ea"/>
+                <a:cs typeface="+mj-cs"/>
+              </a:defRPr>
+            </a:lvl1pPr>
+          </a:lstStyle>
           <a:p>
             <a:r>
               <a:rPr lang="en-US" sz="2800" dirty="0">
@@ -41587,21 +45116,20 @@
       </p:sp>
       <p:graphicFrame>
         <p:nvGraphicFramePr>
-          <p:cNvPr id="12" name="Content Placeholder 11">
+          <p:cNvPr id="3" name="Content Placeholder 11">
             <a:extLst>
               <a:ext uri="{FF2B5EF4-FFF2-40B4-BE49-F238E27FC236}">
-                <a16:creationId xmlns:a16="http://schemas.microsoft.com/office/drawing/2014/main" id="{38FC8EA7-E2F2-1F7F-27FC-0A116F080E50}"/>
+                <a16:creationId xmlns:a16="http://schemas.microsoft.com/office/drawing/2014/main" id="{239D12B3-A8A9-58FB-0EB8-000B6AFA88DC}"/>
               </a:ext>
             </a:extLst>
           </p:cNvPr>
           <p:cNvGraphicFramePr>
-            <a:graphicFrameLocks noGrp="1"/>
+            <a:graphicFrameLocks/>
           </p:cNvGraphicFramePr>
           <p:nvPr>
-            <p:ph sz="half" idx="1"/>
             <p:extLst>
               <p:ext uri="{D42A27DB-BD31-4B8C-83A1-F6EECF244321}">
-                <p14:modId xmlns:p14="http://schemas.microsoft.com/office/powerpoint/2010/main" val="2630763499"/>
+                <p14:modId xmlns:p14="http://schemas.microsoft.com/office/powerpoint/2010/main" val="1608603167"/>
               </p:ext>
             </p:extLst>
           </p:nvPr>
@@ -41616,10 +45144,528 @@
           </a:graphicData>
         </a:graphic>
       </p:graphicFrame>
+      <p:graphicFrame>
+        <p:nvGraphicFramePr>
+          <p:cNvPr id="4" name="Table 3">
+            <a:extLst>
+              <a:ext uri="{FF2B5EF4-FFF2-40B4-BE49-F238E27FC236}">
+                <a16:creationId xmlns:a16="http://schemas.microsoft.com/office/drawing/2014/main" id="{89D13D92-01BD-56B7-D95C-614B8C2DA5E2}"/>
+              </a:ext>
+            </a:extLst>
+          </p:cNvPr>
+          <p:cNvGraphicFramePr>
+            <a:graphicFrameLocks noGrp="1"/>
+          </p:cNvGraphicFramePr>
+          <p:nvPr>
+            <p:extLst>
+              <p:ext uri="{D42A27DB-BD31-4B8C-83A1-F6EECF244321}">
+                <p14:modId xmlns:p14="http://schemas.microsoft.com/office/powerpoint/2010/main" val="3870871142"/>
+              </p:ext>
+            </p:extLst>
+          </p:nvPr>
+        </p:nvGraphicFramePr>
+        <p:xfrm>
+          <a:off x="1197430" y="1338943"/>
+          <a:ext cx="8962569" cy="5079274"/>
+        </p:xfrm>
+        <a:graphic>
+          <a:graphicData uri="http://schemas.openxmlformats.org/drawingml/2006/table">
+            <a:tbl>
+              <a:tblPr firstRow="1" bandRow="1">
+                <a:tableStyleId>{BC89EF96-8CEA-46FF-86C4-4CE0E7609802}</a:tableStyleId>
+              </a:tblPr>
+              <a:tblGrid>
+                <a:gridCol w="2987523">
+                  <a:extLst>
+                    <a:ext uri="{9D8B030D-6E8A-4147-A177-3AD203B41FA5}">
+                      <a16:colId xmlns:a16="http://schemas.microsoft.com/office/drawing/2014/main" val="3149218477"/>
+                    </a:ext>
+                  </a:extLst>
+                </a:gridCol>
+                <a:gridCol w="2987523">
+                  <a:extLst>
+                    <a:ext uri="{9D8B030D-6E8A-4147-A177-3AD203B41FA5}">
+                      <a16:colId xmlns:a16="http://schemas.microsoft.com/office/drawing/2014/main" val="1466378246"/>
+                    </a:ext>
+                  </a:extLst>
+                </a:gridCol>
+                <a:gridCol w="2987523">
+                  <a:extLst>
+                    <a:ext uri="{9D8B030D-6E8A-4147-A177-3AD203B41FA5}">
+                      <a16:colId xmlns:a16="http://schemas.microsoft.com/office/drawing/2014/main" val="3844999881"/>
+                    </a:ext>
+                  </a:extLst>
+                </a:gridCol>
+              </a:tblGrid>
+              <a:tr h="598714">
+                <a:tc>
+                  <a:txBody>
+                    <a:bodyPr/>
+                    <a:lstStyle/>
+                    <a:p>
+                      <a:pPr algn="l"/>
+                      <a:r>
+                        <a:rPr lang="en-US" sz="1800" dirty="0">
+                          <a:latin typeface="Times New Roman" panose="02020603050405020304" pitchFamily="18" charset="0"/>
+                          <a:cs typeface="Times New Roman" panose="02020603050405020304" pitchFamily="18" charset="0"/>
+                        </a:rPr>
+                        <a:t>Feature</a:t>
+                      </a:r>
+                    </a:p>
+                  </a:txBody>
+                  <a:tcPr anchor="ctr"/>
+                </a:tc>
+                <a:tc>
+                  <a:txBody>
+                    <a:bodyPr/>
+                    <a:lstStyle/>
+                    <a:p>
+                      <a:pPr algn="l"/>
+                      <a:r>
+                        <a:rPr lang="en-US" sz="1800" dirty="0">
+                          <a:latin typeface="Times New Roman" panose="02020603050405020304" pitchFamily="18" charset="0"/>
+                          <a:cs typeface="Times New Roman" panose="02020603050405020304" pitchFamily="18" charset="0"/>
+                        </a:rPr>
+                        <a:t>Java</a:t>
+                      </a:r>
+                    </a:p>
+                  </a:txBody>
+                  <a:tcPr anchor="ctr"/>
+                </a:tc>
+                <a:tc>
+                  <a:txBody>
+                    <a:bodyPr/>
+                    <a:lstStyle/>
+                    <a:p>
+                      <a:pPr algn="l"/>
+                      <a:r>
+                        <a:rPr lang="en-US" sz="1800" dirty="0">
+                          <a:latin typeface="Times New Roman" panose="02020603050405020304" pitchFamily="18" charset="0"/>
+                          <a:cs typeface="Times New Roman" panose="02020603050405020304" pitchFamily="18" charset="0"/>
+                        </a:rPr>
+                        <a:t>C++</a:t>
+                      </a:r>
+                    </a:p>
+                  </a:txBody>
+                  <a:tcPr anchor="ctr"/>
+                </a:tc>
+                <a:extLst>
+                  <a:ext uri="{0D108BD9-81ED-4DB2-BD59-A6C34878D82A}">
+                    <a16:rowId xmlns:a16="http://schemas.microsoft.com/office/drawing/2014/main" val="1628854322"/>
+                  </a:ext>
+                </a:extLst>
+              </a:tr>
+              <a:tr h="598714">
+                <a:tc>
+                  <a:txBody>
+                    <a:bodyPr/>
+                    <a:lstStyle/>
+                    <a:p>
+                      <a:pPr algn="l"/>
+                      <a:r>
+                        <a:rPr lang="en-US" sz="1800" b="0" dirty="0">
+                          <a:latin typeface="Times New Roman" panose="02020603050405020304" pitchFamily="18" charset="0"/>
+                          <a:cs typeface="Times New Roman" panose="02020603050405020304" pitchFamily="18" charset="0"/>
+                        </a:rPr>
+                        <a:t>Paradigm</a:t>
+                      </a:r>
+                    </a:p>
+                  </a:txBody>
+                  <a:tcPr anchor="ctr"/>
+                </a:tc>
+                <a:tc>
+                  <a:txBody>
+                    <a:bodyPr/>
+                    <a:lstStyle/>
+                    <a:p>
+                      <a:pPr algn="l"/>
+                      <a:r>
+                        <a:rPr lang="en-US" sz="1800" dirty="0">
+                          <a:latin typeface="Times New Roman" panose="02020603050405020304" pitchFamily="18" charset="0"/>
+                          <a:cs typeface="Times New Roman" panose="02020603050405020304" pitchFamily="18" charset="0"/>
+                        </a:rPr>
+                        <a:t>Purely Object-Oriented (except for primitive types)</a:t>
+                      </a:r>
+                    </a:p>
+                  </a:txBody>
+                  <a:tcPr/>
+                </a:tc>
+                <a:tc>
+                  <a:txBody>
+                    <a:bodyPr/>
+                    <a:lstStyle/>
+                    <a:p>
+                      <a:pPr algn="l"/>
+                      <a:r>
+                        <a:rPr lang="en-US" sz="1800" dirty="0">
+                          <a:latin typeface="Times New Roman" panose="02020603050405020304" pitchFamily="18" charset="0"/>
+                          <a:cs typeface="Times New Roman" panose="02020603050405020304" pitchFamily="18" charset="0"/>
+                        </a:rPr>
+                        <a:t>Supports both Procedural and Object-Oriented Programming</a:t>
+                      </a:r>
+                    </a:p>
+                  </a:txBody>
+                  <a:tcPr/>
+                </a:tc>
+                <a:extLst>
+                  <a:ext uri="{0D108BD9-81ED-4DB2-BD59-A6C34878D82A}">
+                    <a16:rowId xmlns:a16="http://schemas.microsoft.com/office/drawing/2014/main" val="579798142"/>
+                  </a:ext>
+                </a:extLst>
+              </a:tr>
+              <a:tr h="424543">
+                <a:tc>
+                  <a:txBody>
+                    <a:bodyPr/>
+                    <a:lstStyle/>
+                    <a:p>
+                      <a:pPr algn="l"/>
+                      <a:r>
+                        <a:rPr lang="en-US" sz="1800" dirty="0">
+                          <a:latin typeface="Times New Roman" panose="02020603050405020304" pitchFamily="18" charset="0"/>
+                          <a:cs typeface="Times New Roman" panose="02020603050405020304" pitchFamily="18" charset="0"/>
+                        </a:rPr>
+                        <a:t>Platform Dependency</a:t>
+                      </a:r>
+                    </a:p>
+                  </a:txBody>
+                  <a:tcPr/>
+                </a:tc>
+                <a:tc>
+                  <a:txBody>
+                    <a:bodyPr/>
+                    <a:lstStyle/>
+                    <a:p>
+                      <a:pPr algn="l"/>
+                      <a:r>
+                        <a:rPr lang="en-US" sz="1800" dirty="0">
+                          <a:latin typeface="Times New Roman" panose="02020603050405020304" pitchFamily="18" charset="0"/>
+                          <a:cs typeface="Times New Roman" panose="02020603050405020304" pitchFamily="18" charset="0"/>
+                        </a:rPr>
+                        <a:t>Platform-Independent (Runs on JVM)</a:t>
+                      </a:r>
+                    </a:p>
+                  </a:txBody>
+                  <a:tcPr anchor="ctr"/>
+                </a:tc>
+                <a:tc>
+                  <a:txBody>
+                    <a:bodyPr/>
+                    <a:lstStyle/>
+                    <a:p>
+                      <a:pPr algn="l"/>
+                      <a:r>
+                        <a:rPr lang="en-US" sz="1800" dirty="0">
+                          <a:latin typeface="Times New Roman" panose="02020603050405020304" pitchFamily="18" charset="0"/>
+                          <a:cs typeface="Times New Roman" panose="02020603050405020304" pitchFamily="18" charset="0"/>
+                        </a:rPr>
+                        <a:t>Platform-Dependent (Compiled to Machine Code)</a:t>
+                      </a:r>
+                    </a:p>
+                  </a:txBody>
+                  <a:tcPr anchor="ctr"/>
+                </a:tc>
+                <a:extLst>
+                  <a:ext uri="{0D108BD9-81ED-4DB2-BD59-A6C34878D82A}">
+                    <a16:rowId xmlns:a16="http://schemas.microsoft.com/office/drawing/2014/main" val="2163244350"/>
+                  </a:ext>
+                </a:extLst>
+              </a:tr>
+              <a:tr h="598714">
+                <a:tc>
+                  <a:txBody>
+                    <a:bodyPr/>
+                    <a:lstStyle/>
+                    <a:p>
+                      <a:pPr algn="l"/>
+                      <a:r>
+                        <a:rPr lang="en-US" sz="1800" dirty="0">
+                          <a:latin typeface="Times New Roman" panose="02020603050405020304" pitchFamily="18" charset="0"/>
+                          <a:cs typeface="Times New Roman" panose="02020603050405020304" pitchFamily="18" charset="0"/>
+                        </a:rPr>
+                        <a:t>Memory Management</a:t>
+                      </a:r>
+                    </a:p>
+                  </a:txBody>
+                  <a:tcPr/>
+                </a:tc>
+                <a:tc>
+                  <a:txBody>
+                    <a:bodyPr/>
+                    <a:lstStyle/>
+                    <a:p>
+                      <a:pPr algn="l"/>
+                      <a:r>
+                        <a:rPr lang="en-US" sz="1800" dirty="0">
+                          <a:latin typeface="Times New Roman" panose="02020603050405020304" pitchFamily="18" charset="0"/>
+                          <a:cs typeface="Times New Roman" panose="02020603050405020304" pitchFamily="18" charset="0"/>
+                        </a:rPr>
+                        <a:t>Automatic Garbage Collection</a:t>
+                      </a:r>
+                    </a:p>
+                  </a:txBody>
+                  <a:tcPr anchor="ctr"/>
+                </a:tc>
+                <a:tc>
+                  <a:txBody>
+                    <a:bodyPr/>
+                    <a:lstStyle/>
+                    <a:p>
+                      <a:pPr algn="l"/>
+                      <a:r>
+                        <a:rPr lang="en-US" sz="1800" dirty="0">
+                          <a:latin typeface="Times New Roman" panose="02020603050405020304" pitchFamily="18" charset="0"/>
+                          <a:cs typeface="Times New Roman" panose="02020603050405020304" pitchFamily="18" charset="0"/>
+                        </a:rPr>
+                        <a:t>Manual Memory Management (new/delete)</a:t>
+                      </a:r>
+                    </a:p>
+                  </a:txBody>
+                  <a:tcPr anchor="ctr"/>
+                </a:tc>
+                <a:extLst>
+                  <a:ext uri="{0D108BD9-81ED-4DB2-BD59-A6C34878D82A}">
+                    <a16:rowId xmlns:a16="http://schemas.microsoft.com/office/drawing/2014/main" val="19412152"/>
+                  </a:ext>
+                </a:extLst>
+              </a:tr>
+              <a:tr h="598714">
+                <a:tc>
+                  <a:txBody>
+                    <a:bodyPr/>
+                    <a:lstStyle/>
+                    <a:p>
+                      <a:pPr algn="l"/>
+                      <a:r>
+                        <a:rPr lang="en-US" sz="1800" b="0" dirty="0">
+                          <a:latin typeface="Times New Roman" panose="02020603050405020304" pitchFamily="18" charset="0"/>
+                          <a:cs typeface="Times New Roman" panose="02020603050405020304" pitchFamily="18" charset="0"/>
+                        </a:rPr>
+                        <a:t>Multiple Inheritance</a:t>
+                      </a:r>
+                    </a:p>
+                  </a:txBody>
+                  <a:tcPr anchor="ctr"/>
+                </a:tc>
+                <a:tc>
+                  <a:txBody>
+                    <a:bodyPr/>
+                    <a:lstStyle/>
+                    <a:p>
+                      <a:pPr algn="l"/>
+                      <a:r>
+                        <a:rPr lang="en-US" sz="1800" dirty="0">
+                          <a:latin typeface="Times New Roman" panose="02020603050405020304" pitchFamily="18" charset="0"/>
+                          <a:cs typeface="Times New Roman" panose="02020603050405020304" pitchFamily="18" charset="0"/>
+                        </a:rPr>
+                        <a:t>Not supported (Uses Interfaces)</a:t>
+                      </a:r>
+                    </a:p>
+                  </a:txBody>
+                  <a:tcPr anchor="ctr"/>
+                </a:tc>
+                <a:tc>
+                  <a:txBody>
+                    <a:bodyPr/>
+                    <a:lstStyle/>
+                    <a:p>
+                      <a:pPr algn="l"/>
+                      <a:r>
+                        <a:rPr lang="en-US" sz="1800" dirty="0">
+                          <a:latin typeface="Times New Roman" panose="02020603050405020304" pitchFamily="18" charset="0"/>
+                          <a:cs typeface="Times New Roman" panose="02020603050405020304" pitchFamily="18" charset="0"/>
+                        </a:rPr>
+                        <a:t>Supported</a:t>
+                      </a:r>
+                    </a:p>
+                  </a:txBody>
+                  <a:tcPr anchor="ctr"/>
+                </a:tc>
+                <a:extLst>
+                  <a:ext uri="{0D108BD9-81ED-4DB2-BD59-A6C34878D82A}">
+                    <a16:rowId xmlns:a16="http://schemas.microsoft.com/office/drawing/2014/main" val="1299697809"/>
+                  </a:ext>
+                </a:extLst>
+              </a:tr>
+              <a:tr h="598714">
+                <a:tc>
+                  <a:txBody>
+                    <a:bodyPr/>
+                    <a:lstStyle/>
+                    <a:p>
+                      <a:pPr algn="l"/>
+                      <a:r>
+                        <a:rPr lang="en-US" sz="1800" dirty="0">
+                          <a:latin typeface="Times New Roman" panose="02020603050405020304" pitchFamily="18" charset="0"/>
+                          <a:cs typeface="Times New Roman" panose="02020603050405020304" pitchFamily="18" charset="0"/>
+                        </a:rPr>
+                        <a:t>Pointers</a:t>
+                      </a:r>
+                    </a:p>
+                  </a:txBody>
+                  <a:tcPr/>
+                </a:tc>
+                <a:tc>
+                  <a:txBody>
+                    <a:bodyPr/>
+                    <a:lstStyle/>
+                    <a:p>
+                      <a:pPr algn="l"/>
+                      <a:r>
+                        <a:rPr lang="en-US" sz="1800" dirty="0">
+                          <a:latin typeface="Times New Roman" panose="02020603050405020304" pitchFamily="18" charset="0"/>
+                          <a:cs typeface="Times New Roman" panose="02020603050405020304" pitchFamily="18" charset="0"/>
+                        </a:rPr>
+                        <a:t>Does not support explicit pointers (for security)</a:t>
+                      </a:r>
+                    </a:p>
+                  </a:txBody>
+                  <a:tcPr anchor="ctr"/>
+                </a:tc>
+                <a:tc>
+                  <a:txBody>
+                    <a:bodyPr/>
+                    <a:lstStyle/>
+                    <a:p>
+                      <a:pPr algn="l"/>
+                      <a:r>
+                        <a:rPr lang="en-US" sz="1800" dirty="0">
+                          <a:latin typeface="Times New Roman" panose="02020603050405020304" pitchFamily="18" charset="0"/>
+                          <a:cs typeface="Times New Roman" panose="02020603050405020304" pitchFamily="18" charset="0"/>
+                        </a:rPr>
+                        <a:t>Fully supports pointers</a:t>
+                      </a:r>
+                    </a:p>
+                  </a:txBody>
+                  <a:tcPr anchor="ctr"/>
+                </a:tc>
+                <a:extLst>
+                  <a:ext uri="{0D108BD9-81ED-4DB2-BD59-A6C34878D82A}">
+                    <a16:rowId xmlns:a16="http://schemas.microsoft.com/office/drawing/2014/main" val="2846033522"/>
+                  </a:ext>
+                </a:extLst>
+              </a:tr>
+              <a:tr h="598714">
+                <a:tc>
+                  <a:txBody>
+                    <a:bodyPr/>
+                    <a:lstStyle/>
+                    <a:p>
+                      <a:pPr algn="l"/>
+                      <a:r>
+                        <a:rPr lang="en-US" sz="1800" dirty="0">
+                          <a:latin typeface="Times New Roman" panose="02020603050405020304" pitchFamily="18" charset="0"/>
+                          <a:cs typeface="Times New Roman" panose="02020603050405020304" pitchFamily="18" charset="0"/>
+                        </a:rPr>
+                        <a:t>Compilation &amp; Execution</a:t>
+                      </a:r>
+                    </a:p>
+                  </a:txBody>
+                  <a:tcPr/>
+                </a:tc>
+                <a:tc>
+                  <a:txBody>
+                    <a:bodyPr/>
+                    <a:lstStyle/>
+                    <a:p>
+                      <a:pPr algn="l"/>
+                      <a:r>
+                        <a:rPr lang="en-US" sz="1800" dirty="0">
+                          <a:latin typeface="Times New Roman" panose="02020603050405020304" pitchFamily="18" charset="0"/>
+                          <a:cs typeface="Times New Roman" panose="02020603050405020304" pitchFamily="18" charset="0"/>
+                        </a:rPr>
+                        <a:t>Compiled to Bytecode and runs on JVM</a:t>
+                      </a:r>
+                    </a:p>
+                  </a:txBody>
+                  <a:tcPr/>
+                </a:tc>
+                <a:tc>
+                  <a:txBody>
+                    <a:bodyPr/>
+                    <a:lstStyle/>
+                    <a:p>
+                      <a:pPr algn="l"/>
+                      <a:r>
+                        <a:rPr lang="en-US" sz="1800" dirty="0">
+                          <a:latin typeface="Times New Roman" panose="02020603050405020304" pitchFamily="18" charset="0"/>
+                          <a:cs typeface="Times New Roman" panose="02020603050405020304" pitchFamily="18" charset="0"/>
+                        </a:rPr>
+                        <a:t>Compiled directly to machine code</a:t>
+                      </a:r>
+                    </a:p>
+                  </a:txBody>
+                  <a:tcPr anchor="ctr"/>
+                </a:tc>
+                <a:extLst>
+                  <a:ext uri="{0D108BD9-81ED-4DB2-BD59-A6C34878D82A}">
+                    <a16:rowId xmlns:a16="http://schemas.microsoft.com/office/drawing/2014/main" val="1690643673"/>
+                  </a:ext>
+                </a:extLst>
+              </a:tr>
+              <a:tr h="598714">
+                <a:tc>
+                  <a:txBody>
+                    <a:bodyPr/>
+                    <a:lstStyle/>
+                    <a:p>
+                      <a:r>
+                        <a:rPr lang="en-US" sz="1800" dirty="0">
+                          <a:latin typeface="Times New Roman" panose="02020603050405020304" pitchFamily="18" charset="0"/>
+                          <a:cs typeface="Times New Roman" panose="02020603050405020304" pitchFamily="18" charset="0"/>
+                        </a:rPr>
+                        <a:t>Speed &amp; Performance</a:t>
+                      </a:r>
+                    </a:p>
+                  </a:txBody>
+                  <a:tcPr/>
+                </a:tc>
+                <a:tc>
+                  <a:txBody>
+                    <a:bodyPr/>
+                    <a:lstStyle/>
+                    <a:p>
+                      <a:r>
+                        <a:rPr lang="en-US" sz="1800" dirty="0">
+                          <a:latin typeface="Times New Roman" panose="02020603050405020304" pitchFamily="18" charset="0"/>
+                          <a:cs typeface="Times New Roman" panose="02020603050405020304" pitchFamily="18" charset="0"/>
+                        </a:rPr>
+                        <a:t>Slightly slower due to JVM overhead</a:t>
+                      </a:r>
+                    </a:p>
+                  </a:txBody>
+                  <a:tcPr/>
+                </a:tc>
+                <a:tc>
+                  <a:txBody>
+                    <a:bodyPr/>
+                    <a:lstStyle/>
+                    <a:p>
+                      <a:r>
+                        <a:rPr lang="en-US" sz="1800" dirty="0">
+                          <a:latin typeface="Times New Roman" panose="02020603050405020304" pitchFamily="18" charset="0"/>
+                          <a:cs typeface="Times New Roman" panose="02020603050405020304" pitchFamily="18" charset="0"/>
+                        </a:rPr>
+                        <a:t>Faster as it compiles to native code</a:t>
+                      </a:r>
+                    </a:p>
+                  </a:txBody>
+                  <a:tcPr anchor="ctr"/>
+                </a:tc>
+                <a:extLst>
+                  <a:ext uri="{0D108BD9-81ED-4DB2-BD59-A6C34878D82A}">
+                    <a16:rowId xmlns:a16="http://schemas.microsoft.com/office/drawing/2014/main" val="1150936825"/>
+                  </a:ext>
+                </a:extLst>
+              </a:tr>
+            </a:tbl>
+          </a:graphicData>
+        </a:graphic>
+      </p:graphicFrame>
     </p:spTree>
     <p:extLst>
       <p:ext uri="{BB962C8B-B14F-4D97-AF65-F5344CB8AC3E}">
-        <p14:creationId xmlns:p14="http://schemas.microsoft.com/office/powerpoint/2010/main" val="2475092730"/>
+        <p14:creationId xmlns:p14="http://schemas.microsoft.com/office/powerpoint/2010/main" val="1329711747"/>
       </p:ext>
     </p:extLst>
   </p:cSld>
@@ -42744,10 +46790,16 @@
           <a:lstStyle/>
           <a:p>
             <a:r>
-              <a:rPr lang="en-US" dirty="0" err="1"/>
+              <a:rPr lang="en-US" dirty="0" err="1">
+                <a:latin typeface="Times New Roman" panose="02020603050405020304" pitchFamily="18" charset="0"/>
+                <a:cs typeface="Times New Roman" panose="02020603050405020304" pitchFamily="18" charset="0"/>
+              </a:rPr>
               <a:t>boolean</a:t>
             </a:r>
-            <a:endParaRPr lang="en-US" dirty="0"/>
+            <a:endParaRPr lang="en-US" dirty="0">
+              <a:latin typeface="Times New Roman" panose="02020603050405020304" pitchFamily="18" charset="0"/>
+              <a:cs typeface="Times New Roman" panose="02020603050405020304" pitchFamily="18" charset="0"/>
+            </a:endParaRPr>
           </a:p>
         </p:txBody>
       </p:sp>
@@ -42780,7 +46832,10 @@
           <a:lstStyle/>
           <a:p>
             <a:r>
-              <a:rPr lang="en-US" dirty="0"/>
+              <a:rPr lang="en-US" dirty="0">
+                <a:latin typeface="Times New Roman" panose="02020603050405020304" pitchFamily="18" charset="0"/>
+                <a:cs typeface="Times New Roman" panose="02020603050405020304" pitchFamily="18" charset="0"/>
+              </a:rPr>
               <a:t>char</a:t>
             </a:r>
           </a:p>
@@ -42815,7 +46870,10 @@
           <a:lstStyle/>
           <a:p>
             <a:r>
-              <a:rPr lang="en-US" dirty="0"/>
+              <a:rPr lang="en-US" dirty="0">
+                <a:latin typeface="Times New Roman" panose="02020603050405020304" pitchFamily="18" charset="0"/>
+                <a:cs typeface="Times New Roman" panose="02020603050405020304" pitchFamily="18" charset="0"/>
+              </a:rPr>
               <a:t>long</a:t>
             </a:r>
           </a:p>
@@ -42850,7 +46908,10 @@
           <a:lstStyle/>
           <a:p>
             <a:r>
-              <a:rPr lang="en-US" dirty="0"/>
+              <a:rPr lang="en-US" dirty="0">
+                <a:latin typeface="Times New Roman" panose="02020603050405020304" pitchFamily="18" charset="0"/>
+                <a:cs typeface="Times New Roman" panose="02020603050405020304" pitchFamily="18" charset="0"/>
+              </a:rPr>
               <a:t>int</a:t>
             </a:r>
           </a:p>
@@ -42885,7 +46946,10 @@
           <a:lstStyle/>
           <a:p>
             <a:r>
-              <a:rPr lang="en-US" dirty="0"/>
+              <a:rPr lang="en-US" dirty="0">
+                <a:latin typeface="Times New Roman" panose="02020603050405020304" pitchFamily="18" charset="0"/>
+                <a:cs typeface="Times New Roman" panose="02020603050405020304" pitchFamily="18" charset="0"/>
+              </a:rPr>
               <a:t>short</a:t>
             </a:r>
           </a:p>
@@ -42920,7 +46984,10 @@
           <a:lstStyle/>
           <a:p>
             <a:r>
-              <a:rPr lang="en-US" dirty="0"/>
+              <a:rPr lang="en-US" dirty="0">
+                <a:latin typeface="Times New Roman" panose="02020603050405020304" pitchFamily="18" charset="0"/>
+                <a:cs typeface="Times New Roman" panose="02020603050405020304" pitchFamily="18" charset="0"/>
+              </a:rPr>
               <a:t>byte</a:t>
             </a:r>
           </a:p>
@@ -42955,7 +47022,10 @@
           <a:lstStyle/>
           <a:p>
             <a:r>
-              <a:rPr lang="en-US" dirty="0"/>
+              <a:rPr lang="en-US" dirty="0">
+                <a:latin typeface="Times New Roman" panose="02020603050405020304" pitchFamily="18" charset="0"/>
+                <a:cs typeface="Times New Roman" panose="02020603050405020304" pitchFamily="18" charset="0"/>
+              </a:rPr>
               <a:t>double</a:t>
             </a:r>
           </a:p>
@@ -42990,7 +47060,10 @@
           <a:lstStyle/>
           <a:p>
             <a:r>
-              <a:rPr lang="en-US" dirty="0"/>
+              <a:rPr lang="en-US" dirty="0">
+                <a:latin typeface="Times New Roman" panose="02020603050405020304" pitchFamily="18" charset="0"/>
+                <a:cs typeface="Times New Roman" panose="02020603050405020304" pitchFamily="18" charset="0"/>
+              </a:rPr>
               <a:t>float</a:t>
             </a:r>
           </a:p>
@@ -43025,7 +47098,10 @@
           <a:lstStyle/>
           <a:p>
             <a:r>
-              <a:rPr lang="en-US" dirty="0"/>
+              <a:rPr lang="en-US" dirty="0">
+                <a:latin typeface="Times New Roman" panose="02020603050405020304" pitchFamily="18" charset="0"/>
+                <a:cs typeface="Times New Roman" panose="02020603050405020304" pitchFamily="18" charset="0"/>
+              </a:rPr>
               <a:t>etc.</a:t>
             </a:r>
           </a:p>
@@ -43060,7 +47136,10 @@
           <a:lstStyle/>
           <a:p>
             <a:r>
-              <a:rPr lang="en-US" dirty="0"/>
+              <a:rPr lang="en-US" dirty="0">
+                <a:latin typeface="Times New Roman" panose="02020603050405020304" pitchFamily="18" charset="0"/>
+                <a:cs typeface="Times New Roman" panose="02020603050405020304" pitchFamily="18" charset="0"/>
+              </a:rPr>
               <a:t>array</a:t>
             </a:r>
           </a:p>
@@ -43095,7 +47174,10 @@
           <a:lstStyle/>
           <a:p>
             <a:r>
-              <a:rPr lang="en-US" dirty="0"/>
+              <a:rPr lang="en-US" dirty="0">
+                <a:latin typeface="Times New Roman" panose="02020603050405020304" pitchFamily="18" charset="0"/>
+                <a:cs typeface="Times New Roman" panose="02020603050405020304" pitchFamily="18" charset="0"/>
+              </a:rPr>
               <a:t>string</a:t>
             </a:r>
           </a:p>
@@ -44042,7 +48124,7 @@
           <p:cNvPr id="2" name="Title 1">
             <a:extLst>
               <a:ext uri="{FF2B5EF4-FFF2-40B4-BE49-F238E27FC236}">
-                <a16:creationId xmlns:a16="http://schemas.microsoft.com/office/drawing/2014/main" id="{5F3FBF6A-346E-6470-3AFB-B2DBFCD7DF50}"/>
+                <a16:creationId xmlns:a16="http://schemas.microsoft.com/office/drawing/2014/main" id="{E5F4E276-1EF6-3496-BF93-1F4C46A2F3EA}"/>
               </a:ext>
             </a:extLst>
           </p:cNvPr>
@@ -44056,7 +48138,7 @@
         <p:spPr>
           <a:xfrm>
             <a:off x="1295400" y="503853"/>
-            <a:ext cx="9601200" cy="507529"/>
+            <a:ext cx="9601200" cy="521383"/>
           </a:xfrm>
         </p:spPr>
         <p:txBody>
@@ -44070,43 +48152,47 @@
                 <a:latin typeface="Times New Roman" panose="02020603050405020304" pitchFamily="18" charset="0"/>
                 <a:cs typeface="Times New Roman" panose="02020603050405020304" pitchFamily="18" charset="0"/>
               </a:rPr>
-              <a:t>Basic Concepts of OOP</a:t>
+              <a:t>Primitive data types</a:t>
             </a:r>
           </a:p>
         </p:txBody>
       </p:sp>
-      <p:graphicFrame>
-        <p:nvGraphicFramePr>
-          <p:cNvPr id="4" name="Diagram 3">
+      <p:pic>
+        <p:nvPicPr>
+          <p:cNvPr id="4" name="Content Placeholder 3">
             <a:extLst>
               <a:ext uri="{FF2B5EF4-FFF2-40B4-BE49-F238E27FC236}">
-                <a16:creationId xmlns:a16="http://schemas.microsoft.com/office/drawing/2014/main" id="{97CA4BDF-474B-2B89-F6D5-1DCE6CF3F23A}"/>
+                <a16:creationId xmlns:a16="http://schemas.microsoft.com/office/drawing/2014/main" id="{A4E11124-3274-DE89-800A-B78696ED988B}"/>
               </a:ext>
             </a:extLst>
           </p:cNvPr>
-          <p:cNvGraphicFramePr/>
+          <p:cNvPicPr>
+            <a:picLocks noGrp="1" noChangeAspect="1"/>
+          </p:cNvPicPr>
           <p:nvPr>
-            <p:extLst>
-              <p:ext uri="{D42A27DB-BD31-4B8C-83A1-F6EECF244321}">
-                <p14:modId xmlns:p14="http://schemas.microsoft.com/office/powerpoint/2010/main" val="4129239020"/>
-              </p:ext>
-            </p:extLst>
+            <p:ph idx="1"/>
           </p:nvPr>
-        </p:nvGraphicFramePr>
-        <p:xfrm>
-          <a:off x="2032000" y="1343891"/>
-          <a:ext cx="8128000" cy="4794442"/>
-        </p:xfrm>
-        <a:graphic>
-          <a:graphicData uri="http://schemas.openxmlformats.org/drawingml/2006/diagram">
-            <dgm:relIds xmlns:dgm="http://schemas.openxmlformats.org/drawingml/2006/diagram" xmlns:r="http://schemas.openxmlformats.org/officeDocument/2006/relationships" r:dm="rId2" r:lo="rId3" r:qs="rId4" r:cs="rId5"/>
-          </a:graphicData>
-        </a:graphic>
-      </p:graphicFrame>
+        </p:nvPicPr>
+        <p:blipFill>
+          <a:blip r:embed="rId2"/>
+          <a:stretch>
+            <a:fillRect/>
+          </a:stretch>
+        </p:blipFill>
+        <p:spPr>
+          <a:xfrm>
+            <a:off x="1440873" y="1357744"/>
+            <a:ext cx="9767454" cy="4225637"/>
+          </a:xfrm>
+          <a:prstGeom prst="rect">
+            <a:avLst/>
+          </a:prstGeom>
+        </p:spPr>
+      </p:pic>
     </p:spTree>
     <p:extLst>
       <p:ext uri="{BB962C8B-B14F-4D97-AF65-F5344CB8AC3E}">
-        <p14:creationId xmlns:p14="http://schemas.microsoft.com/office/powerpoint/2010/main" val="1964837268"/>
+        <p14:creationId xmlns:p14="http://schemas.microsoft.com/office/powerpoint/2010/main" val="956356044"/>
       </p:ext>
     </p:extLst>
   </p:cSld>
